--- a/textbox guide.pptx
+++ b/textbox guide.pptx
@@ -6,15 +6,21 @@
   </p:sldMasterIdLst>
   <p:sldIdLst>
     <p:sldId id="256" r:id="rId2"/>
-    <p:sldId id="260" r:id="rId3"/>
-    <p:sldId id="261" r:id="rId4"/>
-    <p:sldId id="258" r:id="rId5"/>
-    <p:sldId id="259" r:id="rId6"/>
-    <p:sldId id="257" r:id="rId7"/>
-    <p:sldId id="262" r:id="rId8"/>
-    <p:sldId id="263" r:id="rId9"/>
-    <p:sldId id="264" r:id="rId10"/>
-    <p:sldId id="265" r:id="rId11"/>
+    <p:sldId id="266" r:id="rId3"/>
+    <p:sldId id="260" r:id="rId4"/>
+    <p:sldId id="267" r:id="rId5"/>
+    <p:sldId id="268" r:id="rId6"/>
+    <p:sldId id="269" r:id="rId7"/>
+    <p:sldId id="261" r:id="rId8"/>
+    <p:sldId id="258" r:id="rId9"/>
+    <p:sldId id="259" r:id="rId10"/>
+    <p:sldId id="257" r:id="rId11"/>
+    <p:sldId id="262" r:id="rId12"/>
+    <p:sldId id="263" r:id="rId13"/>
+    <p:sldId id="264" r:id="rId14"/>
+    <p:sldId id="265" r:id="rId15"/>
+    <p:sldId id="270" r:id="rId16"/>
+    <p:sldId id="271" r:id="rId17"/>
   </p:sldIdLst>
   <p:sldSz cx="12192000" cy="6858000"/>
   <p:notesSz cx="6858000" cy="9144000"/>
@@ -270,7 +276,7 @@
           <a:p>
             <a:fld id="{F34C7B2E-2098-114E-B51F-70D91FD20D5A}" type="datetimeFigureOut">
               <a:rPr lang="en-US" smtClean="0"/>
-              <a:t>9/6/20</a:t>
+              <a:t>9/7/20</a:t>
             </a:fld>
             <a:endParaRPr lang="en-US"/>
           </a:p>
@@ -470,7 +476,7 @@
           <a:p>
             <a:fld id="{F34C7B2E-2098-114E-B51F-70D91FD20D5A}" type="datetimeFigureOut">
               <a:rPr lang="en-US" smtClean="0"/>
-              <a:t>9/6/20</a:t>
+              <a:t>9/7/20</a:t>
             </a:fld>
             <a:endParaRPr lang="en-US"/>
           </a:p>
@@ -680,7 +686,7 @@
           <a:p>
             <a:fld id="{F34C7B2E-2098-114E-B51F-70D91FD20D5A}" type="datetimeFigureOut">
               <a:rPr lang="en-US" smtClean="0"/>
-              <a:t>9/6/20</a:t>
+              <a:t>9/7/20</a:t>
             </a:fld>
             <a:endParaRPr lang="en-US"/>
           </a:p>
@@ -880,7 +886,7 @@
           <a:p>
             <a:fld id="{F34C7B2E-2098-114E-B51F-70D91FD20D5A}" type="datetimeFigureOut">
               <a:rPr lang="en-US" smtClean="0"/>
-              <a:t>9/6/20</a:t>
+              <a:t>9/7/20</a:t>
             </a:fld>
             <a:endParaRPr lang="en-US"/>
           </a:p>
@@ -1156,7 +1162,7 @@
           <a:p>
             <a:fld id="{F34C7B2E-2098-114E-B51F-70D91FD20D5A}" type="datetimeFigureOut">
               <a:rPr lang="en-US" smtClean="0"/>
-              <a:t>9/6/20</a:t>
+              <a:t>9/7/20</a:t>
             </a:fld>
             <a:endParaRPr lang="en-US"/>
           </a:p>
@@ -1424,7 +1430,7 @@
           <a:p>
             <a:fld id="{F34C7B2E-2098-114E-B51F-70D91FD20D5A}" type="datetimeFigureOut">
               <a:rPr lang="en-US" smtClean="0"/>
-              <a:t>9/6/20</a:t>
+              <a:t>9/7/20</a:t>
             </a:fld>
             <a:endParaRPr lang="en-US"/>
           </a:p>
@@ -1839,7 +1845,7 @@
           <a:p>
             <a:fld id="{F34C7B2E-2098-114E-B51F-70D91FD20D5A}" type="datetimeFigureOut">
               <a:rPr lang="en-US" smtClean="0"/>
-              <a:t>9/6/20</a:t>
+              <a:t>9/7/20</a:t>
             </a:fld>
             <a:endParaRPr lang="en-US"/>
           </a:p>
@@ -1981,7 +1987,7 @@
           <a:p>
             <a:fld id="{F34C7B2E-2098-114E-B51F-70D91FD20D5A}" type="datetimeFigureOut">
               <a:rPr lang="en-US" smtClean="0"/>
-              <a:t>9/6/20</a:t>
+              <a:t>9/7/20</a:t>
             </a:fld>
             <a:endParaRPr lang="en-US"/>
           </a:p>
@@ -2094,7 +2100,7 @@
           <a:p>
             <a:fld id="{F34C7B2E-2098-114E-B51F-70D91FD20D5A}" type="datetimeFigureOut">
               <a:rPr lang="en-US" smtClean="0"/>
-              <a:t>9/6/20</a:t>
+              <a:t>9/7/20</a:t>
             </a:fld>
             <a:endParaRPr lang="en-US"/>
           </a:p>
@@ -2407,7 +2413,7 @@
           <a:p>
             <a:fld id="{F34C7B2E-2098-114E-B51F-70D91FD20D5A}" type="datetimeFigureOut">
               <a:rPr lang="en-US" smtClean="0"/>
-              <a:t>9/6/20</a:t>
+              <a:t>9/7/20</a:t>
             </a:fld>
             <a:endParaRPr lang="en-US"/>
           </a:p>
@@ -2696,7 +2702,7 @@
           <a:p>
             <a:fld id="{F34C7B2E-2098-114E-B51F-70D91FD20D5A}" type="datetimeFigureOut">
               <a:rPr lang="en-US" smtClean="0"/>
-              <a:t>9/6/20</a:t>
+              <a:t>9/7/20</a:t>
             </a:fld>
             <a:endParaRPr lang="en-US"/>
           </a:p>
@@ -2939,7 +2945,7 @@
           <a:p>
             <a:fld id="{F34C7B2E-2098-114E-B51F-70D91FD20D5A}" type="datetimeFigureOut">
               <a:rPr lang="en-US" smtClean="0"/>
-              <a:t>9/6/20</a:t>
+              <a:t>9/7/20</a:t>
             </a:fld>
             <a:endParaRPr lang="en-US"/>
           </a:p>
@@ -3358,10 +3364,10 @@
       </p:grpSpPr>
       <p:sp>
         <p:nvSpPr>
-          <p:cNvPr id="5" name="TextBox 4">
-            <a:extLst>
-              <a:ext uri="{FF2B5EF4-FFF2-40B4-BE49-F238E27FC236}">
-                <a16:creationId xmlns:a16="http://schemas.microsoft.com/office/drawing/2014/main" id="{6D65E3C7-4B57-E547-82C7-E708057C22B2}"/>
+          <p:cNvPr id="2" name="TextBox 1">
+            <a:extLst>
+              <a:ext uri="{FF2B5EF4-FFF2-40B4-BE49-F238E27FC236}">
+                <a16:creationId xmlns:a16="http://schemas.microsoft.com/office/drawing/2014/main" id="{191A97E1-2971-764F-9C7E-DBFC1628CD9B}"/>
               </a:ext>
             </a:extLst>
           </p:cNvPr>
@@ -3370,8 +3376,8 @@
         </p:nvSpPr>
         <p:spPr>
           <a:xfrm>
-            <a:off x="296883" y="391885"/>
-            <a:ext cx="1487523" cy="369332"/>
+            <a:off x="185636" y="397566"/>
+            <a:ext cx="12006364" cy="1015663"/>
           </a:xfrm>
           <a:prstGeom prst="rect">
             <a:avLst/>
@@ -3385,18 +3391,18 @@
           <a:lstStyle/>
           <a:p>
             <a:r>
-              <a:rPr lang="en-US" b="1" u="sng" dirty="0"/>
-              <a:t>Example text:</a:t>
-            </a:r>
-          </a:p>
-        </p:txBody>
-      </p:sp>
-      <p:sp>
-        <p:nvSpPr>
-          <p:cNvPr id="6" name="TextBox 5">
-            <a:extLst>
-              <a:ext uri="{FF2B5EF4-FFF2-40B4-BE49-F238E27FC236}">
-                <a16:creationId xmlns:a16="http://schemas.microsoft.com/office/drawing/2014/main" id="{19FA506F-C858-6A49-99DE-400FC8DD748C}"/>
+              <a:rPr lang="en-US" sz="6000" dirty="0"/>
+              <a:t>Clicking a new cursor position process</a:t>
+            </a:r>
+          </a:p>
+        </p:txBody>
+      </p:sp>
+      <p:sp>
+        <p:nvSpPr>
+          <p:cNvPr id="3" name="TextBox 2">
+            <a:extLst>
+              <a:ext uri="{FF2B5EF4-FFF2-40B4-BE49-F238E27FC236}">
+                <a16:creationId xmlns:a16="http://schemas.microsoft.com/office/drawing/2014/main" id="{A3B5F6C9-992D-6348-9BE2-A4E31CA7C156}"/>
               </a:ext>
             </a:extLst>
           </p:cNvPr>
@@ -3405,8 +3411,8 @@
         </p:nvSpPr>
         <p:spPr>
           <a:xfrm>
-            <a:off x="5835445" y="761217"/>
-            <a:ext cx="6059672" cy="738664"/>
+            <a:off x="735495" y="5387009"/>
+            <a:ext cx="2482924" cy="369332"/>
           </a:xfrm>
           <a:prstGeom prst="rect">
             <a:avLst/>
@@ -3425,42 +3431,19 @@
           <a:lstStyle/>
           <a:p>
             <a:r>
-              <a:rPr lang="en-US" sz="1400" dirty="0" err="1"/>
-              <a:t>leftText</a:t>
-            </a:r>
-            <a:r>
-              <a:rPr lang="en-US" sz="1400" dirty="0"/>
-              <a:t>:</a:t>
-            </a:r>
-          </a:p>
-          <a:p>
-            <a:pPr marL="285750" indent="-285750">
-              <a:buFont typeface="Arial" panose="020B0604020202020204" pitchFamily="34" charset="0"/>
-              <a:buChar char="•"/>
-            </a:pPr>
-            <a:r>
-              <a:rPr lang="en-US" sz="1400" dirty="0"/>
-              <a:t>This is left line number 1. This is left line number 1.</a:t>
-            </a:r>
-          </a:p>
-          <a:p>
-            <a:pPr marL="285750" indent="-285750">
-              <a:buFont typeface="Arial" panose="020B0604020202020204" pitchFamily="34" charset="0"/>
-              <a:buChar char="•"/>
-            </a:pPr>
-            <a:r>
-              <a:rPr lang="en-US" sz="1400" dirty="0"/>
-              <a:t>This is left line number 2. This is left line number 2. This is left line number 2.</a:t>
-            </a:r>
-          </a:p>
-        </p:txBody>
-      </p:sp>
-      <p:sp>
-        <p:nvSpPr>
-          <p:cNvPr id="7" name="TextBox 6">
-            <a:extLst>
-              <a:ext uri="{FF2B5EF4-FFF2-40B4-BE49-F238E27FC236}">
-                <a16:creationId xmlns:a16="http://schemas.microsoft.com/office/drawing/2014/main" id="{847C1377-D806-1E4F-A59D-67AE639AC613}"/>
+              <a:rPr lang="en-US" dirty="0" err="1"/>
+              <a:t>adjustCursorInformation</a:t>
+            </a:r>
+            <a:endParaRPr lang="en-US" dirty="0"/>
+          </a:p>
+        </p:txBody>
+      </p:sp>
+      <p:sp>
+        <p:nvSpPr>
+          <p:cNvPr id="4" name="TextBox 3">
+            <a:extLst>
+              <a:ext uri="{FF2B5EF4-FFF2-40B4-BE49-F238E27FC236}">
+                <a16:creationId xmlns:a16="http://schemas.microsoft.com/office/drawing/2014/main" id="{23703E43-C8B7-C94E-9CDC-AA875079BDF1}"/>
               </a:ext>
             </a:extLst>
           </p:cNvPr>
@@ -3469,8 +3452,8 @@
         </p:nvSpPr>
         <p:spPr>
           <a:xfrm>
-            <a:off x="5835445" y="2557519"/>
-            <a:ext cx="4419671" cy="738664"/>
+            <a:off x="735495" y="4313583"/>
+            <a:ext cx="2448106" cy="369332"/>
           </a:xfrm>
           <a:prstGeom prst="rect">
             <a:avLst/>
@@ -3489,42 +3472,19 @@
           <a:lstStyle/>
           <a:p>
             <a:r>
-              <a:rPr lang="en-US" sz="1400" dirty="0" err="1"/>
-              <a:t>rightText</a:t>
-            </a:r>
-            <a:r>
-              <a:rPr lang="en-US" sz="1400" dirty="0"/>
-              <a:t>:</a:t>
-            </a:r>
-          </a:p>
-          <a:p>
-            <a:pPr marL="285750" indent="-285750">
-              <a:buFont typeface="Arial" panose="020B0604020202020204" pitchFamily="34" charset="0"/>
-              <a:buChar char="•"/>
-            </a:pPr>
-            <a:r>
-              <a:rPr lang="en-US" sz="1400" dirty="0"/>
-              <a:t>This is right line number 1. This is right line number 1. </a:t>
-            </a:r>
-          </a:p>
-          <a:p>
-            <a:pPr marL="285750" indent="-285750">
-              <a:buFont typeface="Arial" panose="020B0604020202020204" pitchFamily="34" charset="0"/>
-              <a:buChar char="•"/>
-            </a:pPr>
-            <a:r>
-              <a:rPr lang="en-US" sz="1400" dirty="0"/>
-              <a:t>This is right line number 2.</a:t>
-            </a:r>
-          </a:p>
-        </p:txBody>
-      </p:sp>
-      <p:sp>
-        <p:nvSpPr>
-          <p:cNvPr id="8" name="TextBox 7">
-            <a:extLst>
-              <a:ext uri="{FF2B5EF4-FFF2-40B4-BE49-F238E27FC236}">
-                <a16:creationId xmlns:a16="http://schemas.microsoft.com/office/drawing/2014/main" id="{80E6294F-FCFF-EB49-9D14-38BE0415CACD}"/>
+              <a:rPr lang="en-US" dirty="0" err="1"/>
+              <a:t>updateLeftAndRightText</a:t>
+            </a:r>
+            <a:endParaRPr lang="en-US" dirty="0"/>
+          </a:p>
+        </p:txBody>
+      </p:sp>
+      <p:sp>
+        <p:nvSpPr>
+          <p:cNvPr id="13" name="TextBox 12">
+            <a:extLst>
+              <a:ext uri="{FF2B5EF4-FFF2-40B4-BE49-F238E27FC236}">
+                <a16:creationId xmlns:a16="http://schemas.microsoft.com/office/drawing/2014/main" id="{3FC9FE5E-0591-A941-89A9-834D341F303A}"/>
               </a:ext>
             </a:extLst>
           </p:cNvPr>
@@ -3533,8 +3493,8 @@
         </p:nvSpPr>
         <p:spPr>
           <a:xfrm>
-            <a:off x="5835445" y="1659368"/>
-            <a:ext cx="1585883" cy="738664"/>
+            <a:off x="3935895" y="4313583"/>
+            <a:ext cx="2394630" cy="369332"/>
           </a:xfrm>
           <a:prstGeom prst="rect">
             <a:avLst/>
@@ -3553,249 +3513,32 @@
           <a:lstStyle/>
           <a:p>
             <a:r>
-              <a:rPr lang="en-US" sz="1400" dirty="0" err="1"/>
-              <a:t>leftTextFormatInfo</a:t>
-            </a:r>
-            <a:r>
-              <a:rPr lang="en-US" sz="1400" dirty="0"/>
-              <a:t>:</a:t>
-            </a:r>
-          </a:p>
-          <a:p>
-            <a:pPr marL="285750" indent="-285750">
-              <a:buFont typeface="Arial" panose="020B0604020202020204" pitchFamily="34" charset="0"/>
-              <a:buChar char="•"/>
-            </a:pPr>
-            <a:r>
-              <a:rPr lang="en-US" sz="1400" dirty="0"/>
-              <a:t>[41]</a:t>
-            </a:r>
-          </a:p>
-          <a:p>
-            <a:pPr marL="285750" indent="-285750">
-              <a:buFont typeface="Arial" panose="020B0604020202020204" pitchFamily="34" charset="0"/>
-              <a:buChar char="•"/>
-            </a:pPr>
-            <a:r>
-              <a:rPr lang="en-US" sz="1400" dirty="0"/>
-              <a:t>[41, 74]</a:t>
-            </a:r>
-          </a:p>
-        </p:txBody>
-      </p:sp>
-      <p:sp>
-        <p:nvSpPr>
-          <p:cNvPr id="9" name="TextBox 8">
-            <a:extLst>
-              <a:ext uri="{FF2B5EF4-FFF2-40B4-BE49-F238E27FC236}">
-                <a16:creationId xmlns:a16="http://schemas.microsoft.com/office/drawing/2014/main" id="{2D18F9D8-61C8-B845-ACFE-50AF76C3C7EA}"/>
-              </a:ext>
-            </a:extLst>
-          </p:cNvPr>
-          <p:cNvSpPr txBox="1"/>
-          <p:nvPr/>
-        </p:nvSpPr>
-        <p:spPr>
-          <a:xfrm>
-            <a:off x="5835445" y="3496405"/>
-            <a:ext cx="1683602" cy="738664"/>
-          </a:xfrm>
-          <a:prstGeom prst="rect">
-            <a:avLst/>
-          </a:prstGeom>
-          <a:noFill/>
-          <a:ln>
-            <a:solidFill>
-              <a:schemeClr val="tx1"/>
-            </a:solidFill>
-          </a:ln>
-        </p:spPr>
-        <p:txBody>
-          <a:bodyPr wrap="none" rtlCol="0">
-            <a:spAutoFit/>
-          </a:bodyPr>
-          <a:lstStyle/>
-          <a:p>
-            <a:r>
-              <a:rPr lang="en-US" sz="1400" dirty="0" err="1"/>
-              <a:t>rightTextFormatInfo</a:t>
-            </a:r>
-            <a:r>
-              <a:rPr lang="en-US" sz="1400" dirty="0"/>
-              <a:t>:</a:t>
-            </a:r>
-          </a:p>
-          <a:p>
-            <a:pPr marL="285750" indent="-285750">
-              <a:buFont typeface="Arial" panose="020B0604020202020204" pitchFamily="34" charset="0"/>
-              <a:buChar char="•"/>
-            </a:pPr>
-            <a:r>
-              <a:rPr lang="en-US" sz="1400" dirty="0"/>
-              <a:t>[19, 55]</a:t>
-            </a:r>
-          </a:p>
-          <a:p>
-            <a:pPr marL="285750" indent="-285750">
-              <a:buFont typeface="Arial" panose="020B0604020202020204" pitchFamily="34" charset="0"/>
-              <a:buChar char="•"/>
-            </a:pPr>
-            <a:r>
-              <a:rPr lang="en-US" sz="1400" dirty="0"/>
-              <a:t>[-1]</a:t>
-            </a:r>
-          </a:p>
-        </p:txBody>
-      </p:sp>
-      <p:sp>
-        <p:nvSpPr>
-          <p:cNvPr id="10" name="TextBox 9">
-            <a:extLst>
-              <a:ext uri="{FF2B5EF4-FFF2-40B4-BE49-F238E27FC236}">
-                <a16:creationId xmlns:a16="http://schemas.microsoft.com/office/drawing/2014/main" id="{0F352877-605C-014C-A31F-1A0E50DE6AFA}"/>
-              </a:ext>
-            </a:extLst>
-          </p:cNvPr>
-          <p:cNvSpPr txBox="1"/>
-          <p:nvPr/>
-        </p:nvSpPr>
-        <p:spPr>
-          <a:xfrm>
-            <a:off x="475013" y="1117707"/>
-            <a:ext cx="3550722" cy="2308324"/>
-          </a:xfrm>
-          <a:prstGeom prst="rect">
-            <a:avLst/>
-          </a:prstGeom>
-          <a:noFill/>
-          <a:ln>
-            <a:solidFill>
-              <a:schemeClr val="tx1"/>
-            </a:solidFill>
-          </a:ln>
-        </p:spPr>
-        <p:txBody>
-          <a:bodyPr wrap="square" rtlCol="0">
-            <a:spAutoFit/>
-          </a:bodyPr>
-          <a:lstStyle/>
-          <a:p>
-            <a:r>
-              <a:rPr lang="en-US" dirty="0">
-                <a:solidFill>
-                  <a:srgbClr val="002060"/>
-                </a:solidFill>
-              </a:rPr>
-              <a:t>This is left line number 1. This is left line number 1.</a:t>
-            </a:r>
-          </a:p>
-          <a:p>
-            <a:r>
-              <a:rPr lang="en-US" dirty="0">
-                <a:solidFill>
-                  <a:srgbClr val="002060"/>
-                </a:solidFill>
-              </a:rPr>
-              <a:t>This is left </a:t>
-            </a:r>
-            <a:r>
-              <a:rPr lang="en-US" dirty="0">
-                <a:highlight>
-                  <a:srgbClr val="FFFF00"/>
-                </a:highlight>
-              </a:rPr>
-              <a:t>|</a:t>
-            </a:r>
-            <a:r>
-              <a:rPr lang="en-US" dirty="0">
-                <a:solidFill>
-                  <a:srgbClr val="002060"/>
-                </a:solidFill>
-              </a:rPr>
-              <a:t>line number 2. This is left line number 2. This is left line number 2. </a:t>
-            </a:r>
-            <a:r>
-              <a:rPr lang="en-US" b="1" dirty="0"/>
-              <a:t>|</a:t>
-            </a:r>
-            <a:r>
-              <a:rPr lang="en-US" dirty="0"/>
-              <a:t> </a:t>
-            </a:r>
-            <a:r>
-              <a:rPr lang="en-US" dirty="0">
-                <a:solidFill>
-                  <a:srgbClr val="C00000"/>
-                </a:solidFill>
-              </a:rPr>
-              <a:t>This is right line number 1. This is right line number 1. </a:t>
-            </a:r>
-          </a:p>
-          <a:p>
-            <a:r>
-              <a:rPr lang="en-US" dirty="0">
-                <a:solidFill>
-                  <a:srgbClr val="C00000"/>
-                </a:solidFill>
-              </a:rPr>
-              <a:t>This is right line number 2.</a:t>
-            </a:r>
-          </a:p>
-        </p:txBody>
-      </p:sp>
-      <p:sp>
-        <p:nvSpPr>
-          <p:cNvPr id="11" name="TextBox 10">
-            <a:extLst>
-              <a:ext uri="{FF2B5EF4-FFF2-40B4-BE49-F238E27FC236}">
-                <a16:creationId xmlns:a16="http://schemas.microsoft.com/office/drawing/2014/main" id="{9FC3547D-8367-514C-B053-38D02934FD1C}"/>
-              </a:ext>
-            </a:extLst>
-          </p:cNvPr>
-          <p:cNvSpPr txBox="1"/>
-          <p:nvPr/>
-        </p:nvSpPr>
-        <p:spPr>
-          <a:xfrm>
-            <a:off x="4061360" y="981508"/>
-            <a:ext cx="1576778" cy="276999"/>
-          </a:xfrm>
-          <a:prstGeom prst="rect">
-            <a:avLst/>
-          </a:prstGeom>
-          <a:noFill/>
-        </p:spPr>
-        <p:txBody>
-          <a:bodyPr wrap="none" rtlCol="0">
-            <a:spAutoFit/>
-          </a:bodyPr>
-          <a:lstStyle/>
-          <a:p>
-            <a:r>
-              <a:rPr lang="en-US" sz="1200" dirty="0"/>
-              <a:t>Newly clicked position</a:t>
-            </a:r>
+              <a:rPr lang="en-US" dirty="0" err="1"/>
+              <a:t>getRowAfterFormatting</a:t>
+            </a:r>
+            <a:endParaRPr lang="en-US" dirty="0"/>
           </a:p>
         </p:txBody>
       </p:sp>
       <p:cxnSp>
         <p:nvCxnSpPr>
-          <p:cNvPr id="12" name="Straight Arrow Connector 11">
-            <a:extLst>
-              <a:ext uri="{FF2B5EF4-FFF2-40B4-BE49-F238E27FC236}">
-                <a16:creationId xmlns:a16="http://schemas.microsoft.com/office/drawing/2014/main" id="{9AEF81CB-A907-2A49-ADC9-859C27588926}"/>
+          <p:cNvPr id="15" name="Straight Arrow Connector 14">
+            <a:extLst>
+              <a:ext uri="{FF2B5EF4-FFF2-40B4-BE49-F238E27FC236}">
+                <a16:creationId xmlns:a16="http://schemas.microsoft.com/office/drawing/2014/main" id="{BDFB89C4-5DEC-EA41-A6BF-637B16EECE8C}"/>
               </a:ext>
             </a:extLst>
           </p:cNvPr>
           <p:cNvCxnSpPr>
-            <a:cxnSpLocks/>
+            <a:stCxn id="4" idx="2"/>
+            <a:endCxn id="3" idx="0"/>
           </p:cNvCxnSpPr>
           <p:nvPr/>
         </p:nvCxnSpPr>
         <p:spPr>
-          <a:xfrm flipH="1">
-            <a:off x="1650671" y="1222882"/>
-            <a:ext cx="2607996" cy="546541"/>
+          <a:xfrm>
+            <a:off x="1959548" y="4682915"/>
+            <a:ext cx="17409" cy="704094"/>
           </a:xfrm>
           <a:prstGeom prst="straightConnector1">
             <a:avLst/>
@@ -3819,6 +3562,388 @@
           </a:fontRef>
         </p:style>
       </p:cxnSp>
+      <p:cxnSp>
+        <p:nvCxnSpPr>
+          <p:cNvPr id="16" name="Straight Arrow Connector 15">
+            <a:extLst>
+              <a:ext uri="{FF2B5EF4-FFF2-40B4-BE49-F238E27FC236}">
+                <a16:creationId xmlns:a16="http://schemas.microsoft.com/office/drawing/2014/main" id="{AC2324FA-9278-7848-B849-DA45C8DB9CC2}"/>
+              </a:ext>
+            </a:extLst>
+          </p:cNvPr>
+          <p:cNvCxnSpPr>
+            <a:cxnSpLocks/>
+            <a:stCxn id="13" idx="1"/>
+            <a:endCxn id="4" idx="3"/>
+          </p:cNvCxnSpPr>
+          <p:nvPr/>
+        </p:nvCxnSpPr>
+        <p:spPr>
+          <a:xfrm flipH="1">
+            <a:off x="3183601" y="4498249"/>
+            <a:ext cx="752294" cy="0"/>
+          </a:xfrm>
+          <a:prstGeom prst="straightConnector1">
+            <a:avLst/>
+          </a:prstGeom>
+          <a:ln>
+            <a:tailEnd type="triangle"/>
+          </a:ln>
+        </p:spPr>
+        <p:style>
+          <a:lnRef idx="1">
+            <a:schemeClr val="dk1"/>
+          </a:lnRef>
+          <a:fillRef idx="0">
+            <a:schemeClr val="dk1"/>
+          </a:fillRef>
+          <a:effectRef idx="0">
+            <a:schemeClr val="dk1"/>
+          </a:effectRef>
+          <a:fontRef idx="minor">
+            <a:schemeClr val="tx1"/>
+          </a:fontRef>
+        </p:style>
+      </p:cxnSp>
+      <p:sp>
+        <p:nvSpPr>
+          <p:cNvPr id="19" name="TextBox 18">
+            <a:extLst>
+              <a:ext uri="{FF2B5EF4-FFF2-40B4-BE49-F238E27FC236}">
+                <a16:creationId xmlns:a16="http://schemas.microsoft.com/office/drawing/2014/main" id="{8FD02B2E-9067-4E41-932A-E6920657BD2F}"/>
+              </a:ext>
+            </a:extLst>
+          </p:cNvPr>
+          <p:cNvSpPr txBox="1"/>
+          <p:nvPr/>
+        </p:nvSpPr>
+        <p:spPr>
+          <a:xfrm>
+            <a:off x="468678" y="2039829"/>
+            <a:ext cx="2981739" cy="2031325"/>
+          </a:xfrm>
+          <a:prstGeom prst="rect">
+            <a:avLst/>
+          </a:prstGeom>
+          <a:noFill/>
+          <a:ln>
+            <a:solidFill>
+              <a:schemeClr val="accent1"/>
+            </a:solidFill>
+          </a:ln>
+        </p:spPr>
+        <p:txBody>
+          <a:bodyPr wrap="square" rtlCol="0">
+            <a:spAutoFit/>
+          </a:bodyPr>
+          <a:lstStyle/>
+          <a:p>
+            <a:pPr marL="285750" indent="-285750">
+              <a:buFont typeface="Arial" panose="020B0604020202020204" pitchFamily="34" charset="0"/>
+              <a:buChar char="•"/>
+            </a:pPr>
+            <a:r>
+              <a:rPr lang="en-US" dirty="0"/>
+              <a:t>{get the x and y coordinates of the newly clicked position within the textbox (done externally) }</a:t>
+            </a:r>
+          </a:p>
+          <a:p>
+            <a:pPr marL="285750" indent="-285750">
+              <a:buFont typeface="Arial" panose="020B0604020202020204" pitchFamily="34" charset="0"/>
+              <a:buChar char="•"/>
+            </a:pPr>
+            <a:r>
+              <a:rPr lang="en-US" dirty="0"/>
+              <a:t>call the </a:t>
+            </a:r>
+            <a:r>
+              <a:rPr lang="en-US" dirty="0" err="1"/>
+              <a:t>updateLeftAndRightText</a:t>
+            </a:r>
+            <a:r>
+              <a:rPr lang="en-US" dirty="0"/>
+              <a:t> method</a:t>
+            </a:r>
+          </a:p>
+        </p:txBody>
+      </p:sp>
+      <p:cxnSp>
+        <p:nvCxnSpPr>
+          <p:cNvPr id="20" name="Straight Arrow Connector 19">
+            <a:extLst>
+              <a:ext uri="{FF2B5EF4-FFF2-40B4-BE49-F238E27FC236}">
+                <a16:creationId xmlns:a16="http://schemas.microsoft.com/office/drawing/2014/main" id="{7C6BAEAC-DBE1-1C46-B1D3-03384C87BE66}"/>
+              </a:ext>
+            </a:extLst>
+          </p:cNvPr>
+          <p:cNvCxnSpPr>
+            <a:cxnSpLocks/>
+            <a:endCxn id="4" idx="0"/>
+          </p:cNvCxnSpPr>
+          <p:nvPr/>
+        </p:nvCxnSpPr>
+        <p:spPr>
+          <a:xfrm flipH="1">
+            <a:off x="1959548" y="4071154"/>
+            <a:ext cx="6540" cy="242429"/>
+          </a:xfrm>
+          <a:prstGeom prst="straightConnector1">
+            <a:avLst/>
+          </a:prstGeom>
+          <a:ln>
+            <a:tailEnd type="triangle"/>
+          </a:ln>
+        </p:spPr>
+        <p:style>
+          <a:lnRef idx="1">
+            <a:schemeClr val="dk1"/>
+          </a:lnRef>
+          <a:fillRef idx="0">
+            <a:schemeClr val="dk1"/>
+          </a:fillRef>
+          <a:effectRef idx="0">
+            <a:schemeClr val="dk1"/>
+          </a:effectRef>
+          <a:fontRef idx="minor">
+            <a:schemeClr val="tx1"/>
+          </a:fontRef>
+        </p:style>
+      </p:cxnSp>
+      <p:sp>
+        <p:nvSpPr>
+          <p:cNvPr id="23" name="TextBox 22">
+            <a:extLst>
+              <a:ext uri="{FF2B5EF4-FFF2-40B4-BE49-F238E27FC236}">
+                <a16:creationId xmlns:a16="http://schemas.microsoft.com/office/drawing/2014/main" id="{FBCBC49B-3E5D-2842-97BF-32372FECD667}"/>
+              </a:ext>
+            </a:extLst>
+          </p:cNvPr>
+          <p:cNvSpPr txBox="1"/>
+          <p:nvPr/>
+        </p:nvSpPr>
+        <p:spPr>
+          <a:xfrm>
+            <a:off x="3970713" y="5385277"/>
+            <a:ext cx="3096682" cy="369332"/>
+          </a:xfrm>
+          <a:prstGeom prst="rect">
+            <a:avLst/>
+          </a:prstGeom>
+          <a:noFill/>
+          <a:ln>
+            <a:solidFill>
+              <a:schemeClr val="tx1"/>
+            </a:solidFill>
+          </a:ln>
+        </p:spPr>
+        <p:txBody>
+          <a:bodyPr wrap="none" rtlCol="0">
+            <a:spAutoFit/>
+          </a:bodyPr>
+          <a:lstStyle/>
+          <a:p>
+            <a:r>
+              <a:rPr lang="en-US" dirty="0" err="1"/>
+              <a:t>updateFormattingOnEntireLine</a:t>
+            </a:r>
+            <a:endParaRPr lang="en-US" dirty="0"/>
+          </a:p>
+        </p:txBody>
+      </p:sp>
+      <p:cxnSp>
+        <p:nvCxnSpPr>
+          <p:cNvPr id="24" name="Straight Arrow Connector 23">
+            <a:extLst>
+              <a:ext uri="{FF2B5EF4-FFF2-40B4-BE49-F238E27FC236}">
+                <a16:creationId xmlns:a16="http://schemas.microsoft.com/office/drawing/2014/main" id="{9EC4A894-4AAC-754A-B236-E548825E73EE}"/>
+              </a:ext>
+            </a:extLst>
+          </p:cNvPr>
+          <p:cNvCxnSpPr>
+            <a:cxnSpLocks/>
+          </p:cNvCxnSpPr>
+          <p:nvPr/>
+        </p:nvCxnSpPr>
+        <p:spPr>
+          <a:xfrm flipH="1">
+            <a:off x="3218419" y="5571675"/>
+            <a:ext cx="752294" cy="0"/>
+          </a:xfrm>
+          <a:prstGeom prst="straightConnector1">
+            <a:avLst/>
+          </a:prstGeom>
+          <a:ln>
+            <a:tailEnd type="triangle"/>
+          </a:ln>
+        </p:spPr>
+        <p:style>
+          <a:lnRef idx="1">
+            <a:schemeClr val="dk1"/>
+          </a:lnRef>
+          <a:fillRef idx="0">
+            <a:schemeClr val="dk1"/>
+          </a:fillRef>
+          <a:effectRef idx="0">
+            <a:schemeClr val="dk1"/>
+          </a:effectRef>
+          <a:fontRef idx="minor">
+            <a:schemeClr val="tx1"/>
+          </a:fontRef>
+        </p:style>
+      </p:cxnSp>
+      <p:sp>
+        <p:nvSpPr>
+          <p:cNvPr id="25" name="TextBox 24">
+            <a:extLst>
+              <a:ext uri="{FF2B5EF4-FFF2-40B4-BE49-F238E27FC236}">
+                <a16:creationId xmlns:a16="http://schemas.microsoft.com/office/drawing/2014/main" id="{06F8561D-8C7F-014C-879C-FDE8BE093789}"/>
+              </a:ext>
+            </a:extLst>
+          </p:cNvPr>
+          <p:cNvSpPr txBox="1"/>
+          <p:nvPr/>
+        </p:nvSpPr>
+        <p:spPr>
+          <a:xfrm>
+            <a:off x="1652700" y="1315281"/>
+            <a:ext cx="613694" cy="369332"/>
+          </a:xfrm>
+          <a:prstGeom prst="rect">
+            <a:avLst/>
+          </a:prstGeom>
+          <a:noFill/>
+        </p:spPr>
+        <p:txBody>
+          <a:bodyPr wrap="none" rtlCol="0">
+            <a:spAutoFit/>
+          </a:bodyPr>
+          <a:lstStyle/>
+          <a:p>
+            <a:r>
+              <a:rPr lang="en-US" dirty="0"/>
+              <a:t>start</a:t>
+            </a:r>
+          </a:p>
+        </p:txBody>
+      </p:sp>
+      <p:cxnSp>
+        <p:nvCxnSpPr>
+          <p:cNvPr id="27" name="Straight Arrow Connector 26">
+            <a:extLst>
+              <a:ext uri="{FF2B5EF4-FFF2-40B4-BE49-F238E27FC236}">
+                <a16:creationId xmlns:a16="http://schemas.microsoft.com/office/drawing/2014/main" id="{6D7244A8-2E47-9D47-8AA3-2F10F5E5D523}"/>
+              </a:ext>
+            </a:extLst>
+          </p:cNvPr>
+          <p:cNvCxnSpPr>
+            <a:cxnSpLocks/>
+            <a:endCxn id="19" idx="0"/>
+          </p:cNvCxnSpPr>
+          <p:nvPr/>
+        </p:nvCxnSpPr>
+        <p:spPr>
+          <a:xfrm flipH="1">
+            <a:off x="1959548" y="1631748"/>
+            <a:ext cx="17410" cy="408081"/>
+          </a:xfrm>
+          <a:prstGeom prst="straightConnector1">
+            <a:avLst/>
+          </a:prstGeom>
+          <a:ln>
+            <a:tailEnd type="triangle"/>
+          </a:ln>
+        </p:spPr>
+        <p:style>
+          <a:lnRef idx="1">
+            <a:schemeClr val="dk1"/>
+          </a:lnRef>
+          <a:fillRef idx="0">
+            <a:schemeClr val="dk1"/>
+          </a:fillRef>
+          <a:effectRef idx="0">
+            <a:schemeClr val="dk1"/>
+          </a:effectRef>
+          <a:fontRef idx="minor">
+            <a:schemeClr val="tx1"/>
+          </a:fontRef>
+        </p:style>
+      </p:cxnSp>
+      <p:cxnSp>
+        <p:nvCxnSpPr>
+          <p:cNvPr id="30" name="Straight Arrow Connector 29">
+            <a:extLst>
+              <a:ext uri="{FF2B5EF4-FFF2-40B4-BE49-F238E27FC236}">
+                <a16:creationId xmlns:a16="http://schemas.microsoft.com/office/drawing/2014/main" id="{06B966EC-301A-1943-8E70-25D1FE336017}"/>
+              </a:ext>
+            </a:extLst>
+          </p:cNvPr>
+          <p:cNvCxnSpPr>
+            <a:cxnSpLocks/>
+          </p:cNvCxnSpPr>
+          <p:nvPr/>
+        </p:nvCxnSpPr>
+        <p:spPr>
+          <a:xfrm>
+            <a:off x="1988349" y="5754609"/>
+            <a:ext cx="0" cy="597861"/>
+          </a:xfrm>
+          <a:prstGeom prst="straightConnector1">
+            <a:avLst/>
+          </a:prstGeom>
+          <a:ln>
+            <a:tailEnd type="triangle"/>
+          </a:ln>
+        </p:spPr>
+        <p:style>
+          <a:lnRef idx="1">
+            <a:schemeClr val="dk1"/>
+          </a:lnRef>
+          <a:fillRef idx="0">
+            <a:schemeClr val="dk1"/>
+          </a:fillRef>
+          <a:effectRef idx="0">
+            <a:schemeClr val="dk1"/>
+          </a:effectRef>
+          <a:fontRef idx="minor">
+            <a:schemeClr val="tx1"/>
+          </a:fontRef>
+        </p:style>
+      </p:cxnSp>
+      <p:sp>
+        <p:nvSpPr>
+          <p:cNvPr id="32" name="TextBox 31">
+            <a:extLst>
+              <a:ext uri="{FF2B5EF4-FFF2-40B4-BE49-F238E27FC236}">
+                <a16:creationId xmlns:a16="http://schemas.microsoft.com/office/drawing/2014/main" id="{9C910E1B-E3E5-2841-B07F-070A1415952A}"/>
+              </a:ext>
+            </a:extLst>
+          </p:cNvPr>
+          <p:cNvSpPr txBox="1"/>
+          <p:nvPr/>
+        </p:nvSpPr>
+        <p:spPr>
+          <a:xfrm>
+            <a:off x="1769165" y="6440557"/>
+            <a:ext cx="543739" cy="369332"/>
+          </a:xfrm>
+          <a:prstGeom prst="rect">
+            <a:avLst/>
+          </a:prstGeom>
+          <a:noFill/>
+        </p:spPr>
+        <p:txBody>
+          <a:bodyPr wrap="none" rtlCol="0">
+            <a:spAutoFit/>
+          </a:bodyPr>
+          <a:lstStyle/>
+          <a:p>
+            <a:r>
+              <a:rPr lang="en-US" dirty="0"/>
+              <a:t>end</a:t>
+            </a:r>
+          </a:p>
+        </p:txBody>
+      </p:sp>
     </p:spTree>
     <p:extLst>
       <p:ext uri="{BB962C8B-B14F-4D97-AF65-F5344CB8AC3E}">
@@ -3851,10 +3976,549 @@
       </p:grpSpPr>
       <p:sp>
         <p:nvSpPr>
-          <p:cNvPr id="3" name="TextBox 2">
-            <a:extLst>
-              <a:ext uri="{FF2B5EF4-FFF2-40B4-BE49-F238E27FC236}">
-                <a16:creationId xmlns:a16="http://schemas.microsoft.com/office/drawing/2014/main" id="{EF9DF36E-C578-E642-9753-69AFBDAC5FA5}"/>
+          <p:cNvPr id="12" name="TextBox 11">
+            <a:extLst>
+              <a:ext uri="{FF2B5EF4-FFF2-40B4-BE49-F238E27FC236}">
+                <a16:creationId xmlns:a16="http://schemas.microsoft.com/office/drawing/2014/main" id="{0BAAF048-7969-E64B-A6C0-1FF2346DBEC8}"/>
+              </a:ext>
+            </a:extLst>
+          </p:cNvPr>
+          <p:cNvSpPr txBox="1"/>
+          <p:nvPr/>
+        </p:nvSpPr>
+        <p:spPr>
+          <a:xfrm>
+            <a:off x="3028207" y="2042462"/>
+            <a:ext cx="4461029" cy="369332"/>
+          </a:xfrm>
+          <a:prstGeom prst="rect">
+            <a:avLst/>
+          </a:prstGeom>
+          <a:noFill/>
+        </p:spPr>
+        <p:txBody>
+          <a:bodyPr wrap="none" rtlCol="0">
+            <a:spAutoFit/>
+          </a:bodyPr>
+          <a:lstStyle/>
+          <a:p>
+            <a:r>
+              <a:rPr lang="en-GB" dirty="0" err="1"/>
+              <a:t>adjustCursorInformation</a:t>
+            </a:r>
+            <a:r>
+              <a:rPr lang="en-GB" dirty="0"/>
+              <a:t>(true, 12, 1, -1, 0, 41)</a:t>
+            </a:r>
+            <a:endParaRPr lang="en-US" dirty="0"/>
+          </a:p>
+        </p:txBody>
+      </p:sp>
+      <p:sp>
+        <p:nvSpPr>
+          <p:cNvPr id="13" name="TextBox 12">
+            <a:extLst>
+              <a:ext uri="{FF2B5EF4-FFF2-40B4-BE49-F238E27FC236}">
+                <a16:creationId xmlns:a16="http://schemas.microsoft.com/office/drawing/2014/main" id="{BD370DB4-9B6F-1243-ACA7-F7147A8FB3A3}"/>
+              </a:ext>
+            </a:extLst>
+          </p:cNvPr>
+          <p:cNvSpPr txBox="1"/>
+          <p:nvPr/>
+        </p:nvSpPr>
+        <p:spPr>
+          <a:xfrm>
+            <a:off x="352027" y="2855829"/>
+            <a:ext cx="1476772" cy="830997"/>
+          </a:xfrm>
+          <a:prstGeom prst="rect">
+            <a:avLst/>
+          </a:prstGeom>
+          <a:noFill/>
+        </p:spPr>
+        <p:txBody>
+          <a:bodyPr wrap="square" rtlCol="0">
+            <a:spAutoFit/>
+          </a:bodyPr>
+          <a:lstStyle/>
+          <a:p>
+            <a:r>
+              <a:rPr lang="en-US" sz="1200" dirty="0"/>
+              <a:t>The user clicked to the left of the current cursor position</a:t>
+            </a:r>
+          </a:p>
+        </p:txBody>
+      </p:sp>
+      <p:sp>
+        <p:nvSpPr>
+          <p:cNvPr id="15" name="TextBox 14">
+            <a:extLst>
+              <a:ext uri="{FF2B5EF4-FFF2-40B4-BE49-F238E27FC236}">
+                <a16:creationId xmlns:a16="http://schemas.microsoft.com/office/drawing/2014/main" id="{26E6E1FD-CDCD-6F4A-8EBF-13088E99D78F}"/>
+              </a:ext>
+            </a:extLst>
+          </p:cNvPr>
+          <p:cNvSpPr txBox="1"/>
+          <p:nvPr/>
+        </p:nvSpPr>
+        <p:spPr>
+          <a:xfrm>
+            <a:off x="2016688" y="2978356"/>
+            <a:ext cx="1476772" cy="1015663"/>
+          </a:xfrm>
+          <a:prstGeom prst="rect">
+            <a:avLst/>
+          </a:prstGeom>
+          <a:noFill/>
+        </p:spPr>
+        <p:txBody>
+          <a:bodyPr wrap="square" rtlCol="0">
+            <a:spAutoFit/>
+          </a:bodyPr>
+          <a:lstStyle/>
+          <a:p>
+            <a:r>
+              <a:rPr lang="en-US" sz="1200" dirty="0"/>
+              <a:t>Newly clicked position is 12 characters to the right of the singular line that it is on</a:t>
+            </a:r>
+          </a:p>
+        </p:txBody>
+      </p:sp>
+      <p:sp>
+        <p:nvSpPr>
+          <p:cNvPr id="16" name="TextBox 15">
+            <a:extLst>
+              <a:ext uri="{FF2B5EF4-FFF2-40B4-BE49-F238E27FC236}">
+                <a16:creationId xmlns:a16="http://schemas.microsoft.com/office/drawing/2014/main" id="{7600E3E2-1988-9740-92B1-5EFA87B8F3DE}"/>
+              </a:ext>
+            </a:extLst>
+          </p:cNvPr>
+          <p:cNvSpPr txBox="1"/>
+          <p:nvPr/>
+        </p:nvSpPr>
+        <p:spPr>
+          <a:xfrm>
+            <a:off x="3632320" y="2978355"/>
+            <a:ext cx="1769424" cy="1015663"/>
+          </a:xfrm>
+          <a:prstGeom prst="rect">
+            <a:avLst/>
+          </a:prstGeom>
+          <a:noFill/>
+        </p:spPr>
+        <p:txBody>
+          <a:bodyPr wrap="square" rtlCol="0">
+            <a:spAutoFit/>
+          </a:bodyPr>
+          <a:lstStyle/>
+          <a:p>
+            <a:r>
+              <a:rPr lang="en-US" sz="1200" dirty="0"/>
+              <a:t>Newly clicked position is in line number 2, </a:t>
+            </a:r>
+          </a:p>
+          <a:p>
+            <a:r>
+              <a:rPr lang="en-US" sz="1200" dirty="0"/>
+              <a:t>Which would be the [1] position from within the </a:t>
+            </a:r>
+            <a:r>
+              <a:rPr lang="en-US" sz="1200" dirty="0" err="1"/>
+              <a:t>leftText</a:t>
+            </a:r>
+            <a:r>
+              <a:rPr lang="en-US" sz="1200" dirty="0"/>
+              <a:t> array</a:t>
+            </a:r>
+          </a:p>
+        </p:txBody>
+      </p:sp>
+      <p:sp>
+        <p:nvSpPr>
+          <p:cNvPr id="19" name="TextBox 18">
+            <a:extLst>
+              <a:ext uri="{FF2B5EF4-FFF2-40B4-BE49-F238E27FC236}">
+                <a16:creationId xmlns:a16="http://schemas.microsoft.com/office/drawing/2014/main" id="{3278EE8C-F807-DF4D-84AF-E3CA06DD5541}"/>
+              </a:ext>
+            </a:extLst>
+          </p:cNvPr>
+          <p:cNvSpPr txBox="1"/>
+          <p:nvPr/>
+        </p:nvSpPr>
+        <p:spPr>
+          <a:xfrm>
+            <a:off x="5479701" y="2978355"/>
+            <a:ext cx="1360486" cy="1015663"/>
+          </a:xfrm>
+          <a:prstGeom prst="rect">
+            <a:avLst/>
+          </a:prstGeom>
+          <a:noFill/>
+        </p:spPr>
+        <p:txBody>
+          <a:bodyPr wrap="square" rtlCol="0">
+            <a:spAutoFit/>
+          </a:bodyPr>
+          <a:lstStyle/>
+          <a:p>
+            <a:r>
+              <a:rPr lang="en-US" sz="1200" dirty="0"/>
+              <a:t>-1 since the clicked position is before the first formatting newline for line number 2</a:t>
+            </a:r>
+          </a:p>
+        </p:txBody>
+      </p:sp>
+      <p:sp>
+        <p:nvSpPr>
+          <p:cNvPr id="21" name="TextBox 20">
+            <a:extLst>
+              <a:ext uri="{FF2B5EF4-FFF2-40B4-BE49-F238E27FC236}">
+                <a16:creationId xmlns:a16="http://schemas.microsoft.com/office/drawing/2014/main" id="{5D673F66-E3F4-EB4A-996E-A77373A99DB9}"/>
+              </a:ext>
+            </a:extLst>
+          </p:cNvPr>
+          <p:cNvSpPr txBox="1"/>
+          <p:nvPr/>
+        </p:nvSpPr>
+        <p:spPr>
+          <a:xfrm>
+            <a:off x="7205265" y="2915206"/>
+            <a:ext cx="1467923" cy="1200329"/>
+          </a:xfrm>
+          <a:prstGeom prst="rect">
+            <a:avLst/>
+          </a:prstGeom>
+          <a:noFill/>
+        </p:spPr>
+        <p:txBody>
+          <a:bodyPr wrap="square" rtlCol="0">
+            <a:spAutoFit/>
+          </a:bodyPr>
+          <a:lstStyle/>
+          <a:p>
+            <a:r>
+              <a:rPr lang="en-US" sz="1200" dirty="0"/>
+              <a:t>0 since it lies before the first formatting newline, so that substring starts at the first position of the line [0]</a:t>
+            </a:r>
+          </a:p>
+        </p:txBody>
+      </p:sp>
+      <p:sp>
+        <p:nvSpPr>
+          <p:cNvPr id="23" name="TextBox 22">
+            <a:extLst>
+              <a:ext uri="{FF2B5EF4-FFF2-40B4-BE49-F238E27FC236}">
+                <a16:creationId xmlns:a16="http://schemas.microsoft.com/office/drawing/2014/main" id="{343B2EDE-426A-E046-869B-583ECD91AC69}"/>
+              </a:ext>
+            </a:extLst>
+          </p:cNvPr>
+          <p:cNvSpPr txBox="1"/>
+          <p:nvPr/>
+        </p:nvSpPr>
+        <p:spPr>
+          <a:xfrm>
+            <a:off x="8869926" y="2978355"/>
+            <a:ext cx="2149533" cy="830997"/>
+          </a:xfrm>
+          <a:prstGeom prst="rect">
+            <a:avLst/>
+          </a:prstGeom>
+          <a:noFill/>
+        </p:spPr>
+        <p:txBody>
+          <a:bodyPr wrap="square" rtlCol="0">
+            <a:spAutoFit/>
+          </a:bodyPr>
+          <a:lstStyle/>
+          <a:p>
+            <a:r>
+              <a:rPr lang="en-US" sz="1200" dirty="0"/>
+              <a:t>41 since the singular line ‘</a:t>
+            </a:r>
+            <a:r>
+              <a:rPr lang="en-US" sz="1200" dirty="0">
+                <a:solidFill>
+                  <a:srgbClr val="002060"/>
+                </a:solidFill>
+              </a:rPr>
+              <a:t>This is left </a:t>
+            </a:r>
+            <a:r>
+              <a:rPr lang="en-US" sz="1200" dirty="0">
+                <a:highlight>
+                  <a:srgbClr val="FFFF00"/>
+                </a:highlight>
+              </a:rPr>
+              <a:t>|</a:t>
+            </a:r>
+            <a:r>
+              <a:rPr lang="en-US" sz="1200" dirty="0">
+                <a:solidFill>
+                  <a:srgbClr val="002060"/>
+                </a:solidFill>
+              </a:rPr>
+              <a:t> line number 2. This is left’ </a:t>
+            </a:r>
+            <a:r>
+              <a:rPr lang="en-US" sz="1200" dirty="0"/>
+              <a:t>takes up 41 character and starts at index 0; 0 + 41 = 41 </a:t>
+            </a:r>
+          </a:p>
+        </p:txBody>
+      </p:sp>
+      <p:cxnSp>
+        <p:nvCxnSpPr>
+          <p:cNvPr id="24" name="Straight Arrow Connector 23">
+            <a:extLst>
+              <a:ext uri="{FF2B5EF4-FFF2-40B4-BE49-F238E27FC236}">
+                <a16:creationId xmlns:a16="http://schemas.microsoft.com/office/drawing/2014/main" id="{4C014B22-8EC0-9B4B-ACB2-B2AD2D5E2F88}"/>
+              </a:ext>
+            </a:extLst>
+          </p:cNvPr>
+          <p:cNvCxnSpPr>
+            <a:cxnSpLocks/>
+          </p:cNvCxnSpPr>
+          <p:nvPr/>
+        </p:nvCxnSpPr>
+        <p:spPr>
+          <a:xfrm flipV="1">
+            <a:off x="1828799" y="2348941"/>
+            <a:ext cx="3753687" cy="629414"/>
+          </a:xfrm>
+          <a:prstGeom prst="straightConnector1">
+            <a:avLst/>
+          </a:prstGeom>
+          <a:ln>
+            <a:tailEnd type="triangle"/>
+          </a:ln>
+        </p:spPr>
+        <p:style>
+          <a:lnRef idx="1">
+            <a:schemeClr val="dk1"/>
+          </a:lnRef>
+          <a:fillRef idx="0">
+            <a:schemeClr val="dk1"/>
+          </a:fillRef>
+          <a:effectRef idx="0">
+            <a:schemeClr val="dk1"/>
+          </a:effectRef>
+          <a:fontRef idx="minor">
+            <a:schemeClr val="tx1"/>
+          </a:fontRef>
+        </p:style>
+      </p:cxnSp>
+      <p:cxnSp>
+        <p:nvCxnSpPr>
+          <p:cNvPr id="28" name="Straight Arrow Connector 27">
+            <a:extLst>
+              <a:ext uri="{FF2B5EF4-FFF2-40B4-BE49-F238E27FC236}">
+                <a16:creationId xmlns:a16="http://schemas.microsoft.com/office/drawing/2014/main" id="{49087544-61D7-784A-AF29-6DD2425B54E8}"/>
+              </a:ext>
+            </a:extLst>
+          </p:cNvPr>
+          <p:cNvCxnSpPr>
+            <a:cxnSpLocks/>
+          </p:cNvCxnSpPr>
+          <p:nvPr/>
+        </p:nvCxnSpPr>
+        <p:spPr>
+          <a:xfrm flipV="1">
+            <a:off x="2520921" y="2352371"/>
+            <a:ext cx="3499868" cy="700965"/>
+          </a:xfrm>
+          <a:prstGeom prst="straightConnector1">
+            <a:avLst/>
+          </a:prstGeom>
+          <a:ln>
+            <a:tailEnd type="triangle"/>
+          </a:ln>
+        </p:spPr>
+        <p:style>
+          <a:lnRef idx="1">
+            <a:schemeClr val="dk1"/>
+          </a:lnRef>
+          <a:fillRef idx="0">
+            <a:schemeClr val="dk1"/>
+          </a:fillRef>
+          <a:effectRef idx="0">
+            <a:schemeClr val="dk1"/>
+          </a:effectRef>
+          <a:fontRef idx="minor">
+            <a:schemeClr val="tx1"/>
+          </a:fontRef>
+        </p:style>
+      </p:cxnSp>
+      <p:cxnSp>
+        <p:nvCxnSpPr>
+          <p:cNvPr id="30" name="Straight Arrow Connector 29">
+            <a:extLst>
+              <a:ext uri="{FF2B5EF4-FFF2-40B4-BE49-F238E27FC236}">
+                <a16:creationId xmlns:a16="http://schemas.microsoft.com/office/drawing/2014/main" id="{4117F412-DAC6-5D44-8FEA-6E0FC7EF25A9}"/>
+              </a:ext>
+            </a:extLst>
+          </p:cNvPr>
+          <p:cNvCxnSpPr>
+            <a:cxnSpLocks/>
+          </p:cNvCxnSpPr>
+          <p:nvPr/>
+        </p:nvCxnSpPr>
+        <p:spPr>
+          <a:xfrm flipV="1">
+            <a:off x="4881536" y="2352371"/>
+            <a:ext cx="1463086" cy="562836"/>
+          </a:xfrm>
+          <a:prstGeom prst="straightConnector1">
+            <a:avLst/>
+          </a:prstGeom>
+          <a:ln>
+            <a:tailEnd type="triangle"/>
+          </a:ln>
+        </p:spPr>
+        <p:style>
+          <a:lnRef idx="1">
+            <a:schemeClr val="dk1"/>
+          </a:lnRef>
+          <a:fillRef idx="0">
+            <a:schemeClr val="dk1"/>
+          </a:fillRef>
+          <a:effectRef idx="0">
+            <a:schemeClr val="dk1"/>
+          </a:effectRef>
+          <a:fontRef idx="minor">
+            <a:schemeClr val="tx1"/>
+          </a:fontRef>
+        </p:style>
+      </p:cxnSp>
+      <p:cxnSp>
+        <p:nvCxnSpPr>
+          <p:cNvPr id="34" name="Straight Arrow Connector 33">
+            <a:extLst>
+              <a:ext uri="{FF2B5EF4-FFF2-40B4-BE49-F238E27FC236}">
+                <a16:creationId xmlns:a16="http://schemas.microsoft.com/office/drawing/2014/main" id="{89676E58-383E-4444-8B41-B132F81809C5}"/>
+              </a:ext>
+            </a:extLst>
+          </p:cNvPr>
+          <p:cNvCxnSpPr>
+            <a:cxnSpLocks/>
+            <a:stCxn id="19" idx="0"/>
+          </p:cNvCxnSpPr>
+          <p:nvPr/>
+        </p:nvCxnSpPr>
+        <p:spPr>
+          <a:xfrm flipV="1">
+            <a:off x="6159944" y="2348941"/>
+            <a:ext cx="433152" cy="629414"/>
+          </a:xfrm>
+          <a:prstGeom prst="straightConnector1">
+            <a:avLst/>
+          </a:prstGeom>
+          <a:ln>
+            <a:tailEnd type="triangle"/>
+          </a:ln>
+        </p:spPr>
+        <p:style>
+          <a:lnRef idx="1">
+            <a:schemeClr val="dk1"/>
+          </a:lnRef>
+          <a:fillRef idx="0">
+            <a:schemeClr val="dk1"/>
+          </a:fillRef>
+          <a:effectRef idx="0">
+            <a:schemeClr val="dk1"/>
+          </a:effectRef>
+          <a:fontRef idx="minor">
+            <a:schemeClr val="tx1"/>
+          </a:fontRef>
+        </p:style>
+      </p:cxnSp>
+      <p:cxnSp>
+        <p:nvCxnSpPr>
+          <p:cNvPr id="36" name="Straight Arrow Connector 35">
+            <a:extLst>
+              <a:ext uri="{FF2B5EF4-FFF2-40B4-BE49-F238E27FC236}">
+                <a16:creationId xmlns:a16="http://schemas.microsoft.com/office/drawing/2014/main" id="{FFBD8B3C-A6BE-5942-9D79-5E786C57A722}"/>
+              </a:ext>
+            </a:extLst>
+          </p:cNvPr>
+          <p:cNvCxnSpPr>
+            <a:cxnSpLocks/>
+          </p:cNvCxnSpPr>
+          <p:nvPr/>
+        </p:nvCxnSpPr>
+        <p:spPr>
+          <a:xfrm flipH="1" flipV="1">
+            <a:off x="6824590" y="2380369"/>
+            <a:ext cx="430483" cy="534837"/>
+          </a:xfrm>
+          <a:prstGeom prst="straightConnector1">
+            <a:avLst/>
+          </a:prstGeom>
+          <a:ln>
+            <a:tailEnd type="triangle"/>
+          </a:ln>
+        </p:spPr>
+        <p:style>
+          <a:lnRef idx="1">
+            <a:schemeClr val="dk1"/>
+          </a:lnRef>
+          <a:fillRef idx="0">
+            <a:schemeClr val="dk1"/>
+          </a:fillRef>
+          <a:effectRef idx="0">
+            <a:schemeClr val="dk1"/>
+          </a:effectRef>
+          <a:fontRef idx="minor">
+            <a:schemeClr val="tx1"/>
+          </a:fontRef>
+        </p:style>
+      </p:cxnSp>
+      <p:cxnSp>
+        <p:nvCxnSpPr>
+          <p:cNvPr id="39" name="Straight Arrow Connector 38">
+            <a:extLst>
+              <a:ext uri="{FF2B5EF4-FFF2-40B4-BE49-F238E27FC236}">
+                <a16:creationId xmlns:a16="http://schemas.microsoft.com/office/drawing/2014/main" id="{0655168E-1649-FB43-99C3-B18EE92CC16A}"/>
+              </a:ext>
+            </a:extLst>
+          </p:cNvPr>
+          <p:cNvCxnSpPr>
+            <a:cxnSpLocks/>
+          </p:cNvCxnSpPr>
+          <p:nvPr/>
+        </p:nvCxnSpPr>
+        <p:spPr>
+          <a:xfrm flipH="1" flipV="1">
+            <a:off x="7156640" y="2348942"/>
+            <a:ext cx="1892357" cy="629413"/>
+          </a:xfrm>
+          <a:prstGeom prst="straightConnector1">
+            <a:avLst/>
+          </a:prstGeom>
+          <a:ln>
+            <a:tailEnd type="triangle"/>
+          </a:ln>
+        </p:spPr>
+        <p:style>
+          <a:lnRef idx="1">
+            <a:schemeClr val="dk1"/>
+          </a:lnRef>
+          <a:fillRef idx="0">
+            <a:schemeClr val="dk1"/>
+          </a:fillRef>
+          <a:effectRef idx="0">
+            <a:schemeClr val="dk1"/>
+          </a:effectRef>
+          <a:fontRef idx="minor">
+            <a:schemeClr val="tx1"/>
+          </a:fontRef>
+        </p:style>
+      </p:cxnSp>
+      <p:sp>
+        <p:nvSpPr>
+          <p:cNvPr id="42" name="TextBox 41">
+            <a:extLst>
+              <a:ext uri="{FF2B5EF4-FFF2-40B4-BE49-F238E27FC236}">
+                <a16:creationId xmlns:a16="http://schemas.microsoft.com/office/drawing/2014/main" id="{50D3616C-BC73-CF4F-9A3D-AE240C083D1F}"/>
               </a:ext>
             </a:extLst>
           </p:cNvPr>
@@ -3914,7 +4578,7 @@
                   <a:srgbClr val="002060"/>
                 </a:solidFill>
               </a:rPr>
-              <a:t> line number 2. This is left line number 2. This is left line number 2. </a:t>
+              <a:t>line number 2. This is left line number 2. This is left line number 2. </a:t>
             </a:r>
             <a:r>
               <a:rPr lang="en-US" b="1" dirty="0"/>
@@ -3945,12 +4609,42 @@
           </a:p>
         </p:txBody>
       </p:sp>
-      <p:sp>
-        <p:nvSpPr>
-          <p:cNvPr id="4" name="TextBox 3">
-            <a:extLst>
-              <a:ext uri="{FF2B5EF4-FFF2-40B4-BE49-F238E27FC236}">
-                <a16:creationId xmlns:a16="http://schemas.microsoft.com/office/drawing/2014/main" id="{52065AD5-0B2F-5342-9ED4-42AF3F3E100F}"/>
+    </p:spTree>
+    <p:extLst>
+      <p:ext uri="{BB962C8B-B14F-4D97-AF65-F5344CB8AC3E}">
+        <p14:creationId xmlns:p14="http://schemas.microsoft.com/office/powerpoint/2010/main" val="3244274740"/>
+      </p:ext>
+    </p:extLst>
+  </p:cSld>
+  <p:clrMapOvr>
+    <a:masterClrMapping/>
+  </p:clrMapOvr>
+</p:sld>
+</file>
+
+<file path=ppt/slides/slide11.xml><?xml version="1.0" encoding="utf-8"?>
+<p:sld xmlns:a="http://schemas.openxmlformats.org/drawingml/2006/main" xmlns:r="http://schemas.openxmlformats.org/officeDocument/2006/relationships" xmlns:p="http://schemas.openxmlformats.org/presentationml/2006/main">
+  <p:cSld>
+    <p:spTree>
+      <p:nvGrpSpPr>
+        <p:cNvPr id="1" name=""/>
+        <p:cNvGrpSpPr/>
+        <p:nvPr/>
+      </p:nvGrpSpPr>
+      <p:grpSpPr>
+        <a:xfrm>
+          <a:off x="0" y="0"/>
+          <a:ext cx="0" cy="0"/>
+          <a:chOff x="0" y="0"/>
+          <a:chExt cx="0" cy="0"/>
+        </a:xfrm>
+      </p:grpSpPr>
+      <p:sp>
+        <p:nvSpPr>
+          <p:cNvPr id="5" name="TextBox 4">
+            <a:extLst>
+              <a:ext uri="{FF2B5EF4-FFF2-40B4-BE49-F238E27FC236}">
+                <a16:creationId xmlns:a16="http://schemas.microsoft.com/office/drawing/2014/main" id="{08C66679-8CB2-7D43-99B2-7924DA142103}"/>
               </a:ext>
             </a:extLst>
           </p:cNvPr>
@@ -3959,8 +4653,8 @@
         </p:nvSpPr>
         <p:spPr>
           <a:xfrm>
-            <a:off x="8387038" y="2592435"/>
-            <a:ext cx="1585883" cy="738664"/>
+            <a:off x="8387038" y="103470"/>
+            <a:ext cx="3550722" cy="2308324"/>
           </a:xfrm>
           <a:prstGeom prst="rect">
             <a:avLst/>
@@ -3973,48 +4667,80 @@
           </a:ln>
         </p:spPr>
         <p:txBody>
-          <a:bodyPr wrap="none" rtlCol="0">
+          <a:bodyPr wrap="square" rtlCol="0">
             <a:spAutoFit/>
           </a:bodyPr>
           <a:lstStyle/>
           <a:p>
             <a:r>
-              <a:rPr lang="en-US" sz="1400" dirty="0" err="1"/>
-              <a:t>leftTextFormatInfo</a:t>
-            </a:r>
-            <a:r>
-              <a:rPr lang="en-US" sz="1400" dirty="0"/>
-              <a:t>:</a:t>
-            </a:r>
-          </a:p>
-          <a:p>
-            <a:pPr marL="285750" indent="-285750">
-              <a:buFont typeface="Arial" panose="020B0604020202020204" pitchFamily="34" charset="0"/>
-              <a:buChar char="•"/>
-            </a:pPr>
-            <a:r>
-              <a:rPr lang="en-US" sz="1400" dirty="0"/>
-              <a:t>[41]</a:t>
-            </a:r>
-          </a:p>
-          <a:p>
-            <a:pPr marL="285750" indent="-285750">
-              <a:buFont typeface="Arial" panose="020B0604020202020204" pitchFamily="34" charset="0"/>
-              <a:buChar char="•"/>
-            </a:pPr>
-            <a:r>
-              <a:rPr lang="en-US" sz="1400" dirty="0"/>
-              <a:t>[41, 74]</a:t>
-            </a:r>
-          </a:p>
-        </p:txBody>
-      </p:sp>
-      <p:sp>
-        <p:nvSpPr>
-          <p:cNvPr id="5" name="TextBox 4">
-            <a:extLst>
-              <a:ext uri="{FF2B5EF4-FFF2-40B4-BE49-F238E27FC236}">
-                <a16:creationId xmlns:a16="http://schemas.microsoft.com/office/drawing/2014/main" id="{7A6027DB-688D-B04D-BF27-F84802426C3E}"/>
+              <a:rPr lang="en-US" dirty="0">
+                <a:solidFill>
+                  <a:srgbClr val="002060"/>
+                </a:solidFill>
+              </a:rPr>
+              <a:t>This is left line number 1. This is left line number 1.</a:t>
+            </a:r>
+          </a:p>
+          <a:p>
+            <a:r>
+              <a:rPr lang="en-US" dirty="0">
+                <a:solidFill>
+                  <a:srgbClr val="002060"/>
+                </a:solidFill>
+              </a:rPr>
+              <a:t>This is left </a:t>
+            </a:r>
+            <a:r>
+              <a:rPr lang="en-US" dirty="0">
+                <a:highlight>
+                  <a:srgbClr val="FFFF00"/>
+                </a:highlight>
+              </a:rPr>
+              <a:t>|</a:t>
+            </a:r>
+            <a:r>
+              <a:rPr lang="en-US" dirty="0">
+                <a:solidFill>
+                  <a:srgbClr val="002060"/>
+                </a:solidFill>
+              </a:rPr>
+              <a:t> line number 2. This is left line number 2. This is left line number 2. </a:t>
+            </a:r>
+            <a:r>
+              <a:rPr lang="en-US" b="1" dirty="0"/>
+              <a:t>|</a:t>
+            </a:r>
+            <a:r>
+              <a:rPr lang="en-US" dirty="0"/>
+              <a:t> </a:t>
+            </a:r>
+            <a:r>
+              <a:rPr lang="en-US" dirty="0">
+                <a:solidFill>
+                  <a:srgbClr val="C00000"/>
+                </a:solidFill>
+              </a:rPr>
+              <a:t>This is right line number 1. This is right line number 1. </a:t>
+            </a:r>
+          </a:p>
+          <a:p>
+            <a:r>
+              <a:rPr lang="en-US" dirty="0">
+                <a:solidFill>
+                  <a:srgbClr val="C00000"/>
+                </a:solidFill>
+              </a:rPr>
+              <a:t>This is right line number 2.</a:t>
+            </a:r>
+          </a:p>
+        </p:txBody>
+      </p:sp>
+      <p:sp>
+        <p:nvSpPr>
+          <p:cNvPr id="6" name="TextBox 5">
+            <a:extLst>
+              <a:ext uri="{FF2B5EF4-FFF2-40B4-BE49-F238E27FC236}">
+                <a16:creationId xmlns:a16="http://schemas.microsoft.com/office/drawing/2014/main" id="{066F970F-B3BA-8140-9D3A-3E3F507E0489}"/>
               </a:ext>
             </a:extLst>
           </p:cNvPr>
@@ -4023,8 +4749,8 @@
         </p:nvSpPr>
         <p:spPr>
           <a:xfrm>
-            <a:off x="8392076" y="3511740"/>
-            <a:ext cx="1683602" cy="738664"/>
+            <a:off x="8387038" y="2609022"/>
+            <a:ext cx="1585883" cy="738664"/>
           </a:xfrm>
           <a:prstGeom prst="rect">
             <a:avLst/>
@@ -4044,7 +4770,7 @@
           <a:p>
             <a:r>
               <a:rPr lang="en-US" sz="1400" dirty="0" err="1"/>
-              <a:t>rightTextFormatInfo</a:t>
+              <a:t>leftTextFormatInfo</a:t>
             </a:r>
             <a:r>
               <a:rPr lang="en-US" sz="1400" dirty="0"/>
@@ -4058,7 +4784,7 @@
             </a:pPr>
             <a:r>
               <a:rPr lang="en-US" sz="1400" dirty="0"/>
-              <a:t>[19, 55]</a:t>
+              <a:t>[41]</a:t>
             </a:r>
           </a:p>
           <a:p>
@@ -4068,17 +4794,17 @@
             </a:pPr>
             <a:r>
               <a:rPr lang="en-US" sz="1400" dirty="0"/>
-              <a:t>[-1]</a:t>
-            </a:r>
-          </a:p>
-        </p:txBody>
-      </p:sp>
-      <p:sp>
-        <p:nvSpPr>
-          <p:cNvPr id="9" name="TextBox 8">
-            <a:extLst>
-              <a:ext uri="{FF2B5EF4-FFF2-40B4-BE49-F238E27FC236}">
-                <a16:creationId xmlns:a16="http://schemas.microsoft.com/office/drawing/2014/main" id="{3620A8E4-D573-4C46-BAC2-15639A67CD0C}"/>
+              <a:t>[41, 74]</a:t>
+            </a:r>
+          </a:p>
+        </p:txBody>
+      </p:sp>
+      <p:sp>
+        <p:nvSpPr>
+          <p:cNvPr id="7" name="TextBox 6">
+            <a:extLst>
+              <a:ext uri="{FF2B5EF4-FFF2-40B4-BE49-F238E27FC236}">
+                <a16:creationId xmlns:a16="http://schemas.microsoft.com/office/drawing/2014/main" id="{D164C483-C8D6-9045-8B3C-74D954BEEFCD}"/>
               </a:ext>
             </a:extLst>
           </p:cNvPr>
@@ -4087,8 +4813,8 @@
         </p:nvSpPr>
         <p:spPr>
           <a:xfrm>
-            <a:off x="254240" y="355625"/>
-            <a:ext cx="7540833" cy="307777"/>
+            <a:off x="8387038" y="3510315"/>
+            <a:ext cx="1683602" cy="738664"/>
           </a:xfrm>
           <a:prstGeom prst="rect">
             <a:avLst/>
@@ -4101,33 +4827,176 @@
           </a:ln>
         </p:spPr>
         <p:txBody>
+          <a:bodyPr wrap="none" rtlCol="0">
+            <a:spAutoFit/>
+          </a:bodyPr>
+          <a:lstStyle/>
+          <a:p>
+            <a:r>
+              <a:rPr lang="en-US" sz="1400" dirty="0" err="1"/>
+              <a:t>rightTextFormatInfo</a:t>
+            </a:r>
+            <a:r>
+              <a:rPr lang="en-US" sz="1400" dirty="0"/>
+              <a:t>:</a:t>
+            </a:r>
+          </a:p>
+          <a:p>
+            <a:pPr marL="285750" indent="-285750">
+              <a:buFont typeface="Arial" panose="020B0604020202020204" pitchFamily="34" charset="0"/>
+              <a:buChar char="•"/>
+            </a:pPr>
+            <a:r>
+              <a:rPr lang="en-US" sz="1400" dirty="0"/>
+              <a:t>[19, 55]</a:t>
+            </a:r>
+          </a:p>
+          <a:p>
+            <a:pPr marL="285750" indent="-285750">
+              <a:buFont typeface="Arial" panose="020B0604020202020204" pitchFamily="34" charset="0"/>
+              <a:buChar char="•"/>
+            </a:pPr>
+            <a:r>
+              <a:rPr lang="en-US" sz="1400" dirty="0"/>
+              <a:t>[-1]</a:t>
+            </a:r>
+          </a:p>
+        </p:txBody>
+      </p:sp>
+      <p:sp>
+        <p:nvSpPr>
+          <p:cNvPr id="8" name="TextBox 7">
+            <a:extLst>
+              <a:ext uri="{FF2B5EF4-FFF2-40B4-BE49-F238E27FC236}">
+                <a16:creationId xmlns:a16="http://schemas.microsoft.com/office/drawing/2014/main" id="{4862A6DC-F1F3-0943-AB1D-B1D706D98A40}"/>
+              </a:ext>
+            </a:extLst>
+          </p:cNvPr>
+          <p:cNvSpPr txBox="1"/>
+          <p:nvPr/>
+        </p:nvSpPr>
+        <p:spPr>
+          <a:xfrm>
+            <a:off x="166253" y="937738"/>
+            <a:ext cx="7540833" cy="1600438"/>
+          </a:xfrm>
+          <a:prstGeom prst="rect">
+            <a:avLst/>
+          </a:prstGeom>
+          <a:noFill/>
+          <a:ln>
+            <a:solidFill>
+              <a:schemeClr val="tx1"/>
+            </a:solidFill>
+          </a:ln>
+        </p:spPr>
+        <p:txBody>
           <a:bodyPr wrap="square" rtlCol="0">
             <a:spAutoFit/>
           </a:bodyPr>
           <a:lstStyle/>
           <a:p>
+            <a:r>
+              <a:rPr lang="en-GB" sz="1400" b="1" u="sng" dirty="0"/>
+              <a:t>Section 1</a:t>
+            </a:r>
+          </a:p>
+          <a:p>
             <a:pPr marL="285750" indent="-285750">
               <a:buFont typeface="Arial" panose="020B0604020202020204" pitchFamily="34" charset="0"/>
               <a:buChar char="•"/>
             </a:pPr>
             <a:r>
+              <a:rPr lang="en-GB" sz="1400" dirty="0" err="1"/>
+              <a:t>oldImmediateLeftLine</a:t>
+            </a:r>
+            <a:r>
               <a:rPr lang="en-GB" sz="1400" dirty="0"/>
-              <a:t>Add a blank entry to the </a:t>
-            </a:r>
-            <a:r>
-              <a:rPr lang="en-GB" sz="1400" dirty="0" err="1"/>
-              <a:t>leftTextFormatInfo</a:t>
-            </a:r>
-            <a:endParaRPr lang="en-GB" sz="1400" dirty="0"/>
-          </a:p>
-        </p:txBody>
-      </p:sp>
-      <p:sp>
-        <p:nvSpPr>
-          <p:cNvPr id="12" name="TextBox 11">
-            <a:extLst>
-              <a:ext uri="{FF2B5EF4-FFF2-40B4-BE49-F238E27FC236}">
-                <a16:creationId xmlns:a16="http://schemas.microsoft.com/office/drawing/2014/main" id="{F917B23B-52DF-1046-9195-2CA1C7A20483}"/>
+              <a:t> = “</a:t>
+            </a:r>
+            <a:r>
+              <a:rPr lang="en-US" sz="1400" dirty="0">
+                <a:solidFill>
+                  <a:srgbClr val="002060"/>
+                </a:solidFill>
+              </a:rPr>
+              <a:t>This is left line number 2. This is left line number 2. This is left line number 2.”</a:t>
+            </a:r>
+          </a:p>
+          <a:p>
+            <a:pPr marL="285750" indent="-285750">
+              <a:buFont typeface="Arial" panose="020B0604020202020204" pitchFamily="34" charset="0"/>
+              <a:buChar char="•"/>
+            </a:pPr>
+            <a:r>
+              <a:rPr lang="en-US" sz="1400" dirty="0" err="1"/>
+              <a:t>oldImmediateRightLine</a:t>
+            </a:r>
+            <a:r>
+              <a:rPr lang="en-US" sz="1400" dirty="0">
+                <a:solidFill>
+                  <a:srgbClr val="002060"/>
+                </a:solidFill>
+              </a:rPr>
+              <a:t> = </a:t>
+            </a:r>
+            <a:r>
+              <a:rPr lang="en-US" sz="1400" dirty="0">
+                <a:solidFill>
+                  <a:srgbClr val="C00000"/>
+                </a:solidFill>
+              </a:rPr>
+              <a:t>“This is right line number 1. This is right line number 1.”</a:t>
+            </a:r>
+          </a:p>
+          <a:p>
+            <a:pPr marL="285750" indent="-285750">
+              <a:buFont typeface="Arial" panose="020B0604020202020204" pitchFamily="34" charset="0"/>
+              <a:buChar char="•"/>
+            </a:pPr>
+            <a:r>
+              <a:rPr lang="en-US" sz="1400" dirty="0" err="1"/>
+              <a:t>newLine</a:t>
+            </a:r>
+            <a:r>
+              <a:rPr lang="en-US" sz="1400" dirty="0"/>
+              <a:t> = </a:t>
+            </a:r>
+            <a:r>
+              <a:rPr lang="en-GB" sz="1400" dirty="0"/>
+              <a:t>“</a:t>
+            </a:r>
+            <a:r>
+              <a:rPr lang="en-US" sz="1400" dirty="0"/>
+              <a:t>This is left line number 2. This is left line number 2. This is left line number 2. “This is right line number 1. This is right line number 1.”</a:t>
+            </a:r>
+          </a:p>
+          <a:p>
+            <a:pPr marL="285750" indent="-285750">
+              <a:buFont typeface="Arial" panose="020B0604020202020204" pitchFamily="34" charset="0"/>
+              <a:buChar char="•"/>
+            </a:pPr>
+            <a:r>
+              <a:rPr lang="en-US" sz="1400" dirty="0"/>
+              <a:t>Update </a:t>
+            </a:r>
+            <a:r>
+              <a:rPr lang="en-US" sz="1400" dirty="0" err="1"/>
+              <a:t>leftText</a:t>
+            </a:r>
+            <a:r>
+              <a:rPr lang="en-US" sz="1400" dirty="0"/>
+              <a:t>:</a:t>
+            </a:r>
+          </a:p>
+        </p:txBody>
+      </p:sp>
+      <p:sp>
+        <p:nvSpPr>
+          <p:cNvPr id="9" name="TextBox 8">
+            <a:extLst>
+              <a:ext uri="{FF2B5EF4-FFF2-40B4-BE49-F238E27FC236}">
+                <a16:creationId xmlns:a16="http://schemas.microsoft.com/office/drawing/2014/main" id="{FA3F4E8A-3995-D44B-91BA-66931D1B5903}"/>
               </a:ext>
             </a:extLst>
           </p:cNvPr>
@@ -4136,8 +5005,8 @@
         </p:nvSpPr>
         <p:spPr>
           <a:xfrm>
-            <a:off x="263785" y="813999"/>
-            <a:ext cx="1683602" cy="523220"/>
+            <a:off x="190005" y="2609022"/>
+            <a:ext cx="6645521" cy="954107"/>
           </a:xfrm>
           <a:prstGeom prst="rect">
             <a:avLst/>
@@ -4150,6 +5019,74 @@
           </a:ln>
         </p:spPr>
         <p:txBody>
+          <a:bodyPr wrap="square" rtlCol="0">
+            <a:spAutoFit/>
+          </a:bodyPr>
+          <a:lstStyle/>
+          <a:p>
+            <a:r>
+              <a:rPr lang="en-US" sz="1400" dirty="0" err="1"/>
+              <a:t>leftText</a:t>
+            </a:r>
+            <a:r>
+              <a:rPr lang="en-US" sz="1400" dirty="0"/>
+              <a:t>:</a:t>
+            </a:r>
+          </a:p>
+          <a:p>
+            <a:pPr marL="285750" indent="-285750">
+              <a:buFont typeface="Arial" panose="020B0604020202020204" pitchFamily="34" charset="0"/>
+              <a:buChar char="•"/>
+            </a:pPr>
+            <a:r>
+              <a:rPr lang="en-US" sz="1400" dirty="0"/>
+              <a:t>This is left line number 1. This is left line number 1.</a:t>
+            </a:r>
+          </a:p>
+          <a:p>
+            <a:pPr marL="285750" indent="-285750">
+              <a:buFont typeface="Arial" panose="020B0604020202020204" pitchFamily="34" charset="0"/>
+              <a:buChar char="•"/>
+            </a:pPr>
+            <a:r>
+              <a:rPr lang="en-GB" sz="1400" dirty="0"/>
+              <a:t>“</a:t>
+            </a:r>
+            <a:r>
+              <a:rPr lang="en-US" sz="1400" dirty="0"/>
+              <a:t>This is left line number 2. This is left line number 2. This is left line number 2. “This is right line number 1. This is right line number 1.”</a:t>
+            </a:r>
+          </a:p>
+        </p:txBody>
+      </p:sp>
+      <p:sp>
+        <p:nvSpPr>
+          <p:cNvPr id="10" name="TextBox 9">
+            <a:extLst>
+              <a:ext uri="{FF2B5EF4-FFF2-40B4-BE49-F238E27FC236}">
+                <a16:creationId xmlns:a16="http://schemas.microsoft.com/office/drawing/2014/main" id="{09D537B6-2005-014B-9006-C105E2937016}"/>
+              </a:ext>
+            </a:extLst>
+          </p:cNvPr>
+          <p:cNvSpPr txBox="1"/>
+          <p:nvPr/>
+        </p:nvSpPr>
+        <p:spPr>
+          <a:xfrm>
+            <a:off x="166253" y="4151778"/>
+            <a:ext cx="2406364" cy="523220"/>
+          </a:xfrm>
+          <a:prstGeom prst="rect">
+            <a:avLst/>
+          </a:prstGeom>
+          <a:noFill/>
+          <a:ln>
+            <a:solidFill>
+              <a:schemeClr val="accent1"/>
+            </a:solidFill>
+          </a:ln>
+        </p:spPr>
+        <p:txBody>
           <a:bodyPr wrap="none" rtlCol="0">
             <a:spAutoFit/>
           </a:bodyPr>
@@ -4157,7 +5094,7 @@
           <a:p>
             <a:r>
               <a:rPr lang="en-US" sz="1400" dirty="0" err="1"/>
-              <a:t>rightTextFormatInfo</a:t>
+              <a:t>rightText</a:t>
             </a:r>
             <a:r>
               <a:rPr lang="en-US" sz="1400" dirty="0"/>
@@ -4171,17 +5108,17 @@
             </a:pPr>
             <a:r>
               <a:rPr lang="en-US" sz="1400" dirty="0"/>
-              <a:t>[-1]</a:t>
-            </a:r>
-          </a:p>
-        </p:txBody>
-      </p:sp>
-      <p:sp>
-        <p:nvSpPr>
-          <p:cNvPr id="14" name="TextBox 13">
-            <a:extLst>
-              <a:ext uri="{FF2B5EF4-FFF2-40B4-BE49-F238E27FC236}">
-                <a16:creationId xmlns:a16="http://schemas.microsoft.com/office/drawing/2014/main" id="{038612DC-6E42-A047-84C2-0BBA144976CC}"/>
+              <a:t>This is right line number 2.</a:t>
+            </a:r>
+          </a:p>
+        </p:txBody>
+      </p:sp>
+      <p:sp>
+        <p:nvSpPr>
+          <p:cNvPr id="11" name="TextBox 10">
+            <a:extLst>
+              <a:ext uri="{FF2B5EF4-FFF2-40B4-BE49-F238E27FC236}">
+                <a16:creationId xmlns:a16="http://schemas.microsoft.com/office/drawing/2014/main" id="{39CA5621-28E7-2947-A774-70D70559E0E3}"/>
               </a:ext>
             </a:extLst>
           </p:cNvPr>
@@ -4190,8 +5127,126 @@
         </p:nvSpPr>
         <p:spPr>
           <a:xfrm>
-            <a:off x="254239" y="1688354"/>
-            <a:ext cx="7540833" cy="307777"/>
+            <a:off x="190005" y="5946156"/>
+            <a:ext cx="1710725" cy="738664"/>
+          </a:xfrm>
+          <a:prstGeom prst="rect">
+            <a:avLst/>
+          </a:prstGeom>
+          <a:noFill/>
+          <a:ln>
+            <a:solidFill>
+              <a:schemeClr val="accent1"/>
+            </a:solidFill>
+          </a:ln>
+        </p:spPr>
+        <p:txBody>
+          <a:bodyPr wrap="none" rtlCol="0">
+            <a:spAutoFit/>
+          </a:bodyPr>
+          <a:lstStyle/>
+          <a:p>
+            <a:r>
+              <a:rPr lang="en-US" sz="1400" dirty="0" err="1"/>
+              <a:t>leftTextFormatInfo</a:t>
+            </a:r>
+            <a:r>
+              <a:rPr lang="en-US" sz="1400" dirty="0"/>
+              <a:t>:</a:t>
+            </a:r>
+          </a:p>
+          <a:p>
+            <a:pPr marL="285750" indent="-285750">
+              <a:buFont typeface="Arial" panose="020B0604020202020204" pitchFamily="34" charset="0"/>
+              <a:buChar char="•"/>
+            </a:pPr>
+            <a:r>
+              <a:rPr lang="en-US" sz="1400" dirty="0"/>
+              <a:t>[41]</a:t>
+            </a:r>
+          </a:p>
+          <a:p>
+            <a:pPr marL="285750" indent="-285750">
+              <a:buFont typeface="Arial" panose="020B0604020202020204" pitchFamily="34" charset="0"/>
+              <a:buChar char="•"/>
+            </a:pPr>
+            <a:r>
+              <a:rPr lang="en-US" sz="1400" dirty="0"/>
+              <a:t>[41,82, 100, 141]</a:t>
+            </a:r>
+          </a:p>
+        </p:txBody>
+      </p:sp>
+      <p:sp>
+        <p:nvSpPr>
+          <p:cNvPr id="12" name="TextBox 11">
+            <a:extLst>
+              <a:ext uri="{FF2B5EF4-FFF2-40B4-BE49-F238E27FC236}">
+                <a16:creationId xmlns:a16="http://schemas.microsoft.com/office/drawing/2014/main" id="{E348F59A-3756-FC45-97F2-9A7B9B1AD3A2}"/>
+              </a:ext>
+            </a:extLst>
+          </p:cNvPr>
+          <p:cNvSpPr txBox="1"/>
+          <p:nvPr/>
+        </p:nvSpPr>
+        <p:spPr>
+          <a:xfrm>
+            <a:off x="166253" y="4785096"/>
+            <a:ext cx="1683602" cy="523220"/>
+          </a:xfrm>
+          <a:prstGeom prst="rect">
+            <a:avLst/>
+          </a:prstGeom>
+          <a:noFill/>
+          <a:ln>
+            <a:solidFill>
+              <a:schemeClr val="accent1"/>
+            </a:solidFill>
+          </a:ln>
+        </p:spPr>
+        <p:txBody>
+          <a:bodyPr wrap="none" rtlCol="0">
+            <a:spAutoFit/>
+          </a:bodyPr>
+          <a:lstStyle/>
+          <a:p>
+            <a:r>
+              <a:rPr lang="en-US" sz="1400" dirty="0" err="1"/>
+              <a:t>rightTextFormatInfo</a:t>
+            </a:r>
+            <a:r>
+              <a:rPr lang="en-US" sz="1400" dirty="0"/>
+              <a:t>:</a:t>
+            </a:r>
+          </a:p>
+          <a:p>
+            <a:pPr marL="285750" indent="-285750">
+              <a:buFont typeface="Arial" panose="020B0604020202020204" pitchFamily="34" charset="0"/>
+              <a:buChar char="•"/>
+            </a:pPr>
+            <a:r>
+              <a:rPr lang="en-US" sz="1400" dirty="0"/>
+              <a:t>[-1]</a:t>
+            </a:r>
+          </a:p>
+        </p:txBody>
+      </p:sp>
+      <p:sp>
+        <p:nvSpPr>
+          <p:cNvPr id="13" name="TextBox 12">
+            <a:extLst>
+              <a:ext uri="{FF2B5EF4-FFF2-40B4-BE49-F238E27FC236}">
+                <a16:creationId xmlns:a16="http://schemas.microsoft.com/office/drawing/2014/main" id="{64931643-46B7-7C44-A706-C418A8E3E0BA}"/>
+              </a:ext>
+            </a:extLst>
+          </p:cNvPr>
+          <p:cNvSpPr txBox="1"/>
+          <p:nvPr/>
+        </p:nvSpPr>
+        <p:spPr>
+          <a:xfrm>
+            <a:off x="190005" y="3707466"/>
+            <a:ext cx="4669868" cy="307777"/>
           </a:xfrm>
           <a:prstGeom prst="rect">
             <a:avLst/>
@@ -4204,7 +5259,7 @@
           </a:ln>
         </p:spPr>
         <p:txBody>
-          <a:bodyPr wrap="square" rtlCol="0">
+          <a:bodyPr wrap="none" rtlCol="0">
             <a:spAutoFit/>
           </a:bodyPr>
           <a:lstStyle/>
@@ -4214,34 +5269,26 @@
               <a:buChar char="•"/>
             </a:pPr>
             <a:r>
-              <a:rPr lang="en-GB" sz="1400" dirty="0"/>
-              <a:t>Update the last entry of the </a:t>
-            </a:r>
-            <a:r>
-              <a:rPr lang="en-GB" sz="1400" dirty="0" err="1"/>
-              <a:t>leftTextFormatInfo</a:t>
-            </a:r>
-            <a:r>
-              <a:rPr lang="en-GB" sz="1400" dirty="0"/>
-              <a:t> &amp; the first entry of the </a:t>
-            </a:r>
-            <a:r>
-              <a:rPr lang="en-GB" sz="1400" dirty="0" err="1"/>
-              <a:t>rightTextFormatInfo</a:t>
-            </a:r>
-            <a:r>
-              <a:rPr lang="en-GB" sz="1400" dirty="0"/>
-              <a:t> to get:</a:t>
-            </a:r>
-          </a:p>
-        </p:txBody>
-      </p:sp>
-      <p:sp>
-        <p:nvSpPr>
-          <p:cNvPr id="15" name="TextBox 14">
-            <a:extLst>
-              <a:ext uri="{FF2B5EF4-FFF2-40B4-BE49-F238E27FC236}">
-                <a16:creationId xmlns:a16="http://schemas.microsoft.com/office/drawing/2014/main" id="{E018FA24-DB99-B342-8088-311FAC9C15D1}"/>
+              <a:rPr lang="en-US" sz="1400" dirty="0"/>
+              <a:t>Remove the first entry of </a:t>
+            </a:r>
+            <a:r>
+              <a:rPr lang="en-US" sz="1400" dirty="0" err="1"/>
+              <a:t>rightText</a:t>
+            </a:r>
+            <a:r>
+              <a:rPr lang="en-US" sz="1400" dirty="0"/>
+              <a:t> &amp; its formatting entry:</a:t>
+            </a:r>
+          </a:p>
+        </p:txBody>
+      </p:sp>
+      <p:sp>
+        <p:nvSpPr>
+          <p:cNvPr id="14" name="TextBox 13">
+            <a:extLst>
+              <a:ext uri="{FF2B5EF4-FFF2-40B4-BE49-F238E27FC236}">
+                <a16:creationId xmlns:a16="http://schemas.microsoft.com/office/drawing/2014/main" id="{F54D637C-1E47-F64E-BDC5-C11B2548E07A}"/>
               </a:ext>
             </a:extLst>
           </p:cNvPr>
@@ -4250,8 +5297,126 @@
         </p:nvSpPr>
         <p:spPr>
           <a:xfrm>
-            <a:off x="4621487" y="3164371"/>
-            <a:ext cx="1750800" cy="738664"/>
+            <a:off x="190005" y="5500057"/>
+            <a:ext cx="3609514" cy="307777"/>
+          </a:xfrm>
+          <a:prstGeom prst="rect">
+            <a:avLst/>
+          </a:prstGeom>
+          <a:noFill/>
+          <a:ln>
+            <a:solidFill>
+              <a:schemeClr val="tx1"/>
+            </a:solidFill>
+          </a:ln>
+        </p:spPr>
+        <p:txBody>
+          <a:bodyPr wrap="none" rtlCol="0">
+            <a:spAutoFit/>
+          </a:bodyPr>
+          <a:lstStyle/>
+          <a:p>
+            <a:pPr marL="285750" indent="-285750">
+              <a:buFont typeface="Arial" panose="020B0604020202020204" pitchFamily="34" charset="0"/>
+              <a:buChar char="•"/>
+            </a:pPr>
+            <a:r>
+              <a:rPr lang="en-US" sz="1400" dirty="0"/>
+              <a:t>Update the left text’s last formatting entry:</a:t>
+            </a:r>
+          </a:p>
+        </p:txBody>
+      </p:sp>
+    </p:spTree>
+    <p:extLst>
+      <p:ext uri="{BB962C8B-B14F-4D97-AF65-F5344CB8AC3E}">
+        <p14:creationId xmlns:p14="http://schemas.microsoft.com/office/powerpoint/2010/main" val="1019149204"/>
+      </p:ext>
+    </p:extLst>
+  </p:cSld>
+  <p:clrMapOvr>
+    <a:masterClrMapping/>
+  </p:clrMapOvr>
+</p:sld>
+</file>
+
+<file path=ppt/slides/slide12.xml><?xml version="1.0" encoding="utf-8"?>
+<p:sld xmlns:a="http://schemas.openxmlformats.org/drawingml/2006/main" xmlns:r="http://schemas.openxmlformats.org/officeDocument/2006/relationships" xmlns:p="http://schemas.openxmlformats.org/presentationml/2006/main">
+  <p:cSld>
+    <p:spTree>
+      <p:nvGrpSpPr>
+        <p:cNvPr id="1" name=""/>
+        <p:cNvGrpSpPr/>
+        <p:nvPr/>
+      </p:nvGrpSpPr>
+      <p:grpSpPr>
+        <a:xfrm>
+          <a:off x="0" y="0"/>
+          <a:ext cx="0" cy="0"/>
+          <a:chOff x="0" y="0"/>
+          <a:chExt cx="0" cy="0"/>
+        </a:xfrm>
+      </p:grpSpPr>
+      <p:sp>
+        <p:nvSpPr>
+          <p:cNvPr id="2" name="TextBox 1">
+            <a:extLst>
+              <a:ext uri="{FF2B5EF4-FFF2-40B4-BE49-F238E27FC236}">
+                <a16:creationId xmlns:a16="http://schemas.microsoft.com/office/drawing/2014/main" id="{3BED4CF8-5577-7343-9B5A-E65546B1592D}"/>
+              </a:ext>
+            </a:extLst>
+          </p:cNvPr>
+          <p:cNvSpPr txBox="1"/>
+          <p:nvPr/>
+        </p:nvSpPr>
+        <p:spPr>
+          <a:xfrm>
+            <a:off x="154379" y="203662"/>
+            <a:ext cx="2783198" cy="307777"/>
+          </a:xfrm>
+          <a:prstGeom prst="rect">
+            <a:avLst/>
+          </a:prstGeom>
+          <a:noFill/>
+          <a:ln>
+            <a:solidFill>
+              <a:schemeClr val="tx1"/>
+            </a:solidFill>
+          </a:ln>
+        </p:spPr>
+        <p:txBody>
+          <a:bodyPr wrap="none" rtlCol="0">
+            <a:spAutoFit/>
+          </a:bodyPr>
+          <a:lstStyle/>
+          <a:p>
+            <a:pPr marL="285750" indent="-285750">
+              <a:buFont typeface="Arial" panose="020B0604020202020204" pitchFamily="34" charset="0"/>
+              <a:buChar char="•"/>
+            </a:pPr>
+            <a:r>
+              <a:rPr lang="en-US" sz="1400" dirty="0"/>
+              <a:t>So the text would now become:</a:t>
+            </a:r>
+          </a:p>
+        </p:txBody>
+      </p:sp>
+      <p:sp>
+        <p:nvSpPr>
+          <p:cNvPr id="4" name="TextBox 3">
+            <a:extLst>
+              <a:ext uri="{FF2B5EF4-FFF2-40B4-BE49-F238E27FC236}">
+                <a16:creationId xmlns:a16="http://schemas.microsoft.com/office/drawing/2014/main" id="{E27964D9-6C68-4549-9215-A478C8913CBC}"/>
+              </a:ext>
+            </a:extLst>
+          </p:cNvPr>
+          <p:cNvSpPr txBox="1"/>
+          <p:nvPr/>
+        </p:nvSpPr>
+        <p:spPr>
+          <a:xfrm>
+            <a:off x="154379" y="637860"/>
+            <a:ext cx="3550722" cy="2308324"/>
           </a:xfrm>
           <a:prstGeom prst="rect">
             <a:avLst/>
@@ -4264,18 +5429,160 @@
           </a:ln>
         </p:spPr>
         <p:txBody>
+          <a:bodyPr wrap="square" rtlCol="0">
+            <a:spAutoFit/>
+          </a:bodyPr>
+          <a:lstStyle/>
+          <a:p>
+            <a:r>
+              <a:rPr lang="en-US" dirty="0">
+                <a:solidFill>
+                  <a:srgbClr val="002060"/>
+                </a:solidFill>
+              </a:rPr>
+              <a:t>This is left line number 1. This is left line number 1.</a:t>
+            </a:r>
+          </a:p>
+          <a:p>
+            <a:r>
+              <a:rPr lang="en-US" dirty="0">
+                <a:solidFill>
+                  <a:srgbClr val="002060"/>
+                </a:solidFill>
+              </a:rPr>
+              <a:t>This is left </a:t>
+            </a:r>
+            <a:r>
+              <a:rPr lang="en-US" dirty="0">
+                <a:highlight>
+                  <a:srgbClr val="FFFF00"/>
+                </a:highlight>
+              </a:rPr>
+              <a:t>|</a:t>
+            </a:r>
+            <a:r>
+              <a:rPr lang="en-US" dirty="0">
+                <a:solidFill>
+                  <a:srgbClr val="002060"/>
+                </a:solidFill>
+              </a:rPr>
+              <a:t> line number 2. This is left line number 2. This is left line number 2. </a:t>
+            </a:r>
+            <a:r>
+              <a:rPr lang="en-US" b="1" dirty="0"/>
+              <a:t>|</a:t>
+            </a:r>
+            <a:r>
+              <a:rPr lang="en-US" dirty="0"/>
+              <a:t> </a:t>
+            </a:r>
+            <a:r>
+              <a:rPr lang="en-US" dirty="0">
+                <a:solidFill>
+                  <a:srgbClr val="002060"/>
+                </a:solidFill>
+              </a:rPr>
+              <a:t>This is right line number 1. This is right line number 1. </a:t>
+            </a:r>
+          </a:p>
+          <a:p>
+            <a:r>
+              <a:rPr lang="en-US" dirty="0">
+                <a:solidFill>
+                  <a:srgbClr val="C00000"/>
+                </a:solidFill>
+              </a:rPr>
+              <a:t>This is right line number 2.</a:t>
+            </a:r>
+          </a:p>
+        </p:txBody>
+      </p:sp>
+      <p:sp>
+        <p:nvSpPr>
+          <p:cNvPr id="5" name="TextBox 4">
+            <a:extLst>
+              <a:ext uri="{FF2B5EF4-FFF2-40B4-BE49-F238E27FC236}">
+                <a16:creationId xmlns:a16="http://schemas.microsoft.com/office/drawing/2014/main" id="{436F6FC4-36BB-0A4F-A958-1BA8B6CEA2B7}"/>
+              </a:ext>
+            </a:extLst>
+          </p:cNvPr>
+          <p:cNvSpPr txBox="1"/>
+          <p:nvPr/>
+        </p:nvSpPr>
+        <p:spPr>
+          <a:xfrm>
+            <a:off x="154379" y="3904099"/>
+            <a:ext cx="7540833" cy="523220"/>
+          </a:xfrm>
+          <a:prstGeom prst="rect">
+            <a:avLst/>
+          </a:prstGeom>
+          <a:noFill/>
+          <a:ln>
+            <a:solidFill>
+              <a:schemeClr val="tx1"/>
+            </a:solidFill>
+          </a:ln>
+        </p:spPr>
+        <p:txBody>
+          <a:bodyPr wrap="square" rtlCol="0">
+            <a:spAutoFit/>
+          </a:bodyPr>
+          <a:lstStyle/>
+          <a:p>
+            <a:r>
+              <a:rPr lang="en-GB" sz="1400" b="1" u="sng" dirty="0"/>
+              <a:t>Section 3</a:t>
+            </a:r>
+          </a:p>
+          <a:p>
+            <a:pPr marL="285750" indent="-285750">
+              <a:buFont typeface="Arial" panose="020B0604020202020204" pitchFamily="34" charset="0"/>
+              <a:buChar char="•"/>
+            </a:pPr>
+            <a:r>
+              <a:rPr lang="en-GB" sz="1400" dirty="0"/>
+              <a:t>Remove the clicked line, so the text now becomes:</a:t>
+            </a:r>
+          </a:p>
+        </p:txBody>
+      </p:sp>
+      <p:sp>
+        <p:nvSpPr>
+          <p:cNvPr id="7" name="TextBox 6">
+            <a:extLst>
+              <a:ext uri="{FF2B5EF4-FFF2-40B4-BE49-F238E27FC236}">
+                <a16:creationId xmlns:a16="http://schemas.microsoft.com/office/drawing/2014/main" id="{8604A582-5B6A-294E-8ACF-333618E613B6}"/>
+              </a:ext>
+            </a:extLst>
+          </p:cNvPr>
+          <p:cNvSpPr txBox="1"/>
+          <p:nvPr/>
+        </p:nvSpPr>
+        <p:spPr>
+          <a:xfrm>
+            <a:off x="154379" y="3107490"/>
+            <a:ext cx="11141383" cy="523220"/>
+          </a:xfrm>
+          <a:prstGeom prst="rect">
+            <a:avLst/>
+          </a:prstGeom>
+          <a:noFill/>
+          <a:ln>
+            <a:solidFill>
+              <a:schemeClr val="tx1"/>
+            </a:solidFill>
+          </a:ln>
+        </p:spPr>
+        <p:txBody>
           <a:bodyPr wrap="none" rtlCol="0">
             <a:spAutoFit/>
           </a:bodyPr>
           <a:lstStyle/>
           <a:p>
             <a:r>
-              <a:rPr lang="en-US" sz="1400" dirty="0" err="1"/>
-              <a:t>rightTextFormatInfo</a:t>
-            </a:r>
-            <a:r>
-              <a:rPr lang="en-US" sz="1400" dirty="0"/>
-              <a:t>:</a:t>
+              <a:rPr lang="en-GB" sz="1400" b="1" u="sng" dirty="0"/>
+              <a:t>Section 2</a:t>
             </a:r>
           </a:p>
           <a:p>
@@ -4284,28 +5591,26 @@
               <a:buChar char="•"/>
             </a:pPr>
             <a:r>
-              <a:rPr lang="en-US" sz="1400" dirty="0"/>
-              <a:t>[22, 63, 104, 145]</a:t>
-            </a:r>
-          </a:p>
-          <a:p>
-            <a:pPr marL="285750" indent="-285750">
-              <a:buFont typeface="Arial" panose="020B0604020202020204" pitchFamily="34" charset="0"/>
-              <a:buChar char="•"/>
-            </a:pPr>
-            <a:r>
-              <a:rPr lang="en-US" sz="1400" dirty="0"/>
-              <a:t>[-1]</a:t>
-            </a:r>
-          </a:p>
-        </p:txBody>
-      </p:sp>
-      <p:sp>
-        <p:nvSpPr>
-          <p:cNvPr id="16" name="TextBox 15">
-            <a:extLst>
-              <a:ext uri="{FF2B5EF4-FFF2-40B4-BE49-F238E27FC236}">
-                <a16:creationId xmlns:a16="http://schemas.microsoft.com/office/drawing/2014/main" id="{03D8475E-33BC-D64F-AB04-9FEAF18F29EC}"/>
+              <a:rPr lang="en-GB" sz="1400" dirty="0" err="1"/>
+              <a:t>entireLine</a:t>
+            </a:r>
+            <a:r>
+              <a:rPr lang="en-GB" sz="1400" dirty="0"/>
+              <a:t> = “</a:t>
+            </a:r>
+            <a:r>
+              <a:rPr lang="en-US" sz="1400" dirty="0"/>
+              <a:t>This is left line number 2. This is left line number 2. This is left line number 2. “This is right line number 1. This is right line number 1.”</a:t>
+            </a:r>
+          </a:p>
+        </p:txBody>
+      </p:sp>
+      <p:sp>
+        <p:nvSpPr>
+          <p:cNvPr id="8" name="TextBox 7">
+            <a:extLst>
+              <a:ext uri="{FF2B5EF4-FFF2-40B4-BE49-F238E27FC236}">
+                <a16:creationId xmlns:a16="http://schemas.microsoft.com/office/drawing/2014/main" id="{D711FA48-A0CB-2843-A90B-E7F6ECC0084E}"/>
               </a:ext>
             </a:extLst>
           </p:cNvPr>
@@ -4314,8 +5619,8 @@
         </p:nvSpPr>
         <p:spPr>
           <a:xfrm>
-            <a:off x="4752933" y="2223103"/>
-            <a:ext cx="1619354" cy="738664"/>
+            <a:off x="190005" y="4561035"/>
+            <a:ext cx="4197887" cy="523220"/>
           </a:xfrm>
           <a:prstGeom prst="rect">
             <a:avLst/>
@@ -4328,14 +5633,14 @@
           </a:ln>
         </p:spPr>
         <p:txBody>
-          <a:bodyPr wrap="none" rtlCol="0">
+          <a:bodyPr wrap="square" rtlCol="0">
             <a:spAutoFit/>
           </a:bodyPr>
           <a:lstStyle/>
           <a:p>
             <a:r>
               <a:rPr lang="en-US" sz="1400" dirty="0" err="1"/>
-              <a:t>leftTextFormatInfo</a:t>
+              <a:t>leftText</a:t>
             </a:r>
             <a:r>
               <a:rPr lang="en-US" sz="1400" dirty="0"/>
@@ -4349,27 +5654,17 @@
             </a:pPr>
             <a:r>
               <a:rPr lang="en-US" sz="1400" dirty="0"/>
-              <a:t>[41]</a:t>
-            </a:r>
-          </a:p>
-          <a:p>
-            <a:pPr marL="285750" indent="-285750">
-              <a:buFont typeface="Arial" panose="020B0604020202020204" pitchFamily="34" charset="0"/>
-              <a:buChar char="•"/>
-            </a:pPr>
-            <a:r>
-              <a:rPr lang="en-US" sz="1400" dirty="0"/>
-              <a:t>[-1]</a:t>
-            </a:r>
-          </a:p>
-        </p:txBody>
-      </p:sp>
-      <p:sp>
-        <p:nvSpPr>
-          <p:cNvPr id="17" name="TextBox 16">
-            <a:extLst>
-              <a:ext uri="{FF2B5EF4-FFF2-40B4-BE49-F238E27FC236}">
-                <a16:creationId xmlns:a16="http://schemas.microsoft.com/office/drawing/2014/main" id="{6F3E4D12-EA3D-DA4F-989C-27390AFC50F0}"/>
+              <a:t>This is left line number 1. This is left line number 1.</a:t>
+            </a:r>
+          </a:p>
+        </p:txBody>
+      </p:sp>
+      <p:sp>
+        <p:nvSpPr>
+          <p:cNvPr id="9" name="TextBox 8">
+            <a:extLst>
+              <a:ext uri="{FF2B5EF4-FFF2-40B4-BE49-F238E27FC236}">
+                <a16:creationId xmlns:a16="http://schemas.microsoft.com/office/drawing/2014/main" id="{573B9DBE-9FFA-C64A-BA21-5170851758CD}"/>
               </a:ext>
             </a:extLst>
           </p:cNvPr>
@@ -4378,8 +5673,8 @@
         </p:nvSpPr>
         <p:spPr>
           <a:xfrm>
-            <a:off x="172026" y="2210919"/>
-            <a:ext cx="4357536" cy="738664"/>
+            <a:off x="214745" y="5511319"/>
+            <a:ext cx="2406364" cy="523220"/>
           </a:xfrm>
           <a:prstGeom prst="rect">
             <a:avLst/>
@@ -4392,14 +5687,14 @@
           </a:ln>
         </p:spPr>
         <p:txBody>
-          <a:bodyPr wrap="square" rtlCol="0">
+          <a:bodyPr wrap="none" rtlCol="0">
             <a:spAutoFit/>
           </a:bodyPr>
           <a:lstStyle/>
           <a:p>
             <a:r>
               <a:rPr lang="en-US" sz="1400" dirty="0" err="1"/>
-              <a:t>leftText</a:t>
+              <a:t>rightText</a:t>
             </a:r>
             <a:r>
               <a:rPr lang="en-US" sz="1400" dirty="0"/>
@@ -4413,27 +5708,17 @@
             </a:pPr>
             <a:r>
               <a:rPr lang="en-US" sz="1400" dirty="0"/>
-              <a:t>“This is left line number 1. This is left line number 1.”</a:t>
-            </a:r>
-          </a:p>
-          <a:p>
-            <a:pPr marL="285750" indent="-285750">
-              <a:buFont typeface="Arial" panose="020B0604020202020204" pitchFamily="34" charset="0"/>
-              <a:buChar char="•"/>
-            </a:pPr>
-            <a:r>
-              <a:rPr lang="en-GB" sz="1400" dirty="0"/>
-              <a:t>“This is left”</a:t>
-            </a:r>
-          </a:p>
-        </p:txBody>
-      </p:sp>
-      <p:sp>
-        <p:nvSpPr>
-          <p:cNvPr id="18" name="TextBox 17">
-            <a:extLst>
-              <a:ext uri="{FF2B5EF4-FFF2-40B4-BE49-F238E27FC236}">
-                <a16:creationId xmlns:a16="http://schemas.microsoft.com/office/drawing/2014/main" id="{88913849-784C-CA4A-B0F0-6CD0918FB809}"/>
+              <a:t>This is right line number 2.</a:t>
+            </a:r>
+          </a:p>
+        </p:txBody>
+      </p:sp>
+      <p:sp>
+        <p:nvSpPr>
+          <p:cNvPr id="10" name="TextBox 9">
+            <a:extLst>
+              <a:ext uri="{FF2B5EF4-FFF2-40B4-BE49-F238E27FC236}">
+                <a16:creationId xmlns:a16="http://schemas.microsoft.com/office/drawing/2014/main" id="{94E541BE-6258-E44E-9E4C-DE1B807103B9}"/>
               </a:ext>
             </a:extLst>
           </p:cNvPr>
@@ -4442,8 +5727,8 @@
         </p:nvSpPr>
         <p:spPr>
           <a:xfrm>
-            <a:off x="172026" y="3106859"/>
-            <a:ext cx="4357536" cy="1169551"/>
+            <a:off x="4626386" y="4561035"/>
+            <a:ext cx="1710725" cy="738664"/>
           </a:xfrm>
           <a:prstGeom prst="rect">
             <a:avLst/>
@@ -4456,14 +5741,14 @@
           </a:ln>
         </p:spPr>
         <p:txBody>
-          <a:bodyPr wrap="square" rtlCol="0">
+          <a:bodyPr wrap="none" rtlCol="0">
             <a:spAutoFit/>
           </a:bodyPr>
           <a:lstStyle/>
           <a:p>
             <a:r>
               <a:rPr lang="en-US" sz="1400" dirty="0" err="1"/>
-              <a:t>rightText</a:t>
+              <a:t>leftTextFormatInfo</a:t>
             </a:r>
             <a:r>
               <a:rPr lang="en-US" sz="1400" dirty="0"/>
@@ -4476,12 +5761,8 @@
               <a:buChar char="•"/>
             </a:pPr>
             <a:r>
-              <a:rPr lang="en-GB" sz="1400" dirty="0"/>
-              <a:t>“</a:t>
-            </a:r>
-            <a:r>
-              <a:rPr lang="en-US" sz="1400" dirty="0"/>
-              <a:t>line number 2. This is left line number 2. This is left line number 2. This is right line number 1. This is right line number 1.”</a:t>
+              <a:rPr lang="en-US" sz="1400" dirty="0"/>
+              <a:t>[41]</a:t>
             </a:r>
           </a:p>
           <a:p>
@@ -4491,17 +5772,17 @@
             </a:pPr>
             <a:r>
               <a:rPr lang="en-US" sz="1400" dirty="0"/>
-              <a:t>“This is right line number 2.”</a:t>
-            </a:r>
-          </a:p>
-        </p:txBody>
-      </p:sp>
-      <p:sp>
-        <p:nvSpPr>
-          <p:cNvPr id="19" name="TextBox 18">
-            <a:extLst>
-              <a:ext uri="{FF2B5EF4-FFF2-40B4-BE49-F238E27FC236}">
-                <a16:creationId xmlns:a16="http://schemas.microsoft.com/office/drawing/2014/main" id="{F1B8B15D-41DE-7548-8121-42ABF5AD6AFC}"/>
+              <a:t>[41,82, 100, 141]</a:t>
+            </a:r>
+          </a:p>
+        </p:txBody>
+      </p:sp>
+      <p:sp>
+        <p:nvSpPr>
+          <p:cNvPr id="11" name="TextBox 10">
+            <a:extLst>
+              <a:ext uri="{FF2B5EF4-FFF2-40B4-BE49-F238E27FC236}">
+                <a16:creationId xmlns:a16="http://schemas.microsoft.com/office/drawing/2014/main" id="{03259958-D9C7-3843-A475-B14FCA590ECF}"/>
               </a:ext>
             </a:extLst>
           </p:cNvPr>
@@ -4510,8 +5791,8 @@
         </p:nvSpPr>
         <p:spPr>
           <a:xfrm>
-            <a:off x="172026" y="4421503"/>
-            <a:ext cx="3550722" cy="2308324"/>
+            <a:off x="4653509" y="5511319"/>
+            <a:ext cx="1683602" cy="523220"/>
           </a:xfrm>
           <a:prstGeom prst="rect">
             <a:avLst/>
@@ -4524,6 +5805,659 @@
           </a:ln>
         </p:spPr>
         <p:txBody>
+          <a:bodyPr wrap="none" rtlCol="0">
+            <a:spAutoFit/>
+          </a:bodyPr>
+          <a:lstStyle/>
+          <a:p>
+            <a:r>
+              <a:rPr lang="en-US" sz="1400" dirty="0" err="1"/>
+              <a:t>rightTextFormatInfo</a:t>
+            </a:r>
+            <a:r>
+              <a:rPr lang="en-US" sz="1400" dirty="0"/>
+              <a:t>:</a:t>
+            </a:r>
+          </a:p>
+          <a:p>
+            <a:pPr marL="285750" indent="-285750">
+              <a:buFont typeface="Arial" panose="020B0604020202020204" pitchFamily="34" charset="0"/>
+              <a:buChar char="•"/>
+            </a:pPr>
+            <a:r>
+              <a:rPr lang="en-US" sz="1400" dirty="0"/>
+              <a:t>[-1]</a:t>
+            </a:r>
+          </a:p>
+        </p:txBody>
+      </p:sp>
+    </p:spTree>
+    <p:extLst>
+      <p:ext uri="{BB962C8B-B14F-4D97-AF65-F5344CB8AC3E}">
+        <p14:creationId xmlns:p14="http://schemas.microsoft.com/office/powerpoint/2010/main" val="284181946"/>
+      </p:ext>
+    </p:extLst>
+  </p:cSld>
+  <p:clrMapOvr>
+    <a:masterClrMapping/>
+  </p:clrMapOvr>
+</p:sld>
+</file>
+
+<file path=ppt/slides/slide13.xml><?xml version="1.0" encoding="utf-8"?>
+<p:sld xmlns:a="http://schemas.openxmlformats.org/drawingml/2006/main" xmlns:r="http://schemas.openxmlformats.org/officeDocument/2006/relationships" xmlns:p="http://schemas.openxmlformats.org/presentationml/2006/main">
+  <p:cSld>
+    <p:spTree>
+      <p:nvGrpSpPr>
+        <p:cNvPr id="1" name=""/>
+        <p:cNvGrpSpPr/>
+        <p:nvPr/>
+      </p:nvGrpSpPr>
+      <p:grpSpPr>
+        <a:xfrm>
+          <a:off x="0" y="0"/>
+          <a:ext cx="0" cy="0"/>
+          <a:chOff x="0" y="0"/>
+          <a:chExt cx="0" cy="0"/>
+        </a:xfrm>
+      </p:grpSpPr>
+      <p:sp>
+        <p:nvSpPr>
+          <p:cNvPr id="14" name="TextBox 13">
+            <a:extLst>
+              <a:ext uri="{FF2B5EF4-FFF2-40B4-BE49-F238E27FC236}">
+                <a16:creationId xmlns:a16="http://schemas.microsoft.com/office/drawing/2014/main" id="{67D312F2-2ED9-4D49-933A-2E2D9A69F3C3}"/>
+              </a:ext>
+            </a:extLst>
+          </p:cNvPr>
+          <p:cNvSpPr txBox="1"/>
+          <p:nvPr/>
+        </p:nvSpPr>
+        <p:spPr>
+          <a:xfrm>
+            <a:off x="205179" y="317256"/>
+            <a:ext cx="7540833" cy="1600438"/>
+          </a:xfrm>
+          <a:prstGeom prst="rect">
+            <a:avLst/>
+          </a:prstGeom>
+          <a:noFill/>
+          <a:ln>
+            <a:solidFill>
+              <a:schemeClr val="tx1"/>
+            </a:solidFill>
+          </a:ln>
+        </p:spPr>
+        <p:txBody>
+          <a:bodyPr wrap="square" rtlCol="0">
+            <a:spAutoFit/>
+          </a:bodyPr>
+          <a:lstStyle/>
+          <a:p>
+            <a:r>
+              <a:rPr lang="en-GB" sz="1400" b="1" u="sng" dirty="0"/>
+              <a:t>Section 4</a:t>
+            </a:r>
+          </a:p>
+          <a:p>
+            <a:pPr marL="285750" indent="-285750">
+              <a:buFont typeface="Arial" panose="020B0604020202020204" pitchFamily="34" charset="0"/>
+              <a:buChar char="•"/>
+            </a:pPr>
+            <a:r>
+              <a:rPr lang="en-GB" sz="1400" dirty="0"/>
+              <a:t>Clicked </a:t>
+            </a:r>
+            <a:r>
+              <a:rPr lang="en-GB" sz="1400" dirty="0" err="1"/>
+              <a:t>leftText</a:t>
+            </a:r>
+            <a:r>
+              <a:rPr lang="en-GB" sz="1400" dirty="0"/>
+              <a:t>, so enter the (‘if’) part of the if statement</a:t>
+            </a:r>
+          </a:p>
+          <a:p>
+            <a:pPr marL="742950" lvl="1" indent="-285750">
+              <a:buFont typeface="Arial" panose="020B0604020202020204" pitchFamily="34" charset="0"/>
+              <a:buChar char="•"/>
+            </a:pPr>
+            <a:r>
+              <a:rPr lang="en-GB" sz="1400" dirty="0" err="1"/>
+              <a:t>swapLine</a:t>
+            </a:r>
+            <a:r>
+              <a:rPr lang="en-GB" sz="1400" dirty="0"/>
+              <a:t> = 1</a:t>
+            </a:r>
+          </a:p>
+          <a:p>
+            <a:pPr marL="742950" lvl="1" indent="-285750">
+              <a:buFont typeface="Arial" panose="020B0604020202020204" pitchFamily="34" charset="0"/>
+              <a:buChar char="•"/>
+            </a:pPr>
+            <a:r>
+              <a:rPr lang="en-GB" sz="1400" dirty="0"/>
+              <a:t>While loop:</a:t>
+            </a:r>
+          </a:p>
+          <a:p>
+            <a:pPr marL="1200150" lvl="2" indent="-285750">
+              <a:buFont typeface="Arial" panose="020B0604020202020204" pitchFamily="34" charset="0"/>
+              <a:buChar char="•"/>
+            </a:pPr>
+            <a:r>
+              <a:rPr lang="en-GB" sz="1400" dirty="0"/>
+              <a:t>Doesn’t enter since ({</a:t>
+            </a:r>
+            <a:r>
+              <a:rPr lang="en-GB" sz="1400" dirty="0" err="1"/>
+              <a:t>swapLine</a:t>
+            </a:r>
+            <a:r>
+              <a:rPr lang="en-GB" sz="1400" dirty="0"/>
+              <a:t> = 1} &lt; {</a:t>
+            </a:r>
+            <a:r>
+              <a:rPr lang="en-GB" sz="1400" dirty="0" err="1"/>
+              <a:t>clickedLineIndex</a:t>
+            </a:r>
+            <a:r>
+              <a:rPr lang="en-GB" sz="1400" dirty="0"/>
+              <a:t> = 1})</a:t>
+            </a:r>
+          </a:p>
+          <a:p>
+            <a:pPr marL="1200150" lvl="2" indent="-285750">
+              <a:buFont typeface="Arial" panose="020B0604020202020204" pitchFamily="34" charset="0"/>
+              <a:buChar char="•"/>
+            </a:pPr>
+            <a:r>
+              <a:rPr lang="en-GB" sz="1400" dirty="0"/>
+              <a:t>And since there are no lines below the newly clicked line, that would other wise</a:t>
+            </a:r>
+          </a:p>
+          <a:p>
+            <a:pPr marL="1200150" lvl="2" indent="-285750">
+              <a:buFont typeface="Arial" panose="020B0604020202020204" pitchFamily="34" charset="0"/>
+              <a:buChar char="•"/>
+            </a:pPr>
+            <a:r>
+              <a:rPr lang="en-GB" sz="1400" dirty="0"/>
+              <a:t>Be added to the beginning of the </a:t>
+            </a:r>
+            <a:r>
+              <a:rPr lang="en-GB" sz="1400" dirty="0" err="1"/>
+              <a:t>rightText</a:t>
+            </a:r>
+            <a:r>
+              <a:rPr lang="en-GB" sz="1400" dirty="0"/>
+              <a:t>.</a:t>
+            </a:r>
+          </a:p>
+        </p:txBody>
+      </p:sp>
+      <p:sp>
+        <p:nvSpPr>
+          <p:cNvPr id="15" name="TextBox 14">
+            <a:extLst>
+              <a:ext uri="{FF2B5EF4-FFF2-40B4-BE49-F238E27FC236}">
+                <a16:creationId xmlns:a16="http://schemas.microsoft.com/office/drawing/2014/main" id="{0A25F5DF-1444-4D44-9305-6576654FBADA}"/>
+              </a:ext>
+            </a:extLst>
+          </p:cNvPr>
+          <p:cNvSpPr txBox="1"/>
+          <p:nvPr/>
+        </p:nvSpPr>
+        <p:spPr>
+          <a:xfrm>
+            <a:off x="205180" y="2076562"/>
+            <a:ext cx="10551720" cy="954107"/>
+          </a:xfrm>
+          <a:prstGeom prst="rect">
+            <a:avLst/>
+          </a:prstGeom>
+          <a:noFill/>
+          <a:ln>
+            <a:solidFill>
+              <a:schemeClr val="tx1"/>
+            </a:solidFill>
+          </a:ln>
+        </p:spPr>
+        <p:txBody>
+          <a:bodyPr wrap="square" rtlCol="0">
+            <a:spAutoFit/>
+          </a:bodyPr>
+          <a:lstStyle/>
+          <a:p>
+            <a:r>
+              <a:rPr lang="en-GB" sz="1400" b="1" u="sng" dirty="0"/>
+              <a:t>Section 5</a:t>
+            </a:r>
+          </a:p>
+          <a:p>
+            <a:pPr marL="285750" indent="-285750">
+              <a:buFont typeface="Arial" panose="020B0604020202020204" pitchFamily="34" charset="0"/>
+              <a:buChar char="•"/>
+            </a:pPr>
+            <a:r>
+              <a:rPr lang="en-GB" sz="1400" dirty="0" err="1"/>
+              <a:t>LeftPortion</a:t>
+            </a:r>
+            <a:r>
+              <a:rPr lang="en-GB" sz="1400" dirty="0"/>
+              <a:t> = “This is left”</a:t>
+            </a:r>
+          </a:p>
+          <a:p>
+            <a:pPr marL="285750" indent="-285750">
+              <a:buFont typeface="Arial" panose="020B0604020202020204" pitchFamily="34" charset="0"/>
+              <a:buChar char="•"/>
+            </a:pPr>
+            <a:r>
+              <a:rPr lang="en-GB" sz="1400" dirty="0" err="1"/>
+              <a:t>rightPortion</a:t>
+            </a:r>
+            <a:r>
+              <a:rPr lang="en-GB" sz="1400" dirty="0"/>
+              <a:t> = </a:t>
+            </a:r>
+            <a:r>
+              <a:rPr lang="en-US" sz="1400" dirty="0"/>
+              <a:t> “line number 2. This is left line number 2. This is left line number 2. This is right line number 1. This is right line number 1.” </a:t>
+            </a:r>
+          </a:p>
+          <a:p>
+            <a:pPr marL="285750" indent="-285750">
+              <a:buFont typeface="Arial" panose="020B0604020202020204" pitchFamily="34" charset="0"/>
+              <a:buChar char="•"/>
+            </a:pPr>
+            <a:r>
+              <a:rPr lang="en-GB" sz="1400" dirty="0"/>
+              <a:t>Add the </a:t>
+            </a:r>
+            <a:r>
+              <a:rPr lang="en-GB" sz="1400" dirty="0" err="1"/>
+              <a:t>leftPortion</a:t>
+            </a:r>
+            <a:r>
+              <a:rPr lang="en-GB" sz="1400" dirty="0"/>
+              <a:t> text to the </a:t>
+            </a:r>
+            <a:r>
+              <a:rPr lang="en-GB" sz="1400" dirty="0" err="1"/>
+              <a:t>leftText</a:t>
+            </a:r>
+            <a:r>
+              <a:rPr lang="en-GB" sz="1400" dirty="0"/>
+              <a:t> end:</a:t>
+            </a:r>
+          </a:p>
+        </p:txBody>
+      </p:sp>
+      <p:sp>
+        <p:nvSpPr>
+          <p:cNvPr id="16" name="TextBox 15">
+            <a:extLst>
+              <a:ext uri="{FF2B5EF4-FFF2-40B4-BE49-F238E27FC236}">
+                <a16:creationId xmlns:a16="http://schemas.microsoft.com/office/drawing/2014/main" id="{F6E40667-1DBD-C743-BEBD-861400C77763}"/>
+              </a:ext>
+            </a:extLst>
+          </p:cNvPr>
+          <p:cNvSpPr txBox="1"/>
+          <p:nvPr/>
+        </p:nvSpPr>
+        <p:spPr>
+          <a:xfrm>
+            <a:off x="205179" y="3229356"/>
+            <a:ext cx="6645521" cy="738664"/>
+          </a:xfrm>
+          <a:prstGeom prst="rect">
+            <a:avLst/>
+          </a:prstGeom>
+          <a:noFill/>
+          <a:ln>
+            <a:solidFill>
+              <a:schemeClr val="accent1"/>
+            </a:solidFill>
+          </a:ln>
+        </p:spPr>
+        <p:txBody>
+          <a:bodyPr wrap="square" rtlCol="0">
+            <a:spAutoFit/>
+          </a:bodyPr>
+          <a:lstStyle/>
+          <a:p>
+            <a:r>
+              <a:rPr lang="en-US" sz="1400" dirty="0" err="1"/>
+              <a:t>leftText</a:t>
+            </a:r>
+            <a:r>
+              <a:rPr lang="en-US" sz="1400" dirty="0"/>
+              <a:t>:</a:t>
+            </a:r>
+          </a:p>
+          <a:p>
+            <a:pPr marL="285750" indent="-285750">
+              <a:buFont typeface="Arial" panose="020B0604020202020204" pitchFamily="34" charset="0"/>
+              <a:buChar char="•"/>
+            </a:pPr>
+            <a:r>
+              <a:rPr lang="en-US" sz="1400" dirty="0"/>
+              <a:t>“This is left line number 1. This is left line number 1.”</a:t>
+            </a:r>
+          </a:p>
+          <a:p>
+            <a:pPr marL="285750" indent="-285750">
+              <a:buFont typeface="Arial" panose="020B0604020202020204" pitchFamily="34" charset="0"/>
+              <a:buChar char="•"/>
+            </a:pPr>
+            <a:r>
+              <a:rPr lang="en-GB" sz="1400" dirty="0"/>
+              <a:t>“This is left”</a:t>
+            </a:r>
+          </a:p>
+        </p:txBody>
+      </p:sp>
+      <p:sp>
+        <p:nvSpPr>
+          <p:cNvPr id="17" name="TextBox 16">
+            <a:extLst>
+              <a:ext uri="{FF2B5EF4-FFF2-40B4-BE49-F238E27FC236}">
+                <a16:creationId xmlns:a16="http://schemas.microsoft.com/office/drawing/2014/main" id="{8326DC20-001A-CD4A-9EEE-282E30201866}"/>
+              </a:ext>
+            </a:extLst>
+          </p:cNvPr>
+          <p:cNvSpPr txBox="1"/>
+          <p:nvPr/>
+        </p:nvSpPr>
+        <p:spPr>
+          <a:xfrm>
+            <a:off x="205179" y="4202093"/>
+            <a:ext cx="7540833" cy="307777"/>
+          </a:xfrm>
+          <a:prstGeom prst="rect">
+            <a:avLst/>
+          </a:prstGeom>
+          <a:noFill/>
+          <a:ln>
+            <a:solidFill>
+              <a:schemeClr val="tx1"/>
+            </a:solidFill>
+          </a:ln>
+        </p:spPr>
+        <p:txBody>
+          <a:bodyPr wrap="square" rtlCol="0">
+            <a:spAutoFit/>
+          </a:bodyPr>
+          <a:lstStyle/>
+          <a:p>
+            <a:pPr marL="285750" indent="-285750">
+              <a:buFont typeface="Arial" panose="020B0604020202020204" pitchFamily="34" charset="0"/>
+              <a:buChar char="•"/>
+            </a:pPr>
+            <a:r>
+              <a:rPr lang="en-GB" sz="1400" dirty="0"/>
+              <a:t>Add a blank entry to the </a:t>
+            </a:r>
+            <a:r>
+              <a:rPr lang="en-GB" sz="1400" dirty="0" err="1"/>
+              <a:t>leftTextFormatInfo</a:t>
+            </a:r>
+            <a:endParaRPr lang="en-GB" sz="1400" dirty="0"/>
+          </a:p>
+        </p:txBody>
+      </p:sp>
+      <p:sp>
+        <p:nvSpPr>
+          <p:cNvPr id="18" name="TextBox 17">
+            <a:extLst>
+              <a:ext uri="{FF2B5EF4-FFF2-40B4-BE49-F238E27FC236}">
+                <a16:creationId xmlns:a16="http://schemas.microsoft.com/office/drawing/2014/main" id="{C246F06A-D8DB-4C4D-B8F5-D1DD371C205F}"/>
+              </a:ext>
+            </a:extLst>
+          </p:cNvPr>
+          <p:cNvSpPr txBox="1"/>
+          <p:nvPr/>
+        </p:nvSpPr>
+        <p:spPr>
+          <a:xfrm>
+            <a:off x="205179" y="4566418"/>
+            <a:ext cx="1619354" cy="738664"/>
+          </a:xfrm>
+          <a:prstGeom prst="rect">
+            <a:avLst/>
+          </a:prstGeom>
+          <a:noFill/>
+          <a:ln>
+            <a:solidFill>
+              <a:schemeClr val="accent1"/>
+            </a:solidFill>
+          </a:ln>
+        </p:spPr>
+        <p:txBody>
+          <a:bodyPr wrap="none" rtlCol="0">
+            <a:spAutoFit/>
+          </a:bodyPr>
+          <a:lstStyle/>
+          <a:p>
+            <a:r>
+              <a:rPr lang="en-US" sz="1400" dirty="0" err="1"/>
+              <a:t>leftTextFormatInfo</a:t>
+            </a:r>
+            <a:r>
+              <a:rPr lang="en-US" sz="1400" dirty="0"/>
+              <a:t>:</a:t>
+            </a:r>
+          </a:p>
+          <a:p>
+            <a:pPr marL="285750" indent="-285750">
+              <a:buFont typeface="Arial" panose="020B0604020202020204" pitchFamily="34" charset="0"/>
+              <a:buChar char="•"/>
+            </a:pPr>
+            <a:r>
+              <a:rPr lang="en-US" sz="1400" dirty="0"/>
+              <a:t>[41]</a:t>
+            </a:r>
+          </a:p>
+          <a:p>
+            <a:pPr marL="285750" indent="-285750">
+              <a:buFont typeface="Arial" panose="020B0604020202020204" pitchFamily="34" charset="0"/>
+              <a:buChar char="•"/>
+            </a:pPr>
+            <a:r>
+              <a:rPr lang="en-US" sz="1400" dirty="0"/>
+              <a:t>[-1]</a:t>
+            </a:r>
+          </a:p>
+        </p:txBody>
+      </p:sp>
+      <p:sp>
+        <p:nvSpPr>
+          <p:cNvPr id="19" name="TextBox 18">
+            <a:extLst>
+              <a:ext uri="{FF2B5EF4-FFF2-40B4-BE49-F238E27FC236}">
+                <a16:creationId xmlns:a16="http://schemas.microsoft.com/office/drawing/2014/main" id="{3B1296E7-676F-A94B-BDA5-4AE3621A70A5}"/>
+              </a:ext>
+            </a:extLst>
+          </p:cNvPr>
+          <p:cNvSpPr txBox="1"/>
+          <p:nvPr/>
+        </p:nvSpPr>
+        <p:spPr>
+          <a:xfrm>
+            <a:off x="205179" y="5527405"/>
+            <a:ext cx="7540833" cy="307777"/>
+          </a:xfrm>
+          <a:prstGeom prst="rect">
+            <a:avLst/>
+          </a:prstGeom>
+          <a:noFill/>
+          <a:ln>
+            <a:solidFill>
+              <a:schemeClr val="tx1"/>
+            </a:solidFill>
+          </a:ln>
+        </p:spPr>
+        <p:txBody>
+          <a:bodyPr wrap="square" rtlCol="0">
+            <a:spAutoFit/>
+          </a:bodyPr>
+          <a:lstStyle/>
+          <a:p>
+            <a:pPr marL="285750" indent="-285750">
+              <a:buFont typeface="Arial" panose="020B0604020202020204" pitchFamily="34" charset="0"/>
+              <a:buChar char="•"/>
+            </a:pPr>
+            <a:r>
+              <a:rPr lang="en-GB" sz="1400" dirty="0"/>
+              <a:t>add the </a:t>
+            </a:r>
+            <a:r>
+              <a:rPr lang="en-GB" sz="1400" dirty="0" err="1"/>
+              <a:t>rightPortion</a:t>
+            </a:r>
+            <a:r>
+              <a:rPr lang="en-GB" sz="1400" dirty="0"/>
+              <a:t> text to the </a:t>
+            </a:r>
+            <a:r>
+              <a:rPr lang="en-GB" sz="1400" dirty="0" err="1"/>
+              <a:t>rightText</a:t>
+            </a:r>
+            <a:r>
+              <a:rPr lang="en-GB" sz="1400" dirty="0"/>
+              <a:t> start:</a:t>
+            </a:r>
+          </a:p>
+        </p:txBody>
+      </p:sp>
+      <p:sp>
+        <p:nvSpPr>
+          <p:cNvPr id="20" name="TextBox 19">
+            <a:extLst>
+              <a:ext uri="{FF2B5EF4-FFF2-40B4-BE49-F238E27FC236}">
+                <a16:creationId xmlns:a16="http://schemas.microsoft.com/office/drawing/2014/main" id="{88285849-CB66-F64C-B0A4-B79FE23AECCE}"/>
+              </a:ext>
+            </a:extLst>
+          </p:cNvPr>
+          <p:cNvSpPr txBox="1"/>
+          <p:nvPr/>
+        </p:nvSpPr>
+        <p:spPr>
+          <a:xfrm>
+            <a:off x="195634" y="5984893"/>
+            <a:ext cx="9348906" cy="738664"/>
+          </a:xfrm>
+          <a:prstGeom prst="rect">
+            <a:avLst/>
+          </a:prstGeom>
+          <a:noFill/>
+          <a:ln>
+            <a:solidFill>
+              <a:schemeClr val="accent1"/>
+            </a:solidFill>
+          </a:ln>
+        </p:spPr>
+        <p:txBody>
+          <a:bodyPr wrap="none" rtlCol="0">
+            <a:spAutoFit/>
+          </a:bodyPr>
+          <a:lstStyle/>
+          <a:p>
+            <a:r>
+              <a:rPr lang="en-US" sz="1400" dirty="0" err="1"/>
+              <a:t>rightText</a:t>
+            </a:r>
+            <a:r>
+              <a:rPr lang="en-US" sz="1400" dirty="0"/>
+              <a:t>:</a:t>
+            </a:r>
+          </a:p>
+          <a:p>
+            <a:pPr marL="285750" indent="-285750">
+              <a:buFont typeface="Arial" panose="020B0604020202020204" pitchFamily="34" charset="0"/>
+              <a:buChar char="•"/>
+            </a:pPr>
+            <a:r>
+              <a:rPr lang="en-GB" sz="1400" dirty="0"/>
+              <a:t>“</a:t>
+            </a:r>
+            <a:r>
+              <a:rPr lang="en-US" sz="1400" dirty="0"/>
+              <a:t>line number 2. This is left line number 2. This is left line number 2. This is right line number 1. This is right line number 1.”</a:t>
+            </a:r>
+          </a:p>
+          <a:p>
+            <a:pPr marL="285750" indent="-285750">
+              <a:buFont typeface="Arial" panose="020B0604020202020204" pitchFamily="34" charset="0"/>
+              <a:buChar char="•"/>
+            </a:pPr>
+            <a:r>
+              <a:rPr lang="en-US" sz="1400" dirty="0"/>
+              <a:t>“This is right line number 2.”</a:t>
+            </a:r>
+          </a:p>
+        </p:txBody>
+      </p:sp>
+    </p:spTree>
+    <p:extLst>
+      <p:ext uri="{BB962C8B-B14F-4D97-AF65-F5344CB8AC3E}">
+        <p14:creationId xmlns:p14="http://schemas.microsoft.com/office/powerpoint/2010/main" val="1350680553"/>
+      </p:ext>
+    </p:extLst>
+  </p:cSld>
+  <p:clrMapOvr>
+    <a:masterClrMapping/>
+  </p:clrMapOvr>
+</p:sld>
+</file>
+
+<file path=ppt/slides/slide14.xml><?xml version="1.0" encoding="utf-8"?>
+<p:sld xmlns:a="http://schemas.openxmlformats.org/drawingml/2006/main" xmlns:r="http://schemas.openxmlformats.org/officeDocument/2006/relationships" xmlns:p="http://schemas.openxmlformats.org/presentationml/2006/main">
+  <p:cSld>
+    <p:spTree>
+      <p:nvGrpSpPr>
+        <p:cNvPr id="1" name=""/>
+        <p:cNvGrpSpPr/>
+        <p:nvPr/>
+      </p:nvGrpSpPr>
+      <p:grpSpPr>
+        <a:xfrm>
+          <a:off x="0" y="0"/>
+          <a:ext cx="0" cy="0"/>
+          <a:chOff x="0" y="0"/>
+          <a:chExt cx="0" cy="0"/>
+        </a:xfrm>
+      </p:grpSpPr>
+      <p:sp>
+        <p:nvSpPr>
+          <p:cNvPr id="3" name="TextBox 2">
+            <a:extLst>
+              <a:ext uri="{FF2B5EF4-FFF2-40B4-BE49-F238E27FC236}">
+                <a16:creationId xmlns:a16="http://schemas.microsoft.com/office/drawing/2014/main" id="{EF9DF36E-C578-E642-9753-69AFBDAC5FA5}"/>
+              </a:ext>
+            </a:extLst>
+          </p:cNvPr>
+          <p:cNvSpPr txBox="1"/>
+          <p:nvPr/>
+        </p:nvSpPr>
+        <p:spPr>
+          <a:xfrm>
+            <a:off x="8387038" y="103470"/>
+            <a:ext cx="3550722" cy="2308324"/>
+          </a:xfrm>
+          <a:prstGeom prst="rect">
+            <a:avLst/>
+          </a:prstGeom>
+          <a:noFill/>
+          <a:ln>
+            <a:solidFill>
+              <a:schemeClr val="tx1"/>
+            </a:solidFill>
+          </a:ln>
+        </p:spPr>
+        <p:txBody>
           <a:bodyPr wrap="square" rtlCol="0">
             <a:spAutoFit/>
           </a:bodyPr>
@@ -4548,6 +6482,653 @@
               <a:t>This is left </a:t>
             </a:r>
             <a:r>
+              <a:rPr lang="en-US" dirty="0">
+                <a:highlight>
+                  <a:srgbClr val="FFFF00"/>
+                </a:highlight>
+              </a:rPr>
+              <a:t>|</a:t>
+            </a:r>
+            <a:r>
+              <a:rPr lang="en-US" dirty="0">
+                <a:solidFill>
+                  <a:srgbClr val="002060"/>
+                </a:solidFill>
+              </a:rPr>
+              <a:t> line number 2. This is left line number 2. This is left line number 2. </a:t>
+            </a:r>
+            <a:r>
+              <a:rPr lang="en-US" b="1" dirty="0"/>
+              <a:t>|</a:t>
+            </a:r>
+            <a:r>
+              <a:rPr lang="en-US" dirty="0"/>
+              <a:t> </a:t>
+            </a:r>
+            <a:r>
+              <a:rPr lang="en-US" dirty="0">
+                <a:solidFill>
+                  <a:srgbClr val="C00000"/>
+                </a:solidFill>
+              </a:rPr>
+              <a:t>This is right line number 1. This is right line number 1. </a:t>
+            </a:r>
+          </a:p>
+          <a:p>
+            <a:r>
+              <a:rPr lang="en-US" dirty="0">
+                <a:solidFill>
+                  <a:srgbClr val="C00000"/>
+                </a:solidFill>
+              </a:rPr>
+              <a:t>This is right line number 2.</a:t>
+            </a:r>
+          </a:p>
+        </p:txBody>
+      </p:sp>
+      <p:sp>
+        <p:nvSpPr>
+          <p:cNvPr id="4" name="TextBox 3">
+            <a:extLst>
+              <a:ext uri="{FF2B5EF4-FFF2-40B4-BE49-F238E27FC236}">
+                <a16:creationId xmlns:a16="http://schemas.microsoft.com/office/drawing/2014/main" id="{52065AD5-0B2F-5342-9ED4-42AF3F3E100F}"/>
+              </a:ext>
+            </a:extLst>
+          </p:cNvPr>
+          <p:cNvSpPr txBox="1"/>
+          <p:nvPr/>
+        </p:nvSpPr>
+        <p:spPr>
+          <a:xfrm>
+            <a:off x="8387038" y="2592435"/>
+            <a:ext cx="1585883" cy="738664"/>
+          </a:xfrm>
+          <a:prstGeom prst="rect">
+            <a:avLst/>
+          </a:prstGeom>
+          <a:noFill/>
+          <a:ln>
+            <a:solidFill>
+              <a:schemeClr val="tx1"/>
+            </a:solidFill>
+          </a:ln>
+        </p:spPr>
+        <p:txBody>
+          <a:bodyPr wrap="none" rtlCol="0">
+            <a:spAutoFit/>
+          </a:bodyPr>
+          <a:lstStyle/>
+          <a:p>
+            <a:r>
+              <a:rPr lang="en-US" sz="1400" dirty="0" err="1"/>
+              <a:t>leftTextFormatInfo</a:t>
+            </a:r>
+            <a:r>
+              <a:rPr lang="en-US" sz="1400" dirty="0"/>
+              <a:t>:</a:t>
+            </a:r>
+          </a:p>
+          <a:p>
+            <a:pPr marL="285750" indent="-285750">
+              <a:buFont typeface="Arial" panose="020B0604020202020204" pitchFamily="34" charset="0"/>
+              <a:buChar char="•"/>
+            </a:pPr>
+            <a:r>
+              <a:rPr lang="en-US" sz="1400" dirty="0"/>
+              <a:t>[41]</a:t>
+            </a:r>
+          </a:p>
+          <a:p>
+            <a:pPr marL="285750" indent="-285750">
+              <a:buFont typeface="Arial" panose="020B0604020202020204" pitchFamily="34" charset="0"/>
+              <a:buChar char="•"/>
+            </a:pPr>
+            <a:r>
+              <a:rPr lang="en-US" sz="1400" dirty="0"/>
+              <a:t>[41, 74]</a:t>
+            </a:r>
+          </a:p>
+        </p:txBody>
+      </p:sp>
+      <p:sp>
+        <p:nvSpPr>
+          <p:cNvPr id="5" name="TextBox 4">
+            <a:extLst>
+              <a:ext uri="{FF2B5EF4-FFF2-40B4-BE49-F238E27FC236}">
+                <a16:creationId xmlns:a16="http://schemas.microsoft.com/office/drawing/2014/main" id="{7A6027DB-688D-B04D-BF27-F84802426C3E}"/>
+              </a:ext>
+            </a:extLst>
+          </p:cNvPr>
+          <p:cNvSpPr txBox="1"/>
+          <p:nvPr/>
+        </p:nvSpPr>
+        <p:spPr>
+          <a:xfrm>
+            <a:off x="8392076" y="3511740"/>
+            <a:ext cx="1683602" cy="738664"/>
+          </a:xfrm>
+          <a:prstGeom prst="rect">
+            <a:avLst/>
+          </a:prstGeom>
+          <a:noFill/>
+          <a:ln>
+            <a:solidFill>
+              <a:schemeClr val="tx1"/>
+            </a:solidFill>
+          </a:ln>
+        </p:spPr>
+        <p:txBody>
+          <a:bodyPr wrap="none" rtlCol="0">
+            <a:spAutoFit/>
+          </a:bodyPr>
+          <a:lstStyle/>
+          <a:p>
+            <a:r>
+              <a:rPr lang="en-US" sz="1400" dirty="0" err="1"/>
+              <a:t>rightTextFormatInfo</a:t>
+            </a:r>
+            <a:r>
+              <a:rPr lang="en-US" sz="1400" dirty="0"/>
+              <a:t>:</a:t>
+            </a:r>
+          </a:p>
+          <a:p>
+            <a:pPr marL="285750" indent="-285750">
+              <a:buFont typeface="Arial" panose="020B0604020202020204" pitchFamily="34" charset="0"/>
+              <a:buChar char="•"/>
+            </a:pPr>
+            <a:r>
+              <a:rPr lang="en-US" sz="1400" dirty="0"/>
+              <a:t>[19, 55]</a:t>
+            </a:r>
+          </a:p>
+          <a:p>
+            <a:pPr marL="285750" indent="-285750">
+              <a:buFont typeface="Arial" panose="020B0604020202020204" pitchFamily="34" charset="0"/>
+              <a:buChar char="•"/>
+            </a:pPr>
+            <a:r>
+              <a:rPr lang="en-US" sz="1400" dirty="0"/>
+              <a:t>[-1]</a:t>
+            </a:r>
+          </a:p>
+        </p:txBody>
+      </p:sp>
+      <p:sp>
+        <p:nvSpPr>
+          <p:cNvPr id="9" name="TextBox 8">
+            <a:extLst>
+              <a:ext uri="{FF2B5EF4-FFF2-40B4-BE49-F238E27FC236}">
+                <a16:creationId xmlns:a16="http://schemas.microsoft.com/office/drawing/2014/main" id="{3620A8E4-D573-4C46-BAC2-15639A67CD0C}"/>
+              </a:ext>
+            </a:extLst>
+          </p:cNvPr>
+          <p:cNvSpPr txBox="1"/>
+          <p:nvPr/>
+        </p:nvSpPr>
+        <p:spPr>
+          <a:xfrm>
+            <a:off x="254240" y="355625"/>
+            <a:ext cx="7540833" cy="307777"/>
+          </a:xfrm>
+          <a:prstGeom prst="rect">
+            <a:avLst/>
+          </a:prstGeom>
+          <a:noFill/>
+          <a:ln>
+            <a:solidFill>
+              <a:schemeClr val="tx1"/>
+            </a:solidFill>
+          </a:ln>
+        </p:spPr>
+        <p:txBody>
+          <a:bodyPr wrap="square" rtlCol="0">
+            <a:spAutoFit/>
+          </a:bodyPr>
+          <a:lstStyle/>
+          <a:p>
+            <a:pPr marL="285750" indent="-285750">
+              <a:buFont typeface="Arial" panose="020B0604020202020204" pitchFamily="34" charset="0"/>
+              <a:buChar char="•"/>
+            </a:pPr>
+            <a:r>
+              <a:rPr lang="en-GB" sz="1400" dirty="0"/>
+              <a:t>Add a blank entry to the </a:t>
+            </a:r>
+            <a:r>
+              <a:rPr lang="en-GB" sz="1400" dirty="0" err="1"/>
+              <a:t>leftTextFormatInfo</a:t>
+            </a:r>
+            <a:endParaRPr lang="en-GB" sz="1400" dirty="0"/>
+          </a:p>
+        </p:txBody>
+      </p:sp>
+      <p:sp>
+        <p:nvSpPr>
+          <p:cNvPr id="12" name="TextBox 11">
+            <a:extLst>
+              <a:ext uri="{FF2B5EF4-FFF2-40B4-BE49-F238E27FC236}">
+                <a16:creationId xmlns:a16="http://schemas.microsoft.com/office/drawing/2014/main" id="{F917B23B-52DF-1046-9195-2CA1C7A20483}"/>
+              </a:ext>
+            </a:extLst>
+          </p:cNvPr>
+          <p:cNvSpPr txBox="1"/>
+          <p:nvPr/>
+        </p:nvSpPr>
+        <p:spPr>
+          <a:xfrm>
+            <a:off x="263785" y="813999"/>
+            <a:ext cx="1683602" cy="523220"/>
+          </a:xfrm>
+          <a:prstGeom prst="rect">
+            <a:avLst/>
+          </a:prstGeom>
+          <a:noFill/>
+          <a:ln>
+            <a:solidFill>
+              <a:schemeClr val="accent1"/>
+            </a:solidFill>
+          </a:ln>
+        </p:spPr>
+        <p:txBody>
+          <a:bodyPr wrap="none" rtlCol="0">
+            <a:spAutoFit/>
+          </a:bodyPr>
+          <a:lstStyle/>
+          <a:p>
+            <a:r>
+              <a:rPr lang="en-US" sz="1400" dirty="0" err="1"/>
+              <a:t>rightTextFormatInfo</a:t>
+            </a:r>
+            <a:r>
+              <a:rPr lang="en-US" sz="1400" dirty="0"/>
+              <a:t>:</a:t>
+            </a:r>
+          </a:p>
+          <a:p>
+            <a:pPr marL="285750" indent="-285750">
+              <a:buFont typeface="Arial" panose="020B0604020202020204" pitchFamily="34" charset="0"/>
+              <a:buChar char="•"/>
+            </a:pPr>
+            <a:r>
+              <a:rPr lang="en-US" sz="1400" dirty="0"/>
+              <a:t>[-1]</a:t>
+            </a:r>
+          </a:p>
+        </p:txBody>
+      </p:sp>
+      <p:sp>
+        <p:nvSpPr>
+          <p:cNvPr id="14" name="TextBox 13">
+            <a:extLst>
+              <a:ext uri="{FF2B5EF4-FFF2-40B4-BE49-F238E27FC236}">
+                <a16:creationId xmlns:a16="http://schemas.microsoft.com/office/drawing/2014/main" id="{038612DC-6E42-A047-84C2-0BBA144976CC}"/>
+              </a:ext>
+            </a:extLst>
+          </p:cNvPr>
+          <p:cNvSpPr txBox="1"/>
+          <p:nvPr/>
+        </p:nvSpPr>
+        <p:spPr>
+          <a:xfrm>
+            <a:off x="254239" y="1688354"/>
+            <a:ext cx="7540833" cy="307777"/>
+          </a:xfrm>
+          <a:prstGeom prst="rect">
+            <a:avLst/>
+          </a:prstGeom>
+          <a:noFill/>
+          <a:ln>
+            <a:solidFill>
+              <a:schemeClr val="tx1"/>
+            </a:solidFill>
+          </a:ln>
+        </p:spPr>
+        <p:txBody>
+          <a:bodyPr wrap="square" rtlCol="0">
+            <a:spAutoFit/>
+          </a:bodyPr>
+          <a:lstStyle/>
+          <a:p>
+            <a:pPr marL="285750" indent="-285750">
+              <a:buFont typeface="Arial" panose="020B0604020202020204" pitchFamily="34" charset="0"/>
+              <a:buChar char="•"/>
+            </a:pPr>
+            <a:r>
+              <a:rPr lang="en-GB" sz="1400" dirty="0"/>
+              <a:t>Update the last entry of the </a:t>
+            </a:r>
+            <a:r>
+              <a:rPr lang="en-GB" sz="1400" dirty="0" err="1"/>
+              <a:t>leftTextFormatInfo</a:t>
+            </a:r>
+            <a:r>
+              <a:rPr lang="en-GB" sz="1400" dirty="0"/>
+              <a:t> &amp; the first entry of the </a:t>
+            </a:r>
+            <a:r>
+              <a:rPr lang="en-GB" sz="1400" dirty="0" err="1"/>
+              <a:t>rightTextFormatInfo</a:t>
+            </a:r>
+            <a:r>
+              <a:rPr lang="en-GB" sz="1400" dirty="0"/>
+              <a:t> to get:</a:t>
+            </a:r>
+          </a:p>
+        </p:txBody>
+      </p:sp>
+      <p:sp>
+        <p:nvSpPr>
+          <p:cNvPr id="15" name="TextBox 14">
+            <a:extLst>
+              <a:ext uri="{FF2B5EF4-FFF2-40B4-BE49-F238E27FC236}">
+                <a16:creationId xmlns:a16="http://schemas.microsoft.com/office/drawing/2014/main" id="{E018FA24-DB99-B342-8088-311FAC9C15D1}"/>
+              </a:ext>
+            </a:extLst>
+          </p:cNvPr>
+          <p:cNvSpPr txBox="1"/>
+          <p:nvPr/>
+        </p:nvSpPr>
+        <p:spPr>
+          <a:xfrm>
+            <a:off x="4621487" y="3164371"/>
+            <a:ext cx="1750800" cy="738664"/>
+          </a:xfrm>
+          <a:prstGeom prst="rect">
+            <a:avLst/>
+          </a:prstGeom>
+          <a:noFill/>
+          <a:ln>
+            <a:solidFill>
+              <a:schemeClr val="accent1"/>
+            </a:solidFill>
+          </a:ln>
+        </p:spPr>
+        <p:txBody>
+          <a:bodyPr wrap="none" rtlCol="0">
+            <a:spAutoFit/>
+          </a:bodyPr>
+          <a:lstStyle/>
+          <a:p>
+            <a:r>
+              <a:rPr lang="en-US" sz="1400" dirty="0" err="1"/>
+              <a:t>rightTextFormatInfo</a:t>
+            </a:r>
+            <a:r>
+              <a:rPr lang="en-US" sz="1400" dirty="0"/>
+              <a:t>:</a:t>
+            </a:r>
+          </a:p>
+          <a:p>
+            <a:pPr marL="285750" indent="-285750">
+              <a:buFont typeface="Arial" panose="020B0604020202020204" pitchFamily="34" charset="0"/>
+              <a:buChar char="•"/>
+            </a:pPr>
+            <a:r>
+              <a:rPr lang="en-US" sz="1400" dirty="0"/>
+              <a:t>[22, 63, 104, 145]</a:t>
+            </a:r>
+          </a:p>
+          <a:p>
+            <a:pPr marL="285750" indent="-285750">
+              <a:buFont typeface="Arial" panose="020B0604020202020204" pitchFamily="34" charset="0"/>
+              <a:buChar char="•"/>
+            </a:pPr>
+            <a:r>
+              <a:rPr lang="en-US" sz="1400" dirty="0"/>
+              <a:t>[-1]</a:t>
+            </a:r>
+          </a:p>
+        </p:txBody>
+      </p:sp>
+      <p:sp>
+        <p:nvSpPr>
+          <p:cNvPr id="16" name="TextBox 15">
+            <a:extLst>
+              <a:ext uri="{FF2B5EF4-FFF2-40B4-BE49-F238E27FC236}">
+                <a16:creationId xmlns:a16="http://schemas.microsoft.com/office/drawing/2014/main" id="{03D8475E-33BC-D64F-AB04-9FEAF18F29EC}"/>
+              </a:ext>
+            </a:extLst>
+          </p:cNvPr>
+          <p:cNvSpPr txBox="1"/>
+          <p:nvPr/>
+        </p:nvSpPr>
+        <p:spPr>
+          <a:xfrm>
+            <a:off x="4752933" y="2223103"/>
+            <a:ext cx="1619354" cy="738664"/>
+          </a:xfrm>
+          <a:prstGeom prst="rect">
+            <a:avLst/>
+          </a:prstGeom>
+          <a:noFill/>
+          <a:ln>
+            <a:solidFill>
+              <a:schemeClr val="accent1"/>
+            </a:solidFill>
+          </a:ln>
+        </p:spPr>
+        <p:txBody>
+          <a:bodyPr wrap="none" rtlCol="0">
+            <a:spAutoFit/>
+          </a:bodyPr>
+          <a:lstStyle/>
+          <a:p>
+            <a:r>
+              <a:rPr lang="en-US" sz="1400" dirty="0" err="1"/>
+              <a:t>leftTextFormatInfo</a:t>
+            </a:r>
+            <a:r>
+              <a:rPr lang="en-US" sz="1400" dirty="0"/>
+              <a:t>:</a:t>
+            </a:r>
+          </a:p>
+          <a:p>
+            <a:pPr marL="285750" indent="-285750">
+              <a:buFont typeface="Arial" panose="020B0604020202020204" pitchFamily="34" charset="0"/>
+              <a:buChar char="•"/>
+            </a:pPr>
+            <a:r>
+              <a:rPr lang="en-US" sz="1400" dirty="0"/>
+              <a:t>[41]</a:t>
+            </a:r>
+          </a:p>
+          <a:p>
+            <a:pPr marL="285750" indent="-285750">
+              <a:buFont typeface="Arial" panose="020B0604020202020204" pitchFamily="34" charset="0"/>
+              <a:buChar char="•"/>
+            </a:pPr>
+            <a:r>
+              <a:rPr lang="en-US" sz="1400" dirty="0"/>
+              <a:t>[-1]</a:t>
+            </a:r>
+          </a:p>
+        </p:txBody>
+      </p:sp>
+      <p:sp>
+        <p:nvSpPr>
+          <p:cNvPr id="17" name="TextBox 16">
+            <a:extLst>
+              <a:ext uri="{FF2B5EF4-FFF2-40B4-BE49-F238E27FC236}">
+                <a16:creationId xmlns:a16="http://schemas.microsoft.com/office/drawing/2014/main" id="{6F3E4D12-EA3D-DA4F-989C-27390AFC50F0}"/>
+              </a:ext>
+            </a:extLst>
+          </p:cNvPr>
+          <p:cNvSpPr txBox="1"/>
+          <p:nvPr/>
+        </p:nvSpPr>
+        <p:spPr>
+          <a:xfrm>
+            <a:off x="172026" y="2210919"/>
+            <a:ext cx="4357536" cy="738664"/>
+          </a:xfrm>
+          <a:prstGeom prst="rect">
+            <a:avLst/>
+          </a:prstGeom>
+          <a:noFill/>
+          <a:ln>
+            <a:solidFill>
+              <a:schemeClr val="accent1"/>
+            </a:solidFill>
+          </a:ln>
+        </p:spPr>
+        <p:txBody>
+          <a:bodyPr wrap="square" rtlCol="0">
+            <a:spAutoFit/>
+          </a:bodyPr>
+          <a:lstStyle/>
+          <a:p>
+            <a:r>
+              <a:rPr lang="en-US" sz="1400" dirty="0" err="1"/>
+              <a:t>leftText</a:t>
+            </a:r>
+            <a:r>
+              <a:rPr lang="en-US" sz="1400" dirty="0"/>
+              <a:t>:</a:t>
+            </a:r>
+          </a:p>
+          <a:p>
+            <a:pPr marL="285750" indent="-285750">
+              <a:buFont typeface="Arial" panose="020B0604020202020204" pitchFamily="34" charset="0"/>
+              <a:buChar char="•"/>
+            </a:pPr>
+            <a:r>
+              <a:rPr lang="en-US" sz="1400" dirty="0"/>
+              <a:t>“This is left line number 1. This is left line number 1.”</a:t>
+            </a:r>
+          </a:p>
+          <a:p>
+            <a:pPr marL="285750" indent="-285750">
+              <a:buFont typeface="Arial" panose="020B0604020202020204" pitchFamily="34" charset="0"/>
+              <a:buChar char="•"/>
+            </a:pPr>
+            <a:r>
+              <a:rPr lang="en-GB" sz="1400" dirty="0"/>
+              <a:t>“This is left”</a:t>
+            </a:r>
+          </a:p>
+        </p:txBody>
+      </p:sp>
+      <p:sp>
+        <p:nvSpPr>
+          <p:cNvPr id="18" name="TextBox 17">
+            <a:extLst>
+              <a:ext uri="{FF2B5EF4-FFF2-40B4-BE49-F238E27FC236}">
+                <a16:creationId xmlns:a16="http://schemas.microsoft.com/office/drawing/2014/main" id="{88913849-784C-CA4A-B0F0-6CD0918FB809}"/>
+              </a:ext>
+            </a:extLst>
+          </p:cNvPr>
+          <p:cNvSpPr txBox="1"/>
+          <p:nvPr/>
+        </p:nvSpPr>
+        <p:spPr>
+          <a:xfrm>
+            <a:off x="172026" y="3106859"/>
+            <a:ext cx="4357536" cy="1169551"/>
+          </a:xfrm>
+          <a:prstGeom prst="rect">
+            <a:avLst/>
+          </a:prstGeom>
+          <a:noFill/>
+          <a:ln>
+            <a:solidFill>
+              <a:schemeClr val="accent1"/>
+            </a:solidFill>
+          </a:ln>
+        </p:spPr>
+        <p:txBody>
+          <a:bodyPr wrap="square" rtlCol="0">
+            <a:spAutoFit/>
+          </a:bodyPr>
+          <a:lstStyle/>
+          <a:p>
+            <a:r>
+              <a:rPr lang="en-US" sz="1400" dirty="0" err="1"/>
+              <a:t>rightText</a:t>
+            </a:r>
+            <a:r>
+              <a:rPr lang="en-US" sz="1400" dirty="0"/>
+              <a:t>:</a:t>
+            </a:r>
+          </a:p>
+          <a:p>
+            <a:pPr marL="285750" indent="-285750">
+              <a:buFont typeface="Arial" panose="020B0604020202020204" pitchFamily="34" charset="0"/>
+              <a:buChar char="•"/>
+            </a:pPr>
+            <a:r>
+              <a:rPr lang="en-GB" sz="1400" dirty="0"/>
+              <a:t>“</a:t>
+            </a:r>
+            <a:r>
+              <a:rPr lang="en-US" sz="1400" dirty="0"/>
+              <a:t>line number 2. This is left line number 2. This is left line number 2. This is right line number 1. This is right line number 1.”</a:t>
+            </a:r>
+          </a:p>
+          <a:p>
+            <a:pPr marL="285750" indent="-285750">
+              <a:buFont typeface="Arial" panose="020B0604020202020204" pitchFamily="34" charset="0"/>
+              <a:buChar char="•"/>
+            </a:pPr>
+            <a:r>
+              <a:rPr lang="en-US" sz="1400" dirty="0"/>
+              <a:t>“This is right line number 2.”</a:t>
+            </a:r>
+          </a:p>
+        </p:txBody>
+      </p:sp>
+      <p:sp>
+        <p:nvSpPr>
+          <p:cNvPr id="19" name="TextBox 18">
+            <a:extLst>
+              <a:ext uri="{FF2B5EF4-FFF2-40B4-BE49-F238E27FC236}">
+                <a16:creationId xmlns:a16="http://schemas.microsoft.com/office/drawing/2014/main" id="{F1B8B15D-41DE-7548-8121-42ABF5AD6AFC}"/>
+              </a:ext>
+            </a:extLst>
+          </p:cNvPr>
+          <p:cNvSpPr txBox="1"/>
+          <p:nvPr/>
+        </p:nvSpPr>
+        <p:spPr>
+          <a:xfrm>
+            <a:off x="172026" y="4421503"/>
+            <a:ext cx="3550722" cy="2308324"/>
+          </a:xfrm>
+          <a:prstGeom prst="rect">
+            <a:avLst/>
+          </a:prstGeom>
+          <a:noFill/>
+          <a:ln>
+            <a:solidFill>
+              <a:schemeClr val="accent1"/>
+            </a:solidFill>
+          </a:ln>
+        </p:spPr>
+        <p:txBody>
+          <a:bodyPr wrap="square" rtlCol="0">
+            <a:spAutoFit/>
+          </a:bodyPr>
+          <a:lstStyle/>
+          <a:p>
+            <a:r>
+              <a:rPr lang="en-US" dirty="0">
+                <a:solidFill>
+                  <a:srgbClr val="002060"/>
+                </a:solidFill>
+              </a:rPr>
+              <a:t>This is left line number 1. This is left line number 1.</a:t>
+            </a:r>
+          </a:p>
+          <a:p>
+            <a:r>
+              <a:rPr lang="en-US" dirty="0">
+                <a:solidFill>
+                  <a:srgbClr val="002060"/>
+                </a:solidFill>
+              </a:rPr>
+              <a:t>This is left </a:t>
+            </a:r>
+            <a:r>
               <a:rPr lang="en-US" b="1" dirty="0"/>
               <a:t>|</a:t>
             </a:r>
@@ -4592,6 +7173,106 @@
     <p:extLst>
       <p:ext uri="{BB962C8B-B14F-4D97-AF65-F5344CB8AC3E}">
         <p14:creationId xmlns:p14="http://schemas.microsoft.com/office/powerpoint/2010/main" val="3706763134"/>
+      </p:ext>
+    </p:extLst>
+  </p:cSld>
+  <p:clrMapOvr>
+    <a:masterClrMapping/>
+  </p:clrMapOvr>
+</p:sld>
+</file>
+
+<file path=ppt/slides/slide15.xml><?xml version="1.0" encoding="utf-8"?>
+<p:sld xmlns:a="http://schemas.openxmlformats.org/drawingml/2006/main" xmlns:r="http://schemas.openxmlformats.org/officeDocument/2006/relationships" xmlns:p="http://schemas.openxmlformats.org/presentationml/2006/main">
+  <p:cSld>
+    <p:spTree>
+      <p:nvGrpSpPr>
+        <p:cNvPr id="1" name=""/>
+        <p:cNvGrpSpPr/>
+        <p:nvPr/>
+      </p:nvGrpSpPr>
+      <p:grpSpPr>
+        <a:xfrm>
+          <a:off x="0" y="0"/>
+          <a:ext cx="0" cy="0"/>
+          <a:chOff x="0" y="0"/>
+          <a:chExt cx="0" cy="0"/>
+        </a:xfrm>
+      </p:grpSpPr>
+      <p:sp>
+        <p:nvSpPr>
+          <p:cNvPr id="2" name="TextBox 1">
+            <a:extLst>
+              <a:ext uri="{FF2B5EF4-FFF2-40B4-BE49-F238E27FC236}">
+                <a16:creationId xmlns:a16="http://schemas.microsoft.com/office/drawing/2014/main" id="{E64138B6-35BF-644C-9C65-D151BDAE80A5}"/>
+              </a:ext>
+            </a:extLst>
+          </p:cNvPr>
+          <p:cNvSpPr txBox="1"/>
+          <p:nvPr/>
+        </p:nvSpPr>
+        <p:spPr>
+          <a:xfrm>
+            <a:off x="0" y="384177"/>
+            <a:ext cx="11760848" cy="923330"/>
+          </a:xfrm>
+          <a:prstGeom prst="rect">
+            <a:avLst/>
+          </a:prstGeom>
+          <a:noFill/>
+        </p:spPr>
+        <p:txBody>
+          <a:bodyPr wrap="none" rtlCol="0">
+            <a:spAutoFit/>
+          </a:bodyPr>
+          <a:lstStyle/>
+          <a:p>
+            <a:r>
+              <a:rPr lang="en-US" sz="5400" b="1" u="sng" dirty="0"/>
+              <a:t>Method: </a:t>
+            </a:r>
+            <a:r>
+              <a:rPr lang="en-US" sz="5400" b="1" u="sng" dirty="0" err="1"/>
+              <a:t>updateFormattingOnEntireLine</a:t>
+            </a:r>
+            <a:endParaRPr lang="en-GB" sz="6000" b="1" u="sng" dirty="0"/>
+          </a:p>
+        </p:txBody>
+      </p:sp>
+    </p:spTree>
+    <p:extLst>
+      <p:ext uri="{BB962C8B-B14F-4D97-AF65-F5344CB8AC3E}">
+        <p14:creationId xmlns:p14="http://schemas.microsoft.com/office/powerpoint/2010/main" val="3714836868"/>
+      </p:ext>
+    </p:extLst>
+  </p:cSld>
+  <p:clrMapOvr>
+    <a:masterClrMapping/>
+  </p:clrMapOvr>
+</p:sld>
+</file>
+
+<file path=ppt/slides/slide16.xml><?xml version="1.0" encoding="utf-8"?>
+<p:sld xmlns:a="http://schemas.openxmlformats.org/drawingml/2006/main" xmlns:r="http://schemas.openxmlformats.org/officeDocument/2006/relationships" xmlns:p="http://schemas.openxmlformats.org/presentationml/2006/main">
+  <p:cSld>
+    <p:spTree>
+      <p:nvGrpSpPr>
+        <p:cNvPr id="1" name=""/>
+        <p:cNvGrpSpPr/>
+        <p:nvPr/>
+      </p:nvGrpSpPr>
+      <p:grpSpPr>
+        <a:xfrm>
+          <a:off x="0" y="0"/>
+          <a:ext cx="0" cy="0"/>
+          <a:chOff x="0" y="0"/>
+          <a:chExt cx="0" cy="0"/>
+        </a:xfrm>
+      </p:grpSpPr>
+    </p:spTree>
+    <p:extLst>
+      <p:ext uri="{BB962C8B-B14F-4D97-AF65-F5344CB8AC3E}">
+        <p14:creationId xmlns:p14="http://schemas.microsoft.com/office/powerpoint/2010/main" val="2718918639"/>
       </p:ext>
     </p:extLst>
   </p:cSld>
@@ -4620,10 +7301,10 @@
       </p:grpSpPr>
       <p:sp>
         <p:nvSpPr>
-          <p:cNvPr id="6" name="TextBox 5">
-            <a:extLst>
-              <a:ext uri="{FF2B5EF4-FFF2-40B4-BE49-F238E27FC236}">
-                <a16:creationId xmlns:a16="http://schemas.microsoft.com/office/drawing/2014/main" id="{806FC69D-6118-D643-B21E-8488D2D74841}"/>
+          <p:cNvPr id="2" name="TextBox 1">
+            <a:extLst>
+              <a:ext uri="{FF2B5EF4-FFF2-40B4-BE49-F238E27FC236}">
+                <a16:creationId xmlns:a16="http://schemas.microsoft.com/office/drawing/2014/main" id="{49081331-159D-6040-9195-728426FE2B9E}"/>
               </a:ext>
             </a:extLst>
           </p:cNvPr>
@@ -4633,7 +7314,7 @@
         <p:spPr>
           <a:xfrm>
             <a:off x="296883" y="391885"/>
-            <a:ext cx="3217740" cy="369332"/>
+            <a:ext cx="1487523" cy="369332"/>
           </a:xfrm>
           <a:prstGeom prst="rect">
             <a:avLst/>
@@ -4648,15 +7329,443 @@
           <a:p>
             <a:r>
               <a:rPr lang="en-US" b="1" u="sng" dirty="0"/>
-              <a:t>Example newly clicked position:</a:t>
-            </a:r>
-          </a:p>
-        </p:txBody>
-      </p:sp>
+              <a:t>Example text:</a:t>
+            </a:r>
+          </a:p>
+        </p:txBody>
+      </p:sp>
+      <p:sp>
+        <p:nvSpPr>
+          <p:cNvPr id="3" name="TextBox 2">
+            <a:extLst>
+              <a:ext uri="{FF2B5EF4-FFF2-40B4-BE49-F238E27FC236}">
+                <a16:creationId xmlns:a16="http://schemas.microsoft.com/office/drawing/2014/main" id="{95610DC9-702C-1A46-94D9-A24D9D552485}"/>
+              </a:ext>
+            </a:extLst>
+          </p:cNvPr>
+          <p:cNvSpPr txBox="1"/>
+          <p:nvPr/>
+        </p:nvSpPr>
+        <p:spPr>
+          <a:xfrm>
+            <a:off x="5835445" y="761217"/>
+            <a:ext cx="6059672" cy="738664"/>
+          </a:xfrm>
+          <a:prstGeom prst="rect">
+            <a:avLst/>
+          </a:prstGeom>
+          <a:noFill/>
+          <a:ln>
+            <a:solidFill>
+              <a:schemeClr val="tx1"/>
+            </a:solidFill>
+          </a:ln>
+        </p:spPr>
+        <p:txBody>
+          <a:bodyPr wrap="none" rtlCol="0">
+            <a:spAutoFit/>
+          </a:bodyPr>
+          <a:lstStyle/>
+          <a:p>
+            <a:r>
+              <a:rPr lang="en-US" sz="1400" dirty="0" err="1"/>
+              <a:t>leftText</a:t>
+            </a:r>
+            <a:r>
+              <a:rPr lang="en-US" sz="1400" dirty="0"/>
+              <a:t>:</a:t>
+            </a:r>
+          </a:p>
+          <a:p>
+            <a:pPr marL="285750" indent="-285750">
+              <a:buFont typeface="Arial" panose="020B0604020202020204" pitchFamily="34" charset="0"/>
+              <a:buChar char="•"/>
+            </a:pPr>
+            <a:r>
+              <a:rPr lang="en-US" sz="1400" dirty="0"/>
+              <a:t>This is left line number 1. This is left line number 1.</a:t>
+            </a:r>
+          </a:p>
+          <a:p>
+            <a:pPr marL="285750" indent="-285750">
+              <a:buFont typeface="Arial" panose="020B0604020202020204" pitchFamily="34" charset="0"/>
+              <a:buChar char="•"/>
+            </a:pPr>
+            <a:r>
+              <a:rPr lang="en-US" sz="1400" dirty="0"/>
+              <a:t>This is left line number 2. This is left line number 2. This is left line number 2.</a:t>
+            </a:r>
+          </a:p>
+        </p:txBody>
+      </p:sp>
+      <p:sp>
+        <p:nvSpPr>
+          <p:cNvPr id="4" name="TextBox 3">
+            <a:extLst>
+              <a:ext uri="{FF2B5EF4-FFF2-40B4-BE49-F238E27FC236}">
+                <a16:creationId xmlns:a16="http://schemas.microsoft.com/office/drawing/2014/main" id="{4EBE74CF-BEC1-0A44-8CF6-2169443DA2C5}"/>
+              </a:ext>
+            </a:extLst>
+          </p:cNvPr>
+          <p:cNvSpPr txBox="1"/>
+          <p:nvPr/>
+        </p:nvSpPr>
+        <p:spPr>
+          <a:xfrm>
+            <a:off x="5835445" y="2557519"/>
+            <a:ext cx="4419671" cy="738664"/>
+          </a:xfrm>
+          <a:prstGeom prst="rect">
+            <a:avLst/>
+          </a:prstGeom>
+          <a:noFill/>
+          <a:ln>
+            <a:solidFill>
+              <a:schemeClr val="tx1"/>
+            </a:solidFill>
+          </a:ln>
+        </p:spPr>
+        <p:txBody>
+          <a:bodyPr wrap="none" rtlCol="0">
+            <a:spAutoFit/>
+          </a:bodyPr>
+          <a:lstStyle/>
+          <a:p>
+            <a:r>
+              <a:rPr lang="en-US" sz="1400" dirty="0" err="1"/>
+              <a:t>rightText</a:t>
+            </a:r>
+            <a:r>
+              <a:rPr lang="en-US" sz="1400" dirty="0"/>
+              <a:t>:</a:t>
+            </a:r>
+          </a:p>
+          <a:p>
+            <a:pPr marL="285750" indent="-285750">
+              <a:buFont typeface="Arial" panose="020B0604020202020204" pitchFamily="34" charset="0"/>
+              <a:buChar char="•"/>
+            </a:pPr>
+            <a:r>
+              <a:rPr lang="en-US" sz="1400" dirty="0"/>
+              <a:t>This is right line number 1. This is right line number 1. </a:t>
+            </a:r>
+          </a:p>
+          <a:p>
+            <a:pPr marL="285750" indent="-285750">
+              <a:buFont typeface="Arial" panose="020B0604020202020204" pitchFamily="34" charset="0"/>
+              <a:buChar char="•"/>
+            </a:pPr>
+            <a:r>
+              <a:rPr lang="en-US" sz="1400" dirty="0"/>
+              <a:t>This is right line number 2.</a:t>
+            </a:r>
+          </a:p>
+        </p:txBody>
+      </p:sp>
+      <p:sp>
+        <p:nvSpPr>
+          <p:cNvPr id="5" name="TextBox 4">
+            <a:extLst>
+              <a:ext uri="{FF2B5EF4-FFF2-40B4-BE49-F238E27FC236}">
+                <a16:creationId xmlns:a16="http://schemas.microsoft.com/office/drawing/2014/main" id="{8609C821-4B46-C647-BD6D-1223CC99FD5D}"/>
+              </a:ext>
+            </a:extLst>
+          </p:cNvPr>
+          <p:cNvSpPr txBox="1"/>
+          <p:nvPr/>
+        </p:nvSpPr>
+        <p:spPr>
+          <a:xfrm>
+            <a:off x="5835445" y="1659368"/>
+            <a:ext cx="1585883" cy="738664"/>
+          </a:xfrm>
+          <a:prstGeom prst="rect">
+            <a:avLst/>
+          </a:prstGeom>
+          <a:noFill/>
+          <a:ln>
+            <a:solidFill>
+              <a:schemeClr val="tx1"/>
+            </a:solidFill>
+          </a:ln>
+        </p:spPr>
+        <p:txBody>
+          <a:bodyPr wrap="none" rtlCol="0">
+            <a:spAutoFit/>
+          </a:bodyPr>
+          <a:lstStyle/>
+          <a:p>
+            <a:r>
+              <a:rPr lang="en-US" sz="1400" dirty="0" err="1"/>
+              <a:t>leftTextFormatInfo</a:t>
+            </a:r>
+            <a:r>
+              <a:rPr lang="en-US" sz="1400" dirty="0"/>
+              <a:t>:</a:t>
+            </a:r>
+          </a:p>
+          <a:p>
+            <a:pPr marL="285750" indent="-285750">
+              <a:buFont typeface="Arial" panose="020B0604020202020204" pitchFamily="34" charset="0"/>
+              <a:buChar char="•"/>
+            </a:pPr>
+            <a:r>
+              <a:rPr lang="en-US" sz="1400" dirty="0"/>
+              <a:t>[41]</a:t>
+            </a:r>
+          </a:p>
+          <a:p>
+            <a:pPr marL="285750" indent="-285750">
+              <a:buFont typeface="Arial" panose="020B0604020202020204" pitchFamily="34" charset="0"/>
+              <a:buChar char="•"/>
+            </a:pPr>
+            <a:r>
+              <a:rPr lang="en-US" sz="1400" dirty="0"/>
+              <a:t>[41, 74]</a:t>
+            </a:r>
+          </a:p>
+        </p:txBody>
+      </p:sp>
+      <p:sp>
+        <p:nvSpPr>
+          <p:cNvPr id="6" name="TextBox 5">
+            <a:extLst>
+              <a:ext uri="{FF2B5EF4-FFF2-40B4-BE49-F238E27FC236}">
+                <a16:creationId xmlns:a16="http://schemas.microsoft.com/office/drawing/2014/main" id="{00A65110-5AB1-6B45-A4EA-9587E21EFC58}"/>
+              </a:ext>
+            </a:extLst>
+          </p:cNvPr>
+          <p:cNvSpPr txBox="1"/>
+          <p:nvPr/>
+        </p:nvSpPr>
+        <p:spPr>
+          <a:xfrm>
+            <a:off x="5835445" y="3496405"/>
+            <a:ext cx="1683602" cy="738664"/>
+          </a:xfrm>
+          <a:prstGeom prst="rect">
+            <a:avLst/>
+          </a:prstGeom>
+          <a:noFill/>
+          <a:ln>
+            <a:solidFill>
+              <a:schemeClr val="tx1"/>
+            </a:solidFill>
+          </a:ln>
+        </p:spPr>
+        <p:txBody>
+          <a:bodyPr wrap="none" rtlCol="0">
+            <a:spAutoFit/>
+          </a:bodyPr>
+          <a:lstStyle/>
+          <a:p>
+            <a:r>
+              <a:rPr lang="en-US" sz="1400" dirty="0" err="1"/>
+              <a:t>rightTextFormatInfo</a:t>
+            </a:r>
+            <a:r>
+              <a:rPr lang="en-US" sz="1400" dirty="0"/>
+              <a:t>:</a:t>
+            </a:r>
+          </a:p>
+          <a:p>
+            <a:pPr marL="285750" indent="-285750">
+              <a:buFont typeface="Arial" panose="020B0604020202020204" pitchFamily="34" charset="0"/>
+              <a:buChar char="•"/>
+            </a:pPr>
+            <a:r>
+              <a:rPr lang="en-US" sz="1400" dirty="0"/>
+              <a:t>[19, 55]</a:t>
+            </a:r>
+          </a:p>
+          <a:p>
+            <a:pPr marL="285750" indent="-285750">
+              <a:buFont typeface="Arial" panose="020B0604020202020204" pitchFamily="34" charset="0"/>
+              <a:buChar char="•"/>
+            </a:pPr>
+            <a:r>
+              <a:rPr lang="en-US" sz="1400" dirty="0"/>
+              <a:t>[-1]</a:t>
+            </a:r>
+          </a:p>
+        </p:txBody>
+      </p:sp>
+      <p:sp>
+        <p:nvSpPr>
+          <p:cNvPr id="7" name="TextBox 6">
+            <a:extLst>
+              <a:ext uri="{FF2B5EF4-FFF2-40B4-BE49-F238E27FC236}">
+                <a16:creationId xmlns:a16="http://schemas.microsoft.com/office/drawing/2014/main" id="{2C8F650E-0ECF-3249-8DBF-6C4D7CDA5DB5}"/>
+              </a:ext>
+            </a:extLst>
+          </p:cNvPr>
+          <p:cNvSpPr txBox="1"/>
+          <p:nvPr/>
+        </p:nvSpPr>
+        <p:spPr>
+          <a:xfrm>
+            <a:off x="475013" y="1117707"/>
+            <a:ext cx="3550722" cy="2308324"/>
+          </a:xfrm>
+          <a:prstGeom prst="rect">
+            <a:avLst/>
+          </a:prstGeom>
+          <a:noFill/>
+          <a:ln>
+            <a:solidFill>
+              <a:schemeClr val="tx1"/>
+            </a:solidFill>
+          </a:ln>
+        </p:spPr>
+        <p:txBody>
+          <a:bodyPr wrap="square" rtlCol="0">
+            <a:spAutoFit/>
+          </a:bodyPr>
+          <a:lstStyle/>
+          <a:p>
+            <a:r>
+              <a:rPr lang="en-US" dirty="0">
+                <a:solidFill>
+                  <a:srgbClr val="002060"/>
+                </a:solidFill>
+              </a:rPr>
+              <a:t>This is left line number 1. This is left line number 1.</a:t>
+            </a:r>
+          </a:p>
+          <a:p>
+            <a:r>
+              <a:rPr lang="en-US" dirty="0">
+                <a:solidFill>
+                  <a:srgbClr val="002060"/>
+                </a:solidFill>
+              </a:rPr>
+              <a:t>This is left </a:t>
+            </a:r>
+            <a:r>
+              <a:rPr lang="en-US" dirty="0">
+                <a:highlight>
+                  <a:srgbClr val="FFFF00"/>
+                </a:highlight>
+              </a:rPr>
+              <a:t>|</a:t>
+            </a:r>
+            <a:r>
+              <a:rPr lang="en-US" dirty="0">
+                <a:solidFill>
+                  <a:srgbClr val="002060"/>
+                </a:solidFill>
+              </a:rPr>
+              <a:t>line number 2. This is left line number 2. This is left line number 2. </a:t>
+            </a:r>
+            <a:r>
+              <a:rPr lang="en-US" b="1" dirty="0"/>
+              <a:t>|</a:t>
+            </a:r>
+            <a:r>
+              <a:rPr lang="en-US" dirty="0"/>
+              <a:t> </a:t>
+            </a:r>
+            <a:r>
+              <a:rPr lang="en-US" dirty="0">
+                <a:solidFill>
+                  <a:srgbClr val="C00000"/>
+                </a:solidFill>
+              </a:rPr>
+              <a:t>This is right line number 1. This is right line number 1. </a:t>
+            </a:r>
+          </a:p>
+          <a:p>
+            <a:r>
+              <a:rPr lang="en-US" dirty="0">
+                <a:solidFill>
+                  <a:srgbClr val="C00000"/>
+                </a:solidFill>
+              </a:rPr>
+              <a:t>This is right line number 2.</a:t>
+            </a:r>
+          </a:p>
+        </p:txBody>
+      </p:sp>
+      <p:sp>
+        <p:nvSpPr>
+          <p:cNvPr id="8" name="TextBox 7">
+            <a:extLst>
+              <a:ext uri="{FF2B5EF4-FFF2-40B4-BE49-F238E27FC236}">
+                <a16:creationId xmlns:a16="http://schemas.microsoft.com/office/drawing/2014/main" id="{81BAF65D-1B37-E54B-B2D1-9F087681F2DA}"/>
+              </a:ext>
+            </a:extLst>
+          </p:cNvPr>
+          <p:cNvSpPr txBox="1"/>
+          <p:nvPr/>
+        </p:nvSpPr>
+        <p:spPr>
+          <a:xfrm>
+            <a:off x="4061360" y="981508"/>
+            <a:ext cx="1576778" cy="276999"/>
+          </a:xfrm>
+          <a:prstGeom prst="rect">
+            <a:avLst/>
+          </a:prstGeom>
+          <a:noFill/>
+        </p:spPr>
+        <p:txBody>
+          <a:bodyPr wrap="none" rtlCol="0">
+            <a:spAutoFit/>
+          </a:bodyPr>
+          <a:lstStyle/>
+          <a:p>
+            <a:r>
+              <a:rPr lang="en-US" sz="1200" dirty="0"/>
+              <a:t>Newly clicked position</a:t>
+            </a:r>
+          </a:p>
+        </p:txBody>
+      </p:sp>
+      <p:cxnSp>
+        <p:nvCxnSpPr>
+          <p:cNvPr id="9" name="Straight Arrow Connector 8">
+            <a:extLst>
+              <a:ext uri="{FF2B5EF4-FFF2-40B4-BE49-F238E27FC236}">
+                <a16:creationId xmlns:a16="http://schemas.microsoft.com/office/drawing/2014/main" id="{8D212732-22C9-F444-8B1D-0C110FF02F9B}"/>
+              </a:ext>
+            </a:extLst>
+          </p:cNvPr>
+          <p:cNvCxnSpPr>
+            <a:cxnSpLocks/>
+          </p:cNvCxnSpPr>
+          <p:nvPr/>
+        </p:nvCxnSpPr>
+        <p:spPr>
+          <a:xfrm flipH="1">
+            <a:off x="1650671" y="1222882"/>
+            <a:ext cx="2607996" cy="546541"/>
+          </a:xfrm>
+          <a:prstGeom prst="straightConnector1">
+            <a:avLst/>
+          </a:prstGeom>
+          <a:ln>
+            <a:tailEnd type="triangle"/>
+          </a:ln>
+        </p:spPr>
+        <p:style>
+          <a:lnRef idx="1">
+            <a:schemeClr val="dk1"/>
+          </a:lnRef>
+          <a:fillRef idx="0">
+            <a:schemeClr val="dk1"/>
+          </a:fillRef>
+          <a:effectRef idx="0">
+            <a:schemeClr val="dk1"/>
+          </a:effectRef>
+          <a:fontRef idx="minor">
+            <a:schemeClr val="tx1"/>
+          </a:fontRef>
+        </p:style>
+      </p:cxnSp>
     </p:spTree>
     <p:extLst>
       <p:ext uri="{BB962C8B-B14F-4D97-AF65-F5344CB8AC3E}">
-        <p14:creationId xmlns:p14="http://schemas.microsoft.com/office/powerpoint/2010/main" val="2523244906"/>
+        <p14:creationId xmlns:p14="http://schemas.microsoft.com/office/powerpoint/2010/main" val="1986889128"/>
       </p:ext>
     </p:extLst>
   </p:cSld>
@@ -4685,10 +7794,10 @@
       </p:grpSpPr>
       <p:sp>
         <p:nvSpPr>
-          <p:cNvPr id="2" name="TextBox 1">
-            <a:extLst>
-              <a:ext uri="{FF2B5EF4-FFF2-40B4-BE49-F238E27FC236}">
-                <a16:creationId xmlns:a16="http://schemas.microsoft.com/office/drawing/2014/main" id="{618E76A7-9BD4-3E4F-8271-FD6AB6AB7D06}"/>
+          <p:cNvPr id="3" name="TextBox 2">
+            <a:extLst>
+              <a:ext uri="{FF2B5EF4-FFF2-40B4-BE49-F238E27FC236}">
+                <a16:creationId xmlns:a16="http://schemas.microsoft.com/office/drawing/2014/main" id="{2838582E-A6E0-CB46-826D-E0A0B8DD4E54}"/>
               </a:ext>
             </a:extLst>
           </p:cNvPr>
@@ -4698,7 +7807,7 @@
         <p:spPr>
           <a:xfrm>
             <a:off x="475013" y="368135"/>
-            <a:ext cx="10694210" cy="1015663"/>
+            <a:ext cx="10699532" cy="1015663"/>
           </a:xfrm>
           <a:prstGeom prst="rect">
             <a:avLst/>
@@ -4712,12 +7821,8 @@
           <a:lstStyle/>
           <a:p>
             <a:r>
-              <a:rPr lang="en-US" sz="6000" b="1" u="sng" dirty="0"/>
-              <a:t>Method: </a:t>
-            </a:r>
-            <a:r>
-              <a:rPr lang="en-GB" sz="6000" b="1" u="sng" dirty="0" err="1"/>
-              <a:t>getRowAfterFormatting</a:t>
+              <a:rPr lang="en-US" sz="6000" b="1" u="sng" dirty="0" err="1"/>
+              <a:t>Method:updateLeftAndRightText</a:t>
             </a:r>
             <a:endParaRPr lang="en-GB" sz="6000" b="1" u="sng" dirty="0"/>
           </a:p>
@@ -4726,7 +7831,7 @@
     </p:spTree>
     <p:extLst>
       <p:ext uri="{BB962C8B-B14F-4D97-AF65-F5344CB8AC3E}">
-        <p14:creationId xmlns:p14="http://schemas.microsoft.com/office/powerpoint/2010/main" val="2755619400"/>
+        <p14:creationId xmlns:p14="http://schemas.microsoft.com/office/powerpoint/2010/main" val="2523244906"/>
       </p:ext>
     </p:extLst>
   </p:cSld>
@@ -4755,10 +7860,10 @@
       </p:grpSpPr>
       <p:sp>
         <p:nvSpPr>
-          <p:cNvPr id="6" name="TextBox 5">
-            <a:extLst>
-              <a:ext uri="{FF2B5EF4-FFF2-40B4-BE49-F238E27FC236}">
-                <a16:creationId xmlns:a16="http://schemas.microsoft.com/office/drawing/2014/main" id="{CA0DC870-2136-0741-B6E9-712B20F85B50}"/>
+          <p:cNvPr id="2" name="TextBox 1">
+            <a:extLst>
+              <a:ext uri="{FF2B5EF4-FFF2-40B4-BE49-F238E27FC236}">
+                <a16:creationId xmlns:a16="http://schemas.microsoft.com/office/drawing/2014/main" id="{123DABCA-CC80-3B47-BCE6-C91D8B70218B}"/>
               </a:ext>
             </a:extLst>
           </p:cNvPr>
@@ -4768,7 +7873,7 @@
         <p:spPr>
           <a:xfrm>
             <a:off x="254240" y="100501"/>
-            <a:ext cx="4603633" cy="369332"/>
+            <a:ext cx="3273653" cy="369332"/>
           </a:xfrm>
           <a:prstGeom prst="rect">
             <a:avLst/>
@@ -4783,19 +7888,11 @@
           <a:p>
             <a:r>
               <a:rPr lang="en-GB" dirty="0" err="1"/>
-              <a:t>getRowAfterFormatting</a:t>
+              <a:t>updateLeftAndRightText</a:t>
             </a:r>
             <a:r>
               <a:rPr lang="en-US" dirty="0"/>
-              <a:t> (3, </a:t>
-            </a:r>
-            <a:r>
-              <a:rPr lang="en-US" dirty="0" err="1"/>
-              <a:t>leftTextFormatInfo</a:t>
-            </a:r>
-            <a:r>
-              <a:rPr lang="en-US" dirty="0"/>
-              <a:t>) </a:t>
+              <a:t> (65, 30) </a:t>
             </a:r>
             <a:endParaRPr lang="en-GB" dirty="0"/>
           </a:p>
@@ -4803,10 +7900,10 @@
       </p:sp>
       <p:sp>
         <p:nvSpPr>
-          <p:cNvPr id="7" name="TextBox 6">
-            <a:extLst>
-              <a:ext uri="{FF2B5EF4-FFF2-40B4-BE49-F238E27FC236}">
-                <a16:creationId xmlns:a16="http://schemas.microsoft.com/office/drawing/2014/main" id="{AAEDB835-7ECA-A74E-B31A-7F350CB3E7C6}"/>
+          <p:cNvPr id="6" name="TextBox 5">
+            <a:extLst>
+              <a:ext uri="{FF2B5EF4-FFF2-40B4-BE49-F238E27FC236}">
+                <a16:creationId xmlns:a16="http://schemas.microsoft.com/office/drawing/2014/main" id="{BCE9A5E6-E502-E344-AC65-E076CB2F0909}"/>
               </a:ext>
             </a:extLst>
           </p:cNvPr>
@@ -4815,41 +7912,50 @@
         </p:nvSpPr>
         <p:spPr>
           <a:xfrm>
-            <a:off x="795729" y="704046"/>
-            <a:ext cx="1476772" cy="461665"/>
+            <a:off x="4744931" y="68431"/>
+            <a:ext cx="7325660" cy="923330"/>
           </a:xfrm>
           <a:prstGeom prst="rect">
             <a:avLst/>
           </a:prstGeom>
           <a:noFill/>
-        </p:spPr>
-        <p:txBody>
-          <a:bodyPr wrap="square" rtlCol="0">
+          <a:ln>
+            <a:solidFill>
+              <a:srgbClr val="FF0000"/>
+            </a:solidFill>
+          </a:ln>
+        </p:spPr>
+        <p:txBody>
+          <a:bodyPr wrap="none" rtlCol="0">
             <a:spAutoFit/>
           </a:bodyPr>
           <a:lstStyle/>
           <a:p>
             <a:r>
-              <a:rPr lang="en-US" sz="1200" dirty="0"/>
-              <a:t>3 since it is the 3</a:t>
-            </a:r>
-            <a:r>
-              <a:rPr lang="en-US" sz="1200" baseline="30000" dirty="0"/>
-              <a:t>rd</a:t>
-            </a:r>
-            <a:r>
-              <a:rPr lang="en-US" sz="1200" dirty="0"/>
-              <a:t> row down</a:t>
-            </a:r>
-          </a:p>
-        </p:txBody>
-      </p:sp>
-      <p:sp>
-        <p:nvSpPr>
-          <p:cNvPr id="8" name="TextBox 7">
-            <a:extLst>
-              <a:ext uri="{FF2B5EF4-FFF2-40B4-BE49-F238E27FC236}">
-                <a16:creationId xmlns:a16="http://schemas.microsoft.com/office/drawing/2014/main" id="{C7E25889-0B6E-3044-8BE9-3DD3B21F67C6}"/>
+              <a:rPr lang="en-US" dirty="0"/>
+              <a:t>*Example assumes height of each character is 10 (pixels) and the width is 5*</a:t>
+            </a:r>
+          </a:p>
+          <a:p>
+            <a:r>
+              <a:rPr lang="en-US" dirty="0"/>
+              <a:t>(even though the width of characters would vary realistically)</a:t>
+            </a:r>
+          </a:p>
+          <a:p>
+            <a:r>
+              <a:rPr lang="en-US" dirty="0"/>
+              <a:t>*assumes text box top left corner is at (0, 0)*</a:t>
+            </a:r>
+          </a:p>
+        </p:txBody>
+      </p:sp>
+      <p:sp>
+        <p:nvSpPr>
+          <p:cNvPr id="7" name="TextBox 6">
+            <a:extLst>
+              <a:ext uri="{FF2B5EF4-FFF2-40B4-BE49-F238E27FC236}">
+                <a16:creationId xmlns:a16="http://schemas.microsoft.com/office/drawing/2014/main" id="{6CFC2FD0-C80B-914A-8AB3-871850A83A68}"/>
               </a:ext>
             </a:extLst>
           </p:cNvPr>
@@ -4858,7 +7964,7 @@
         </p:nvSpPr>
         <p:spPr>
           <a:xfrm>
-            <a:off x="8387038" y="103470"/>
+            <a:off x="7845549" y="1325731"/>
             <a:ext cx="3550722" cy="2308324"/>
           </a:xfrm>
           <a:prstGeom prst="rect">
@@ -4909,7 +8015,7 @@
                   <a:srgbClr val="002060"/>
                 </a:solidFill>
               </a:rPr>
-              <a:t> line number 2. This is left line number 2. This is left line number 2. </a:t>
+              <a:t>line number 2. This is left line number 2. This is left line number 2. </a:t>
             </a:r>
             <a:r>
               <a:rPr lang="en-US" b="1" dirty="0"/>
@@ -4940,53 +8046,12 @@
           </a:p>
         </p:txBody>
       </p:sp>
-      <p:cxnSp>
-        <p:nvCxnSpPr>
-          <p:cNvPr id="9" name="Straight Arrow Connector 8">
-            <a:extLst>
-              <a:ext uri="{FF2B5EF4-FFF2-40B4-BE49-F238E27FC236}">
-                <a16:creationId xmlns:a16="http://schemas.microsoft.com/office/drawing/2014/main" id="{6E3FB624-39EA-0E4B-9515-B51DD13CEBAA}"/>
-              </a:ext>
-            </a:extLst>
-          </p:cNvPr>
-          <p:cNvCxnSpPr>
-            <a:cxnSpLocks/>
-          </p:cNvCxnSpPr>
-          <p:nvPr/>
-        </p:nvCxnSpPr>
-        <p:spPr>
-          <a:xfrm flipV="1">
-            <a:off x="2094916" y="469833"/>
-            <a:ext cx="617516" cy="376599"/>
-          </a:xfrm>
-          <a:prstGeom prst="straightConnector1">
-            <a:avLst/>
-          </a:prstGeom>
-          <a:ln>
-            <a:tailEnd type="triangle"/>
-          </a:ln>
-        </p:spPr>
-        <p:style>
-          <a:lnRef idx="1">
-            <a:schemeClr val="dk1"/>
-          </a:lnRef>
-          <a:fillRef idx="0">
-            <a:schemeClr val="dk1"/>
-          </a:fillRef>
-          <a:effectRef idx="0">
-            <a:schemeClr val="dk1"/>
-          </a:effectRef>
-          <a:fontRef idx="minor">
-            <a:schemeClr val="tx1"/>
-          </a:fontRef>
-        </p:style>
-      </p:cxnSp>
-      <p:sp>
-        <p:nvSpPr>
-          <p:cNvPr id="11" name="TextBox 10">
-            <a:extLst>
-              <a:ext uri="{FF2B5EF4-FFF2-40B4-BE49-F238E27FC236}">
-                <a16:creationId xmlns:a16="http://schemas.microsoft.com/office/drawing/2014/main" id="{DA0505F8-05AE-A946-97FE-C8BD39436BA4}"/>
+      <p:sp>
+        <p:nvSpPr>
+          <p:cNvPr id="8" name="TextBox 7">
+            <a:extLst>
+              <a:ext uri="{FF2B5EF4-FFF2-40B4-BE49-F238E27FC236}">
+                <a16:creationId xmlns:a16="http://schemas.microsoft.com/office/drawing/2014/main" id="{49C44A18-8385-E849-9CC4-E253D0337FD1}"/>
               </a:ext>
             </a:extLst>
           </p:cNvPr>
@@ -4995,84 +8060,8 @@
         </p:nvSpPr>
         <p:spPr>
           <a:xfrm>
-            <a:off x="4119487" y="519381"/>
-            <a:ext cx="1476772" cy="830997"/>
-          </a:xfrm>
-          <a:prstGeom prst="rect">
-            <a:avLst/>
-          </a:prstGeom>
-          <a:noFill/>
-        </p:spPr>
-        <p:txBody>
-          <a:bodyPr wrap="square" rtlCol="0">
-            <a:spAutoFit/>
-          </a:bodyPr>
-          <a:lstStyle/>
-          <a:p>
-            <a:r>
-              <a:rPr lang="en-US" sz="1200" dirty="0"/>
-              <a:t>Since a position to the left of the original cursor position was clicked</a:t>
-            </a:r>
-          </a:p>
-        </p:txBody>
-      </p:sp>
-      <p:cxnSp>
-        <p:nvCxnSpPr>
-          <p:cNvPr id="13" name="Straight Arrow Connector 12">
-            <a:extLst>
-              <a:ext uri="{FF2B5EF4-FFF2-40B4-BE49-F238E27FC236}">
-                <a16:creationId xmlns:a16="http://schemas.microsoft.com/office/drawing/2014/main" id="{FF7D3391-D3D6-B44E-BECE-6A5CC513888B}"/>
-              </a:ext>
-            </a:extLst>
-          </p:cNvPr>
-          <p:cNvCxnSpPr>
-            <a:cxnSpLocks/>
-          </p:cNvCxnSpPr>
-          <p:nvPr/>
-        </p:nvCxnSpPr>
-        <p:spPr>
-          <a:xfrm flipH="1" flipV="1">
-            <a:off x="3298697" y="469833"/>
-            <a:ext cx="779398" cy="376599"/>
-          </a:xfrm>
-          <a:prstGeom prst="straightConnector1">
-            <a:avLst/>
-          </a:prstGeom>
-          <a:ln>
-            <a:tailEnd type="triangle"/>
-          </a:ln>
-        </p:spPr>
-        <p:style>
-          <a:lnRef idx="1">
-            <a:schemeClr val="dk1"/>
-          </a:lnRef>
-          <a:fillRef idx="0">
-            <a:schemeClr val="dk1"/>
-          </a:fillRef>
-          <a:effectRef idx="0">
-            <a:schemeClr val="dk1"/>
-          </a:effectRef>
-          <a:fontRef idx="minor">
-            <a:schemeClr val="tx1"/>
-          </a:fontRef>
-        </p:style>
-      </p:cxnSp>
-      <p:sp>
-        <p:nvSpPr>
-          <p:cNvPr id="17" name="TextBox 16">
-            <a:extLst>
-              <a:ext uri="{FF2B5EF4-FFF2-40B4-BE49-F238E27FC236}">
-                <a16:creationId xmlns:a16="http://schemas.microsoft.com/office/drawing/2014/main" id="{2E37581B-88C5-1E4A-B167-69FD156296B2}"/>
-              </a:ext>
-            </a:extLst>
-          </p:cNvPr>
-          <p:cNvSpPr txBox="1"/>
-          <p:nvPr/>
-        </p:nvSpPr>
-        <p:spPr>
-          <a:xfrm>
-            <a:off x="8387038" y="2609022"/>
-            <a:ext cx="1585883" cy="738664"/>
+            <a:off x="152357" y="1665931"/>
+            <a:ext cx="7540833" cy="1815882"/>
           </a:xfrm>
           <a:prstGeom prst="rect">
             <a:avLst/>
@@ -5085,18 +8074,14 @@
           </a:ln>
         </p:spPr>
         <p:txBody>
-          <a:bodyPr wrap="none" rtlCol="0">
+          <a:bodyPr wrap="square" rtlCol="0">
             <a:spAutoFit/>
           </a:bodyPr>
           <a:lstStyle/>
           <a:p>
             <a:r>
-              <a:rPr lang="en-US" sz="1400" dirty="0" err="1"/>
-              <a:t>leftTextFormatInfo</a:t>
-            </a:r>
-            <a:r>
-              <a:rPr lang="en-US" sz="1400" dirty="0"/>
-              <a:t>:</a:t>
+              <a:rPr lang="en-GB" sz="1400" b="1" u="sng" dirty="0"/>
+              <a:t>Section 1</a:t>
             </a:r>
           </a:p>
           <a:p>
@@ -5105,28 +8090,107 @@
               <a:buChar char="•"/>
             </a:pPr>
             <a:r>
-              <a:rPr lang="en-US" sz="1400" dirty="0"/>
-              <a:t>[41]</a:t>
-            </a:r>
-          </a:p>
-          <a:p>
-            <a:pPr marL="285750" indent="-285750">
-              <a:buFont typeface="Arial" panose="020B0604020202020204" pitchFamily="34" charset="0"/>
-              <a:buChar char="•"/>
-            </a:pPr>
-            <a:r>
-              <a:rPr lang="en-US" sz="1400" dirty="0"/>
-              <a:t>[41, 74]</a:t>
-            </a:r>
-          </a:p>
-        </p:txBody>
-      </p:sp>
-      <p:sp>
-        <p:nvSpPr>
-          <p:cNvPr id="18" name="TextBox 17">
-            <a:extLst>
-              <a:ext uri="{FF2B5EF4-FFF2-40B4-BE49-F238E27FC236}">
-                <a16:creationId xmlns:a16="http://schemas.microsoft.com/office/drawing/2014/main" id="{001F38B7-F0BB-134B-8DD3-7B63363FC152}"/>
+              <a:rPr lang="en-GB" sz="1400" dirty="0"/>
+              <a:t>Outer if: </a:t>
+            </a:r>
+          </a:p>
+          <a:p>
+            <a:pPr marL="742950" lvl="1" indent="-285750">
+              <a:buFont typeface="Arial" panose="020B0604020202020204" pitchFamily="34" charset="0"/>
+              <a:buChar char="•"/>
+            </a:pPr>
+            <a:r>
+              <a:rPr lang="en-GB" sz="1400" dirty="0"/>
+              <a:t>False since ({y = 30} &lt; </a:t>
+            </a:r>
+            <a:r>
+              <a:rPr lang="en-GB" sz="1400" dirty="0" err="1"/>
+              <a:t>cursorY</a:t>
+            </a:r>
+            <a:r>
+              <a:rPr lang="en-GB" sz="1400" dirty="0"/>
+              <a:t> + cursor)</a:t>
+            </a:r>
+          </a:p>
+          <a:p>
+            <a:pPr marL="742950" lvl="1" indent="-285750">
+              <a:buFont typeface="Arial" panose="020B0604020202020204" pitchFamily="34" charset="0"/>
+              <a:buChar char="•"/>
+            </a:pPr>
+            <a:r>
+              <a:rPr lang="en-GB" sz="1400" dirty="0"/>
+              <a:t>So enter the else statement</a:t>
+            </a:r>
+          </a:p>
+          <a:p>
+            <a:pPr marL="742950" lvl="1" indent="-285750">
+              <a:buFont typeface="Arial" panose="020B0604020202020204" pitchFamily="34" charset="0"/>
+              <a:buChar char="•"/>
+            </a:pPr>
+            <a:r>
+              <a:rPr lang="en-GB" sz="1400" dirty="0"/>
+              <a:t>Inner if:</a:t>
+            </a:r>
+          </a:p>
+          <a:p>
+            <a:pPr marL="1200150" lvl="2" indent="-285750">
+              <a:buFont typeface="Arial" panose="020B0604020202020204" pitchFamily="34" charset="0"/>
+              <a:buChar char="•"/>
+            </a:pPr>
+            <a:r>
+              <a:rPr lang="en-GB" sz="1400" dirty="0"/>
+              <a:t>Failed since (({y = 30} &lt; </a:t>
+            </a:r>
+            <a:r>
+              <a:rPr lang="en-GB" sz="1400" dirty="0" err="1"/>
+              <a:t>cursorY</a:t>
+            </a:r>
+            <a:r>
+              <a:rPr lang="en-GB" sz="1400" dirty="0"/>
+              <a:t>) &amp;&amp; ({x = 65} &lt;= </a:t>
+            </a:r>
+            <a:r>
+              <a:rPr lang="en-GB" sz="1400" dirty="0" err="1"/>
+              <a:t>cursorX</a:t>
+            </a:r>
+            <a:r>
+              <a:rPr lang="en-GB" sz="1400" dirty="0"/>
+              <a:t>))</a:t>
+            </a:r>
+          </a:p>
+          <a:p>
+            <a:pPr marL="1200150" lvl="2" indent="-285750">
+              <a:buFont typeface="Arial" panose="020B0604020202020204" pitchFamily="34" charset="0"/>
+              <a:buChar char="•"/>
+            </a:pPr>
+            <a:r>
+              <a:rPr lang="en-GB" sz="1400" dirty="0"/>
+              <a:t>So enter the else statement</a:t>
+            </a:r>
+          </a:p>
+          <a:p>
+            <a:pPr marL="1657350" lvl="3" indent="-285750">
+              <a:buFont typeface="Arial" panose="020B0604020202020204" pitchFamily="34" charset="0"/>
+              <a:buChar char="•"/>
+            </a:pPr>
+            <a:r>
+              <a:rPr lang="en-GB" sz="1400" dirty="0" err="1"/>
+              <a:t>clickedLeftText</a:t>
+            </a:r>
+            <a:r>
+              <a:rPr lang="en-GB" sz="1400" dirty="0"/>
+              <a:t> = true</a:t>
+            </a:r>
+            <a:endParaRPr lang="en-US" sz="1400" dirty="0"/>
+          </a:p>
+        </p:txBody>
+      </p:sp>
+      <p:sp>
+        <p:nvSpPr>
+          <p:cNvPr id="9" name="TextBox 8">
+            <a:extLst>
+              <a:ext uri="{FF2B5EF4-FFF2-40B4-BE49-F238E27FC236}">
+                <a16:creationId xmlns:a16="http://schemas.microsoft.com/office/drawing/2014/main" id="{F3BC3575-5841-1146-91A7-DD0D086E3031}"/>
               </a:ext>
             </a:extLst>
           </p:cNvPr>
@@ -5135,8 +8199,8 @@
         </p:nvSpPr>
         <p:spPr>
           <a:xfrm>
-            <a:off x="8387038" y="3510315"/>
-            <a:ext cx="1683602" cy="738664"/>
+            <a:off x="152358" y="3634055"/>
+            <a:ext cx="7540833" cy="2893100"/>
           </a:xfrm>
           <a:prstGeom prst="rect">
             <a:avLst/>
@@ -5149,399 +8213,219 @@
           </a:ln>
         </p:spPr>
         <p:txBody>
-          <a:bodyPr wrap="none" rtlCol="0">
-            <a:spAutoFit/>
-          </a:bodyPr>
-          <a:lstStyle/>
-          <a:p>
-            <a:r>
-              <a:rPr lang="en-US" sz="1400" dirty="0" err="1"/>
-              <a:t>rightTextFormatInfo</a:t>
-            </a:r>
-            <a:r>
-              <a:rPr lang="en-US" sz="1400" dirty="0"/>
-              <a:t>:</a:t>
-            </a:r>
-          </a:p>
-          <a:p>
-            <a:pPr marL="285750" indent="-285750">
-              <a:buFont typeface="Arial" panose="020B0604020202020204" pitchFamily="34" charset="0"/>
-              <a:buChar char="•"/>
-            </a:pPr>
-            <a:r>
-              <a:rPr lang="en-US" sz="1400" dirty="0"/>
-              <a:t>[19, 55]</a:t>
-            </a:r>
-          </a:p>
-          <a:p>
-            <a:pPr marL="285750" indent="-285750">
-              <a:buFont typeface="Arial" panose="020B0604020202020204" pitchFamily="34" charset="0"/>
-              <a:buChar char="•"/>
-            </a:pPr>
-            <a:r>
-              <a:rPr lang="en-US" sz="1400" dirty="0"/>
-              <a:t>[-1]</a:t>
-            </a:r>
-          </a:p>
-        </p:txBody>
-      </p:sp>
-      <p:sp>
-        <p:nvSpPr>
-          <p:cNvPr id="21" name="TextBox 20">
-            <a:extLst>
-              <a:ext uri="{FF2B5EF4-FFF2-40B4-BE49-F238E27FC236}">
-                <a16:creationId xmlns:a16="http://schemas.microsoft.com/office/drawing/2014/main" id="{A33B0AAC-37B5-6148-A42F-614208D67124}"/>
-              </a:ext>
-            </a:extLst>
-          </p:cNvPr>
-          <p:cNvSpPr txBox="1"/>
-          <p:nvPr/>
-        </p:nvSpPr>
-        <p:spPr>
-          <a:xfrm>
-            <a:off x="118753" y="1399927"/>
-            <a:ext cx="6655796" cy="2462213"/>
-          </a:xfrm>
-          <a:prstGeom prst="rect">
-            <a:avLst/>
-          </a:prstGeom>
-          <a:noFill/>
-          <a:ln>
-            <a:solidFill>
-              <a:schemeClr val="tx1"/>
-            </a:solidFill>
-          </a:ln>
-        </p:spPr>
-        <p:txBody>
-          <a:bodyPr wrap="none" rtlCol="0">
-            <a:spAutoFit/>
-          </a:bodyPr>
-          <a:lstStyle/>
-          <a:p>
-            <a:r>
-              <a:rPr lang="en-US" sz="1400" b="1" dirty="0"/>
-              <a:t>Outer for loop [0]</a:t>
-            </a:r>
-          </a:p>
-          <a:p>
-            <a:r>
-              <a:rPr lang="en-US" sz="1400" dirty="0"/>
-              <a:t>	</a:t>
-            </a:r>
-            <a:r>
-              <a:rPr lang="en-GB" sz="1400" dirty="0" err="1"/>
-              <a:t>lineInfo</a:t>
-            </a:r>
-            <a:r>
-              <a:rPr lang="en-US" sz="1400" dirty="0"/>
-              <a:t> = [41]</a:t>
-            </a:r>
-          </a:p>
-          <a:p>
-            <a:pPr lvl="2"/>
-            <a:r>
-              <a:rPr lang="en-GB" sz="1400" dirty="0" err="1"/>
-              <a:t>totalFoundRows</a:t>
-            </a:r>
-            <a:r>
-              <a:rPr lang="en-GB" sz="1400" dirty="0"/>
-              <a:t> = 1</a:t>
-            </a:r>
-          </a:p>
-          <a:p>
-            <a:pPr lvl="2"/>
-            <a:r>
-              <a:rPr lang="en-GB" sz="1400" dirty="0"/>
-              <a:t>Outer if statement #1:</a:t>
-            </a:r>
-          </a:p>
-          <a:p>
-            <a:pPr lvl="2"/>
-            <a:r>
-              <a:rPr lang="en-GB" sz="1400" dirty="0"/>
-              <a:t>	failed since (</a:t>
-            </a:r>
-            <a:r>
-              <a:rPr lang="en-GB" sz="1400" i="1" dirty="0" err="1"/>
-              <a:t>totalFoundRows</a:t>
-            </a:r>
-            <a:r>
-              <a:rPr lang="en-GB" sz="1400" i="1" dirty="0"/>
-              <a:t> = 1 </a:t>
-            </a:r>
-            <a:r>
-              <a:rPr lang="en-GB" sz="1400" dirty="0"/>
-              <a:t>&lt; </a:t>
-            </a:r>
-            <a:r>
-              <a:rPr lang="en-GB" sz="1400" i="1" dirty="0" err="1"/>
-              <a:t>rowNum</a:t>
-            </a:r>
-            <a:r>
-              <a:rPr lang="en-GB" sz="1400" i="1" dirty="0"/>
-              <a:t> = 3</a:t>
-            </a:r>
-            <a:r>
-              <a:rPr lang="en-GB" sz="1400" dirty="0"/>
-              <a:t>)</a:t>
-            </a:r>
-          </a:p>
-          <a:p>
-            <a:pPr lvl="2"/>
-            <a:r>
-              <a:rPr lang="en-GB" sz="1400" b="1" dirty="0"/>
-              <a:t>Inner loop [0]</a:t>
-            </a:r>
-          </a:p>
-          <a:p>
-            <a:pPr lvl="2"/>
-            <a:r>
-              <a:rPr lang="en-GB" sz="1400" dirty="0"/>
-              <a:t>	inner if statement #1:</a:t>
-            </a:r>
-          </a:p>
-          <a:p>
-            <a:pPr lvl="2"/>
-            <a:r>
-              <a:rPr lang="en-GB" sz="1400" dirty="0"/>
-              <a:t>		 </a:t>
-            </a:r>
-            <a:r>
-              <a:rPr lang="en-GB" sz="1400" dirty="0" err="1"/>
-              <a:t>lineInfo.get</a:t>
-            </a:r>
-            <a:r>
-              <a:rPr lang="en-GB" sz="1400" dirty="0"/>
-              <a:t>(0) = 41</a:t>
-            </a:r>
-          </a:p>
-          <a:p>
-            <a:pPr lvl="2"/>
-            <a:r>
-              <a:rPr lang="en-GB" sz="1400" dirty="0"/>
-              <a:t>		 41 != -1 so: </a:t>
-            </a:r>
-            <a:r>
-              <a:rPr lang="en-GB" sz="1400" dirty="0" err="1"/>
-              <a:t>totalFoundRows</a:t>
-            </a:r>
-            <a:r>
-              <a:rPr lang="en-GB" sz="1400" dirty="0"/>
-              <a:t> = 2</a:t>
-            </a:r>
-          </a:p>
-          <a:p>
-            <a:pPr lvl="2"/>
-            <a:r>
-              <a:rPr lang="en-GB" sz="1400" dirty="0"/>
-              <a:t>	inner if statement #2:</a:t>
-            </a:r>
-          </a:p>
-          <a:p>
-            <a:pPr lvl="2"/>
-            <a:r>
-              <a:rPr lang="en-GB" sz="1400" dirty="0"/>
-              <a:t>		failed since ({</a:t>
-            </a:r>
-            <a:r>
-              <a:rPr lang="en-GB" sz="1400" dirty="0" err="1"/>
-              <a:t>totalFoundRows</a:t>
-            </a:r>
-            <a:r>
-              <a:rPr lang="en-GB" sz="1400" dirty="0"/>
-              <a:t> = 2} &lt; {</a:t>
-            </a:r>
-            <a:r>
-              <a:rPr lang="en-GB" sz="1400" dirty="0" err="1"/>
-              <a:t>rowNum</a:t>
-            </a:r>
-            <a:r>
-              <a:rPr lang="en-GB" sz="1400" dirty="0"/>
-              <a:t> = 3})</a:t>
-            </a:r>
-          </a:p>
-        </p:txBody>
-      </p:sp>
-      <p:sp>
-        <p:nvSpPr>
-          <p:cNvPr id="22" name="TextBox 21">
-            <a:extLst>
-              <a:ext uri="{FF2B5EF4-FFF2-40B4-BE49-F238E27FC236}">
-                <a16:creationId xmlns:a16="http://schemas.microsoft.com/office/drawing/2014/main" id="{81B6203A-63D4-1B42-98E5-F1C0D2D387D3}"/>
-              </a:ext>
-            </a:extLst>
-          </p:cNvPr>
-          <p:cNvSpPr txBox="1"/>
-          <p:nvPr/>
-        </p:nvSpPr>
-        <p:spPr>
-          <a:xfrm>
-            <a:off x="118753" y="4064418"/>
-            <a:ext cx="7778338" cy="2677656"/>
-          </a:xfrm>
-          <a:prstGeom prst="rect">
-            <a:avLst/>
-          </a:prstGeom>
-          <a:noFill/>
-          <a:ln>
-            <a:solidFill>
-              <a:schemeClr val="tx1"/>
-            </a:solidFill>
-          </a:ln>
-        </p:spPr>
-        <p:txBody>
           <a:bodyPr wrap="square" rtlCol="0">
             <a:spAutoFit/>
           </a:bodyPr>
           <a:lstStyle/>
           <a:p>
             <a:r>
-              <a:rPr lang="en-US" sz="1400" b="1" dirty="0"/>
-              <a:t>Outer for loop [1]</a:t>
-            </a:r>
-          </a:p>
-          <a:p>
-            <a:r>
-              <a:rPr lang="en-US" sz="1400" dirty="0"/>
-              <a:t>	</a:t>
-            </a:r>
+              <a:rPr lang="en-GB" sz="1400" b="1" u="sng" dirty="0"/>
+              <a:t>Section 2</a:t>
+            </a:r>
+          </a:p>
+          <a:p>
+            <a:pPr marL="285750" indent="-285750">
+              <a:buFont typeface="Arial" panose="020B0604020202020204" pitchFamily="34" charset="0"/>
+              <a:buChar char="•"/>
+            </a:pPr>
             <a:r>
               <a:rPr lang="en-GB" sz="1400" dirty="0" err="1"/>
-              <a:t>lineInfo</a:t>
-            </a:r>
-            <a:r>
-              <a:rPr lang="en-US" sz="1400" dirty="0"/>
-              <a:t> = [41, 74]</a:t>
-            </a:r>
-          </a:p>
-          <a:p>
-            <a:pPr lvl="2"/>
+              <a:t>avgCharHeight</a:t>
+            </a:r>
+            <a:r>
+              <a:rPr lang="en-GB" sz="1400" dirty="0"/>
+              <a:t> = 10</a:t>
+            </a:r>
+          </a:p>
+          <a:p>
+            <a:pPr marL="285750" indent="-285750">
+              <a:buFont typeface="Arial" panose="020B0604020202020204" pitchFamily="34" charset="0"/>
+              <a:buChar char="•"/>
+            </a:pPr>
             <a:r>
               <a:rPr lang="en-GB" sz="1400" dirty="0" err="1"/>
-              <a:t>totalFoundRows</a:t>
+              <a:t>yDiff</a:t>
             </a:r>
             <a:r>
               <a:rPr lang="en-GB" sz="1400" dirty="0"/>
-              <a:t> = 3</a:t>
-            </a:r>
-          </a:p>
-          <a:p>
-            <a:pPr lvl="2"/>
+              <a:t> = (30 – 0) = 30</a:t>
+            </a:r>
+          </a:p>
+          <a:p>
+            <a:pPr marL="285750" indent="-285750">
+              <a:buFont typeface="Arial" panose="020B0604020202020204" pitchFamily="34" charset="0"/>
+              <a:buChar char="•"/>
+            </a:pPr>
+            <a:r>
+              <a:rPr lang="en-US" sz="1400" dirty="0" err="1"/>
+              <a:t>rowNum</a:t>
+            </a:r>
+            <a:r>
+              <a:rPr lang="en-US" sz="1400" dirty="0"/>
+              <a:t> = (30 / 10) = 3 ; //know that the click position was on the 3</a:t>
+            </a:r>
+            <a:r>
+              <a:rPr lang="en-US" sz="1400" baseline="30000" dirty="0"/>
+              <a:t>rd</a:t>
+            </a:r>
+            <a:r>
+              <a:rPr lang="en-US" sz="1400" dirty="0"/>
+              <a:t> row down</a:t>
+            </a:r>
+          </a:p>
+          <a:p>
+            <a:pPr marL="285750" indent="-285750">
+              <a:buFont typeface="Arial" panose="020B0604020202020204" pitchFamily="34" charset="0"/>
+              <a:buChar char="•"/>
+            </a:pPr>
+            <a:r>
+              <a:rPr lang="en-US" sz="1400" dirty="0"/>
+              <a:t>If statement #1:</a:t>
+            </a:r>
+          </a:p>
+          <a:p>
+            <a:pPr marL="742950" lvl="1" indent="-285750">
+              <a:buFont typeface="Arial" panose="020B0604020202020204" pitchFamily="34" charset="0"/>
+              <a:buChar char="•"/>
+            </a:pPr>
+            <a:r>
+              <a:rPr lang="en-US" sz="1400" dirty="0"/>
+              <a:t>Failed since </a:t>
+            </a:r>
+            <a:r>
+              <a:rPr lang="en-GB" sz="1400" dirty="0" err="1"/>
+              <a:t>clickedLeftText</a:t>
+            </a:r>
             <a:r>
               <a:rPr lang="en-GB" sz="1400" dirty="0"/>
-              <a:t>Outer if statement #1:</a:t>
-            </a:r>
-          </a:p>
-          <a:p>
-            <a:pPr lvl="2"/>
-            <a:r>
-              <a:rPr lang="en-GB" sz="1400" dirty="0"/>
-              <a:t>	passed since ({</a:t>
-            </a:r>
-            <a:r>
-              <a:rPr lang="en-GB" sz="1400" i="1" dirty="0" err="1"/>
-              <a:t>totalFoundRows</a:t>
-            </a:r>
-            <a:r>
-              <a:rPr lang="en-GB" sz="1400" i="1" dirty="0"/>
-              <a:t> = 3} </a:t>
-            </a:r>
-            <a:r>
-              <a:rPr lang="en-GB" sz="1400" dirty="0"/>
-              <a:t>&gt;= {</a:t>
-            </a:r>
-            <a:r>
-              <a:rPr lang="en-GB" sz="1400" i="1" dirty="0" err="1"/>
+              <a:t> == true</a:t>
+            </a:r>
+            <a:endParaRPr lang="en-US" sz="1400" dirty="0"/>
+          </a:p>
+          <a:p>
+            <a:pPr marL="742950" lvl="1" indent="-285750">
+              <a:buFont typeface="Arial" panose="020B0604020202020204" pitchFamily="34" charset="0"/>
+              <a:buChar char="•"/>
+            </a:pPr>
+            <a:r>
+              <a:rPr lang="en-US" sz="1400" dirty="0">
+                <a:solidFill>
+                  <a:schemeClr val="accent1"/>
+                </a:solidFill>
+              </a:rPr>
+              <a:t>If it was to the right:</a:t>
+            </a:r>
+          </a:p>
+          <a:p>
+            <a:pPr marL="1200150" lvl="2" indent="-285750">
+              <a:buFont typeface="Arial" panose="020B0604020202020204" pitchFamily="34" charset="0"/>
+              <a:buChar char="•"/>
+            </a:pPr>
+            <a:r>
+              <a:rPr lang="en-US" sz="1400" dirty="0">
+                <a:solidFill>
+                  <a:schemeClr val="accent1"/>
+                </a:solidFill>
+              </a:rPr>
+              <a:t>E.g. say that </a:t>
+            </a:r>
+            <a:r>
+              <a:rPr lang="en-US" sz="1400" dirty="0" err="1">
+                <a:solidFill>
+                  <a:schemeClr val="accent1"/>
+                </a:solidFill>
+              </a:rPr>
               <a:t>rowNum</a:t>
             </a:r>
             <a:r>
-              <a:rPr lang="en-GB" sz="1400" i="1" dirty="0"/>
-              <a:t> = 3}</a:t>
-            </a:r>
-            <a:r>
-              <a:rPr lang="en-GB" sz="1400" dirty="0"/>
-              <a:t>)</a:t>
-            </a:r>
-          </a:p>
-          <a:p>
-            <a:pPr lvl="2"/>
-            <a:r>
-              <a:rPr lang="en-GB" sz="1400" dirty="0"/>
-              <a:t>	</a:t>
-            </a:r>
-          </a:p>
-          <a:p>
-            <a:pPr lvl="2"/>
-            <a:r>
-              <a:rPr lang="en-GB" sz="1400" i="1" dirty="0"/>
-              <a:t>	</a:t>
-            </a:r>
-            <a:r>
-              <a:rPr lang="en-GB" sz="1400" dirty="0" err="1"/>
-              <a:t>newCursorRowIndex</a:t>
-            </a:r>
-            <a:r>
-              <a:rPr lang="en-GB" sz="1400" dirty="0"/>
-              <a:t> = 1 (as on line number 2, so outer loop is index 1)</a:t>
-            </a:r>
-          </a:p>
-          <a:p>
-            <a:pPr lvl="2"/>
-            <a:r>
-              <a:rPr lang="en-GB" sz="1400" i="1" dirty="0"/>
-              <a:t>	</a:t>
-            </a:r>
-            <a:r>
-              <a:rPr lang="en-GB" sz="1400" dirty="0" err="1"/>
-              <a:t>newCursorFormatIndex</a:t>
-            </a:r>
-            <a:r>
-              <a:rPr lang="en-GB" sz="1400" dirty="0"/>
-              <a:t> = -1 (stays as default value)</a:t>
-            </a:r>
-          </a:p>
-          <a:p>
-            <a:pPr lvl="2"/>
-            <a:r>
-              <a:rPr lang="en-GB" sz="1400" i="1" dirty="0"/>
-              <a:t>	</a:t>
-            </a:r>
-            <a:r>
-              <a:rPr lang="en-GB" sz="1400" dirty="0" err="1"/>
-              <a:t>substringStartIndex</a:t>
-            </a:r>
-            <a:r>
-              <a:rPr lang="en-GB" sz="1400" dirty="0"/>
-              <a:t> = 0</a:t>
-            </a:r>
-          </a:p>
-          <a:p>
-            <a:pPr lvl="2"/>
-            <a:r>
-              <a:rPr lang="en-GB" sz="1400" dirty="0"/>
-              <a:t>	</a:t>
-            </a:r>
-            <a:r>
-              <a:rPr lang="en-GB" sz="1400" dirty="0" err="1"/>
-              <a:t>substringEndIndex</a:t>
-            </a:r>
-            <a:r>
-              <a:rPr lang="en-GB" sz="1400" dirty="0"/>
-              <a:t> = 41 (as this is the first entry of the formatting info for line  			number 2 (index 1 in </a:t>
-            </a:r>
-            <a:r>
-              <a:rPr lang="en-GB" sz="1400" dirty="0" err="1"/>
-              <a:t>leftText</a:t>
-            </a:r>
-            <a:r>
-              <a:rPr lang="en-GB" sz="1400" dirty="0"/>
-              <a:t>))</a:t>
-            </a:r>
-          </a:p>
-          <a:p>
-            <a:r>
-              <a:rPr lang="en-GB" sz="1400" dirty="0"/>
-              <a:t>Return values as seen above, so (1, -1, 0, 41)</a:t>
+              <a:rPr lang="en-US" sz="1400" dirty="0">
+                <a:solidFill>
+                  <a:schemeClr val="accent1"/>
+                </a:solidFill>
+              </a:rPr>
+              <a:t> = 8 (so 8 rows down)</a:t>
+            </a:r>
+          </a:p>
+          <a:p>
+            <a:pPr marL="1200150" lvl="2" indent="-285750">
+              <a:buFont typeface="Arial" panose="020B0604020202020204" pitchFamily="34" charset="0"/>
+              <a:buChar char="•"/>
+            </a:pPr>
+            <a:r>
+              <a:rPr lang="en-US" sz="1400" dirty="0" err="1">
+                <a:solidFill>
+                  <a:schemeClr val="accent1"/>
+                </a:solidFill>
+              </a:rPr>
+              <a:t>topBoxToCursor</a:t>
+            </a:r>
+            <a:r>
+              <a:rPr lang="en-US" sz="1400" dirty="0">
+                <a:solidFill>
+                  <a:schemeClr val="accent1"/>
+                </a:solidFill>
+              </a:rPr>
+              <a:t> = (40 – 0) = 40</a:t>
+            </a:r>
+          </a:p>
+          <a:p>
+            <a:pPr marL="1200150" lvl="2" indent="-285750">
+              <a:buFont typeface="Arial" panose="020B0604020202020204" pitchFamily="34" charset="0"/>
+              <a:buChar char="•"/>
+            </a:pPr>
+            <a:r>
+              <a:rPr lang="en-US" sz="1400" dirty="0" err="1">
+                <a:solidFill>
+                  <a:schemeClr val="accent1"/>
+                </a:solidFill>
+              </a:rPr>
+              <a:t>leftRows</a:t>
+            </a:r>
+            <a:r>
+              <a:rPr lang="en-US" sz="1400" dirty="0">
+                <a:solidFill>
+                  <a:schemeClr val="accent1"/>
+                </a:solidFill>
+              </a:rPr>
+              <a:t> = (40 /10) = 4 ; //know that there are 4 rows (of left text) above the current cursor position</a:t>
+            </a:r>
+          </a:p>
+          <a:p>
+            <a:pPr marL="1200150" lvl="2" indent="-285750">
+              <a:buFont typeface="Arial" panose="020B0604020202020204" pitchFamily="34" charset="0"/>
+              <a:buChar char="•"/>
+            </a:pPr>
+            <a:r>
+              <a:rPr lang="en-US" sz="1400" dirty="0" err="1">
+                <a:solidFill>
+                  <a:schemeClr val="accent1"/>
+                </a:solidFill>
+              </a:rPr>
+              <a:t>rowNum</a:t>
+            </a:r>
+            <a:r>
+              <a:rPr lang="en-US" sz="1400" dirty="0">
+                <a:solidFill>
+                  <a:schemeClr val="accent1"/>
+                </a:solidFill>
+              </a:rPr>
+              <a:t> = (8 – 4) = 4 ; //clicked row is the 4</a:t>
+            </a:r>
+            <a:r>
+              <a:rPr lang="en-US" sz="1400" baseline="30000" dirty="0">
+                <a:solidFill>
+                  <a:schemeClr val="accent1"/>
+                </a:solidFill>
+              </a:rPr>
+              <a:t>th</a:t>
+            </a:r>
+            <a:r>
+              <a:rPr lang="en-US" sz="1400" dirty="0">
+                <a:solidFill>
+                  <a:schemeClr val="accent1"/>
+                </a:solidFill>
+              </a:rPr>
+              <a:t>  row down from the beginning of the right text</a:t>
             </a:r>
           </a:p>
         </p:txBody>
@@ -5549,7 +8433,7 @@
     </p:spTree>
     <p:extLst>
       <p:ext uri="{BB962C8B-B14F-4D97-AF65-F5344CB8AC3E}">
-        <p14:creationId xmlns:p14="http://schemas.microsoft.com/office/powerpoint/2010/main" val="1449694658"/>
+        <p14:creationId xmlns:p14="http://schemas.microsoft.com/office/powerpoint/2010/main" val="3550338463"/>
       </p:ext>
     </p:extLst>
   </p:cSld>
@@ -5581,7 +8465,7 @@
           <p:cNvPr id="2" name="TextBox 1">
             <a:extLst>
               <a:ext uri="{FF2B5EF4-FFF2-40B4-BE49-F238E27FC236}">
-                <a16:creationId xmlns:a16="http://schemas.microsoft.com/office/drawing/2014/main" id="{A4A69E66-973B-AE4A-A914-D962357E7362}"/>
+                <a16:creationId xmlns:a16="http://schemas.microsoft.com/office/drawing/2014/main" id="{038D0261-75B9-0D43-BD07-4A5BE7D3802F}"/>
               </a:ext>
             </a:extLst>
           </p:cNvPr>
@@ -5590,36 +8474,447 @@
         </p:nvSpPr>
         <p:spPr>
           <a:xfrm>
-            <a:off x="475013" y="368135"/>
-            <a:ext cx="10995639" cy="1015663"/>
+            <a:off x="152358" y="152918"/>
+            <a:ext cx="7540833" cy="2031325"/>
           </a:xfrm>
           <a:prstGeom prst="rect">
             <a:avLst/>
           </a:prstGeom>
           <a:noFill/>
-        </p:spPr>
-        <p:txBody>
-          <a:bodyPr wrap="none" rtlCol="0">
+          <a:ln>
+            <a:solidFill>
+              <a:schemeClr val="tx1"/>
+            </a:solidFill>
+          </a:ln>
+        </p:spPr>
+        <p:txBody>
+          <a:bodyPr wrap="square" rtlCol="0">
             <a:spAutoFit/>
           </a:bodyPr>
           <a:lstStyle/>
           <a:p>
-            <a:r>
-              <a:rPr lang="en-US" sz="6000" b="1" u="sng" dirty="0"/>
-              <a:t>Method: </a:t>
-            </a:r>
-            <a:r>
-              <a:rPr lang="en-GB" sz="6000" b="1" u="sng" dirty="0" err="1"/>
-              <a:t>adjustCursorInformation</a:t>
-            </a:r>
-            <a:endParaRPr lang="en-GB" sz="6000" b="1" u="sng" dirty="0"/>
+            <a:pPr marL="285750" indent="-285750">
+              <a:buFont typeface="Arial" panose="020B0604020202020204" pitchFamily="34" charset="0"/>
+              <a:buChar char="•"/>
+            </a:pPr>
+            <a:r>
+              <a:rPr lang="en-GB" sz="1400" dirty="0"/>
+              <a:t>If statement #2:</a:t>
+            </a:r>
+          </a:p>
+          <a:p>
+            <a:pPr marL="742950" lvl="1" indent="-285750">
+              <a:buFont typeface="Arial" panose="020B0604020202020204" pitchFamily="34" charset="0"/>
+              <a:buChar char="•"/>
+            </a:pPr>
+            <a:r>
+              <a:rPr lang="en-GB" sz="1400" dirty="0"/>
+              <a:t>Passed since </a:t>
+            </a:r>
+            <a:r>
+              <a:rPr lang="en-GB" sz="1400" dirty="0" err="1"/>
+              <a:t>clickedLeftText</a:t>
+            </a:r>
+            <a:r>
+              <a:rPr lang="en-GB" sz="1400" dirty="0"/>
+              <a:t> == true</a:t>
+            </a:r>
+          </a:p>
+          <a:p>
+            <a:pPr marL="1200150" lvl="2" indent="-285750">
+              <a:buFont typeface="Arial" panose="020B0604020202020204" pitchFamily="34" charset="0"/>
+              <a:buChar char="•"/>
+            </a:pPr>
+            <a:r>
+              <a:rPr lang="en-GB" sz="1400" dirty="0" err="1"/>
+              <a:t>rowAfterFormattingInfo</a:t>
+            </a:r>
+            <a:r>
+              <a:rPr lang="en-GB" sz="1400" dirty="0"/>
+              <a:t> =  </a:t>
+            </a:r>
+            <a:r>
+              <a:rPr lang="en-GB" sz="1400" dirty="0" err="1"/>
+              <a:t>getRowAfterFormatting</a:t>
+            </a:r>
+            <a:r>
+              <a:rPr lang="en-GB" sz="1400" dirty="0"/>
+              <a:t>(3, </a:t>
+            </a:r>
+            <a:r>
+              <a:rPr lang="en-GB" sz="1400" dirty="0" err="1"/>
+              <a:t>leftTextFormatInfo</a:t>
+            </a:r>
+            <a:r>
+              <a:rPr lang="en-GB" sz="1400" dirty="0"/>
+              <a:t>)</a:t>
+            </a:r>
+          </a:p>
+          <a:p>
+            <a:pPr marL="1200150" lvl="2" indent="-285750">
+              <a:buFont typeface="Arial" panose="020B0604020202020204" pitchFamily="34" charset="0"/>
+              <a:buChar char="•"/>
+            </a:pPr>
+            <a:r>
+              <a:rPr lang="en-GB" sz="1400" dirty="0"/>
+              <a:t>So: </a:t>
+            </a:r>
+          </a:p>
+          <a:p>
+            <a:pPr marL="1657350" lvl="3" indent="-285750">
+              <a:buFont typeface="Arial" panose="020B0604020202020204" pitchFamily="34" charset="0"/>
+              <a:buChar char="•"/>
+            </a:pPr>
+            <a:r>
+              <a:rPr lang="en-GB" sz="1400" dirty="0" err="1"/>
+              <a:t>rowAfterFormattingInfo</a:t>
+            </a:r>
+            <a:r>
+              <a:rPr lang="en-GB" sz="1400" dirty="0"/>
+              <a:t> = (1, -1, 0, 41) ; //as returned by the function</a:t>
+            </a:r>
+          </a:p>
+          <a:p>
+            <a:pPr marL="285750" indent="-285750">
+              <a:buFont typeface="Arial" panose="020B0604020202020204" pitchFamily="34" charset="0"/>
+              <a:buChar char="•"/>
+            </a:pPr>
+            <a:r>
+              <a:rPr lang="en-US" sz="1400" dirty="0" err="1"/>
+              <a:t>newCursorRowIndex</a:t>
+            </a:r>
+            <a:r>
+              <a:rPr lang="en-US" sz="1400" dirty="0"/>
+              <a:t> = 1</a:t>
+            </a:r>
+          </a:p>
+          <a:p>
+            <a:pPr marL="285750" indent="-285750">
+              <a:buFont typeface="Arial" panose="020B0604020202020204" pitchFamily="34" charset="0"/>
+              <a:buChar char="•"/>
+            </a:pPr>
+            <a:r>
+              <a:rPr lang="en-US" sz="1400" dirty="0" err="1"/>
+              <a:t>newCursorFormatIndex</a:t>
+            </a:r>
+            <a:r>
+              <a:rPr lang="en-US" sz="1400" dirty="0"/>
+              <a:t> = -1 </a:t>
+            </a:r>
+          </a:p>
+          <a:p>
+            <a:pPr marL="285750" indent="-285750">
+              <a:buFont typeface="Arial" panose="020B0604020202020204" pitchFamily="34" charset="0"/>
+              <a:buChar char="•"/>
+            </a:pPr>
+            <a:r>
+              <a:rPr lang="en-US" sz="1400" dirty="0" err="1"/>
+              <a:t>substringStartIndex</a:t>
+            </a:r>
+            <a:r>
+              <a:rPr lang="en-US" sz="1400" dirty="0"/>
+              <a:t> = 0</a:t>
+            </a:r>
+          </a:p>
+          <a:p>
+            <a:pPr marL="285750" indent="-285750">
+              <a:buFont typeface="Arial" panose="020B0604020202020204" pitchFamily="34" charset="0"/>
+              <a:buChar char="•"/>
+            </a:pPr>
+            <a:r>
+              <a:rPr lang="en-US" sz="1400" dirty="0" err="1"/>
+              <a:t>substringEndIndex</a:t>
+            </a:r>
+            <a:r>
+              <a:rPr lang="en-US" sz="1400" dirty="0"/>
+              <a:t> = 41</a:t>
+            </a:r>
+          </a:p>
+        </p:txBody>
+      </p:sp>
+      <p:sp>
+        <p:nvSpPr>
+          <p:cNvPr id="3" name="TextBox 2">
+            <a:extLst>
+              <a:ext uri="{FF2B5EF4-FFF2-40B4-BE49-F238E27FC236}">
+                <a16:creationId xmlns:a16="http://schemas.microsoft.com/office/drawing/2014/main" id="{DA545BE3-A0A4-184D-B266-08A409746925}"/>
+              </a:ext>
+            </a:extLst>
+          </p:cNvPr>
+          <p:cNvSpPr txBox="1"/>
+          <p:nvPr/>
+        </p:nvSpPr>
+        <p:spPr>
+          <a:xfrm>
+            <a:off x="152357" y="2387826"/>
+            <a:ext cx="8317875" cy="2893100"/>
+          </a:xfrm>
+          <a:prstGeom prst="rect">
+            <a:avLst/>
+          </a:prstGeom>
+          <a:noFill/>
+          <a:ln>
+            <a:solidFill>
+              <a:schemeClr val="tx1"/>
+            </a:solidFill>
+          </a:ln>
+        </p:spPr>
+        <p:txBody>
+          <a:bodyPr wrap="square" rtlCol="0">
+            <a:spAutoFit/>
+          </a:bodyPr>
+          <a:lstStyle/>
+          <a:p>
+            <a:r>
+              <a:rPr lang="en-GB" sz="1400" b="1" u="sng" dirty="0"/>
+              <a:t>Section 3</a:t>
+            </a:r>
+          </a:p>
+          <a:p>
+            <a:pPr marL="285750" indent="-285750">
+              <a:buFont typeface="Arial" panose="020B0604020202020204" pitchFamily="34" charset="0"/>
+              <a:buChar char="•"/>
+            </a:pPr>
+            <a:r>
+              <a:rPr lang="en-US" sz="1400" dirty="0"/>
+              <a:t>If statement #1:</a:t>
+            </a:r>
+          </a:p>
+          <a:p>
+            <a:pPr marL="742950" lvl="1" indent="-285750">
+              <a:buFont typeface="Arial" panose="020B0604020202020204" pitchFamily="34" charset="0"/>
+              <a:buChar char="•"/>
+            </a:pPr>
+            <a:r>
+              <a:rPr lang="en-US" sz="1400" dirty="0"/>
+              <a:t>Passed since clicked left text</a:t>
+            </a:r>
+          </a:p>
+          <a:p>
+            <a:pPr marL="1200150" lvl="2" indent="-285750">
+              <a:buFont typeface="Arial" panose="020B0604020202020204" pitchFamily="34" charset="0"/>
+              <a:buChar char="•"/>
+            </a:pPr>
+            <a:r>
+              <a:rPr lang="en-US" sz="1400" dirty="0" err="1"/>
+              <a:t>clickedLine</a:t>
+            </a:r>
+            <a:r>
+              <a:rPr lang="en-US" sz="1400" dirty="0"/>
+              <a:t> = </a:t>
+            </a:r>
+            <a:r>
+              <a:rPr lang="en-US" sz="1400" dirty="0" err="1"/>
+              <a:t>leftText.get</a:t>
+            </a:r>
+            <a:r>
+              <a:rPr lang="en-US" sz="1400" dirty="0"/>
+              <a:t>(1)</a:t>
+            </a:r>
+          </a:p>
+          <a:p>
+            <a:pPr marL="1200150" lvl="2" indent="-285750">
+              <a:buFont typeface="Arial" panose="020B0604020202020204" pitchFamily="34" charset="0"/>
+              <a:buChar char="•"/>
+            </a:pPr>
+            <a:r>
+              <a:rPr lang="en-US" sz="1400" dirty="0"/>
+              <a:t>So: </a:t>
+            </a:r>
+          </a:p>
+          <a:p>
+            <a:pPr marL="1200150" lvl="2" indent="-285750">
+              <a:buFont typeface="Arial" panose="020B0604020202020204" pitchFamily="34" charset="0"/>
+              <a:buChar char="•"/>
+            </a:pPr>
+            <a:r>
+              <a:rPr lang="en-US" sz="1400" dirty="0" err="1"/>
+              <a:t>clickedLine</a:t>
+            </a:r>
+            <a:r>
+              <a:rPr lang="en-US" sz="1400" dirty="0"/>
+              <a:t> = “</a:t>
+            </a:r>
+            <a:r>
+              <a:rPr lang="en-US" sz="1400" dirty="0">
+                <a:solidFill>
+                  <a:srgbClr val="002060"/>
+                </a:solidFill>
+              </a:rPr>
+              <a:t>This is left  line number 2. This is left line number 2. This is left line number 2.”</a:t>
+            </a:r>
+          </a:p>
+          <a:p>
+            <a:pPr marL="285750" indent="-285750">
+              <a:buFont typeface="Arial" panose="020B0604020202020204" pitchFamily="34" charset="0"/>
+              <a:buChar char="•"/>
+            </a:pPr>
+            <a:r>
+              <a:rPr lang="en-US" sz="1400" dirty="0"/>
+              <a:t>If statement #2:</a:t>
+            </a:r>
+          </a:p>
+          <a:p>
+            <a:pPr marL="742950" lvl="1" indent="-285750">
+              <a:buFont typeface="Arial" panose="020B0604020202020204" pitchFamily="34" charset="0"/>
+              <a:buChar char="•"/>
+            </a:pPr>
+            <a:r>
+              <a:rPr lang="en-US" sz="1400" dirty="0"/>
+              <a:t>Passed since </a:t>
+            </a:r>
+            <a:r>
+              <a:rPr lang="en-US" sz="1400" dirty="0" err="1"/>
+              <a:t>substringStartIndex</a:t>
+            </a:r>
+            <a:r>
+              <a:rPr lang="en-US" sz="1400" dirty="0"/>
+              <a:t> = 0 (which is != -1)</a:t>
+            </a:r>
+          </a:p>
+          <a:p>
+            <a:pPr marL="1200150" lvl="2" indent="-285750">
+              <a:buFont typeface="Arial" panose="020B0604020202020204" pitchFamily="34" charset="0"/>
+              <a:buChar char="•"/>
+            </a:pPr>
+            <a:r>
+              <a:rPr lang="en-US" sz="1400" dirty="0"/>
+              <a:t>Inner if statement:</a:t>
+            </a:r>
+          </a:p>
+          <a:p>
+            <a:pPr marL="1657350" lvl="3" indent="-285750">
+              <a:buFont typeface="Arial" panose="020B0604020202020204" pitchFamily="34" charset="0"/>
+              <a:buChar char="•"/>
+            </a:pPr>
+            <a:r>
+              <a:rPr lang="en-US" sz="1400" dirty="0"/>
+              <a:t>Passed since </a:t>
+            </a:r>
+            <a:r>
+              <a:rPr lang="en-US" sz="1400" dirty="0" err="1"/>
+              <a:t>substringEndIndex</a:t>
+            </a:r>
+            <a:r>
+              <a:rPr lang="en-US" sz="1400" dirty="0"/>
+              <a:t> = 41 (which is != -1)</a:t>
+            </a:r>
+          </a:p>
+          <a:p>
+            <a:pPr marL="2114550" lvl="4" indent="-285750">
+              <a:buFont typeface="Arial" panose="020B0604020202020204" pitchFamily="34" charset="0"/>
+              <a:buChar char="•"/>
+            </a:pPr>
+            <a:r>
+              <a:rPr lang="en-US" sz="1400" dirty="0" err="1"/>
+              <a:t>clickedSectionOfLine</a:t>
+            </a:r>
+            <a:r>
+              <a:rPr lang="en-US" sz="1400" dirty="0"/>
+              <a:t> = </a:t>
+            </a:r>
+            <a:r>
+              <a:rPr lang="en-US" sz="1400" dirty="0" err="1"/>
+              <a:t>clickedLine.substring</a:t>
+            </a:r>
+            <a:r>
+              <a:rPr lang="en-US" sz="1400" dirty="0"/>
+              <a:t>(0, 41)</a:t>
+            </a:r>
+          </a:p>
+          <a:p>
+            <a:pPr marL="2114550" lvl="4" indent="-285750">
+              <a:buFont typeface="Arial" panose="020B0604020202020204" pitchFamily="34" charset="0"/>
+              <a:buChar char="•"/>
+            </a:pPr>
+            <a:r>
+              <a:rPr lang="en-US" sz="1400" dirty="0"/>
+              <a:t>So:</a:t>
+            </a:r>
+          </a:p>
+          <a:p>
+            <a:pPr marL="2114550" lvl="4" indent="-285750">
+              <a:buFont typeface="Arial" panose="020B0604020202020204" pitchFamily="34" charset="0"/>
+              <a:buChar char="•"/>
+            </a:pPr>
+            <a:r>
+              <a:rPr lang="en-US" sz="1400" dirty="0" err="1"/>
+              <a:t>clickedSectionOfLine</a:t>
+            </a:r>
+            <a:r>
+              <a:rPr lang="en-US" sz="1400" dirty="0"/>
+              <a:t> = “</a:t>
+            </a:r>
+            <a:r>
+              <a:rPr lang="en-US" sz="1400" dirty="0">
+                <a:solidFill>
+                  <a:srgbClr val="002060"/>
+                </a:solidFill>
+              </a:rPr>
+              <a:t>This is left  line number 2. This is left”</a:t>
+            </a:r>
+            <a:endParaRPr lang="en-US" sz="1400" dirty="0"/>
+          </a:p>
+        </p:txBody>
+      </p:sp>
+      <p:sp>
+        <p:nvSpPr>
+          <p:cNvPr id="4" name="TextBox 3">
+            <a:extLst>
+              <a:ext uri="{FF2B5EF4-FFF2-40B4-BE49-F238E27FC236}">
+                <a16:creationId xmlns:a16="http://schemas.microsoft.com/office/drawing/2014/main" id="{1CFA5B62-9127-F64F-BA48-E513D2F4AA36}"/>
+              </a:ext>
+            </a:extLst>
+          </p:cNvPr>
+          <p:cNvSpPr txBox="1"/>
+          <p:nvPr/>
+        </p:nvSpPr>
+        <p:spPr>
+          <a:xfrm>
+            <a:off x="152357" y="5484509"/>
+            <a:ext cx="8317875" cy="523220"/>
+          </a:xfrm>
+          <a:prstGeom prst="rect">
+            <a:avLst/>
+          </a:prstGeom>
+          <a:noFill/>
+          <a:ln>
+            <a:solidFill>
+              <a:schemeClr val="tx1"/>
+            </a:solidFill>
+          </a:ln>
+        </p:spPr>
+        <p:txBody>
+          <a:bodyPr wrap="square" rtlCol="0">
+            <a:spAutoFit/>
+          </a:bodyPr>
+          <a:lstStyle/>
+          <a:p>
+            <a:r>
+              <a:rPr lang="en-GB" sz="1400" b="1" u="sng" dirty="0"/>
+              <a:t>Section 4</a:t>
+            </a:r>
+          </a:p>
+          <a:p>
+            <a:pPr marL="285750" indent="-285750">
+              <a:buFont typeface="Arial" panose="020B0604020202020204" pitchFamily="34" charset="0"/>
+              <a:buChar char="•"/>
+            </a:pPr>
+            <a:r>
+              <a:rPr lang="en-US" sz="1400" dirty="0" err="1"/>
+              <a:t>xDiff</a:t>
+            </a:r>
+            <a:r>
+              <a:rPr lang="en-US" sz="1400" dirty="0"/>
+              <a:t> = (65 – 0) = 65  </a:t>
+            </a:r>
           </a:p>
         </p:txBody>
       </p:sp>
     </p:spTree>
     <p:extLst>
       <p:ext uri="{BB962C8B-B14F-4D97-AF65-F5344CB8AC3E}">
-        <p14:creationId xmlns:p14="http://schemas.microsoft.com/office/powerpoint/2010/main" val="2786026092"/>
+        <p14:creationId xmlns:p14="http://schemas.microsoft.com/office/powerpoint/2010/main" val="2054688210"/>
       </p:ext>
     </p:extLst>
   </p:cSld>
@@ -5648,10 +8943,10 @@
       </p:grpSpPr>
       <p:sp>
         <p:nvSpPr>
-          <p:cNvPr id="12" name="TextBox 11">
-            <a:extLst>
-              <a:ext uri="{FF2B5EF4-FFF2-40B4-BE49-F238E27FC236}">
-                <a16:creationId xmlns:a16="http://schemas.microsoft.com/office/drawing/2014/main" id="{0BAAF048-7969-E64B-A6C0-1FF2346DBEC8}"/>
+          <p:cNvPr id="3" name="TextBox 2">
+            <a:extLst>
+              <a:ext uri="{FF2B5EF4-FFF2-40B4-BE49-F238E27FC236}">
+                <a16:creationId xmlns:a16="http://schemas.microsoft.com/office/drawing/2014/main" id="{244F6AA8-FDB2-E242-B380-42BC054C12D6}"/>
               </a:ext>
             </a:extLst>
           </p:cNvPr>
@@ -5660,547 +8955,8 @@
         </p:nvSpPr>
         <p:spPr>
           <a:xfrm>
-            <a:off x="3028207" y="2042462"/>
-            <a:ext cx="4461029" cy="369332"/>
-          </a:xfrm>
-          <a:prstGeom prst="rect">
-            <a:avLst/>
-          </a:prstGeom>
-          <a:noFill/>
-        </p:spPr>
-        <p:txBody>
-          <a:bodyPr wrap="none" rtlCol="0">
-            <a:spAutoFit/>
-          </a:bodyPr>
-          <a:lstStyle/>
-          <a:p>
-            <a:r>
-              <a:rPr lang="en-GB" dirty="0" err="1"/>
-              <a:t>adjustCursorInformation</a:t>
-            </a:r>
-            <a:r>
-              <a:rPr lang="en-GB" dirty="0"/>
-              <a:t>(true, 12, 1, -1, 0, 41)</a:t>
-            </a:r>
-            <a:endParaRPr lang="en-US" dirty="0"/>
-          </a:p>
-        </p:txBody>
-      </p:sp>
-      <p:sp>
-        <p:nvSpPr>
-          <p:cNvPr id="13" name="TextBox 12">
-            <a:extLst>
-              <a:ext uri="{FF2B5EF4-FFF2-40B4-BE49-F238E27FC236}">
-                <a16:creationId xmlns:a16="http://schemas.microsoft.com/office/drawing/2014/main" id="{BD370DB4-9B6F-1243-ACA7-F7147A8FB3A3}"/>
-              </a:ext>
-            </a:extLst>
-          </p:cNvPr>
-          <p:cNvSpPr txBox="1"/>
-          <p:nvPr/>
-        </p:nvSpPr>
-        <p:spPr>
-          <a:xfrm>
-            <a:off x="352027" y="2855829"/>
-            <a:ext cx="1476772" cy="830997"/>
-          </a:xfrm>
-          <a:prstGeom prst="rect">
-            <a:avLst/>
-          </a:prstGeom>
-          <a:noFill/>
-        </p:spPr>
-        <p:txBody>
-          <a:bodyPr wrap="square" rtlCol="0">
-            <a:spAutoFit/>
-          </a:bodyPr>
-          <a:lstStyle/>
-          <a:p>
-            <a:r>
-              <a:rPr lang="en-US" sz="1200" dirty="0"/>
-              <a:t>The user clicked to the left of the current cursor position</a:t>
-            </a:r>
-          </a:p>
-        </p:txBody>
-      </p:sp>
-      <p:sp>
-        <p:nvSpPr>
-          <p:cNvPr id="15" name="TextBox 14">
-            <a:extLst>
-              <a:ext uri="{FF2B5EF4-FFF2-40B4-BE49-F238E27FC236}">
-                <a16:creationId xmlns:a16="http://schemas.microsoft.com/office/drawing/2014/main" id="{26E6E1FD-CDCD-6F4A-8EBF-13088E99D78F}"/>
-              </a:ext>
-            </a:extLst>
-          </p:cNvPr>
-          <p:cNvSpPr txBox="1"/>
-          <p:nvPr/>
-        </p:nvSpPr>
-        <p:spPr>
-          <a:xfrm>
-            <a:off x="2016688" y="2978356"/>
-            <a:ext cx="1476772" cy="1015663"/>
-          </a:xfrm>
-          <a:prstGeom prst="rect">
-            <a:avLst/>
-          </a:prstGeom>
-          <a:noFill/>
-        </p:spPr>
-        <p:txBody>
-          <a:bodyPr wrap="square" rtlCol="0">
-            <a:spAutoFit/>
-          </a:bodyPr>
-          <a:lstStyle/>
-          <a:p>
-            <a:r>
-              <a:rPr lang="en-US" sz="1200" dirty="0"/>
-              <a:t>Newly clicked position is 12 characters to the right of the singular line that it is on</a:t>
-            </a:r>
-          </a:p>
-        </p:txBody>
-      </p:sp>
-      <p:sp>
-        <p:nvSpPr>
-          <p:cNvPr id="16" name="TextBox 15">
-            <a:extLst>
-              <a:ext uri="{FF2B5EF4-FFF2-40B4-BE49-F238E27FC236}">
-                <a16:creationId xmlns:a16="http://schemas.microsoft.com/office/drawing/2014/main" id="{7600E3E2-1988-9740-92B1-5EFA87B8F3DE}"/>
-              </a:ext>
-            </a:extLst>
-          </p:cNvPr>
-          <p:cNvSpPr txBox="1"/>
-          <p:nvPr/>
-        </p:nvSpPr>
-        <p:spPr>
-          <a:xfrm>
-            <a:off x="3632320" y="2978355"/>
-            <a:ext cx="1769424" cy="1015663"/>
-          </a:xfrm>
-          <a:prstGeom prst="rect">
-            <a:avLst/>
-          </a:prstGeom>
-          <a:noFill/>
-        </p:spPr>
-        <p:txBody>
-          <a:bodyPr wrap="square" rtlCol="0">
-            <a:spAutoFit/>
-          </a:bodyPr>
-          <a:lstStyle/>
-          <a:p>
-            <a:r>
-              <a:rPr lang="en-US" sz="1200" dirty="0"/>
-              <a:t>Newly clicked position is in line number 2, </a:t>
-            </a:r>
-          </a:p>
-          <a:p>
-            <a:r>
-              <a:rPr lang="en-US" sz="1200" dirty="0"/>
-              <a:t>Which would be the [1] position from within the </a:t>
-            </a:r>
-            <a:r>
-              <a:rPr lang="en-US" sz="1200" dirty="0" err="1"/>
-              <a:t>leftText</a:t>
-            </a:r>
-            <a:r>
-              <a:rPr lang="en-US" sz="1200" dirty="0"/>
-              <a:t> array</a:t>
-            </a:r>
-          </a:p>
-        </p:txBody>
-      </p:sp>
-      <p:sp>
-        <p:nvSpPr>
-          <p:cNvPr id="19" name="TextBox 18">
-            <a:extLst>
-              <a:ext uri="{FF2B5EF4-FFF2-40B4-BE49-F238E27FC236}">
-                <a16:creationId xmlns:a16="http://schemas.microsoft.com/office/drawing/2014/main" id="{3278EE8C-F807-DF4D-84AF-E3CA06DD5541}"/>
-              </a:ext>
-            </a:extLst>
-          </p:cNvPr>
-          <p:cNvSpPr txBox="1"/>
-          <p:nvPr/>
-        </p:nvSpPr>
-        <p:spPr>
-          <a:xfrm>
-            <a:off x="5479701" y="2978355"/>
-            <a:ext cx="1360486" cy="1015663"/>
-          </a:xfrm>
-          <a:prstGeom prst="rect">
-            <a:avLst/>
-          </a:prstGeom>
-          <a:noFill/>
-        </p:spPr>
-        <p:txBody>
-          <a:bodyPr wrap="square" rtlCol="0">
-            <a:spAutoFit/>
-          </a:bodyPr>
-          <a:lstStyle/>
-          <a:p>
-            <a:r>
-              <a:rPr lang="en-US" sz="1200" dirty="0"/>
-              <a:t>-1 since the clicked position is before the first formatting newline for line number 2</a:t>
-            </a:r>
-          </a:p>
-        </p:txBody>
-      </p:sp>
-      <p:sp>
-        <p:nvSpPr>
-          <p:cNvPr id="21" name="TextBox 20">
-            <a:extLst>
-              <a:ext uri="{FF2B5EF4-FFF2-40B4-BE49-F238E27FC236}">
-                <a16:creationId xmlns:a16="http://schemas.microsoft.com/office/drawing/2014/main" id="{5D673F66-E3F4-EB4A-996E-A77373A99DB9}"/>
-              </a:ext>
-            </a:extLst>
-          </p:cNvPr>
-          <p:cNvSpPr txBox="1"/>
-          <p:nvPr/>
-        </p:nvSpPr>
-        <p:spPr>
-          <a:xfrm>
-            <a:off x="7205265" y="2915206"/>
-            <a:ext cx="1467923" cy="1200329"/>
-          </a:xfrm>
-          <a:prstGeom prst="rect">
-            <a:avLst/>
-          </a:prstGeom>
-          <a:noFill/>
-        </p:spPr>
-        <p:txBody>
-          <a:bodyPr wrap="square" rtlCol="0">
-            <a:spAutoFit/>
-          </a:bodyPr>
-          <a:lstStyle/>
-          <a:p>
-            <a:r>
-              <a:rPr lang="en-US" sz="1200" dirty="0"/>
-              <a:t>0 since it lies before the first formatting newline, so that substring starts at the first position of the line [0]</a:t>
-            </a:r>
-          </a:p>
-        </p:txBody>
-      </p:sp>
-      <p:sp>
-        <p:nvSpPr>
-          <p:cNvPr id="23" name="TextBox 22">
-            <a:extLst>
-              <a:ext uri="{FF2B5EF4-FFF2-40B4-BE49-F238E27FC236}">
-                <a16:creationId xmlns:a16="http://schemas.microsoft.com/office/drawing/2014/main" id="{343B2EDE-426A-E046-869B-583ECD91AC69}"/>
-              </a:ext>
-            </a:extLst>
-          </p:cNvPr>
-          <p:cNvSpPr txBox="1"/>
-          <p:nvPr/>
-        </p:nvSpPr>
-        <p:spPr>
-          <a:xfrm>
-            <a:off x="8869926" y="2978355"/>
-            <a:ext cx="2149533" cy="830997"/>
-          </a:xfrm>
-          <a:prstGeom prst="rect">
-            <a:avLst/>
-          </a:prstGeom>
-          <a:noFill/>
-        </p:spPr>
-        <p:txBody>
-          <a:bodyPr wrap="square" rtlCol="0">
-            <a:spAutoFit/>
-          </a:bodyPr>
-          <a:lstStyle/>
-          <a:p>
-            <a:r>
-              <a:rPr lang="en-US" sz="1200" dirty="0"/>
-              <a:t>41 since the singular line ‘</a:t>
-            </a:r>
-            <a:r>
-              <a:rPr lang="en-US" sz="1200" dirty="0">
-                <a:solidFill>
-                  <a:srgbClr val="002060"/>
-                </a:solidFill>
-              </a:rPr>
-              <a:t>This is left </a:t>
-            </a:r>
-            <a:r>
-              <a:rPr lang="en-US" sz="1200" dirty="0">
-                <a:highlight>
-                  <a:srgbClr val="FFFF00"/>
-                </a:highlight>
-              </a:rPr>
-              <a:t>|</a:t>
-            </a:r>
-            <a:r>
-              <a:rPr lang="en-US" sz="1200" dirty="0">
-                <a:solidFill>
-                  <a:srgbClr val="002060"/>
-                </a:solidFill>
-              </a:rPr>
-              <a:t> line number 2. This is left’ </a:t>
-            </a:r>
-            <a:r>
-              <a:rPr lang="en-US" sz="1200" dirty="0"/>
-              <a:t>takes up 41 character and starts at index 0; 0 + 41 = 41 </a:t>
-            </a:r>
-          </a:p>
-        </p:txBody>
-      </p:sp>
-      <p:cxnSp>
-        <p:nvCxnSpPr>
-          <p:cNvPr id="24" name="Straight Arrow Connector 23">
-            <a:extLst>
-              <a:ext uri="{FF2B5EF4-FFF2-40B4-BE49-F238E27FC236}">
-                <a16:creationId xmlns:a16="http://schemas.microsoft.com/office/drawing/2014/main" id="{4C014B22-8EC0-9B4B-ACB2-B2AD2D5E2F88}"/>
-              </a:ext>
-            </a:extLst>
-          </p:cNvPr>
-          <p:cNvCxnSpPr>
-            <a:cxnSpLocks/>
-          </p:cNvCxnSpPr>
-          <p:nvPr/>
-        </p:nvCxnSpPr>
-        <p:spPr>
-          <a:xfrm flipV="1">
-            <a:off x="1828799" y="2348941"/>
-            <a:ext cx="3753687" cy="629414"/>
-          </a:xfrm>
-          <a:prstGeom prst="straightConnector1">
-            <a:avLst/>
-          </a:prstGeom>
-          <a:ln>
-            <a:tailEnd type="triangle"/>
-          </a:ln>
-        </p:spPr>
-        <p:style>
-          <a:lnRef idx="1">
-            <a:schemeClr val="dk1"/>
-          </a:lnRef>
-          <a:fillRef idx="0">
-            <a:schemeClr val="dk1"/>
-          </a:fillRef>
-          <a:effectRef idx="0">
-            <a:schemeClr val="dk1"/>
-          </a:effectRef>
-          <a:fontRef idx="minor">
-            <a:schemeClr val="tx1"/>
-          </a:fontRef>
-        </p:style>
-      </p:cxnSp>
-      <p:cxnSp>
-        <p:nvCxnSpPr>
-          <p:cNvPr id="28" name="Straight Arrow Connector 27">
-            <a:extLst>
-              <a:ext uri="{FF2B5EF4-FFF2-40B4-BE49-F238E27FC236}">
-                <a16:creationId xmlns:a16="http://schemas.microsoft.com/office/drawing/2014/main" id="{49087544-61D7-784A-AF29-6DD2425B54E8}"/>
-              </a:ext>
-            </a:extLst>
-          </p:cNvPr>
-          <p:cNvCxnSpPr>
-            <a:cxnSpLocks/>
-          </p:cNvCxnSpPr>
-          <p:nvPr/>
-        </p:nvCxnSpPr>
-        <p:spPr>
-          <a:xfrm flipV="1">
-            <a:off x="2520921" y="2352371"/>
-            <a:ext cx="3499868" cy="700965"/>
-          </a:xfrm>
-          <a:prstGeom prst="straightConnector1">
-            <a:avLst/>
-          </a:prstGeom>
-          <a:ln>
-            <a:tailEnd type="triangle"/>
-          </a:ln>
-        </p:spPr>
-        <p:style>
-          <a:lnRef idx="1">
-            <a:schemeClr val="dk1"/>
-          </a:lnRef>
-          <a:fillRef idx="0">
-            <a:schemeClr val="dk1"/>
-          </a:fillRef>
-          <a:effectRef idx="0">
-            <a:schemeClr val="dk1"/>
-          </a:effectRef>
-          <a:fontRef idx="minor">
-            <a:schemeClr val="tx1"/>
-          </a:fontRef>
-        </p:style>
-      </p:cxnSp>
-      <p:cxnSp>
-        <p:nvCxnSpPr>
-          <p:cNvPr id="30" name="Straight Arrow Connector 29">
-            <a:extLst>
-              <a:ext uri="{FF2B5EF4-FFF2-40B4-BE49-F238E27FC236}">
-                <a16:creationId xmlns:a16="http://schemas.microsoft.com/office/drawing/2014/main" id="{4117F412-DAC6-5D44-8FEA-6E0FC7EF25A9}"/>
-              </a:ext>
-            </a:extLst>
-          </p:cNvPr>
-          <p:cNvCxnSpPr>
-            <a:cxnSpLocks/>
-          </p:cNvCxnSpPr>
-          <p:nvPr/>
-        </p:nvCxnSpPr>
-        <p:spPr>
-          <a:xfrm flipV="1">
-            <a:off x="4881536" y="2352371"/>
-            <a:ext cx="1463086" cy="562836"/>
-          </a:xfrm>
-          <a:prstGeom prst="straightConnector1">
-            <a:avLst/>
-          </a:prstGeom>
-          <a:ln>
-            <a:tailEnd type="triangle"/>
-          </a:ln>
-        </p:spPr>
-        <p:style>
-          <a:lnRef idx="1">
-            <a:schemeClr val="dk1"/>
-          </a:lnRef>
-          <a:fillRef idx="0">
-            <a:schemeClr val="dk1"/>
-          </a:fillRef>
-          <a:effectRef idx="0">
-            <a:schemeClr val="dk1"/>
-          </a:effectRef>
-          <a:fontRef idx="minor">
-            <a:schemeClr val="tx1"/>
-          </a:fontRef>
-        </p:style>
-      </p:cxnSp>
-      <p:cxnSp>
-        <p:nvCxnSpPr>
-          <p:cNvPr id="34" name="Straight Arrow Connector 33">
-            <a:extLst>
-              <a:ext uri="{FF2B5EF4-FFF2-40B4-BE49-F238E27FC236}">
-                <a16:creationId xmlns:a16="http://schemas.microsoft.com/office/drawing/2014/main" id="{89676E58-383E-4444-8B41-B132F81809C5}"/>
-              </a:ext>
-            </a:extLst>
-          </p:cNvPr>
-          <p:cNvCxnSpPr>
-            <a:cxnSpLocks/>
-            <a:stCxn id="19" idx="0"/>
-          </p:cNvCxnSpPr>
-          <p:nvPr/>
-        </p:nvCxnSpPr>
-        <p:spPr>
-          <a:xfrm flipV="1">
-            <a:off x="6159944" y="2348941"/>
-            <a:ext cx="433152" cy="629414"/>
-          </a:xfrm>
-          <a:prstGeom prst="straightConnector1">
-            <a:avLst/>
-          </a:prstGeom>
-          <a:ln>
-            <a:tailEnd type="triangle"/>
-          </a:ln>
-        </p:spPr>
-        <p:style>
-          <a:lnRef idx="1">
-            <a:schemeClr val="dk1"/>
-          </a:lnRef>
-          <a:fillRef idx="0">
-            <a:schemeClr val="dk1"/>
-          </a:fillRef>
-          <a:effectRef idx="0">
-            <a:schemeClr val="dk1"/>
-          </a:effectRef>
-          <a:fontRef idx="minor">
-            <a:schemeClr val="tx1"/>
-          </a:fontRef>
-        </p:style>
-      </p:cxnSp>
-      <p:cxnSp>
-        <p:nvCxnSpPr>
-          <p:cNvPr id="36" name="Straight Arrow Connector 35">
-            <a:extLst>
-              <a:ext uri="{FF2B5EF4-FFF2-40B4-BE49-F238E27FC236}">
-                <a16:creationId xmlns:a16="http://schemas.microsoft.com/office/drawing/2014/main" id="{FFBD8B3C-A6BE-5942-9D79-5E786C57A722}"/>
-              </a:ext>
-            </a:extLst>
-          </p:cNvPr>
-          <p:cNvCxnSpPr>
-            <a:cxnSpLocks/>
-          </p:cNvCxnSpPr>
-          <p:nvPr/>
-        </p:nvCxnSpPr>
-        <p:spPr>
-          <a:xfrm flipH="1" flipV="1">
-            <a:off x="6824590" y="2380369"/>
-            <a:ext cx="430483" cy="534837"/>
-          </a:xfrm>
-          <a:prstGeom prst="straightConnector1">
-            <a:avLst/>
-          </a:prstGeom>
-          <a:ln>
-            <a:tailEnd type="triangle"/>
-          </a:ln>
-        </p:spPr>
-        <p:style>
-          <a:lnRef idx="1">
-            <a:schemeClr val="dk1"/>
-          </a:lnRef>
-          <a:fillRef idx="0">
-            <a:schemeClr val="dk1"/>
-          </a:fillRef>
-          <a:effectRef idx="0">
-            <a:schemeClr val="dk1"/>
-          </a:effectRef>
-          <a:fontRef idx="minor">
-            <a:schemeClr val="tx1"/>
-          </a:fontRef>
-        </p:style>
-      </p:cxnSp>
-      <p:cxnSp>
-        <p:nvCxnSpPr>
-          <p:cNvPr id="39" name="Straight Arrow Connector 38">
-            <a:extLst>
-              <a:ext uri="{FF2B5EF4-FFF2-40B4-BE49-F238E27FC236}">
-                <a16:creationId xmlns:a16="http://schemas.microsoft.com/office/drawing/2014/main" id="{0655168E-1649-FB43-99C3-B18EE92CC16A}"/>
-              </a:ext>
-            </a:extLst>
-          </p:cNvPr>
-          <p:cNvCxnSpPr>
-            <a:cxnSpLocks/>
-          </p:cNvCxnSpPr>
-          <p:nvPr/>
-        </p:nvCxnSpPr>
-        <p:spPr>
-          <a:xfrm flipH="1" flipV="1">
-            <a:off x="7156640" y="2348942"/>
-            <a:ext cx="1892357" cy="629413"/>
-          </a:xfrm>
-          <a:prstGeom prst="straightConnector1">
-            <a:avLst/>
-          </a:prstGeom>
-          <a:ln>
-            <a:tailEnd type="triangle"/>
-          </a:ln>
-        </p:spPr>
-        <p:style>
-          <a:lnRef idx="1">
-            <a:schemeClr val="dk1"/>
-          </a:lnRef>
-          <a:fillRef idx="0">
-            <a:schemeClr val="dk1"/>
-          </a:fillRef>
-          <a:effectRef idx="0">
-            <a:schemeClr val="dk1"/>
-          </a:effectRef>
-          <a:fontRef idx="minor">
-            <a:schemeClr val="tx1"/>
-          </a:fontRef>
-        </p:style>
-      </p:cxnSp>
-      <p:sp>
-        <p:nvSpPr>
-          <p:cNvPr id="42" name="TextBox 41">
-            <a:extLst>
-              <a:ext uri="{FF2B5EF4-FFF2-40B4-BE49-F238E27FC236}">
-                <a16:creationId xmlns:a16="http://schemas.microsoft.com/office/drawing/2014/main" id="{50D3616C-BC73-CF4F-9A3D-AE240C083D1F}"/>
-              </a:ext>
-            </a:extLst>
-          </p:cNvPr>
-          <p:cNvSpPr txBox="1"/>
-          <p:nvPr/>
-        </p:nvSpPr>
-        <p:spPr>
-          <a:xfrm>
-            <a:off x="8387038" y="103470"/>
-            <a:ext cx="3550722" cy="2308324"/>
+            <a:off x="216525" y="407585"/>
+            <a:ext cx="8317875" cy="307777"/>
           </a:xfrm>
           <a:prstGeom prst="rect">
             <a:avLst/>
@@ -6218,65 +8974,724 @@
           </a:bodyPr>
           <a:lstStyle/>
           <a:p>
-            <a:r>
-              <a:rPr lang="en-US" dirty="0">
-                <a:solidFill>
-                  <a:srgbClr val="002060"/>
-                </a:solidFill>
-              </a:rPr>
-              <a:t>This is left line number 1. This is left line number 1.</a:t>
-            </a:r>
-          </a:p>
-          <a:p>
-            <a:r>
-              <a:rPr lang="en-US" dirty="0">
-                <a:solidFill>
-                  <a:srgbClr val="002060"/>
-                </a:solidFill>
-              </a:rPr>
-              <a:t>This is left </a:t>
-            </a:r>
-            <a:r>
-              <a:rPr lang="en-US" dirty="0">
-                <a:highlight>
-                  <a:srgbClr val="FFFF00"/>
-                </a:highlight>
-              </a:rPr>
-              <a:t>|</a:t>
-            </a:r>
-            <a:r>
-              <a:rPr lang="en-US" dirty="0">
-                <a:solidFill>
-                  <a:srgbClr val="002060"/>
-                </a:solidFill>
-              </a:rPr>
-              <a:t>line number 2. This is left line number 2. This is left line number 2. </a:t>
-            </a:r>
-            <a:r>
-              <a:rPr lang="en-US" b="1" dirty="0"/>
-              <a:t>|</a:t>
-            </a:r>
-            <a:r>
-              <a:rPr lang="en-US" dirty="0"/>
-              <a:t> </a:t>
-            </a:r>
-            <a:r>
-              <a:rPr lang="en-US" dirty="0">
-                <a:solidFill>
-                  <a:srgbClr val="C00000"/>
-                </a:solidFill>
-              </a:rPr>
-              <a:t>This is right line number 1. This is right line number 1. </a:t>
-            </a:r>
-          </a:p>
-          <a:p>
-            <a:r>
-              <a:rPr lang="en-US" dirty="0">
-                <a:solidFill>
-                  <a:srgbClr val="C00000"/>
-                </a:solidFill>
-              </a:rPr>
-              <a:t>This is right line number 2.</a:t>
+            <a:pPr marL="285750" indent="-285750">
+              <a:buFont typeface="Arial" panose="020B0604020202020204" pitchFamily="34" charset="0"/>
+              <a:buChar char="•"/>
+            </a:pPr>
+            <a:r>
+              <a:rPr lang="en-US" sz="1400" dirty="0"/>
+              <a:t>For loop:</a:t>
+            </a:r>
+          </a:p>
+        </p:txBody>
+      </p:sp>
+      <p:graphicFrame>
+        <p:nvGraphicFramePr>
+          <p:cNvPr id="4" name="Table 4">
+            <a:extLst>
+              <a:ext uri="{FF2B5EF4-FFF2-40B4-BE49-F238E27FC236}">
+                <a16:creationId xmlns:a16="http://schemas.microsoft.com/office/drawing/2014/main" id="{68726F3B-A1DA-B945-A3B9-67DA7CEE3EE6}"/>
+              </a:ext>
+            </a:extLst>
+          </p:cNvPr>
+          <p:cNvGraphicFramePr>
+            <a:graphicFrameLocks noGrp="1"/>
+          </p:cNvGraphicFramePr>
+          <p:nvPr>
+            <p:extLst>
+              <p:ext uri="{D42A27DB-BD31-4B8C-83A1-F6EECF244321}">
+                <p14:modId xmlns:p14="http://schemas.microsoft.com/office/powerpoint/2010/main" val="2091886107"/>
+              </p:ext>
+            </p:extLst>
+          </p:nvPr>
+        </p:nvGraphicFramePr>
+        <p:xfrm>
+          <a:off x="216525" y="992381"/>
+          <a:ext cx="9553116" cy="2966720"/>
+        </p:xfrm>
+        <a:graphic>
+          <a:graphicData uri="http://schemas.openxmlformats.org/drawingml/2006/table">
+            <a:tbl>
+              <a:tblPr firstRow="1" bandRow="1">
+                <a:tableStyleId>{5C22544A-7EE6-4342-B048-85BDC9FD1C3A}</a:tableStyleId>
+              </a:tblPr>
+              <a:tblGrid>
+                <a:gridCol w="2388279">
+                  <a:extLst>
+                    <a:ext uri="{9D8B030D-6E8A-4147-A177-3AD203B41FA5}">
+                      <a16:colId xmlns:a16="http://schemas.microsoft.com/office/drawing/2014/main" val="643217585"/>
+                    </a:ext>
+                  </a:extLst>
+                </a:gridCol>
+                <a:gridCol w="2388279">
+                  <a:extLst>
+                    <a:ext uri="{9D8B030D-6E8A-4147-A177-3AD203B41FA5}">
+                      <a16:colId xmlns:a16="http://schemas.microsoft.com/office/drawing/2014/main" val="1807806364"/>
+                    </a:ext>
+                  </a:extLst>
+                </a:gridCol>
+                <a:gridCol w="2388279">
+                  <a:extLst>
+                    <a:ext uri="{9D8B030D-6E8A-4147-A177-3AD203B41FA5}">
+                      <a16:colId xmlns:a16="http://schemas.microsoft.com/office/drawing/2014/main" val="3365141861"/>
+                    </a:ext>
+                  </a:extLst>
+                </a:gridCol>
+                <a:gridCol w="2388279">
+                  <a:extLst>
+                    <a:ext uri="{9D8B030D-6E8A-4147-A177-3AD203B41FA5}">
+                      <a16:colId xmlns:a16="http://schemas.microsoft.com/office/drawing/2014/main" val="3183446255"/>
+                    </a:ext>
+                  </a:extLst>
+                </a:gridCol>
+              </a:tblGrid>
+              <a:tr h="370840">
+                <a:tc>
+                  <a:txBody>
+                    <a:bodyPr/>
+                    <a:lstStyle/>
+                    <a:p>
+                      <a:r>
+                        <a:rPr lang="en-US" sz="1400" dirty="0" err="1"/>
+                        <a:t>colNum</a:t>
+                      </a:r>
+                      <a:endParaRPr lang="en-US" sz="1400" dirty="0"/>
+                    </a:p>
+                  </a:txBody>
+                  <a:tcPr/>
+                </a:tc>
+                <a:tc>
+                  <a:txBody>
+                    <a:bodyPr/>
+                    <a:lstStyle/>
+                    <a:p>
+                      <a:r>
+                        <a:rPr lang="en-US" sz="1400" dirty="0" err="1"/>
+                        <a:t>cumulTextLength</a:t>
+                      </a:r>
+                      <a:endParaRPr lang="en-US" sz="1400" dirty="0"/>
+                    </a:p>
+                  </a:txBody>
+                  <a:tcPr/>
+                </a:tc>
+                <a:tc>
+                  <a:txBody>
+                    <a:bodyPr/>
+                    <a:lstStyle/>
+                    <a:p>
+                      <a:r>
+                        <a:rPr lang="en-US" sz="1400" dirty="0"/>
+                        <a:t>letter</a:t>
+                      </a:r>
+                    </a:p>
+                  </a:txBody>
+                  <a:tcPr/>
+                </a:tc>
+                <a:tc>
+                  <a:txBody>
+                    <a:bodyPr/>
+                    <a:lstStyle/>
+                    <a:p>
+                      <a:r>
+                        <a:rPr lang="en-US" sz="1400" dirty="0"/>
+                        <a:t>If (</a:t>
+                      </a:r>
+                      <a:r>
+                        <a:rPr lang="en-US" sz="1400" dirty="0" err="1"/>
+                        <a:t>cumulTextLength</a:t>
+                      </a:r>
+                      <a:r>
+                        <a:rPr lang="en-US" sz="1400" dirty="0"/>
+                        <a:t> &gt; </a:t>
+                      </a:r>
+                      <a:r>
+                        <a:rPr lang="en-US" sz="1400" dirty="0" err="1"/>
+                        <a:t>xDiff</a:t>
+                      </a:r>
+                      <a:r>
+                        <a:rPr lang="en-US" sz="1400" dirty="0"/>
+                        <a:t>) ? </a:t>
+                      </a:r>
+                    </a:p>
+                  </a:txBody>
+                  <a:tcPr/>
+                </a:tc>
+                <a:extLst>
+                  <a:ext uri="{0D108BD9-81ED-4DB2-BD59-A6C34878D82A}">
+                    <a16:rowId xmlns:a16="http://schemas.microsoft.com/office/drawing/2014/main" val="3768750619"/>
+                  </a:ext>
+                </a:extLst>
+              </a:tr>
+              <a:tr h="370840">
+                <a:tc>
+                  <a:txBody>
+                    <a:bodyPr/>
+                    <a:lstStyle/>
+                    <a:p>
+                      <a:r>
+                        <a:rPr lang="en-US" dirty="0"/>
+                        <a:t>0</a:t>
+                      </a:r>
+                    </a:p>
+                  </a:txBody>
+                  <a:tcPr/>
+                </a:tc>
+                <a:tc>
+                  <a:txBody>
+                    <a:bodyPr/>
+                    <a:lstStyle/>
+                    <a:p>
+                      <a:r>
+                        <a:rPr lang="en-US" dirty="0"/>
+                        <a:t>5</a:t>
+                      </a:r>
+                    </a:p>
+                  </a:txBody>
+                  <a:tcPr/>
+                </a:tc>
+                <a:tc>
+                  <a:txBody>
+                    <a:bodyPr/>
+                    <a:lstStyle/>
+                    <a:p>
+                      <a:r>
+                        <a:rPr lang="en-US" dirty="0"/>
+                        <a:t>T</a:t>
+                      </a:r>
+                    </a:p>
+                  </a:txBody>
+                  <a:tcPr/>
+                </a:tc>
+                <a:tc>
+                  <a:txBody>
+                    <a:bodyPr/>
+                    <a:lstStyle/>
+                    <a:p>
+                      <a:r>
+                        <a:rPr lang="en-US" dirty="0"/>
+                        <a:t>Failed; (5 &lt; 65)</a:t>
+                      </a:r>
+                    </a:p>
+                  </a:txBody>
+                  <a:tcPr/>
+                </a:tc>
+                <a:extLst>
+                  <a:ext uri="{0D108BD9-81ED-4DB2-BD59-A6C34878D82A}">
+                    <a16:rowId xmlns:a16="http://schemas.microsoft.com/office/drawing/2014/main" val="3683212375"/>
+                  </a:ext>
+                </a:extLst>
+              </a:tr>
+              <a:tr h="370840">
+                <a:tc>
+                  <a:txBody>
+                    <a:bodyPr/>
+                    <a:lstStyle/>
+                    <a:p>
+                      <a:r>
+                        <a:rPr lang="en-US" dirty="0"/>
+                        <a:t>1</a:t>
+                      </a:r>
+                    </a:p>
+                  </a:txBody>
+                  <a:tcPr/>
+                </a:tc>
+                <a:tc>
+                  <a:txBody>
+                    <a:bodyPr/>
+                    <a:lstStyle/>
+                    <a:p>
+                      <a:r>
+                        <a:rPr lang="en-US" dirty="0"/>
+                        <a:t>10</a:t>
+                      </a:r>
+                    </a:p>
+                  </a:txBody>
+                  <a:tcPr/>
+                </a:tc>
+                <a:tc>
+                  <a:txBody>
+                    <a:bodyPr/>
+                    <a:lstStyle/>
+                    <a:p>
+                      <a:r>
+                        <a:rPr lang="en-US" dirty="0"/>
+                        <a:t>h</a:t>
+                      </a:r>
+                    </a:p>
+                  </a:txBody>
+                  <a:tcPr/>
+                </a:tc>
+                <a:tc>
+                  <a:txBody>
+                    <a:bodyPr/>
+                    <a:lstStyle/>
+                    <a:p>
+                      <a:r>
+                        <a:rPr lang="en-US" dirty="0"/>
+                        <a:t>Failed; (10 &lt; 65)</a:t>
+                      </a:r>
+                    </a:p>
+                  </a:txBody>
+                  <a:tcPr/>
+                </a:tc>
+                <a:extLst>
+                  <a:ext uri="{0D108BD9-81ED-4DB2-BD59-A6C34878D82A}">
+                    <a16:rowId xmlns:a16="http://schemas.microsoft.com/office/drawing/2014/main" val="1405390222"/>
+                  </a:ext>
+                </a:extLst>
+              </a:tr>
+              <a:tr h="370840">
+                <a:tc>
+                  <a:txBody>
+                    <a:bodyPr/>
+                    <a:lstStyle/>
+                    <a:p>
+                      <a:r>
+                        <a:rPr lang="en-US" dirty="0"/>
+                        <a:t>2</a:t>
+                      </a:r>
+                    </a:p>
+                  </a:txBody>
+                  <a:tcPr/>
+                </a:tc>
+                <a:tc>
+                  <a:txBody>
+                    <a:bodyPr/>
+                    <a:lstStyle/>
+                    <a:p>
+                      <a:r>
+                        <a:rPr lang="en-US" dirty="0"/>
+                        <a:t>15</a:t>
+                      </a:r>
+                    </a:p>
+                  </a:txBody>
+                  <a:tcPr/>
+                </a:tc>
+                <a:tc>
+                  <a:txBody>
+                    <a:bodyPr/>
+                    <a:lstStyle/>
+                    <a:p>
+                      <a:r>
+                        <a:rPr lang="en-US" dirty="0" err="1"/>
+                        <a:t>i</a:t>
+                      </a:r>
+                      <a:endParaRPr lang="en-US" dirty="0"/>
+                    </a:p>
+                  </a:txBody>
+                  <a:tcPr/>
+                </a:tc>
+                <a:tc>
+                  <a:txBody>
+                    <a:bodyPr/>
+                    <a:lstStyle/>
+                    <a:p>
+                      <a:r>
+                        <a:rPr lang="en-US" dirty="0"/>
+                        <a:t>Failed; (15&lt; 65)</a:t>
+                      </a:r>
+                    </a:p>
+                  </a:txBody>
+                  <a:tcPr/>
+                </a:tc>
+                <a:extLst>
+                  <a:ext uri="{0D108BD9-81ED-4DB2-BD59-A6C34878D82A}">
+                    <a16:rowId xmlns:a16="http://schemas.microsoft.com/office/drawing/2014/main" val="1212146691"/>
+                  </a:ext>
+                </a:extLst>
+              </a:tr>
+              <a:tr h="370840">
+                <a:tc>
+                  <a:txBody>
+                    <a:bodyPr/>
+                    <a:lstStyle/>
+                    <a:p>
+                      <a:r>
+                        <a:rPr lang="en-US" dirty="0"/>
+                        <a:t>3</a:t>
+                      </a:r>
+                    </a:p>
+                  </a:txBody>
+                  <a:tcPr/>
+                </a:tc>
+                <a:tc>
+                  <a:txBody>
+                    <a:bodyPr/>
+                    <a:lstStyle/>
+                    <a:p>
+                      <a:r>
+                        <a:rPr lang="en-US" dirty="0"/>
+                        <a:t>20</a:t>
+                      </a:r>
+                    </a:p>
+                  </a:txBody>
+                  <a:tcPr/>
+                </a:tc>
+                <a:tc>
+                  <a:txBody>
+                    <a:bodyPr/>
+                    <a:lstStyle/>
+                    <a:p>
+                      <a:r>
+                        <a:rPr lang="en-US" dirty="0"/>
+                        <a:t>s</a:t>
+                      </a:r>
+                    </a:p>
+                  </a:txBody>
+                  <a:tcPr/>
+                </a:tc>
+                <a:tc>
+                  <a:txBody>
+                    <a:bodyPr/>
+                    <a:lstStyle/>
+                    <a:p>
+                      <a:r>
+                        <a:rPr lang="en-US" dirty="0"/>
+                        <a:t>Failed; (20 &lt; 65</a:t>
+                      </a:r>
+                    </a:p>
+                  </a:txBody>
+                  <a:tcPr/>
+                </a:tc>
+                <a:extLst>
+                  <a:ext uri="{0D108BD9-81ED-4DB2-BD59-A6C34878D82A}">
+                    <a16:rowId xmlns:a16="http://schemas.microsoft.com/office/drawing/2014/main" val="2917270684"/>
+                  </a:ext>
+                </a:extLst>
+              </a:tr>
+              <a:tr h="370840">
+                <a:tc>
+                  <a:txBody>
+                    <a:bodyPr/>
+                    <a:lstStyle/>
+                    <a:p>
+                      <a:r>
+                        <a:rPr lang="en-GB" sz="1800" b="0" i="0" u="none" strike="noStrike" kern="1200" dirty="0">
+                          <a:solidFill>
+                            <a:schemeClr val="dk1"/>
+                          </a:solidFill>
+                          <a:effectLst/>
+                          <a:latin typeface="+mn-lt"/>
+                          <a:ea typeface="+mn-ea"/>
+                          <a:cs typeface="+mn-cs"/>
+                        </a:rPr>
+                        <a:t>⋮</a:t>
+                      </a:r>
+                      <a:endParaRPr lang="en-US" dirty="0"/>
+                    </a:p>
+                  </a:txBody>
+                  <a:tcPr/>
+                </a:tc>
+                <a:tc>
+                  <a:txBody>
+                    <a:bodyPr/>
+                    <a:lstStyle/>
+                    <a:p>
+                      <a:r>
+                        <a:rPr lang="en-GB" sz="1800" b="0" i="0" u="none" strike="noStrike" kern="1200" dirty="0">
+                          <a:solidFill>
+                            <a:schemeClr val="dk1"/>
+                          </a:solidFill>
+                          <a:effectLst/>
+                          <a:latin typeface="+mn-lt"/>
+                          <a:ea typeface="+mn-ea"/>
+                          <a:cs typeface="+mn-cs"/>
+                        </a:rPr>
+                        <a:t>⋮</a:t>
+                      </a:r>
+                      <a:endParaRPr lang="en-US" dirty="0"/>
+                    </a:p>
+                  </a:txBody>
+                  <a:tcPr/>
+                </a:tc>
+                <a:tc>
+                  <a:txBody>
+                    <a:bodyPr/>
+                    <a:lstStyle/>
+                    <a:p>
+                      <a:r>
+                        <a:rPr lang="en-GB" sz="1800" b="0" i="0" u="none" strike="noStrike" kern="1200" dirty="0">
+                          <a:solidFill>
+                            <a:schemeClr val="dk1"/>
+                          </a:solidFill>
+                          <a:effectLst/>
+                          <a:latin typeface="+mn-lt"/>
+                          <a:ea typeface="+mn-ea"/>
+                          <a:cs typeface="+mn-cs"/>
+                        </a:rPr>
+                        <a:t>⋮</a:t>
+                      </a:r>
+                      <a:endParaRPr lang="en-US" dirty="0"/>
+                    </a:p>
+                  </a:txBody>
+                  <a:tcPr/>
+                </a:tc>
+                <a:tc>
+                  <a:txBody>
+                    <a:bodyPr/>
+                    <a:lstStyle/>
+                    <a:p>
+                      <a:r>
+                        <a:rPr lang="en-GB" sz="1800" b="0" i="0" u="none" strike="noStrike" kern="1200" dirty="0">
+                          <a:solidFill>
+                            <a:schemeClr val="dk1"/>
+                          </a:solidFill>
+                          <a:effectLst/>
+                          <a:latin typeface="+mn-lt"/>
+                          <a:ea typeface="+mn-ea"/>
+                          <a:cs typeface="+mn-cs"/>
+                        </a:rPr>
+                        <a:t>⋮</a:t>
+                      </a:r>
+                      <a:endParaRPr lang="en-US" dirty="0"/>
+                    </a:p>
+                  </a:txBody>
+                  <a:tcPr/>
+                </a:tc>
+                <a:extLst>
+                  <a:ext uri="{0D108BD9-81ED-4DB2-BD59-A6C34878D82A}">
+                    <a16:rowId xmlns:a16="http://schemas.microsoft.com/office/drawing/2014/main" val="1488425360"/>
+                  </a:ext>
+                </a:extLst>
+              </a:tr>
+              <a:tr h="370840">
+                <a:tc>
+                  <a:txBody>
+                    <a:bodyPr/>
+                    <a:lstStyle/>
+                    <a:p>
+                      <a:r>
+                        <a:rPr lang="en-US" dirty="0"/>
+                        <a:t>11</a:t>
+                      </a:r>
+                    </a:p>
+                  </a:txBody>
+                  <a:tcPr/>
+                </a:tc>
+                <a:tc>
+                  <a:txBody>
+                    <a:bodyPr/>
+                    <a:lstStyle/>
+                    <a:p>
+                      <a:r>
+                        <a:rPr lang="en-US" dirty="0"/>
+                        <a:t>60</a:t>
+                      </a:r>
+                    </a:p>
+                  </a:txBody>
+                  <a:tcPr/>
+                </a:tc>
+                <a:tc>
+                  <a:txBody>
+                    <a:bodyPr/>
+                    <a:lstStyle/>
+                    <a:p>
+                      <a:r>
+                        <a:rPr lang="en-US" dirty="0"/>
+                        <a:t>t</a:t>
+                      </a:r>
+                    </a:p>
+                  </a:txBody>
+                  <a:tcPr/>
+                </a:tc>
+                <a:tc>
+                  <a:txBody>
+                    <a:bodyPr/>
+                    <a:lstStyle/>
+                    <a:p>
+                      <a:r>
+                        <a:rPr lang="en-US" dirty="0"/>
+                        <a:t>Failed; (60 &lt; 65)</a:t>
+                      </a:r>
+                    </a:p>
+                  </a:txBody>
+                  <a:tcPr/>
+                </a:tc>
+                <a:extLst>
+                  <a:ext uri="{0D108BD9-81ED-4DB2-BD59-A6C34878D82A}">
+                    <a16:rowId xmlns:a16="http://schemas.microsoft.com/office/drawing/2014/main" val="2804976432"/>
+                  </a:ext>
+                </a:extLst>
+              </a:tr>
+              <a:tr h="370840">
+                <a:tc>
+                  <a:txBody>
+                    <a:bodyPr/>
+                    <a:lstStyle/>
+                    <a:p>
+                      <a:r>
+                        <a:rPr lang="en-US" dirty="0"/>
+                        <a:t>12</a:t>
+                      </a:r>
+                    </a:p>
+                  </a:txBody>
+                  <a:tcPr/>
+                </a:tc>
+                <a:tc>
+                  <a:txBody>
+                    <a:bodyPr/>
+                    <a:lstStyle/>
+                    <a:p>
+                      <a:r>
+                        <a:rPr lang="en-US" dirty="0"/>
+                        <a:t>65</a:t>
+                      </a:r>
+                    </a:p>
+                  </a:txBody>
+                  <a:tcPr/>
+                </a:tc>
+                <a:tc>
+                  <a:txBody>
+                    <a:bodyPr/>
+                    <a:lstStyle/>
+                    <a:p>
+                      <a:r>
+                        <a:rPr lang="en-US" dirty="0"/>
+                        <a:t>[space]</a:t>
+                      </a:r>
+                    </a:p>
+                  </a:txBody>
+                  <a:tcPr/>
+                </a:tc>
+                <a:tc>
+                  <a:txBody>
+                    <a:bodyPr/>
+                    <a:lstStyle/>
+                    <a:p>
+                      <a:r>
+                        <a:rPr lang="en-US" dirty="0"/>
+                        <a:t>Passed; (65 &gt;= 65)</a:t>
+                      </a:r>
+                    </a:p>
+                  </a:txBody>
+                  <a:tcPr/>
+                </a:tc>
+                <a:extLst>
+                  <a:ext uri="{0D108BD9-81ED-4DB2-BD59-A6C34878D82A}">
+                    <a16:rowId xmlns:a16="http://schemas.microsoft.com/office/drawing/2014/main" val="4044712567"/>
+                  </a:ext>
+                </a:extLst>
+              </a:tr>
+            </a:tbl>
+          </a:graphicData>
+        </a:graphic>
+      </p:graphicFrame>
+      <p:sp>
+        <p:nvSpPr>
+          <p:cNvPr id="7" name="TextBox 6">
+            <a:extLst>
+              <a:ext uri="{FF2B5EF4-FFF2-40B4-BE49-F238E27FC236}">
+                <a16:creationId xmlns:a16="http://schemas.microsoft.com/office/drawing/2014/main" id="{D7AB5841-E1E1-4449-A3A5-AEA12E70F2A4}"/>
+              </a:ext>
+            </a:extLst>
+          </p:cNvPr>
+          <p:cNvSpPr txBox="1"/>
+          <p:nvPr/>
+        </p:nvSpPr>
+        <p:spPr>
+          <a:xfrm>
+            <a:off x="216525" y="4347411"/>
+            <a:ext cx="8317875" cy="307777"/>
+          </a:xfrm>
+          <a:prstGeom prst="rect">
+            <a:avLst/>
+          </a:prstGeom>
+          <a:noFill/>
+          <a:ln>
+            <a:solidFill>
+              <a:schemeClr val="tx1"/>
+            </a:solidFill>
+          </a:ln>
+        </p:spPr>
+        <p:txBody>
+          <a:bodyPr wrap="square" rtlCol="0">
+            <a:spAutoFit/>
+          </a:bodyPr>
+          <a:lstStyle/>
+          <a:p>
+            <a:pPr marL="285750" indent="-285750">
+              <a:buFont typeface="Arial" panose="020B0604020202020204" pitchFamily="34" charset="0"/>
+              <a:buChar char="•"/>
+            </a:pPr>
+            <a:r>
+              <a:rPr lang="en-US" sz="1400" dirty="0" err="1"/>
+              <a:t>colNum</a:t>
+            </a:r>
+            <a:r>
+              <a:rPr lang="en-US" sz="1400" dirty="0"/>
+              <a:t> = 12</a:t>
+            </a:r>
+          </a:p>
+        </p:txBody>
+      </p:sp>
+      <p:sp>
+        <p:nvSpPr>
+          <p:cNvPr id="8" name="TextBox 7">
+            <a:extLst>
+              <a:ext uri="{FF2B5EF4-FFF2-40B4-BE49-F238E27FC236}">
+                <a16:creationId xmlns:a16="http://schemas.microsoft.com/office/drawing/2014/main" id="{0DB66C13-F288-4E42-9915-2B4576D36AAA}"/>
+              </a:ext>
+            </a:extLst>
+          </p:cNvPr>
+          <p:cNvSpPr txBox="1"/>
+          <p:nvPr/>
+        </p:nvSpPr>
+        <p:spPr>
+          <a:xfrm>
+            <a:off x="216524" y="5043498"/>
+            <a:ext cx="8317875" cy="738664"/>
+          </a:xfrm>
+          <a:prstGeom prst="rect">
+            <a:avLst/>
+          </a:prstGeom>
+          <a:noFill/>
+          <a:ln>
+            <a:solidFill>
+              <a:schemeClr val="tx1"/>
+            </a:solidFill>
+          </a:ln>
+        </p:spPr>
+        <p:txBody>
+          <a:bodyPr wrap="square" rtlCol="0">
+            <a:spAutoFit/>
+          </a:bodyPr>
+          <a:lstStyle/>
+          <a:p>
+            <a:r>
+              <a:rPr lang="en-GB" sz="1400" b="1" u="sng" dirty="0"/>
+              <a:t>Section 5</a:t>
+            </a:r>
+          </a:p>
+          <a:p>
+            <a:pPr marL="285750" indent="-285750">
+              <a:buFont typeface="Arial" panose="020B0604020202020204" pitchFamily="34" charset="0"/>
+              <a:buChar char="•"/>
+            </a:pPr>
+            <a:r>
+              <a:rPr lang="en-US" sz="1400" dirty="0"/>
+              <a:t>Call the </a:t>
+            </a:r>
+            <a:r>
+              <a:rPr lang="en-US" sz="1400" dirty="0" err="1"/>
+              <a:t>adjustCursorInformation</a:t>
+            </a:r>
+            <a:r>
+              <a:rPr lang="en-US" sz="1400" dirty="0"/>
+              <a:t> method:</a:t>
+            </a:r>
+          </a:p>
+          <a:p>
+            <a:pPr marL="285750" indent="-285750">
+              <a:buFont typeface="Arial" panose="020B0604020202020204" pitchFamily="34" charset="0"/>
+              <a:buChar char="•"/>
+            </a:pPr>
+            <a:r>
+              <a:rPr lang="en-US" sz="1400" dirty="0" err="1"/>
+              <a:t>adjustCursorInformation</a:t>
+            </a:r>
+            <a:r>
+              <a:rPr lang="en-US" sz="1400" dirty="0"/>
+              <a:t>(true, 12, 1, -1, 0, 41)</a:t>
             </a:r>
           </a:p>
         </p:txBody>
@@ -6284,7 +9699,7 @@
     </p:spTree>
     <p:extLst>
       <p:ext uri="{BB962C8B-B14F-4D97-AF65-F5344CB8AC3E}">
-        <p14:creationId xmlns:p14="http://schemas.microsoft.com/office/powerpoint/2010/main" val="3244274740"/>
+        <p14:creationId xmlns:p14="http://schemas.microsoft.com/office/powerpoint/2010/main" val="3557912161"/>
       </p:ext>
     </p:extLst>
   </p:cSld>
@@ -6313,10 +9728,10 @@
       </p:grpSpPr>
       <p:sp>
         <p:nvSpPr>
-          <p:cNvPr id="5" name="TextBox 4">
-            <a:extLst>
-              <a:ext uri="{FF2B5EF4-FFF2-40B4-BE49-F238E27FC236}">
-                <a16:creationId xmlns:a16="http://schemas.microsoft.com/office/drawing/2014/main" id="{08C66679-8CB2-7D43-99B2-7924DA142103}"/>
+          <p:cNvPr id="2" name="TextBox 1">
+            <a:extLst>
+              <a:ext uri="{FF2B5EF4-FFF2-40B4-BE49-F238E27FC236}">
+                <a16:creationId xmlns:a16="http://schemas.microsoft.com/office/drawing/2014/main" id="{618E76A7-9BD4-3E4F-8271-FD6AB6AB7D06}"/>
               </a:ext>
             </a:extLst>
           </p:cNvPr>
@@ -6325,114 +9740,13 @@
         </p:nvSpPr>
         <p:spPr>
           <a:xfrm>
-            <a:off x="8387038" y="103470"/>
-            <a:ext cx="3550722" cy="2308324"/>
+            <a:off x="475013" y="368135"/>
+            <a:ext cx="10694210" cy="1015663"/>
           </a:xfrm>
           <a:prstGeom prst="rect">
             <a:avLst/>
           </a:prstGeom>
           <a:noFill/>
-          <a:ln>
-            <a:solidFill>
-              <a:schemeClr val="tx1"/>
-            </a:solidFill>
-          </a:ln>
-        </p:spPr>
-        <p:txBody>
-          <a:bodyPr wrap="square" rtlCol="0">
-            <a:spAutoFit/>
-          </a:bodyPr>
-          <a:lstStyle/>
-          <a:p>
-            <a:r>
-              <a:rPr lang="en-US" dirty="0">
-                <a:solidFill>
-                  <a:srgbClr val="002060"/>
-                </a:solidFill>
-              </a:rPr>
-              <a:t>This is left line number 1. This is left line number 1.</a:t>
-            </a:r>
-          </a:p>
-          <a:p>
-            <a:r>
-              <a:rPr lang="en-US" dirty="0">
-                <a:solidFill>
-                  <a:srgbClr val="002060"/>
-                </a:solidFill>
-              </a:rPr>
-              <a:t>This is left </a:t>
-            </a:r>
-            <a:r>
-              <a:rPr lang="en-US" dirty="0">
-                <a:highlight>
-                  <a:srgbClr val="FFFF00"/>
-                </a:highlight>
-              </a:rPr>
-              <a:t>|</a:t>
-            </a:r>
-            <a:r>
-              <a:rPr lang="en-US" dirty="0">
-                <a:solidFill>
-                  <a:srgbClr val="002060"/>
-                </a:solidFill>
-              </a:rPr>
-              <a:t> line number 2. This is left line number 2. This is left line number 2. </a:t>
-            </a:r>
-            <a:r>
-              <a:rPr lang="en-US" b="1" dirty="0"/>
-              <a:t>|</a:t>
-            </a:r>
-            <a:r>
-              <a:rPr lang="en-US" dirty="0"/>
-              <a:t> </a:t>
-            </a:r>
-            <a:r>
-              <a:rPr lang="en-US" dirty="0">
-                <a:solidFill>
-                  <a:srgbClr val="C00000"/>
-                </a:solidFill>
-              </a:rPr>
-              <a:t>This is right line number 1. This is right line number 1. </a:t>
-            </a:r>
-          </a:p>
-          <a:p>
-            <a:r>
-              <a:rPr lang="en-US" dirty="0">
-                <a:solidFill>
-                  <a:srgbClr val="C00000"/>
-                </a:solidFill>
-              </a:rPr>
-              <a:t>This is right line number 2.</a:t>
-            </a:r>
-          </a:p>
-        </p:txBody>
-      </p:sp>
-      <p:sp>
-        <p:nvSpPr>
-          <p:cNvPr id="6" name="TextBox 5">
-            <a:extLst>
-              <a:ext uri="{FF2B5EF4-FFF2-40B4-BE49-F238E27FC236}">
-                <a16:creationId xmlns:a16="http://schemas.microsoft.com/office/drawing/2014/main" id="{066F970F-B3BA-8140-9D3A-3E3F507E0489}"/>
-              </a:ext>
-            </a:extLst>
-          </p:cNvPr>
-          <p:cNvSpPr txBox="1"/>
-          <p:nvPr/>
-        </p:nvSpPr>
-        <p:spPr>
-          <a:xfrm>
-            <a:off x="8387038" y="2609022"/>
-            <a:ext cx="1585883" cy="738664"/>
-          </a:xfrm>
-          <a:prstGeom prst="rect">
-            <a:avLst/>
-          </a:prstGeom>
-          <a:noFill/>
-          <a:ln>
-            <a:solidFill>
-              <a:schemeClr val="tx1"/>
-            </a:solidFill>
-          </a:ln>
         </p:spPr>
         <p:txBody>
           <a:bodyPr wrap="none" rtlCol="0">
@@ -6441,572 +9755,21 @@
           <a:lstStyle/>
           <a:p>
             <a:r>
-              <a:rPr lang="en-US" sz="1400" dirty="0" err="1"/>
-              <a:t>leftTextFormatInfo</a:t>
-            </a:r>
-            <a:r>
-              <a:rPr lang="en-US" sz="1400" dirty="0"/>
-              <a:t>:</a:t>
-            </a:r>
-          </a:p>
-          <a:p>
-            <a:pPr marL="285750" indent="-285750">
-              <a:buFont typeface="Arial" panose="020B0604020202020204" pitchFamily="34" charset="0"/>
-              <a:buChar char="•"/>
-            </a:pPr>
-            <a:r>
-              <a:rPr lang="en-US" sz="1400" dirty="0"/>
-              <a:t>[41]</a:t>
-            </a:r>
-          </a:p>
-          <a:p>
-            <a:pPr marL="285750" indent="-285750">
-              <a:buFont typeface="Arial" panose="020B0604020202020204" pitchFamily="34" charset="0"/>
-              <a:buChar char="•"/>
-            </a:pPr>
-            <a:r>
-              <a:rPr lang="en-US" sz="1400" dirty="0"/>
-              <a:t>[41, 74]</a:t>
-            </a:r>
-          </a:p>
-        </p:txBody>
-      </p:sp>
-      <p:sp>
-        <p:nvSpPr>
-          <p:cNvPr id="7" name="TextBox 6">
-            <a:extLst>
-              <a:ext uri="{FF2B5EF4-FFF2-40B4-BE49-F238E27FC236}">
-                <a16:creationId xmlns:a16="http://schemas.microsoft.com/office/drawing/2014/main" id="{D164C483-C8D6-9045-8B3C-74D954BEEFCD}"/>
-              </a:ext>
-            </a:extLst>
-          </p:cNvPr>
-          <p:cNvSpPr txBox="1"/>
-          <p:nvPr/>
-        </p:nvSpPr>
-        <p:spPr>
-          <a:xfrm>
-            <a:off x="8387038" y="3510315"/>
-            <a:ext cx="1683602" cy="738664"/>
-          </a:xfrm>
-          <a:prstGeom prst="rect">
-            <a:avLst/>
-          </a:prstGeom>
-          <a:noFill/>
-          <a:ln>
-            <a:solidFill>
-              <a:schemeClr val="tx1"/>
-            </a:solidFill>
-          </a:ln>
-        </p:spPr>
-        <p:txBody>
-          <a:bodyPr wrap="none" rtlCol="0">
-            <a:spAutoFit/>
-          </a:bodyPr>
-          <a:lstStyle/>
-          <a:p>
-            <a:r>
-              <a:rPr lang="en-US" sz="1400" dirty="0" err="1"/>
-              <a:t>rightTextFormatInfo</a:t>
-            </a:r>
-            <a:r>
-              <a:rPr lang="en-US" sz="1400" dirty="0"/>
-              <a:t>:</a:t>
-            </a:r>
-          </a:p>
-          <a:p>
-            <a:pPr marL="285750" indent="-285750">
-              <a:buFont typeface="Arial" panose="020B0604020202020204" pitchFamily="34" charset="0"/>
-              <a:buChar char="•"/>
-            </a:pPr>
-            <a:r>
-              <a:rPr lang="en-US" sz="1400" dirty="0"/>
-              <a:t>[19, 55]</a:t>
-            </a:r>
-          </a:p>
-          <a:p>
-            <a:pPr marL="285750" indent="-285750">
-              <a:buFont typeface="Arial" panose="020B0604020202020204" pitchFamily="34" charset="0"/>
-              <a:buChar char="•"/>
-            </a:pPr>
-            <a:r>
-              <a:rPr lang="en-US" sz="1400" dirty="0"/>
-              <a:t>[-1]</a:t>
-            </a:r>
-          </a:p>
-        </p:txBody>
-      </p:sp>
-      <p:sp>
-        <p:nvSpPr>
-          <p:cNvPr id="8" name="TextBox 7">
-            <a:extLst>
-              <a:ext uri="{FF2B5EF4-FFF2-40B4-BE49-F238E27FC236}">
-                <a16:creationId xmlns:a16="http://schemas.microsoft.com/office/drawing/2014/main" id="{4862A6DC-F1F3-0943-AB1D-B1D706D98A40}"/>
-              </a:ext>
-            </a:extLst>
-          </p:cNvPr>
-          <p:cNvSpPr txBox="1"/>
-          <p:nvPr/>
-        </p:nvSpPr>
-        <p:spPr>
-          <a:xfrm>
-            <a:off x="166253" y="937738"/>
-            <a:ext cx="7540833" cy="1600438"/>
-          </a:xfrm>
-          <a:prstGeom prst="rect">
-            <a:avLst/>
-          </a:prstGeom>
-          <a:noFill/>
-          <a:ln>
-            <a:solidFill>
-              <a:schemeClr val="tx1"/>
-            </a:solidFill>
-          </a:ln>
-        </p:spPr>
-        <p:txBody>
-          <a:bodyPr wrap="square" rtlCol="0">
-            <a:spAutoFit/>
-          </a:bodyPr>
-          <a:lstStyle/>
-          <a:p>
-            <a:r>
-              <a:rPr lang="en-GB" sz="1400" b="1" u="sng" dirty="0"/>
-              <a:t>Section 1</a:t>
-            </a:r>
-          </a:p>
-          <a:p>
-            <a:pPr marL="285750" indent="-285750">
-              <a:buFont typeface="Arial" panose="020B0604020202020204" pitchFamily="34" charset="0"/>
-              <a:buChar char="•"/>
-            </a:pPr>
-            <a:r>
-              <a:rPr lang="en-GB" sz="1400" dirty="0" err="1"/>
-              <a:t>oldImmediateLeftLine</a:t>
-            </a:r>
-            <a:r>
-              <a:rPr lang="en-GB" sz="1400" dirty="0"/>
-              <a:t> = “</a:t>
-            </a:r>
-            <a:r>
-              <a:rPr lang="en-US" sz="1400" dirty="0">
-                <a:solidFill>
-                  <a:srgbClr val="002060"/>
-                </a:solidFill>
-              </a:rPr>
-              <a:t>This is left line number 2. This is left line number 2. This is left line number 2.”</a:t>
-            </a:r>
-          </a:p>
-          <a:p>
-            <a:pPr marL="285750" indent="-285750">
-              <a:buFont typeface="Arial" panose="020B0604020202020204" pitchFamily="34" charset="0"/>
-              <a:buChar char="•"/>
-            </a:pPr>
-            <a:r>
-              <a:rPr lang="en-US" sz="1400" dirty="0" err="1">
-                <a:solidFill>
-                  <a:srgbClr val="002060"/>
-                </a:solidFill>
-              </a:rPr>
-              <a:t>oldImmediateRightLine</a:t>
-            </a:r>
-            <a:r>
-              <a:rPr lang="en-US" sz="1400" dirty="0">
-                <a:solidFill>
-                  <a:srgbClr val="002060"/>
-                </a:solidFill>
-              </a:rPr>
-              <a:t> = </a:t>
-            </a:r>
-            <a:r>
-              <a:rPr lang="en-US" sz="1400" dirty="0">
-                <a:solidFill>
-                  <a:srgbClr val="C00000"/>
-                </a:solidFill>
-              </a:rPr>
-              <a:t>“This is right line number 1. This is right line number 1.”</a:t>
-            </a:r>
-          </a:p>
-          <a:p>
-            <a:pPr marL="285750" indent="-285750">
-              <a:buFont typeface="Arial" panose="020B0604020202020204" pitchFamily="34" charset="0"/>
-              <a:buChar char="•"/>
-            </a:pPr>
-            <a:r>
-              <a:rPr lang="en-US" sz="1400" dirty="0" err="1"/>
-              <a:t>newLine</a:t>
-            </a:r>
-            <a:r>
-              <a:rPr lang="en-US" sz="1400" dirty="0"/>
-              <a:t> = </a:t>
-            </a:r>
-            <a:r>
-              <a:rPr lang="en-GB" sz="1400" dirty="0"/>
-              <a:t>“</a:t>
-            </a:r>
-            <a:r>
-              <a:rPr lang="en-US" sz="1400" dirty="0"/>
-              <a:t>This is left line number 2. This is left line number 2. This is left line number 2. “This is right line number 1. This is right line number 1.”</a:t>
-            </a:r>
-          </a:p>
-          <a:p>
-            <a:pPr marL="285750" indent="-285750">
-              <a:buFont typeface="Arial" panose="020B0604020202020204" pitchFamily="34" charset="0"/>
-              <a:buChar char="•"/>
-            </a:pPr>
-            <a:r>
-              <a:rPr lang="en-US" sz="1400" dirty="0"/>
-              <a:t>Update </a:t>
-            </a:r>
-            <a:r>
-              <a:rPr lang="en-US" sz="1400" dirty="0" err="1"/>
-              <a:t>leftText</a:t>
-            </a:r>
-            <a:r>
-              <a:rPr lang="en-US" sz="1400" dirty="0"/>
-              <a:t>:</a:t>
-            </a:r>
-          </a:p>
-        </p:txBody>
-      </p:sp>
-      <p:sp>
-        <p:nvSpPr>
-          <p:cNvPr id="9" name="TextBox 8">
-            <a:extLst>
-              <a:ext uri="{FF2B5EF4-FFF2-40B4-BE49-F238E27FC236}">
-                <a16:creationId xmlns:a16="http://schemas.microsoft.com/office/drawing/2014/main" id="{FA3F4E8A-3995-D44B-91BA-66931D1B5903}"/>
-              </a:ext>
-            </a:extLst>
-          </p:cNvPr>
-          <p:cNvSpPr txBox="1"/>
-          <p:nvPr/>
-        </p:nvSpPr>
-        <p:spPr>
-          <a:xfrm>
-            <a:off x="190005" y="2609022"/>
-            <a:ext cx="6645521" cy="954107"/>
-          </a:xfrm>
-          <a:prstGeom prst="rect">
-            <a:avLst/>
-          </a:prstGeom>
-          <a:noFill/>
-          <a:ln>
-            <a:solidFill>
-              <a:schemeClr val="accent1"/>
-            </a:solidFill>
-          </a:ln>
-        </p:spPr>
-        <p:txBody>
-          <a:bodyPr wrap="square" rtlCol="0">
-            <a:spAutoFit/>
-          </a:bodyPr>
-          <a:lstStyle/>
-          <a:p>
-            <a:r>
-              <a:rPr lang="en-US" sz="1400" dirty="0" err="1"/>
-              <a:t>leftText</a:t>
-            </a:r>
-            <a:r>
-              <a:rPr lang="en-US" sz="1400" dirty="0"/>
-              <a:t>:</a:t>
-            </a:r>
-          </a:p>
-          <a:p>
-            <a:pPr marL="285750" indent="-285750">
-              <a:buFont typeface="Arial" panose="020B0604020202020204" pitchFamily="34" charset="0"/>
-              <a:buChar char="•"/>
-            </a:pPr>
-            <a:r>
-              <a:rPr lang="en-US" sz="1400" dirty="0"/>
-              <a:t>This is left line number 1. This is left line number 1.</a:t>
-            </a:r>
-          </a:p>
-          <a:p>
-            <a:pPr marL="285750" indent="-285750">
-              <a:buFont typeface="Arial" panose="020B0604020202020204" pitchFamily="34" charset="0"/>
-              <a:buChar char="•"/>
-            </a:pPr>
-            <a:r>
-              <a:rPr lang="en-GB" sz="1400" dirty="0"/>
-              <a:t>“</a:t>
-            </a:r>
-            <a:r>
-              <a:rPr lang="en-US" sz="1400" dirty="0"/>
-              <a:t>This is left line number 2. This is left line number 2. This is left line number 2. “This is right line number 1. This is right line number 1.”</a:t>
-            </a:r>
-          </a:p>
-        </p:txBody>
-      </p:sp>
-      <p:sp>
-        <p:nvSpPr>
-          <p:cNvPr id="10" name="TextBox 9">
-            <a:extLst>
-              <a:ext uri="{FF2B5EF4-FFF2-40B4-BE49-F238E27FC236}">
-                <a16:creationId xmlns:a16="http://schemas.microsoft.com/office/drawing/2014/main" id="{09D537B6-2005-014B-9006-C105E2937016}"/>
-              </a:ext>
-            </a:extLst>
-          </p:cNvPr>
-          <p:cNvSpPr txBox="1"/>
-          <p:nvPr/>
-        </p:nvSpPr>
-        <p:spPr>
-          <a:xfrm>
-            <a:off x="166253" y="4151778"/>
-            <a:ext cx="2406364" cy="523220"/>
-          </a:xfrm>
-          <a:prstGeom prst="rect">
-            <a:avLst/>
-          </a:prstGeom>
-          <a:noFill/>
-          <a:ln>
-            <a:solidFill>
-              <a:schemeClr val="accent1"/>
-            </a:solidFill>
-          </a:ln>
-        </p:spPr>
-        <p:txBody>
-          <a:bodyPr wrap="none" rtlCol="0">
-            <a:spAutoFit/>
-          </a:bodyPr>
-          <a:lstStyle/>
-          <a:p>
-            <a:r>
-              <a:rPr lang="en-US" sz="1400" dirty="0" err="1"/>
-              <a:t>rightText</a:t>
-            </a:r>
-            <a:r>
-              <a:rPr lang="en-US" sz="1400" dirty="0"/>
-              <a:t>:</a:t>
-            </a:r>
-          </a:p>
-          <a:p>
-            <a:pPr marL="285750" indent="-285750">
-              <a:buFont typeface="Arial" panose="020B0604020202020204" pitchFamily="34" charset="0"/>
-              <a:buChar char="•"/>
-            </a:pPr>
-            <a:r>
-              <a:rPr lang="en-US" sz="1400" dirty="0"/>
-              <a:t>This is right line number 2.</a:t>
-            </a:r>
-          </a:p>
-        </p:txBody>
-      </p:sp>
-      <p:sp>
-        <p:nvSpPr>
-          <p:cNvPr id="11" name="TextBox 10">
-            <a:extLst>
-              <a:ext uri="{FF2B5EF4-FFF2-40B4-BE49-F238E27FC236}">
-                <a16:creationId xmlns:a16="http://schemas.microsoft.com/office/drawing/2014/main" id="{39CA5621-28E7-2947-A774-70D70559E0E3}"/>
-              </a:ext>
-            </a:extLst>
-          </p:cNvPr>
-          <p:cNvSpPr txBox="1"/>
-          <p:nvPr/>
-        </p:nvSpPr>
-        <p:spPr>
-          <a:xfrm>
-            <a:off x="190005" y="5946156"/>
-            <a:ext cx="1710725" cy="738664"/>
-          </a:xfrm>
-          <a:prstGeom prst="rect">
-            <a:avLst/>
-          </a:prstGeom>
-          <a:noFill/>
-          <a:ln>
-            <a:solidFill>
-              <a:schemeClr val="accent1"/>
-            </a:solidFill>
-          </a:ln>
-        </p:spPr>
-        <p:txBody>
-          <a:bodyPr wrap="none" rtlCol="0">
-            <a:spAutoFit/>
-          </a:bodyPr>
-          <a:lstStyle/>
-          <a:p>
-            <a:r>
-              <a:rPr lang="en-US" sz="1400" dirty="0" err="1"/>
-              <a:t>leftTextFormatInfo</a:t>
-            </a:r>
-            <a:r>
-              <a:rPr lang="en-US" sz="1400" dirty="0"/>
-              <a:t>:</a:t>
-            </a:r>
-          </a:p>
-          <a:p>
-            <a:pPr marL="285750" indent="-285750">
-              <a:buFont typeface="Arial" panose="020B0604020202020204" pitchFamily="34" charset="0"/>
-              <a:buChar char="•"/>
-            </a:pPr>
-            <a:r>
-              <a:rPr lang="en-US" sz="1400" dirty="0"/>
-              <a:t>[41]</a:t>
-            </a:r>
-          </a:p>
-          <a:p>
-            <a:pPr marL="285750" indent="-285750">
-              <a:buFont typeface="Arial" panose="020B0604020202020204" pitchFamily="34" charset="0"/>
-              <a:buChar char="•"/>
-            </a:pPr>
-            <a:r>
-              <a:rPr lang="en-US" sz="1400" dirty="0"/>
-              <a:t>[41,82, 100, 141]</a:t>
-            </a:r>
-          </a:p>
-        </p:txBody>
-      </p:sp>
-      <p:sp>
-        <p:nvSpPr>
-          <p:cNvPr id="12" name="TextBox 11">
-            <a:extLst>
-              <a:ext uri="{FF2B5EF4-FFF2-40B4-BE49-F238E27FC236}">
-                <a16:creationId xmlns:a16="http://schemas.microsoft.com/office/drawing/2014/main" id="{E348F59A-3756-FC45-97F2-9A7B9B1AD3A2}"/>
-              </a:ext>
-            </a:extLst>
-          </p:cNvPr>
-          <p:cNvSpPr txBox="1"/>
-          <p:nvPr/>
-        </p:nvSpPr>
-        <p:spPr>
-          <a:xfrm>
-            <a:off x="166253" y="4785096"/>
-            <a:ext cx="1683602" cy="523220"/>
-          </a:xfrm>
-          <a:prstGeom prst="rect">
-            <a:avLst/>
-          </a:prstGeom>
-          <a:noFill/>
-          <a:ln>
-            <a:solidFill>
-              <a:schemeClr val="accent1"/>
-            </a:solidFill>
-          </a:ln>
-        </p:spPr>
-        <p:txBody>
-          <a:bodyPr wrap="none" rtlCol="0">
-            <a:spAutoFit/>
-          </a:bodyPr>
-          <a:lstStyle/>
-          <a:p>
-            <a:r>
-              <a:rPr lang="en-US" sz="1400" dirty="0" err="1"/>
-              <a:t>rightTextFormatInfo</a:t>
-            </a:r>
-            <a:r>
-              <a:rPr lang="en-US" sz="1400" dirty="0"/>
-              <a:t>:</a:t>
-            </a:r>
-          </a:p>
-          <a:p>
-            <a:pPr marL="285750" indent="-285750">
-              <a:buFont typeface="Arial" panose="020B0604020202020204" pitchFamily="34" charset="0"/>
-              <a:buChar char="•"/>
-            </a:pPr>
-            <a:r>
-              <a:rPr lang="en-US" sz="1400" dirty="0"/>
-              <a:t>[-1]</a:t>
-            </a:r>
-          </a:p>
-        </p:txBody>
-      </p:sp>
-      <p:sp>
-        <p:nvSpPr>
-          <p:cNvPr id="13" name="TextBox 12">
-            <a:extLst>
-              <a:ext uri="{FF2B5EF4-FFF2-40B4-BE49-F238E27FC236}">
-                <a16:creationId xmlns:a16="http://schemas.microsoft.com/office/drawing/2014/main" id="{64931643-46B7-7C44-A706-C418A8E3E0BA}"/>
-              </a:ext>
-            </a:extLst>
-          </p:cNvPr>
-          <p:cNvSpPr txBox="1"/>
-          <p:nvPr/>
-        </p:nvSpPr>
-        <p:spPr>
-          <a:xfrm>
-            <a:off x="190005" y="3707466"/>
-            <a:ext cx="4669868" cy="307777"/>
-          </a:xfrm>
-          <a:prstGeom prst="rect">
-            <a:avLst/>
-          </a:prstGeom>
-          <a:noFill/>
-          <a:ln>
-            <a:solidFill>
-              <a:schemeClr val="tx1"/>
-            </a:solidFill>
-          </a:ln>
-        </p:spPr>
-        <p:txBody>
-          <a:bodyPr wrap="none" rtlCol="0">
-            <a:spAutoFit/>
-          </a:bodyPr>
-          <a:lstStyle/>
-          <a:p>
-            <a:pPr marL="285750" indent="-285750">
-              <a:buFont typeface="Arial" panose="020B0604020202020204" pitchFamily="34" charset="0"/>
-              <a:buChar char="•"/>
-            </a:pPr>
-            <a:r>
-              <a:rPr lang="en-US" sz="1400" dirty="0"/>
-              <a:t>Remove the first entry of </a:t>
-            </a:r>
-            <a:r>
-              <a:rPr lang="en-US" sz="1400" dirty="0" err="1"/>
-              <a:t>rightText</a:t>
-            </a:r>
-            <a:r>
-              <a:rPr lang="en-US" sz="1400" dirty="0"/>
-              <a:t> &amp; its formatting entry:</a:t>
-            </a:r>
-          </a:p>
-        </p:txBody>
-      </p:sp>
-      <p:sp>
-        <p:nvSpPr>
-          <p:cNvPr id="14" name="TextBox 13">
-            <a:extLst>
-              <a:ext uri="{FF2B5EF4-FFF2-40B4-BE49-F238E27FC236}">
-                <a16:creationId xmlns:a16="http://schemas.microsoft.com/office/drawing/2014/main" id="{F54D637C-1E47-F64E-BDC5-C11B2548E07A}"/>
-              </a:ext>
-            </a:extLst>
-          </p:cNvPr>
-          <p:cNvSpPr txBox="1"/>
-          <p:nvPr/>
-        </p:nvSpPr>
-        <p:spPr>
-          <a:xfrm>
-            <a:off x="190005" y="5500057"/>
-            <a:ext cx="3609514" cy="307777"/>
-          </a:xfrm>
-          <a:prstGeom prst="rect">
-            <a:avLst/>
-          </a:prstGeom>
-          <a:noFill/>
-          <a:ln>
-            <a:solidFill>
-              <a:schemeClr val="tx1"/>
-            </a:solidFill>
-          </a:ln>
-        </p:spPr>
-        <p:txBody>
-          <a:bodyPr wrap="none" rtlCol="0">
-            <a:spAutoFit/>
-          </a:bodyPr>
-          <a:lstStyle/>
-          <a:p>
-            <a:pPr marL="285750" indent="-285750">
-              <a:buFont typeface="Arial" panose="020B0604020202020204" pitchFamily="34" charset="0"/>
-              <a:buChar char="•"/>
-            </a:pPr>
-            <a:r>
-              <a:rPr lang="en-US" sz="1400" dirty="0"/>
-              <a:t>Update the left text’s last formatting entry:</a:t>
-            </a:r>
+              <a:rPr lang="en-US" sz="6000" b="1" u="sng" dirty="0"/>
+              <a:t>Method: </a:t>
+            </a:r>
+            <a:r>
+              <a:rPr lang="en-GB" sz="6000" b="1" u="sng" dirty="0" err="1"/>
+              <a:t>getRowAfterFormatting</a:t>
+            </a:r>
+            <a:endParaRPr lang="en-GB" sz="6000" b="1" u="sng" dirty="0"/>
           </a:p>
         </p:txBody>
       </p:sp>
     </p:spTree>
     <p:extLst>
       <p:ext uri="{BB962C8B-B14F-4D97-AF65-F5344CB8AC3E}">
-        <p14:creationId xmlns:p14="http://schemas.microsoft.com/office/powerpoint/2010/main" val="1019149204"/>
+        <p14:creationId xmlns:p14="http://schemas.microsoft.com/office/powerpoint/2010/main" val="2755619400"/>
       </p:ext>
     </p:extLst>
   </p:cSld>
@@ -7035,10 +9798,10 @@
       </p:grpSpPr>
       <p:sp>
         <p:nvSpPr>
-          <p:cNvPr id="2" name="TextBox 1">
-            <a:extLst>
-              <a:ext uri="{FF2B5EF4-FFF2-40B4-BE49-F238E27FC236}">
-                <a16:creationId xmlns:a16="http://schemas.microsoft.com/office/drawing/2014/main" id="{3BED4CF8-5577-7343-9B5A-E65546B1592D}"/>
+          <p:cNvPr id="6" name="TextBox 5">
+            <a:extLst>
+              <a:ext uri="{FF2B5EF4-FFF2-40B4-BE49-F238E27FC236}">
+                <a16:creationId xmlns:a16="http://schemas.microsoft.com/office/drawing/2014/main" id="{CA0DC870-2136-0741-B6E9-712B20F85B50}"/>
               </a:ext>
             </a:extLst>
           </p:cNvPr>
@@ -7047,8 +9810,99 @@
         </p:nvSpPr>
         <p:spPr>
           <a:xfrm>
-            <a:off x="154379" y="203662"/>
-            <a:ext cx="2783198" cy="307777"/>
+            <a:off x="254240" y="100501"/>
+            <a:ext cx="4603633" cy="369332"/>
+          </a:xfrm>
+          <a:prstGeom prst="rect">
+            <a:avLst/>
+          </a:prstGeom>
+          <a:noFill/>
+        </p:spPr>
+        <p:txBody>
+          <a:bodyPr wrap="none" rtlCol="0">
+            <a:spAutoFit/>
+          </a:bodyPr>
+          <a:lstStyle/>
+          <a:p>
+            <a:r>
+              <a:rPr lang="en-GB" dirty="0" err="1"/>
+              <a:t>getRowAfterFormatting</a:t>
+            </a:r>
+            <a:r>
+              <a:rPr lang="en-US" dirty="0"/>
+              <a:t> (3, </a:t>
+            </a:r>
+            <a:r>
+              <a:rPr lang="en-US" dirty="0" err="1"/>
+              <a:t>leftTextFormatInfo</a:t>
+            </a:r>
+            <a:r>
+              <a:rPr lang="en-US" dirty="0"/>
+              <a:t>) </a:t>
+            </a:r>
+            <a:endParaRPr lang="en-GB" dirty="0"/>
+          </a:p>
+        </p:txBody>
+      </p:sp>
+      <p:sp>
+        <p:nvSpPr>
+          <p:cNvPr id="7" name="TextBox 6">
+            <a:extLst>
+              <a:ext uri="{FF2B5EF4-FFF2-40B4-BE49-F238E27FC236}">
+                <a16:creationId xmlns:a16="http://schemas.microsoft.com/office/drawing/2014/main" id="{AAEDB835-7ECA-A74E-B31A-7F350CB3E7C6}"/>
+              </a:ext>
+            </a:extLst>
+          </p:cNvPr>
+          <p:cNvSpPr txBox="1"/>
+          <p:nvPr/>
+        </p:nvSpPr>
+        <p:spPr>
+          <a:xfrm>
+            <a:off x="795729" y="704046"/>
+            <a:ext cx="1476772" cy="461665"/>
+          </a:xfrm>
+          <a:prstGeom prst="rect">
+            <a:avLst/>
+          </a:prstGeom>
+          <a:noFill/>
+        </p:spPr>
+        <p:txBody>
+          <a:bodyPr wrap="square" rtlCol="0">
+            <a:spAutoFit/>
+          </a:bodyPr>
+          <a:lstStyle/>
+          <a:p>
+            <a:r>
+              <a:rPr lang="en-US" sz="1200" dirty="0"/>
+              <a:t>3 since it is the 3</a:t>
+            </a:r>
+            <a:r>
+              <a:rPr lang="en-US" sz="1200" baseline="30000" dirty="0"/>
+              <a:t>rd</a:t>
+            </a:r>
+            <a:r>
+              <a:rPr lang="en-US" sz="1200" dirty="0"/>
+              <a:t> row down</a:t>
+            </a:r>
+          </a:p>
+        </p:txBody>
+      </p:sp>
+      <p:sp>
+        <p:nvSpPr>
+          <p:cNvPr id="8" name="TextBox 7">
+            <a:extLst>
+              <a:ext uri="{FF2B5EF4-FFF2-40B4-BE49-F238E27FC236}">
+                <a16:creationId xmlns:a16="http://schemas.microsoft.com/office/drawing/2014/main" id="{C7E25889-0B6E-3044-8BE9-3DD3B21F67C6}"/>
+              </a:ext>
+            </a:extLst>
+          </p:cNvPr>
+          <p:cNvSpPr txBox="1"/>
+          <p:nvPr/>
+        </p:nvSpPr>
+        <p:spPr>
+          <a:xfrm>
+            <a:off x="8387038" y="103470"/>
+            <a:ext cx="3550722" cy="2308324"/>
           </a:xfrm>
           <a:prstGeom prst="rect">
             <a:avLst/>
@@ -7061,50 +9915,6 @@
           </a:ln>
         </p:spPr>
         <p:txBody>
-          <a:bodyPr wrap="none" rtlCol="0">
-            <a:spAutoFit/>
-          </a:bodyPr>
-          <a:lstStyle/>
-          <a:p>
-            <a:pPr marL="285750" indent="-285750">
-              <a:buFont typeface="Arial" panose="020B0604020202020204" pitchFamily="34" charset="0"/>
-              <a:buChar char="•"/>
-            </a:pPr>
-            <a:r>
-              <a:rPr lang="en-US" sz="1400" dirty="0"/>
-              <a:t>So the text would now become:</a:t>
-            </a:r>
-          </a:p>
-        </p:txBody>
-      </p:sp>
-      <p:sp>
-        <p:nvSpPr>
-          <p:cNvPr id="4" name="TextBox 3">
-            <a:extLst>
-              <a:ext uri="{FF2B5EF4-FFF2-40B4-BE49-F238E27FC236}">
-                <a16:creationId xmlns:a16="http://schemas.microsoft.com/office/drawing/2014/main" id="{E27964D9-6C68-4549-9215-A478C8913CBC}"/>
-              </a:ext>
-            </a:extLst>
-          </p:cNvPr>
-          <p:cNvSpPr txBox="1"/>
-          <p:nvPr/>
-        </p:nvSpPr>
-        <p:spPr>
-          <a:xfrm>
-            <a:off x="154379" y="637860"/>
-            <a:ext cx="3550722" cy="2308324"/>
-          </a:xfrm>
-          <a:prstGeom prst="rect">
-            <a:avLst/>
-          </a:prstGeom>
-          <a:noFill/>
-          <a:ln>
-            <a:solidFill>
-              <a:schemeClr val="accent1"/>
-            </a:solidFill>
-          </a:ln>
-        </p:spPr>
-        <p:txBody>
           <a:bodyPr wrap="square" rtlCol="0">
             <a:spAutoFit/>
           </a:bodyPr>
@@ -7155,7 +9965,7 @@
             <a:r>
               <a:rPr lang="en-US" dirty="0">
                 <a:solidFill>
-                  <a:srgbClr val="002060"/>
+                  <a:srgbClr val="C00000"/>
                 </a:solidFill>
               </a:rPr>
               <a:t>This is right line number 1. This is right line number 1. </a:t>
@@ -7173,12 +9983,53 @@
           </a:p>
         </p:txBody>
       </p:sp>
-      <p:sp>
-        <p:nvSpPr>
-          <p:cNvPr id="5" name="TextBox 4">
-            <a:extLst>
-              <a:ext uri="{FF2B5EF4-FFF2-40B4-BE49-F238E27FC236}">
-                <a16:creationId xmlns:a16="http://schemas.microsoft.com/office/drawing/2014/main" id="{436F6FC4-36BB-0A4F-A958-1BA8B6CEA2B7}"/>
+      <p:cxnSp>
+        <p:nvCxnSpPr>
+          <p:cNvPr id="9" name="Straight Arrow Connector 8">
+            <a:extLst>
+              <a:ext uri="{FF2B5EF4-FFF2-40B4-BE49-F238E27FC236}">
+                <a16:creationId xmlns:a16="http://schemas.microsoft.com/office/drawing/2014/main" id="{6E3FB624-39EA-0E4B-9515-B51DD13CEBAA}"/>
+              </a:ext>
+            </a:extLst>
+          </p:cNvPr>
+          <p:cNvCxnSpPr>
+            <a:cxnSpLocks/>
+          </p:cNvCxnSpPr>
+          <p:nvPr/>
+        </p:nvCxnSpPr>
+        <p:spPr>
+          <a:xfrm flipV="1">
+            <a:off x="2094916" y="469833"/>
+            <a:ext cx="617516" cy="376599"/>
+          </a:xfrm>
+          <a:prstGeom prst="straightConnector1">
+            <a:avLst/>
+          </a:prstGeom>
+          <a:ln>
+            <a:tailEnd type="triangle"/>
+          </a:ln>
+        </p:spPr>
+        <p:style>
+          <a:lnRef idx="1">
+            <a:schemeClr val="dk1"/>
+          </a:lnRef>
+          <a:fillRef idx="0">
+            <a:schemeClr val="dk1"/>
+          </a:fillRef>
+          <a:effectRef idx="0">
+            <a:schemeClr val="dk1"/>
+          </a:effectRef>
+          <a:fontRef idx="minor">
+            <a:schemeClr val="tx1"/>
+          </a:fontRef>
+        </p:style>
+      </p:cxnSp>
+      <p:sp>
+        <p:nvSpPr>
+          <p:cNvPr id="11" name="TextBox 10">
+            <a:extLst>
+              <a:ext uri="{FF2B5EF4-FFF2-40B4-BE49-F238E27FC236}">
+                <a16:creationId xmlns:a16="http://schemas.microsoft.com/office/drawing/2014/main" id="{DA0505F8-05AE-A946-97FE-C8BD39436BA4}"/>
               </a:ext>
             </a:extLst>
           </p:cNvPr>
@@ -7187,8 +10038,84 @@
         </p:nvSpPr>
         <p:spPr>
           <a:xfrm>
-            <a:off x="154379" y="3904099"/>
-            <a:ext cx="7540833" cy="523220"/>
+            <a:off x="4119487" y="519381"/>
+            <a:ext cx="1476772" cy="830997"/>
+          </a:xfrm>
+          <a:prstGeom prst="rect">
+            <a:avLst/>
+          </a:prstGeom>
+          <a:noFill/>
+        </p:spPr>
+        <p:txBody>
+          <a:bodyPr wrap="square" rtlCol="0">
+            <a:spAutoFit/>
+          </a:bodyPr>
+          <a:lstStyle/>
+          <a:p>
+            <a:r>
+              <a:rPr lang="en-US" sz="1200" dirty="0"/>
+              <a:t>Since a position to the left of the original cursor position was clicked</a:t>
+            </a:r>
+          </a:p>
+        </p:txBody>
+      </p:sp>
+      <p:cxnSp>
+        <p:nvCxnSpPr>
+          <p:cNvPr id="13" name="Straight Arrow Connector 12">
+            <a:extLst>
+              <a:ext uri="{FF2B5EF4-FFF2-40B4-BE49-F238E27FC236}">
+                <a16:creationId xmlns:a16="http://schemas.microsoft.com/office/drawing/2014/main" id="{FF7D3391-D3D6-B44E-BECE-6A5CC513888B}"/>
+              </a:ext>
+            </a:extLst>
+          </p:cNvPr>
+          <p:cNvCxnSpPr>
+            <a:cxnSpLocks/>
+          </p:cNvCxnSpPr>
+          <p:nvPr/>
+        </p:nvCxnSpPr>
+        <p:spPr>
+          <a:xfrm flipH="1" flipV="1">
+            <a:off x="3298697" y="469833"/>
+            <a:ext cx="779398" cy="376599"/>
+          </a:xfrm>
+          <a:prstGeom prst="straightConnector1">
+            <a:avLst/>
+          </a:prstGeom>
+          <a:ln>
+            <a:tailEnd type="triangle"/>
+          </a:ln>
+        </p:spPr>
+        <p:style>
+          <a:lnRef idx="1">
+            <a:schemeClr val="dk1"/>
+          </a:lnRef>
+          <a:fillRef idx="0">
+            <a:schemeClr val="dk1"/>
+          </a:fillRef>
+          <a:effectRef idx="0">
+            <a:schemeClr val="dk1"/>
+          </a:effectRef>
+          <a:fontRef idx="minor">
+            <a:schemeClr val="tx1"/>
+          </a:fontRef>
+        </p:style>
+      </p:cxnSp>
+      <p:sp>
+        <p:nvSpPr>
+          <p:cNvPr id="17" name="TextBox 16">
+            <a:extLst>
+              <a:ext uri="{FF2B5EF4-FFF2-40B4-BE49-F238E27FC236}">
+                <a16:creationId xmlns:a16="http://schemas.microsoft.com/office/drawing/2014/main" id="{2E37581B-88C5-1E4A-B167-69FD156296B2}"/>
+              </a:ext>
+            </a:extLst>
+          </p:cNvPr>
+          <p:cNvSpPr txBox="1"/>
+          <p:nvPr/>
+        </p:nvSpPr>
+        <p:spPr>
+          <a:xfrm>
+            <a:off x="8387038" y="2609022"/>
+            <a:ext cx="1585883" cy="738664"/>
           </a:xfrm>
           <a:prstGeom prst="rect">
             <a:avLst/>
@@ -7201,14 +10128,18 @@
           </a:ln>
         </p:spPr>
         <p:txBody>
-          <a:bodyPr wrap="square" rtlCol="0">
+          <a:bodyPr wrap="none" rtlCol="0">
             <a:spAutoFit/>
           </a:bodyPr>
           <a:lstStyle/>
           <a:p>
             <a:r>
-              <a:rPr lang="en-GB" sz="1400" b="1" u="sng" dirty="0"/>
-              <a:t>Section 3</a:t>
+              <a:rPr lang="en-US" sz="1400" dirty="0" err="1"/>
+              <a:t>leftTextFormatInfo</a:t>
+            </a:r>
+            <a:r>
+              <a:rPr lang="en-US" sz="1400" dirty="0"/>
+              <a:t>:</a:t>
             </a:r>
           </a:p>
           <a:p>
@@ -7217,18 +10148,28 @@
               <a:buChar char="•"/>
             </a:pPr>
             <a:r>
-              <a:rPr lang="en-GB" sz="1400" dirty="0"/>
-              <a:t>Remove the clicked line, so the text now becomes:</a:t>
-            </a:r>
-          </a:p>
-        </p:txBody>
-      </p:sp>
-      <p:sp>
-        <p:nvSpPr>
-          <p:cNvPr id="7" name="TextBox 6">
-            <a:extLst>
-              <a:ext uri="{FF2B5EF4-FFF2-40B4-BE49-F238E27FC236}">
-                <a16:creationId xmlns:a16="http://schemas.microsoft.com/office/drawing/2014/main" id="{8604A582-5B6A-294E-8ACF-333618E613B6}"/>
+              <a:rPr lang="en-US" sz="1400" dirty="0"/>
+              <a:t>[41]</a:t>
+            </a:r>
+          </a:p>
+          <a:p>
+            <a:pPr marL="285750" indent="-285750">
+              <a:buFont typeface="Arial" panose="020B0604020202020204" pitchFamily="34" charset="0"/>
+              <a:buChar char="•"/>
+            </a:pPr>
+            <a:r>
+              <a:rPr lang="en-US" sz="1400" dirty="0"/>
+              <a:t>[41, 74]</a:t>
+            </a:r>
+          </a:p>
+        </p:txBody>
+      </p:sp>
+      <p:sp>
+        <p:nvSpPr>
+          <p:cNvPr id="18" name="TextBox 17">
+            <a:extLst>
+              <a:ext uri="{FF2B5EF4-FFF2-40B4-BE49-F238E27FC236}">
+                <a16:creationId xmlns:a16="http://schemas.microsoft.com/office/drawing/2014/main" id="{001F38B7-F0BB-134B-8DD3-7B63363FC152}"/>
               </a:ext>
             </a:extLst>
           </p:cNvPr>
@@ -7237,8 +10178,8 @@
         </p:nvSpPr>
         <p:spPr>
           <a:xfrm>
-            <a:off x="154379" y="3107490"/>
-            <a:ext cx="11141383" cy="523220"/>
+            <a:off x="8387038" y="3510315"/>
+            <a:ext cx="1683602" cy="738664"/>
           </a:xfrm>
           <a:prstGeom prst="rect">
             <a:avLst/>
@@ -7257,8 +10198,12 @@
           <a:lstStyle/>
           <a:p>
             <a:r>
-              <a:rPr lang="en-GB" sz="1400" b="1" u="sng" dirty="0"/>
-              <a:t>Section 2</a:t>
+              <a:rPr lang="en-US" sz="1400" dirty="0" err="1"/>
+              <a:t>rightTextFormatInfo</a:t>
+            </a:r>
+            <a:r>
+              <a:rPr lang="en-US" sz="1400" dirty="0"/>
+              <a:t>:</a:t>
             </a:r>
           </a:p>
           <a:p>
@@ -7267,26 +10212,28 @@
               <a:buChar char="•"/>
             </a:pPr>
             <a:r>
-              <a:rPr lang="en-GB" sz="1400" dirty="0" err="1"/>
-              <a:t>entireLine</a:t>
-            </a:r>
-            <a:r>
-              <a:rPr lang="en-GB" sz="1400" dirty="0"/>
-              <a:t> = “</a:t>
-            </a:r>
-            <a:r>
-              <a:rPr lang="en-US" sz="1400" dirty="0"/>
-              <a:t>This is left line number 2. This is left line number 2. This is left line number 2. “This is right line number 1. This is right line number 1.”</a:t>
-            </a:r>
-          </a:p>
-        </p:txBody>
-      </p:sp>
-      <p:sp>
-        <p:nvSpPr>
-          <p:cNvPr id="8" name="TextBox 7">
-            <a:extLst>
-              <a:ext uri="{FF2B5EF4-FFF2-40B4-BE49-F238E27FC236}">
-                <a16:creationId xmlns:a16="http://schemas.microsoft.com/office/drawing/2014/main" id="{D711FA48-A0CB-2843-A90B-E7F6ECC0084E}"/>
+              <a:rPr lang="en-US" sz="1400" dirty="0"/>
+              <a:t>[19, 55]</a:t>
+            </a:r>
+          </a:p>
+          <a:p>
+            <a:pPr marL="285750" indent="-285750">
+              <a:buFont typeface="Arial" panose="020B0604020202020204" pitchFamily="34" charset="0"/>
+              <a:buChar char="•"/>
+            </a:pPr>
+            <a:r>
+              <a:rPr lang="en-US" sz="1400" dirty="0"/>
+              <a:t>[-1]</a:t>
+            </a:r>
+          </a:p>
+        </p:txBody>
+      </p:sp>
+      <p:sp>
+        <p:nvSpPr>
+          <p:cNvPr id="21" name="TextBox 20">
+            <a:extLst>
+              <a:ext uri="{FF2B5EF4-FFF2-40B4-BE49-F238E27FC236}">
+                <a16:creationId xmlns:a16="http://schemas.microsoft.com/office/drawing/2014/main" id="{A33B0AAC-37B5-6148-A42F-614208D67124}"/>
               </a:ext>
             </a:extLst>
           </p:cNvPr>
@@ -7295,8 +10242,8 @@
         </p:nvSpPr>
         <p:spPr>
           <a:xfrm>
-            <a:off x="190005" y="4561035"/>
-            <a:ext cx="4197887" cy="523220"/>
+            <a:off x="118753" y="1399927"/>
+            <a:ext cx="6655796" cy="2462213"/>
           </a:xfrm>
           <a:prstGeom prst="rect">
             <a:avLst/>
@@ -7304,43 +10251,166 @@
           <a:noFill/>
           <a:ln>
             <a:solidFill>
-              <a:schemeClr val="accent1"/>
+              <a:schemeClr val="tx1"/>
             </a:solidFill>
           </a:ln>
         </p:spPr>
         <p:txBody>
-          <a:bodyPr wrap="square" rtlCol="0">
+          <a:bodyPr wrap="none" rtlCol="0">
             <a:spAutoFit/>
           </a:bodyPr>
           <a:lstStyle/>
           <a:p>
             <a:r>
-              <a:rPr lang="en-US" sz="1400" dirty="0" err="1"/>
-              <a:t>leftText</a:t>
-            </a:r>
-            <a:r>
-              <a:rPr lang="en-US" sz="1400" dirty="0"/>
-              <a:t>:</a:t>
-            </a:r>
-          </a:p>
-          <a:p>
-            <a:pPr marL="285750" indent="-285750">
-              <a:buFont typeface="Arial" panose="020B0604020202020204" pitchFamily="34" charset="0"/>
-              <a:buChar char="•"/>
-            </a:pPr>
-            <a:r>
-              <a:rPr lang="en-US" sz="1400" dirty="0"/>
-              <a:t>This is left line number 1. This is left line number 1.</a:t>
-            </a:r>
-          </a:p>
-        </p:txBody>
-      </p:sp>
-      <p:sp>
-        <p:nvSpPr>
-          <p:cNvPr id="9" name="TextBox 8">
-            <a:extLst>
-              <a:ext uri="{FF2B5EF4-FFF2-40B4-BE49-F238E27FC236}">
-                <a16:creationId xmlns:a16="http://schemas.microsoft.com/office/drawing/2014/main" id="{573B9DBE-9FFA-C64A-BA21-5170851758CD}"/>
+              <a:rPr lang="en-US" sz="1400" b="1" dirty="0"/>
+              <a:t>Outer for loop [0]</a:t>
+            </a:r>
+          </a:p>
+          <a:p>
+            <a:r>
+              <a:rPr lang="en-US" sz="1400" dirty="0"/>
+              <a:t>	</a:t>
+            </a:r>
+            <a:r>
+              <a:rPr lang="en-GB" sz="1400" dirty="0" err="1"/>
+              <a:t>lineInfo</a:t>
+            </a:r>
+            <a:r>
+              <a:rPr lang="en-US" sz="1400" dirty="0"/>
+              <a:t> = [41]</a:t>
+            </a:r>
+          </a:p>
+          <a:p>
+            <a:pPr lvl="2"/>
+            <a:r>
+              <a:rPr lang="en-GB" sz="1400" dirty="0" err="1"/>
+              <a:t>totalFoundRows</a:t>
+            </a:r>
+            <a:r>
+              <a:rPr lang="en-GB" sz="1400" dirty="0"/>
+              <a:t> = 1</a:t>
+            </a:r>
+          </a:p>
+          <a:p>
+            <a:pPr lvl="2"/>
+            <a:r>
+              <a:rPr lang="en-GB" sz="1400" dirty="0"/>
+              <a:t>Outer if statement #1:</a:t>
+            </a:r>
+          </a:p>
+          <a:p>
+            <a:pPr lvl="2"/>
+            <a:r>
+              <a:rPr lang="en-GB" sz="1400" dirty="0"/>
+              <a:t>	failed since (</a:t>
+            </a:r>
+            <a:r>
+              <a:rPr lang="en-GB" sz="1400" i="1" dirty="0" err="1"/>
+              <a:t>totalFoundRows</a:t>
+            </a:r>
+            <a:r>
+              <a:rPr lang="en-GB" sz="1400" i="1" dirty="0"/>
+              <a:t> = 1 </a:t>
+            </a:r>
+            <a:r>
+              <a:rPr lang="en-GB" sz="1400" dirty="0"/>
+              <a:t>&lt; </a:t>
+            </a:r>
+            <a:r>
+              <a:rPr lang="en-GB" sz="1400" i="1" dirty="0" err="1"/>
+              <a:t>rowNum</a:t>
+            </a:r>
+            <a:r>
+              <a:rPr lang="en-GB" sz="1400" i="1" dirty="0"/>
+              <a:t> = 3</a:t>
+            </a:r>
+            <a:r>
+              <a:rPr lang="en-GB" sz="1400" dirty="0"/>
+              <a:t>)</a:t>
+            </a:r>
+          </a:p>
+          <a:p>
+            <a:pPr lvl="2"/>
+            <a:r>
+              <a:rPr lang="en-GB" sz="1400" b="1" dirty="0"/>
+              <a:t>Inner loop [0]</a:t>
+            </a:r>
+          </a:p>
+          <a:p>
+            <a:pPr lvl="2"/>
+            <a:r>
+              <a:rPr lang="en-GB" sz="1400" dirty="0"/>
+              <a:t>	inner if statement #1:</a:t>
+            </a:r>
+          </a:p>
+          <a:p>
+            <a:pPr lvl="2"/>
+            <a:r>
+              <a:rPr lang="en-GB" sz="1400" dirty="0"/>
+              <a:t>		 </a:t>
+            </a:r>
+            <a:r>
+              <a:rPr lang="en-GB" sz="1400" dirty="0" err="1"/>
+              <a:t>lineInfo.get</a:t>
+            </a:r>
+            <a:r>
+              <a:rPr lang="en-GB" sz="1400" dirty="0"/>
+              <a:t>(0) = 41</a:t>
+            </a:r>
+          </a:p>
+          <a:p>
+            <a:pPr lvl="2"/>
+            <a:r>
+              <a:rPr lang="en-GB" sz="1400" dirty="0"/>
+              <a:t>		 41 != -1 so: </a:t>
+            </a:r>
+            <a:r>
+              <a:rPr lang="en-GB" sz="1400" dirty="0" err="1"/>
+              <a:t>totalFoundRows</a:t>
+            </a:r>
+            <a:r>
+              <a:rPr lang="en-GB" sz="1400" dirty="0"/>
+              <a:t> = 2</a:t>
+            </a:r>
+          </a:p>
+          <a:p>
+            <a:pPr lvl="2"/>
+            <a:r>
+              <a:rPr lang="en-GB" sz="1400" dirty="0"/>
+              <a:t>	inner if statement #2:</a:t>
+            </a:r>
+          </a:p>
+          <a:p>
+            <a:pPr lvl="2"/>
+            <a:r>
+              <a:rPr lang="en-GB" sz="1400" dirty="0"/>
+              <a:t>		failed since ({</a:t>
+            </a:r>
+            <a:r>
+              <a:rPr lang="en-GB" sz="1400" dirty="0" err="1"/>
+              <a:t>totalFoundRows</a:t>
+            </a:r>
+            <a:r>
+              <a:rPr lang="en-GB" sz="1400" dirty="0"/>
+              <a:t> = 2} &lt; {</a:t>
+            </a:r>
+            <a:r>
+              <a:rPr lang="en-GB" sz="1400" dirty="0" err="1"/>
+              <a:t>rowNum</a:t>
+            </a:r>
+            <a:r>
+              <a:rPr lang="en-GB" sz="1400" dirty="0"/>
+              <a:t> = 3})</a:t>
+            </a:r>
+          </a:p>
+        </p:txBody>
+      </p:sp>
+      <p:sp>
+        <p:nvSpPr>
+          <p:cNvPr id="22" name="TextBox 21">
+            <a:extLst>
+              <a:ext uri="{FF2B5EF4-FFF2-40B4-BE49-F238E27FC236}">
+                <a16:creationId xmlns:a16="http://schemas.microsoft.com/office/drawing/2014/main" id="{81B6203A-63D4-1B42-98E5-F1C0D2D387D3}"/>
               </a:ext>
             </a:extLst>
           </p:cNvPr>
@@ -7349,8 +10419,8 @@
         </p:nvSpPr>
         <p:spPr>
           <a:xfrm>
-            <a:off x="214745" y="5511319"/>
-            <a:ext cx="2406364" cy="523220"/>
+            <a:off x="118753" y="4064418"/>
+            <a:ext cx="7778338" cy="2677656"/>
           </a:xfrm>
           <a:prstGeom prst="rect">
             <a:avLst/>
@@ -7358,151 +10428,163 @@
           <a:noFill/>
           <a:ln>
             <a:solidFill>
-              <a:schemeClr val="accent1"/>
+              <a:schemeClr val="tx1"/>
             </a:solidFill>
           </a:ln>
         </p:spPr>
         <p:txBody>
-          <a:bodyPr wrap="none" rtlCol="0">
+          <a:bodyPr wrap="square" rtlCol="0">
             <a:spAutoFit/>
           </a:bodyPr>
           <a:lstStyle/>
           <a:p>
             <a:r>
-              <a:rPr lang="en-US" sz="1400" dirty="0" err="1"/>
-              <a:t>rightText</a:t>
-            </a:r>
-            <a:r>
-              <a:rPr lang="en-US" sz="1400" dirty="0"/>
-              <a:t>:</a:t>
-            </a:r>
-          </a:p>
-          <a:p>
-            <a:pPr marL="285750" indent="-285750">
-              <a:buFont typeface="Arial" panose="020B0604020202020204" pitchFamily="34" charset="0"/>
-              <a:buChar char="•"/>
-            </a:pPr>
-            <a:r>
-              <a:rPr lang="en-US" sz="1400" dirty="0"/>
-              <a:t>This is right line number 2.</a:t>
-            </a:r>
-          </a:p>
-        </p:txBody>
-      </p:sp>
-      <p:sp>
-        <p:nvSpPr>
-          <p:cNvPr id="10" name="TextBox 9">
-            <a:extLst>
-              <a:ext uri="{FF2B5EF4-FFF2-40B4-BE49-F238E27FC236}">
-                <a16:creationId xmlns:a16="http://schemas.microsoft.com/office/drawing/2014/main" id="{94E541BE-6258-E44E-9E4C-DE1B807103B9}"/>
-              </a:ext>
-            </a:extLst>
-          </p:cNvPr>
-          <p:cNvSpPr txBox="1"/>
-          <p:nvPr/>
-        </p:nvSpPr>
-        <p:spPr>
-          <a:xfrm>
-            <a:off x="4626386" y="4561035"/>
-            <a:ext cx="1710725" cy="738664"/>
-          </a:xfrm>
-          <a:prstGeom prst="rect">
-            <a:avLst/>
-          </a:prstGeom>
-          <a:noFill/>
-          <a:ln>
-            <a:solidFill>
-              <a:schemeClr val="accent1"/>
-            </a:solidFill>
-          </a:ln>
-        </p:spPr>
-        <p:txBody>
-          <a:bodyPr wrap="none" rtlCol="0">
-            <a:spAutoFit/>
-          </a:bodyPr>
-          <a:lstStyle/>
-          <a:p>
-            <a:r>
-              <a:rPr lang="en-US" sz="1400" dirty="0" err="1"/>
-              <a:t>leftTextFormatInfo</a:t>
-            </a:r>
-            <a:r>
-              <a:rPr lang="en-US" sz="1400" dirty="0"/>
-              <a:t>:</a:t>
-            </a:r>
-          </a:p>
-          <a:p>
-            <a:pPr marL="285750" indent="-285750">
-              <a:buFont typeface="Arial" panose="020B0604020202020204" pitchFamily="34" charset="0"/>
-              <a:buChar char="•"/>
-            </a:pPr>
-            <a:r>
-              <a:rPr lang="en-US" sz="1400" dirty="0"/>
-              <a:t>[41]</a:t>
-            </a:r>
-          </a:p>
-          <a:p>
-            <a:pPr marL="285750" indent="-285750">
-              <a:buFont typeface="Arial" panose="020B0604020202020204" pitchFamily="34" charset="0"/>
-              <a:buChar char="•"/>
-            </a:pPr>
-            <a:r>
-              <a:rPr lang="en-US" sz="1400" dirty="0"/>
-              <a:t>[41,82, 100, 141]</a:t>
-            </a:r>
-          </a:p>
-        </p:txBody>
-      </p:sp>
-      <p:sp>
-        <p:nvSpPr>
-          <p:cNvPr id="11" name="TextBox 10">
-            <a:extLst>
-              <a:ext uri="{FF2B5EF4-FFF2-40B4-BE49-F238E27FC236}">
-                <a16:creationId xmlns:a16="http://schemas.microsoft.com/office/drawing/2014/main" id="{03259958-D9C7-3843-A475-B14FCA590ECF}"/>
-              </a:ext>
-            </a:extLst>
-          </p:cNvPr>
-          <p:cNvSpPr txBox="1"/>
-          <p:nvPr/>
-        </p:nvSpPr>
-        <p:spPr>
-          <a:xfrm>
-            <a:off x="4653509" y="5511319"/>
-            <a:ext cx="1683602" cy="523220"/>
-          </a:xfrm>
-          <a:prstGeom prst="rect">
-            <a:avLst/>
-          </a:prstGeom>
-          <a:noFill/>
-          <a:ln>
-            <a:solidFill>
-              <a:schemeClr val="accent1"/>
-            </a:solidFill>
-          </a:ln>
-        </p:spPr>
-        <p:txBody>
-          <a:bodyPr wrap="none" rtlCol="0">
-            <a:spAutoFit/>
-          </a:bodyPr>
-          <a:lstStyle/>
-          <a:p>
-            <a:r>
-              <a:rPr lang="en-US" sz="1400" dirty="0" err="1"/>
-              <a:t>rightTextFormatInfo</a:t>
-            </a:r>
-            <a:r>
-              <a:rPr lang="en-US" sz="1400" dirty="0"/>
-              <a:t>:</a:t>
-            </a:r>
-          </a:p>
-          <a:p>
-            <a:pPr marL="285750" indent="-285750">
-              <a:buFont typeface="Arial" panose="020B0604020202020204" pitchFamily="34" charset="0"/>
-              <a:buChar char="•"/>
-            </a:pPr>
-            <a:r>
-              <a:rPr lang="en-US" sz="1400" dirty="0"/>
-              <a:t>[-1]</a:t>
+              <a:rPr lang="en-US" sz="1400" b="1" dirty="0"/>
+              <a:t>Outer for loop [1]</a:t>
+            </a:r>
+          </a:p>
+          <a:p>
+            <a:r>
+              <a:rPr lang="en-US" sz="1400" dirty="0"/>
+              <a:t>	</a:t>
+            </a:r>
+            <a:r>
+              <a:rPr lang="en-GB" sz="1400" dirty="0" err="1"/>
+              <a:t>lineInfo</a:t>
+            </a:r>
+            <a:r>
+              <a:rPr lang="en-US" sz="1400" dirty="0"/>
+              <a:t> = [41, 74]</a:t>
+            </a:r>
+          </a:p>
+          <a:p>
+            <a:pPr lvl="2"/>
+            <a:r>
+              <a:rPr lang="en-GB" sz="1400" dirty="0" err="1"/>
+              <a:t>totalFoundRows</a:t>
+            </a:r>
+            <a:r>
+              <a:rPr lang="en-GB" sz="1400" dirty="0"/>
+              <a:t> = 3</a:t>
+            </a:r>
+          </a:p>
+          <a:p>
+            <a:pPr lvl="2"/>
+            <a:r>
+              <a:rPr lang="en-GB" sz="1400" dirty="0"/>
+              <a:t>Outer if statement #1:</a:t>
+            </a:r>
+          </a:p>
+          <a:p>
+            <a:pPr lvl="2"/>
+            <a:r>
+              <a:rPr lang="en-GB" sz="1400" dirty="0"/>
+              <a:t>	passed since ({</a:t>
+            </a:r>
+            <a:r>
+              <a:rPr lang="en-GB" sz="1400" i="1" dirty="0" err="1"/>
+              <a:t>totalFoundRows</a:t>
+            </a:r>
+            <a:r>
+              <a:rPr lang="en-GB" sz="1400" i="1" dirty="0"/>
+              <a:t> = 3} </a:t>
+            </a:r>
+            <a:r>
+              <a:rPr lang="en-GB" sz="1400" dirty="0"/>
+              <a:t>&gt;= {</a:t>
+            </a:r>
+            <a:r>
+              <a:rPr lang="en-GB" sz="1400" i="1" dirty="0" err="1"/>
+              <a:t>rowNum</a:t>
+            </a:r>
+            <a:r>
+              <a:rPr lang="en-GB" sz="1400" i="1" dirty="0"/>
+              <a:t> = 3}</a:t>
+            </a:r>
+            <a:r>
+              <a:rPr lang="en-GB" sz="1400" dirty="0"/>
+              <a:t>)</a:t>
+            </a:r>
+          </a:p>
+          <a:p>
+            <a:pPr lvl="2"/>
+            <a:r>
+              <a:rPr lang="en-GB" sz="1400" dirty="0"/>
+              <a:t>	</a:t>
+            </a:r>
+          </a:p>
+          <a:p>
+            <a:pPr lvl="2"/>
+            <a:r>
+              <a:rPr lang="en-GB" sz="1400" i="1" dirty="0"/>
+              <a:t>	</a:t>
+            </a:r>
+            <a:r>
+              <a:rPr lang="en-GB" sz="1400" dirty="0" err="1"/>
+              <a:t>newCursorRowIndex</a:t>
+            </a:r>
+            <a:r>
+              <a:rPr lang="en-GB" sz="1400" dirty="0"/>
+              <a:t> = 1 (as on line number 2, so outer loop is index 1)</a:t>
+            </a:r>
+          </a:p>
+          <a:p>
+            <a:pPr lvl="2"/>
+            <a:r>
+              <a:rPr lang="en-GB" sz="1400" i="1" dirty="0"/>
+              <a:t>	</a:t>
+            </a:r>
+            <a:r>
+              <a:rPr lang="en-GB" sz="1400" dirty="0" err="1"/>
+              <a:t>newCursorFormatIndex</a:t>
+            </a:r>
+            <a:r>
+              <a:rPr lang="en-GB" sz="1400" dirty="0"/>
+              <a:t> = -1 (stays as default value)</a:t>
+            </a:r>
+          </a:p>
+          <a:p>
+            <a:pPr lvl="2"/>
+            <a:r>
+              <a:rPr lang="en-GB" sz="1400" i="1" dirty="0"/>
+              <a:t>	</a:t>
+            </a:r>
+            <a:r>
+              <a:rPr lang="en-GB" sz="1400" dirty="0" err="1"/>
+              <a:t>substringStartIndex</a:t>
+            </a:r>
+            <a:r>
+              <a:rPr lang="en-GB" sz="1400" dirty="0"/>
+              <a:t> = 0</a:t>
+            </a:r>
+          </a:p>
+          <a:p>
+            <a:pPr lvl="2"/>
+            <a:r>
+              <a:rPr lang="en-GB" sz="1400" dirty="0"/>
+              <a:t>	</a:t>
+            </a:r>
+            <a:r>
+              <a:rPr lang="en-GB" sz="1400" dirty="0" err="1"/>
+              <a:t>substringEndIndex</a:t>
+            </a:r>
+            <a:r>
+              <a:rPr lang="en-GB" sz="1400" dirty="0"/>
+              <a:t> = 41 (as this is the first entry of the formatting info for line  			number 2 (index 1 in </a:t>
+            </a:r>
+            <a:r>
+              <a:rPr lang="en-GB" sz="1400" dirty="0" err="1"/>
+              <a:t>leftText</a:t>
+            </a:r>
+            <a:r>
+              <a:rPr lang="en-GB" sz="1400" dirty="0"/>
+              <a:t>))</a:t>
+            </a:r>
+          </a:p>
+          <a:p>
+            <a:r>
+              <a:rPr lang="en-GB" sz="1400" dirty="0"/>
+              <a:t>Return values as seen above, so (1, -1, 0, 41)</a:t>
             </a:r>
           </a:p>
         </p:txBody>
@@ -7510,7 +10592,7 @@
     </p:spTree>
     <p:extLst>
       <p:ext uri="{BB962C8B-B14F-4D97-AF65-F5344CB8AC3E}">
-        <p14:creationId xmlns:p14="http://schemas.microsoft.com/office/powerpoint/2010/main" val="284181946"/>
+        <p14:creationId xmlns:p14="http://schemas.microsoft.com/office/powerpoint/2010/main" val="1449694658"/>
       </p:ext>
     </p:extLst>
   </p:cSld>
@@ -7539,10 +10621,10 @@
       </p:grpSpPr>
       <p:sp>
         <p:nvSpPr>
-          <p:cNvPr id="14" name="TextBox 13">
-            <a:extLst>
-              <a:ext uri="{FF2B5EF4-FFF2-40B4-BE49-F238E27FC236}">
-                <a16:creationId xmlns:a16="http://schemas.microsoft.com/office/drawing/2014/main" id="{67D312F2-2ED9-4D49-933A-2E2D9A69F3C3}"/>
+          <p:cNvPr id="2" name="TextBox 1">
+            <a:extLst>
+              <a:ext uri="{FF2B5EF4-FFF2-40B4-BE49-F238E27FC236}">
+                <a16:creationId xmlns:a16="http://schemas.microsoft.com/office/drawing/2014/main" id="{A4A69E66-973B-AE4A-A914-D962357E7362}"/>
               </a:ext>
             </a:extLst>
           </p:cNvPr>
@@ -7551,365 +10633,13 @@
         </p:nvSpPr>
         <p:spPr>
           <a:xfrm>
-            <a:off x="205179" y="317256"/>
-            <a:ext cx="7540833" cy="1600438"/>
+            <a:off x="475013" y="368135"/>
+            <a:ext cx="10995639" cy="1015663"/>
           </a:xfrm>
           <a:prstGeom prst="rect">
             <a:avLst/>
           </a:prstGeom>
           <a:noFill/>
-          <a:ln>
-            <a:solidFill>
-              <a:schemeClr val="tx1"/>
-            </a:solidFill>
-          </a:ln>
-        </p:spPr>
-        <p:txBody>
-          <a:bodyPr wrap="square" rtlCol="0">
-            <a:spAutoFit/>
-          </a:bodyPr>
-          <a:lstStyle/>
-          <a:p>
-            <a:r>
-              <a:rPr lang="en-GB" sz="1400" b="1" u="sng" dirty="0"/>
-              <a:t>Section 4</a:t>
-            </a:r>
-          </a:p>
-          <a:p>
-            <a:pPr marL="285750" indent="-285750">
-              <a:buFont typeface="Arial" panose="020B0604020202020204" pitchFamily="34" charset="0"/>
-              <a:buChar char="•"/>
-            </a:pPr>
-            <a:r>
-              <a:rPr lang="en-GB" sz="1400" dirty="0"/>
-              <a:t>Clicked </a:t>
-            </a:r>
-            <a:r>
-              <a:rPr lang="en-GB" sz="1400" dirty="0" err="1"/>
-              <a:t>leftText</a:t>
-            </a:r>
-            <a:r>
-              <a:rPr lang="en-GB" sz="1400" dirty="0"/>
-              <a:t>, so enter the (‘if’) part of the if statement</a:t>
-            </a:r>
-          </a:p>
-          <a:p>
-            <a:pPr marL="742950" lvl="1" indent="-285750">
-              <a:buFont typeface="Arial" panose="020B0604020202020204" pitchFamily="34" charset="0"/>
-              <a:buChar char="•"/>
-            </a:pPr>
-            <a:r>
-              <a:rPr lang="en-GB" sz="1400" dirty="0" err="1"/>
-              <a:t>swapLine</a:t>
-            </a:r>
-            <a:r>
-              <a:rPr lang="en-GB" sz="1400" dirty="0"/>
-              <a:t> = 1</a:t>
-            </a:r>
-          </a:p>
-          <a:p>
-            <a:pPr marL="742950" lvl="1" indent="-285750">
-              <a:buFont typeface="Arial" panose="020B0604020202020204" pitchFamily="34" charset="0"/>
-              <a:buChar char="•"/>
-            </a:pPr>
-            <a:r>
-              <a:rPr lang="en-GB" sz="1400" dirty="0"/>
-              <a:t>While loop:</a:t>
-            </a:r>
-          </a:p>
-          <a:p>
-            <a:pPr marL="1200150" lvl="2" indent="-285750">
-              <a:buFont typeface="Arial" panose="020B0604020202020204" pitchFamily="34" charset="0"/>
-              <a:buChar char="•"/>
-            </a:pPr>
-            <a:r>
-              <a:rPr lang="en-GB" sz="1400" dirty="0"/>
-              <a:t>Doesn’t enter since ({</a:t>
-            </a:r>
-            <a:r>
-              <a:rPr lang="en-GB" sz="1400" dirty="0" err="1"/>
-              <a:t>swapLine</a:t>
-            </a:r>
-            <a:r>
-              <a:rPr lang="en-GB" sz="1400" dirty="0"/>
-              <a:t> = 1} &lt; {</a:t>
-            </a:r>
-            <a:r>
-              <a:rPr lang="en-GB" sz="1400" dirty="0" err="1"/>
-              <a:t>clickedLineIndex</a:t>
-            </a:r>
-            <a:r>
-              <a:rPr lang="en-GB" sz="1400" dirty="0"/>
-              <a:t> = 1})</a:t>
-            </a:r>
-          </a:p>
-          <a:p>
-            <a:pPr marL="1200150" lvl="2" indent="-285750">
-              <a:buFont typeface="Arial" panose="020B0604020202020204" pitchFamily="34" charset="0"/>
-              <a:buChar char="•"/>
-            </a:pPr>
-            <a:r>
-              <a:rPr lang="en-GB" sz="1400" dirty="0"/>
-              <a:t>And since there are no lines below the newly clicked line, that would other wise</a:t>
-            </a:r>
-          </a:p>
-          <a:p>
-            <a:pPr marL="1200150" lvl="2" indent="-285750">
-              <a:buFont typeface="Arial" panose="020B0604020202020204" pitchFamily="34" charset="0"/>
-              <a:buChar char="•"/>
-            </a:pPr>
-            <a:r>
-              <a:rPr lang="en-GB" sz="1400" dirty="0"/>
-              <a:t>Be added to the beginning of the </a:t>
-            </a:r>
-            <a:r>
-              <a:rPr lang="en-GB" sz="1400" dirty="0" err="1"/>
-              <a:t>rightText</a:t>
-            </a:r>
-            <a:r>
-              <a:rPr lang="en-GB" sz="1400" dirty="0"/>
-              <a:t>.</a:t>
-            </a:r>
-          </a:p>
-        </p:txBody>
-      </p:sp>
-      <p:sp>
-        <p:nvSpPr>
-          <p:cNvPr id="15" name="TextBox 14">
-            <a:extLst>
-              <a:ext uri="{FF2B5EF4-FFF2-40B4-BE49-F238E27FC236}">
-                <a16:creationId xmlns:a16="http://schemas.microsoft.com/office/drawing/2014/main" id="{0A25F5DF-1444-4D44-9305-6576654FBADA}"/>
-              </a:ext>
-            </a:extLst>
-          </p:cNvPr>
-          <p:cNvSpPr txBox="1"/>
-          <p:nvPr/>
-        </p:nvSpPr>
-        <p:spPr>
-          <a:xfrm>
-            <a:off x="205180" y="2076562"/>
-            <a:ext cx="10551720" cy="954107"/>
-          </a:xfrm>
-          <a:prstGeom prst="rect">
-            <a:avLst/>
-          </a:prstGeom>
-          <a:noFill/>
-          <a:ln>
-            <a:solidFill>
-              <a:schemeClr val="tx1"/>
-            </a:solidFill>
-          </a:ln>
-        </p:spPr>
-        <p:txBody>
-          <a:bodyPr wrap="square" rtlCol="0">
-            <a:spAutoFit/>
-          </a:bodyPr>
-          <a:lstStyle/>
-          <a:p>
-            <a:r>
-              <a:rPr lang="en-GB" sz="1400" b="1" u="sng" dirty="0"/>
-              <a:t>Section 5</a:t>
-            </a:r>
-          </a:p>
-          <a:p>
-            <a:pPr marL="285750" indent="-285750">
-              <a:buFont typeface="Arial" panose="020B0604020202020204" pitchFamily="34" charset="0"/>
-              <a:buChar char="•"/>
-            </a:pPr>
-            <a:r>
-              <a:rPr lang="en-GB" sz="1400" dirty="0" err="1"/>
-              <a:t>LeftPortion</a:t>
-            </a:r>
-            <a:r>
-              <a:rPr lang="en-GB" sz="1400" dirty="0"/>
-              <a:t> = “This is left”</a:t>
-            </a:r>
-          </a:p>
-          <a:p>
-            <a:pPr marL="285750" indent="-285750">
-              <a:buFont typeface="Arial" panose="020B0604020202020204" pitchFamily="34" charset="0"/>
-              <a:buChar char="•"/>
-            </a:pPr>
-            <a:r>
-              <a:rPr lang="en-GB" sz="1400" dirty="0" err="1"/>
-              <a:t>rightPortion</a:t>
-            </a:r>
-            <a:r>
-              <a:rPr lang="en-GB" sz="1400" dirty="0"/>
-              <a:t> = </a:t>
-            </a:r>
-            <a:r>
-              <a:rPr lang="en-US" sz="1400" dirty="0"/>
-              <a:t> “line number 2. This is left line number 2. This is left line number 2. This is right line number 1. This is right line number 1.” </a:t>
-            </a:r>
-          </a:p>
-          <a:p>
-            <a:pPr marL="285750" indent="-285750">
-              <a:buFont typeface="Arial" panose="020B0604020202020204" pitchFamily="34" charset="0"/>
-              <a:buChar char="•"/>
-            </a:pPr>
-            <a:r>
-              <a:rPr lang="en-GB" sz="1400" dirty="0"/>
-              <a:t>Add the </a:t>
-            </a:r>
-            <a:r>
-              <a:rPr lang="en-GB" sz="1400" dirty="0" err="1"/>
-              <a:t>leftPortion</a:t>
-            </a:r>
-            <a:r>
-              <a:rPr lang="en-GB" sz="1400" dirty="0"/>
-              <a:t> text to the </a:t>
-            </a:r>
-            <a:r>
-              <a:rPr lang="en-GB" sz="1400" dirty="0" err="1"/>
-              <a:t>leftText</a:t>
-            </a:r>
-            <a:r>
-              <a:rPr lang="en-GB" sz="1400" dirty="0"/>
-              <a:t> end:</a:t>
-            </a:r>
-          </a:p>
-        </p:txBody>
-      </p:sp>
-      <p:sp>
-        <p:nvSpPr>
-          <p:cNvPr id="16" name="TextBox 15">
-            <a:extLst>
-              <a:ext uri="{FF2B5EF4-FFF2-40B4-BE49-F238E27FC236}">
-                <a16:creationId xmlns:a16="http://schemas.microsoft.com/office/drawing/2014/main" id="{F6E40667-1DBD-C743-BEBD-861400C77763}"/>
-              </a:ext>
-            </a:extLst>
-          </p:cNvPr>
-          <p:cNvSpPr txBox="1"/>
-          <p:nvPr/>
-        </p:nvSpPr>
-        <p:spPr>
-          <a:xfrm>
-            <a:off x="205179" y="3229356"/>
-            <a:ext cx="6645521" cy="738664"/>
-          </a:xfrm>
-          <a:prstGeom prst="rect">
-            <a:avLst/>
-          </a:prstGeom>
-          <a:noFill/>
-          <a:ln>
-            <a:solidFill>
-              <a:schemeClr val="accent1"/>
-            </a:solidFill>
-          </a:ln>
-        </p:spPr>
-        <p:txBody>
-          <a:bodyPr wrap="square" rtlCol="0">
-            <a:spAutoFit/>
-          </a:bodyPr>
-          <a:lstStyle/>
-          <a:p>
-            <a:r>
-              <a:rPr lang="en-US" sz="1400" dirty="0" err="1"/>
-              <a:t>leftText</a:t>
-            </a:r>
-            <a:r>
-              <a:rPr lang="en-US" sz="1400" dirty="0"/>
-              <a:t>:</a:t>
-            </a:r>
-          </a:p>
-          <a:p>
-            <a:pPr marL="285750" indent="-285750">
-              <a:buFont typeface="Arial" panose="020B0604020202020204" pitchFamily="34" charset="0"/>
-              <a:buChar char="•"/>
-            </a:pPr>
-            <a:r>
-              <a:rPr lang="en-US" sz="1400" dirty="0"/>
-              <a:t>“This is left line number 1. This is left line number 1.”</a:t>
-            </a:r>
-          </a:p>
-          <a:p>
-            <a:pPr marL="285750" indent="-285750">
-              <a:buFont typeface="Arial" panose="020B0604020202020204" pitchFamily="34" charset="0"/>
-              <a:buChar char="•"/>
-            </a:pPr>
-            <a:r>
-              <a:rPr lang="en-GB" sz="1400" dirty="0"/>
-              <a:t>“This is left”</a:t>
-            </a:r>
-          </a:p>
-        </p:txBody>
-      </p:sp>
-      <p:sp>
-        <p:nvSpPr>
-          <p:cNvPr id="17" name="TextBox 16">
-            <a:extLst>
-              <a:ext uri="{FF2B5EF4-FFF2-40B4-BE49-F238E27FC236}">
-                <a16:creationId xmlns:a16="http://schemas.microsoft.com/office/drawing/2014/main" id="{8326DC20-001A-CD4A-9EEE-282E30201866}"/>
-              </a:ext>
-            </a:extLst>
-          </p:cNvPr>
-          <p:cNvSpPr txBox="1"/>
-          <p:nvPr/>
-        </p:nvSpPr>
-        <p:spPr>
-          <a:xfrm>
-            <a:off x="205179" y="4202093"/>
-            <a:ext cx="7540833" cy="307777"/>
-          </a:xfrm>
-          <a:prstGeom prst="rect">
-            <a:avLst/>
-          </a:prstGeom>
-          <a:noFill/>
-          <a:ln>
-            <a:solidFill>
-              <a:schemeClr val="tx1"/>
-            </a:solidFill>
-          </a:ln>
-        </p:spPr>
-        <p:txBody>
-          <a:bodyPr wrap="square" rtlCol="0">
-            <a:spAutoFit/>
-          </a:bodyPr>
-          <a:lstStyle/>
-          <a:p>
-            <a:pPr marL="285750" indent="-285750">
-              <a:buFont typeface="Arial" panose="020B0604020202020204" pitchFamily="34" charset="0"/>
-              <a:buChar char="•"/>
-            </a:pPr>
-            <a:r>
-              <a:rPr lang="en-GB" sz="1400" dirty="0"/>
-              <a:t>Add a blank entry to the </a:t>
-            </a:r>
-            <a:r>
-              <a:rPr lang="en-GB" sz="1400" dirty="0" err="1"/>
-              <a:t>leftTextFormatInfo</a:t>
-            </a:r>
-            <a:endParaRPr lang="en-GB" sz="1400" dirty="0"/>
-          </a:p>
-        </p:txBody>
-      </p:sp>
-      <p:sp>
-        <p:nvSpPr>
-          <p:cNvPr id="18" name="TextBox 17">
-            <a:extLst>
-              <a:ext uri="{FF2B5EF4-FFF2-40B4-BE49-F238E27FC236}">
-                <a16:creationId xmlns:a16="http://schemas.microsoft.com/office/drawing/2014/main" id="{C246F06A-D8DB-4C4D-B8F5-D1DD371C205F}"/>
-              </a:ext>
-            </a:extLst>
-          </p:cNvPr>
-          <p:cNvSpPr txBox="1"/>
-          <p:nvPr/>
-        </p:nvSpPr>
-        <p:spPr>
-          <a:xfrm>
-            <a:off x="205179" y="4566418"/>
-            <a:ext cx="1619354" cy="738664"/>
-          </a:xfrm>
-          <a:prstGeom prst="rect">
-            <a:avLst/>
-          </a:prstGeom>
-          <a:noFill/>
-          <a:ln>
-            <a:solidFill>
-              <a:schemeClr val="accent1"/>
-            </a:solidFill>
-          </a:ln>
         </p:spPr>
         <p:txBody>
           <a:bodyPr wrap="none" rtlCol="0">
@@ -7918,168 +10648,21 @@
           <a:lstStyle/>
           <a:p>
             <a:r>
-              <a:rPr lang="en-US" sz="1400" dirty="0" err="1"/>
-              <a:t>leftTextFormatInfo</a:t>
-            </a:r>
-            <a:r>
-              <a:rPr lang="en-US" sz="1400" dirty="0"/>
-              <a:t>:</a:t>
-            </a:r>
-          </a:p>
-          <a:p>
-            <a:pPr marL="285750" indent="-285750">
-              <a:buFont typeface="Arial" panose="020B0604020202020204" pitchFamily="34" charset="0"/>
-              <a:buChar char="•"/>
-            </a:pPr>
-            <a:r>
-              <a:rPr lang="en-US" sz="1400" dirty="0"/>
-              <a:t>[41]</a:t>
-            </a:r>
-          </a:p>
-          <a:p>
-            <a:pPr marL="285750" indent="-285750">
-              <a:buFont typeface="Arial" panose="020B0604020202020204" pitchFamily="34" charset="0"/>
-              <a:buChar char="•"/>
-            </a:pPr>
-            <a:r>
-              <a:rPr lang="en-US" sz="1400" dirty="0"/>
-              <a:t>[-1]</a:t>
-            </a:r>
-          </a:p>
-        </p:txBody>
-      </p:sp>
-      <p:sp>
-        <p:nvSpPr>
-          <p:cNvPr id="19" name="TextBox 18">
-            <a:extLst>
-              <a:ext uri="{FF2B5EF4-FFF2-40B4-BE49-F238E27FC236}">
-                <a16:creationId xmlns:a16="http://schemas.microsoft.com/office/drawing/2014/main" id="{3B1296E7-676F-A94B-BDA5-4AE3621A70A5}"/>
-              </a:ext>
-            </a:extLst>
-          </p:cNvPr>
-          <p:cNvSpPr txBox="1"/>
-          <p:nvPr/>
-        </p:nvSpPr>
-        <p:spPr>
-          <a:xfrm>
-            <a:off x="205179" y="5527405"/>
-            <a:ext cx="7540833" cy="307777"/>
-          </a:xfrm>
-          <a:prstGeom prst="rect">
-            <a:avLst/>
-          </a:prstGeom>
-          <a:noFill/>
-          <a:ln>
-            <a:solidFill>
-              <a:schemeClr val="tx1"/>
-            </a:solidFill>
-          </a:ln>
-        </p:spPr>
-        <p:txBody>
-          <a:bodyPr wrap="square" rtlCol="0">
-            <a:spAutoFit/>
-          </a:bodyPr>
-          <a:lstStyle/>
-          <a:p>
-            <a:pPr marL="285750" indent="-285750">
-              <a:buFont typeface="Arial" panose="020B0604020202020204" pitchFamily="34" charset="0"/>
-              <a:buChar char="•"/>
-            </a:pPr>
-            <a:r>
-              <a:rPr lang="en-GB" sz="1400" dirty="0"/>
-              <a:t>add the </a:t>
-            </a:r>
-            <a:r>
-              <a:rPr lang="en-GB" sz="1400" dirty="0" err="1"/>
-              <a:t>rightPortion</a:t>
-            </a:r>
-            <a:r>
-              <a:rPr lang="en-GB" sz="1400" dirty="0"/>
-              <a:t> text to the </a:t>
-            </a:r>
-            <a:r>
-              <a:rPr lang="en-GB" sz="1400" dirty="0" err="1"/>
-              <a:t>rightText</a:t>
-            </a:r>
-            <a:r>
-              <a:rPr lang="en-GB" sz="1400" dirty="0"/>
-              <a:t> start:</a:t>
-            </a:r>
-          </a:p>
-        </p:txBody>
-      </p:sp>
-      <p:sp>
-        <p:nvSpPr>
-          <p:cNvPr id="20" name="TextBox 19">
-            <a:extLst>
-              <a:ext uri="{FF2B5EF4-FFF2-40B4-BE49-F238E27FC236}">
-                <a16:creationId xmlns:a16="http://schemas.microsoft.com/office/drawing/2014/main" id="{88285849-CB66-F64C-B0A4-B79FE23AECCE}"/>
-              </a:ext>
-            </a:extLst>
-          </p:cNvPr>
-          <p:cNvSpPr txBox="1"/>
-          <p:nvPr/>
-        </p:nvSpPr>
-        <p:spPr>
-          <a:xfrm>
-            <a:off x="195634" y="5984893"/>
-            <a:ext cx="9348906" cy="738664"/>
-          </a:xfrm>
-          <a:prstGeom prst="rect">
-            <a:avLst/>
-          </a:prstGeom>
-          <a:noFill/>
-          <a:ln>
-            <a:solidFill>
-              <a:schemeClr val="accent1"/>
-            </a:solidFill>
-          </a:ln>
-        </p:spPr>
-        <p:txBody>
-          <a:bodyPr wrap="none" rtlCol="0">
-            <a:spAutoFit/>
-          </a:bodyPr>
-          <a:lstStyle/>
-          <a:p>
-            <a:r>
-              <a:rPr lang="en-US" sz="1400" dirty="0" err="1"/>
-              <a:t>rightText</a:t>
-            </a:r>
-            <a:r>
-              <a:rPr lang="en-US" sz="1400" dirty="0"/>
-              <a:t>:</a:t>
-            </a:r>
-          </a:p>
-          <a:p>
-            <a:pPr marL="285750" indent="-285750">
-              <a:buFont typeface="Arial" panose="020B0604020202020204" pitchFamily="34" charset="0"/>
-              <a:buChar char="•"/>
-            </a:pPr>
-            <a:r>
-              <a:rPr lang="en-GB" sz="1400" dirty="0"/>
-              <a:t>“</a:t>
-            </a:r>
-            <a:r>
-              <a:rPr lang="en-US" sz="1400" dirty="0"/>
-              <a:t>line number 2. This is left line number 2. This is left line number 2. This is right line number 1. This is right line number 1.”</a:t>
-            </a:r>
-          </a:p>
-          <a:p>
-            <a:pPr marL="285750" indent="-285750">
-              <a:buFont typeface="Arial" panose="020B0604020202020204" pitchFamily="34" charset="0"/>
-              <a:buChar char="•"/>
-            </a:pPr>
-            <a:r>
-              <a:rPr lang="en-US" sz="1400" dirty="0"/>
-              <a:t>“This is right line number 2.”</a:t>
-            </a:r>
+              <a:rPr lang="en-US" sz="6000" b="1" u="sng" dirty="0"/>
+              <a:t>Method: </a:t>
+            </a:r>
+            <a:r>
+              <a:rPr lang="en-GB" sz="6000" b="1" u="sng" dirty="0" err="1"/>
+              <a:t>adjustCursorInformation</a:t>
+            </a:r>
+            <a:endParaRPr lang="en-GB" sz="6000" b="1" u="sng" dirty="0"/>
           </a:p>
         </p:txBody>
       </p:sp>
     </p:spTree>
     <p:extLst>
       <p:ext uri="{BB962C8B-B14F-4D97-AF65-F5344CB8AC3E}">
-        <p14:creationId xmlns:p14="http://schemas.microsoft.com/office/powerpoint/2010/main" val="1350680553"/>
+        <p14:creationId xmlns:p14="http://schemas.microsoft.com/office/powerpoint/2010/main" val="2786026092"/>
       </p:ext>
     </p:extLst>
   </p:cSld>

--- a/textbox guide.pptx
+++ b/textbox guide.pptx
@@ -21,6 +21,12 @@
     <p:sldId id="265" r:id="rId15"/>
     <p:sldId id="270" r:id="rId16"/>
     <p:sldId id="271" r:id="rId17"/>
+    <p:sldId id="272" r:id="rId18"/>
+    <p:sldId id="273" r:id="rId19"/>
+    <p:sldId id="275" r:id="rId20"/>
+    <p:sldId id="274" r:id="rId21"/>
+    <p:sldId id="276" r:id="rId22"/>
+    <p:sldId id="277" r:id="rId23"/>
   </p:sldIdLst>
   <p:sldSz cx="12192000" cy="6858000"/>
   <p:notesSz cx="6858000" cy="9144000"/>
@@ -276,7 +282,7 @@
           <a:p>
             <a:fld id="{F34C7B2E-2098-114E-B51F-70D91FD20D5A}" type="datetimeFigureOut">
               <a:rPr lang="en-US" smtClean="0"/>
-              <a:t>9/7/20</a:t>
+              <a:t>9/8/20</a:t>
             </a:fld>
             <a:endParaRPr lang="en-US"/>
           </a:p>
@@ -476,7 +482,7 @@
           <a:p>
             <a:fld id="{F34C7B2E-2098-114E-B51F-70D91FD20D5A}" type="datetimeFigureOut">
               <a:rPr lang="en-US" smtClean="0"/>
-              <a:t>9/7/20</a:t>
+              <a:t>9/8/20</a:t>
             </a:fld>
             <a:endParaRPr lang="en-US"/>
           </a:p>
@@ -686,7 +692,7 @@
           <a:p>
             <a:fld id="{F34C7B2E-2098-114E-B51F-70D91FD20D5A}" type="datetimeFigureOut">
               <a:rPr lang="en-US" smtClean="0"/>
-              <a:t>9/7/20</a:t>
+              <a:t>9/8/20</a:t>
             </a:fld>
             <a:endParaRPr lang="en-US"/>
           </a:p>
@@ -886,7 +892,7 @@
           <a:p>
             <a:fld id="{F34C7B2E-2098-114E-B51F-70D91FD20D5A}" type="datetimeFigureOut">
               <a:rPr lang="en-US" smtClean="0"/>
-              <a:t>9/7/20</a:t>
+              <a:t>9/8/20</a:t>
             </a:fld>
             <a:endParaRPr lang="en-US"/>
           </a:p>
@@ -1162,7 +1168,7 @@
           <a:p>
             <a:fld id="{F34C7B2E-2098-114E-B51F-70D91FD20D5A}" type="datetimeFigureOut">
               <a:rPr lang="en-US" smtClean="0"/>
-              <a:t>9/7/20</a:t>
+              <a:t>9/8/20</a:t>
             </a:fld>
             <a:endParaRPr lang="en-US"/>
           </a:p>
@@ -1430,7 +1436,7 @@
           <a:p>
             <a:fld id="{F34C7B2E-2098-114E-B51F-70D91FD20D5A}" type="datetimeFigureOut">
               <a:rPr lang="en-US" smtClean="0"/>
-              <a:t>9/7/20</a:t>
+              <a:t>9/8/20</a:t>
             </a:fld>
             <a:endParaRPr lang="en-US"/>
           </a:p>
@@ -1845,7 +1851,7 @@
           <a:p>
             <a:fld id="{F34C7B2E-2098-114E-B51F-70D91FD20D5A}" type="datetimeFigureOut">
               <a:rPr lang="en-US" smtClean="0"/>
-              <a:t>9/7/20</a:t>
+              <a:t>9/8/20</a:t>
             </a:fld>
             <a:endParaRPr lang="en-US"/>
           </a:p>
@@ -1987,7 +1993,7 @@
           <a:p>
             <a:fld id="{F34C7B2E-2098-114E-B51F-70D91FD20D5A}" type="datetimeFigureOut">
               <a:rPr lang="en-US" smtClean="0"/>
-              <a:t>9/7/20</a:t>
+              <a:t>9/8/20</a:t>
             </a:fld>
             <a:endParaRPr lang="en-US"/>
           </a:p>
@@ -2100,7 +2106,7 @@
           <a:p>
             <a:fld id="{F34C7B2E-2098-114E-B51F-70D91FD20D5A}" type="datetimeFigureOut">
               <a:rPr lang="en-US" smtClean="0"/>
-              <a:t>9/7/20</a:t>
+              <a:t>9/8/20</a:t>
             </a:fld>
             <a:endParaRPr lang="en-US"/>
           </a:p>
@@ -2413,7 +2419,7 @@
           <a:p>
             <a:fld id="{F34C7B2E-2098-114E-B51F-70D91FD20D5A}" type="datetimeFigureOut">
               <a:rPr lang="en-US" smtClean="0"/>
-              <a:t>9/7/20</a:t>
+              <a:t>9/8/20</a:t>
             </a:fld>
             <a:endParaRPr lang="en-US"/>
           </a:p>
@@ -2702,7 +2708,7 @@
           <a:p>
             <a:fld id="{F34C7B2E-2098-114E-B51F-70D91FD20D5A}" type="datetimeFigureOut">
               <a:rPr lang="en-US" smtClean="0"/>
-              <a:t>9/7/20</a:t>
+              <a:t>9/8/20</a:t>
             </a:fld>
             <a:endParaRPr lang="en-US"/>
           </a:p>
@@ -2945,7 +2951,7 @@
           <a:p>
             <a:fld id="{F34C7B2E-2098-114E-B51F-70D91FD20D5A}" type="datetimeFigureOut">
               <a:rPr lang="en-US" smtClean="0"/>
-              <a:t>9/7/20</a:t>
+              <a:t>9/8/20</a:t>
             </a:fld>
             <a:endParaRPr lang="en-US"/>
           </a:p>
@@ -3944,6 +3950,88 @@
           </a:p>
         </p:txBody>
       </p:sp>
+      <p:sp>
+        <p:nvSpPr>
+          <p:cNvPr id="17" name="TextBox 16">
+            <a:extLst>
+              <a:ext uri="{FF2B5EF4-FFF2-40B4-BE49-F238E27FC236}">
+                <a16:creationId xmlns:a16="http://schemas.microsoft.com/office/drawing/2014/main" id="{789F7A16-6B51-7B4E-AF5B-5962B1FB42BB}"/>
+              </a:ext>
+            </a:extLst>
+          </p:cNvPr>
+          <p:cNvSpPr txBox="1"/>
+          <p:nvPr/>
+        </p:nvSpPr>
+        <p:spPr>
+          <a:xfrm>
+            <a:off x="7819689" y="5385277"/>
+            <a:ext cx="3823547" cy="369332"/>
+          </a:xfrm>
+          <a:prstGeom prst="rect">
+            <a:avLst/>
+          </a:prstGeom>
+          <a:noFill/>
+          <a:ln>
+            <a:solidFill>
+              <a:schemeClr val="tx1"/>
+            </a:solidFill>
+          </a:ln>
+        </p:spPr>
+        <p:txBody>
+          <a:bodyPr wrap="none" rtlCol="0">
+            <a:spAutoFit/>
+          </a:bodyPr>
+          <a:lstStyle/>
+          <a:p>
+            <a:r>
+              <a:rPr lang="en-US" dirty="0" err="1"/>
+              <a:t>findOverHangEntryFromAvgCharWidth</a:t>
+            </a:r>
+            <a:endParaRPr lang="en-US" dirty="0"/>
+          </a:p>
+        </p:txBody>
+      </p:sp>
+      <p:cxnSp>
+        <p:nvCxnSpPr>
+          <p:cNvPr id="18" name="Straight Arrow Connector 17">
+            <a:extLst>
+              <a:ext uri="{FF2B5EF4-FFF2-40B4-BE49-F238E27FC236}">
+                <a16:creationId xmlns:a16="http://schemas.microsoft.com/office/drawing/2014/main" id="{AD304102-9B60-6441-96E9-68D04AD2D610}"/>
+              </a:ext>
+            </a:extLst>
+          </p:cNvPr>
+          <p:cNvCxnSpPr>
+            <a:cxnSpLocks/>
+          </p:cNvCxnSpPr>
+          <p:nvPr/>
+        </p:nvCxnSpPr>
+        <p:spPr>
+          <a:xfrm flipH="1">
+            <a:off x="7067395" y="5564730"/>
+            <a:ext cx="752294" cy="0"/>
+          </a:xfrm>
+          <a:prstGeom prst="straightConnector1">
+            <a:avLst/>
+          </a:prstGeom>
+          <a:ln>
+            <a:tailEnd type="triangle"/>
+          </a:ln>
+        </p:spPr>
+        <p:style>
+          <a:lnRef idx="1">
+            <a:schemeClr val="dk1"/>
+          </a:lnRef>
+          <a:fillRef idx="0">
+            <a:schemeClr val="dk1"/>
+          </a:fillRef>
+          <a:effectRef idx="0">
+            <a:schemeClr val="dk1"/>
+          </a:effectRef>
+          <a:fontRef idx="minor">
+            <a:schemeClr val="tx1"/>
+          </a:fontRef>
+        </p:style>
+      </p:cxnSp>
     </p:spTree>
     <p:extLst>
       <p:ext uri="{BB962C8B-B14F-4D97-AF65-F5344CB8AC3E}">
@@ -6697,7 +6785,7 @@
             </a:r>
             <a:r>
               <a:rPr lang="en-GB" sz="1400" dirty="0" err="1"/>
-              <a:t>leftTextFormatInfo</a:t>
+              <a:t>rightTextFormatInfo</a:t>
             </a:r>
             <a:endParaRPr lang="en-GB" sz="1400" dirty="0"/>
           </a:p>
@@ -6718,7 +6806,7 @@
         <p:spPr>
           <a:xfrm>
             <a:off x="263785" y="813999"/>
-            <a:ext cx="1683602" cy="523220"/>
+            <a:ext cx="1683602" cy="738664"/>
           </a:xfrm>
           <a:prstGeom prst="rect">
             <a:avLst/>
@@ -6743,6 +6831,16 @@
             <a:r>
               <a:rPr lang="en-US" sz="1400" dirty="0"/>
               <a:t>:</a:t>
+            </a:r>
+          </a:p>
+          <a:p>
+            <a:pPr marL="285750" indent="-285750">
+              <a:buFont typeface="Arial" panose="020B0604020202020204" pitchFamily="34" charset="0"/>
+              <a:buChar char="•"/>
+            </a:pPr>
+            <a:r>
+              <a:rPr lang="en-US" sz="1400" dirty="0"/>
+              <a:t>[-1]</a:t>
             </a:r>
           </a:p>
           <a:p>
@@ -7269,10 +7367,1350 @@
           <a:chExt cx="0" cy="0"/>
         </a:xfrm>
       </p:grpSpPr>
+      <p:sp>
+        <p:nvSpPr>
+          <p:cNvPr id="2" name="TextBox 1">
+            <a:extLst>
+              <a:ext uri="{FF2B5EF4-FFF2-40B4-BE49-F238E27FC236}">
+                <a16:creationId xmlns:a16="http://schemas.microsoft.com/office/drawing/2014/main" id="{8E1719E1-5ED8-0343-99CF-761E89CA1613}"/>
+              </a:ext>
+            </a:extLst>
+          </p:cNvPr>
+          <p:cNvSpPr txBox="1"/>
+          <p:nvPr/>
+        </p:nvSpPr>
+        <p:spPr>
+          <a:xfrm>
+            <a:off x="318977" y="340242"/>
+            <a:ext cx="7047314" cy="646331"/>
+          </a:xfrm>
+          <a:prstGeom prst="rect">
+            <a:avLst/>
+          </a:prstGeom>
+          <a:noFill/>
+          <a:ln>
+            <a:solidFill>
+              <a:schemeClr val="tx1"/>
+            </a:solidFill>
+          </a:ln>
+        </p:spPr>
+        <p:txBody>
+          <a:bodyPr wrap="none" rtlCol="0">
+            <a:spAutoFit/>
+          </a:bodyPr>
+          <a:lstStyle/>
+          <a:p>
+            <a:pPr marL="285750" indent="-285750">
+              <a:buFont typeface="Arial" panose="020B0604020202020204" pitchFamily="34" charset="0"/>
+              <a:buChar char="•"/>
+            </a:pPr>
+            <a:r>
+              <a:rPr lang="en-US" dirty="0"/>
+              <a:t>Example from the last line from the </a:t>
+            </a:r>
+            <a:r>
+              <a:rPr lang="en-US" dirty="0" err="1"/>
+              <a:t>adjustCursorInformation</a:t>
+            </a:r>
+            <a:r>
+              <a:rPr lang="en-US" dirty="0"/>
+              <a:t> example:</a:t>
+            </a:r>
+          </a:p>
+          <a:p>
+            <a:pPr marL="285750" indent="-285750">
+              <a:buFont typeface="Arial" panose="020B0604020202020204" pitchFamily="34" charset="0"/>
+              <a:buChar char="•"/>
+            </a:pPr>
+            <a:r>
+              <a:rPr lang="en-US" dirty="0"/>
+              <a:t>Which updates the new right text formatting </a:t>
+            </a:r>
+            <a:r>
+              <a:rPr lang="en-US" dirty="0" err="1"/>
+              <a:t>entires</a:t>
+            </a:r>
+            <a:r>
+              <a:rPr lang="en-US" dirty="0"/>
+              <a:t>, for the first line.</a:t>
+            </a:r>
+          </a:p>
+        </p:txBody>
+      </p:sp>
+      <p:sp>
+        <p:nvSpPr>
+          <p:cNvPr id="3" name="TextBox 2">
+            <a:extLst>
+              <a:ext uri="{FF2B5EF4-FFF2-40B4-BE49-F238E27FC236}">
+                <a16:creationId xmlns:a16="http://schemas.microsoft.com/office/drawing/2014/main" id="{6B987CF8-F27F-7549-9B38-F297A07950FD}"/>
+              </a:ext>
+            </a:extLst>
+          </p:cNvPr>
+          <p:cNvSpPr txBox="1"/>
+          <p:nvPr/>
+        </p:nvSpPr>
+        <p:spPr>
+          <a:xfrm>
+            <a:off x="318977" y="1221386"/>
+            <a:ext cx="4498347" cy="369332"/>
+          </a:xfrm>
+          <a:prstGeom prst="rect">
+            <a:avLst/>
+          </a:prstGeom>
+          <a:noFill/>
+        </p:spPr>
+        <p:txBody>
+          <a:bodyPr wrap="none" rtlCol="0">
+            <a:spAutoFit/>
+          </a:bodyPr>
+          <a:lstStyle/>
+          <a:p>
+            <a:r>
+              <a:rPr lang="en-US" dirty="0" err="1"/>
+              <a:t>updateFormattingOnEntireLine</a:t>
+            </a:r>
+            <a:r>
+              <a:rPr lang="en-US" dirty="0"/>
+              <a:t>(false, 0, false) </a:t>
+            </a:r>
+          </a:p>
+        </p:txBody>
+      </p:sp>
+      <p:sp>
+        <p:nvSpPr>
+          <p:cNvPr id="5" name="TextBox 4">
+            <a:extLst>
+              <a:ext uri="{FF2B5EF4-FFF2-40B4-BE49-F238E27FC236}">
+                <a16:creationId xmlns:a16="http://schemas.microsoft.com/office/drawing/2014/main" id="{A1E6013A-C87E-9841-ADA1-7C2A30B73C40}"/>
+              </a:ext>
+            </a:extLst>
+          </p:cNvPr>
+          <p:cNvSpPr txBox="1"/>
+          <p:nvPr/>
+        </p:nvSpPr>
+        <p:spPr>
+          <a:xfrm>
+            <a:off x="318977" y="1825531"/>
+            <a:ext cx="8039211" cy="4832092"/>
+          </a:xfrm>
+          <a:prstGeom prst="rect">
+            <a:avLst/>
+          </a:prstGeom>
+          <a:noFill/>
+          <a:ln>
+            <a:solidFill>
+              <a:schemeClr val="tx1"/>
+            </a:solidFill>
+          </a:ln>
+        </p:spPr>
+        <p:txBody>
+          <a:bodyPr wrap="square" rtlCol="0">
+            <a:spAutoFit/>
+          </a:bodyPr>
+          <a:lstStyle/>
+          <a:p>
+            <a:pPr marL="285750" indent="-285750">
+              <a:buFont typeface="Arial" panose="020B0604020202020204" pitchFamily="34" charset="0"/>
+              <a:buChar char="•"/>
+            </a:pPr>
+            <a:r>
+              <a:rPr lang="en-GB" sz="1400" dirty="0"/>
+              <a:t>If statement #1: </a:t>
+            </a:r>
+          </a:p>
+          <a:p>
+            <a:pPr marL="742950" lvl="1" indent="-285750">
+              <a:buFont typeface="Arial" panose="020B0604020202020204" pitchFamily="34" charset="0"/>
+              <a:buChar char="•"/>
+            </a:pPr>
+            <a:r>
+              <a:rPr lang="en-GB" sz="1400" dirty="0" err="1"/>
+              <a:t>faied</a:t>
+            </a:r>
+            <a:r>
+              <a:rPr lang="en-GB" sz="1400" dirty="0"/>
+              <a:t> since {</a:t>
+            </a:r>
+            <a:r>
+              <a:rPr lang="en-GB" sz="1400" dirty="0" err="1"/>
+              <a:t>leftTextQuery</a:t>
+            </a:r>
+            <a:r>
+              <a:rPr lang="en-GB" sz="1400" dirty="0"/>
+              <a:t> = false}  != true</a:t>
+            </a:r>
+          </a:p>
+          <a:p>
+            <a:pPr marL="742950" lvl="1" indent="-285750">
+              <a:buFont typeface="Arial" panose="020B0604020202020204" pitchFamily="34" charset="0"/>
+              <a:buChar char="•"/>
+            </a:pPr>
+            <a:r>
+              <a:rPr lang="en-GB" sz="1400" dirty="0"/>
+              <a:t>So enter the else statement:</a:t>
+            </a:r>
+          </a:p>
+          <a:p>
+            <a:pPr marL="1200150" lvl="2" indent="-285750">
+              <a:buFont typeface="Arial" panose="020B0604020202020204" pitchFamily="34" charset="0"/>
+              <a:buChar char="•"/>
+            </a:pPr>
+            <a:r>
+              <a:rPr lang="en-GB" sz="1400" dirty="0" err="1"/>
+              <a:t>EntireString</a:t>
+            </a:r>
+            <a:r>
+              <a:rPr lang="en-GB" sz="1400" dirty="0"/>
+              <a:t> = </a:t>
+            </a:r>
+            <a:r>
+              <a:rPr lang="en-GB" sz="1400" dirty="0" err="1"/>
+              <a:t>rightText.get</a:t>
+            </a:r>
+            <a:r>
+              <a:rPr lang="en-GB" sz="1400" dirty="0"/>
+              <a:t>(0)</a:t>
+            </a:r>
+          </a:p>
+          <a:p>
+            <a:pPr lvl="3"/>
+            <a:r>
+              <a:rPr lang="en-GB" sz="1400" dirty="0"/>
+              <a:t>                  = “</a:t>
+            </a:r>
+            <a:r>
+              <a:rPr lang="en-US" sz="1400" dirty="0"/>
+              <a:t>line number 2. This is left line number 2. This is left line number 2. 		            This is right line number 1. This is right line number 1.”</a:t>
+            </a:r>
+          </a:p>
+          <a:p>
+            <a:pPr marL="1200150" lvl="2" indent="-285750">
+              <a:buFont typeface="Arial" panose="020B0604020202020204" pitchFamily="34" charset="0"/>
+              <a:buChar char="•"/>
+            </a:pPr>
+            <a:r>
+              <a:rPr lang="en-US" sz="1400" dirty="0" err="1"/>
+              <a:t>formatInfoForTheString</a:t>
+            </a:r>
+            <a:r>
+              <a:rPr lang="en-US" sz="1400" dirty="0"/>
+              <a:t> = [-1]</a:t>
+            </a:r>
+          </a:p>
+          <a:p>
+            <a:pPr marL="1200150" lvl="2" indent="-285750">
+              <a:buFont typeface="Arial" panose="020B0604020202020204" pitchFamily="34" charset="0"/>
+              <a:buChar char="•"/>
+            </a:pPr>
+            <a:r>
+              <a:rPr lang="en-US" sz="1400" dirty="0"/>
+              <a:t>Inner if statement:</a:t>
+            </a:r>
+          </a:p>
+          <a:p>
+            <a:pPr marL="1657350" lvl="3" indent="-285750">
+              <a:buFont typeface="Arial" panose="020B0604020202020204" pitchFamily="34" charset="0"/>
+              <a:buChar char="•"/>
+            </a:pPr>
+            <a:r>
+              <a:rPr lang="en-US" sz="1400" dirty="0"/>
+              <a:t>Passed since looking at the first index of the right side</a:t>
+            </a:r>
+          </a:p>
+          <a:p>
+            <a:pPr marL="2114550" lvl="4" indent="-285750">
+              <a:buFont typeface="Arial" panose="020B0604020202020204" pitchFamily="34" charset="0"/>
+              <a:buChar char="•"/>
+            </a:pPr>
+            <a:r>
+              <a:rPr lang="en-US" sz="1400" dirty="0" err="1"/>
+              <a:t>lastFormatInfoForTheLeftText</a:t>
+            </a:r>
+            <a:r>
+              <a:rPr lang="en-US" sz="1400" dirty="0"/>
+              <a:t> = [-1]</a:t>
+            </a:r>
+          </a:p>
+          <a:p>
+            <a:pPr marL="2114550" lvl="4" indent="-285750">
+              <a:buFont typeface="Arial" panose="020B0604020202020204" pitchFamily="34" charset="0"/>
+              <a:buChar char="•"/>
+            </a:pPr>
+            <a:r>
+              <a:rPr lang="en-US" sz="1400" dirty="0" err="1"/>
+              <a:t>lastFormatNewLineForTheLeftText</a:t>
+            </a:r>
+            <a:r>
+              <a:rPr lang="en-US" sz="1400" dirty="0"/>
+              <a:t> = -1</a:t>
+            </a:r>
+          </a:p>
+          <a:p>
+            <a:pPr marL="2114550" lvl="4" indent="-285750">
+              <a:buFont typeface="Arial" panose="020B0604020202020204" pitchFamily="34" charset="0"/>
+              <a:buChar char="•"/>
+            </a:pPr>
+            <a:r>
+              <a:rPr lang="en-US" sz="1400" dirty="0"/>
+              <a:t>Nested if statement:</a:t>
+            </a:r>
+          </a:p>
+          <a:p>
+            <a:pPr marL="2571750" lvl="5" indent="-285750">
+              <a:buFont typeface="Arial" panose="020B0604020202020204" pitchFamily="34" charset="0"/>
+              <a:buChar char="•"/>
+            </a:pPr>
+            <a:r>
+              <a:rPr lang="en-US" sz="1400" dirty="0"/>
+              <a:t>Failed since there are no newlines for the last entry for the left text:</a:t>
+            </a:r>
+          </a:p>
+          <a:p>
+            <a:pPr marL="3028950" lvl="6" indent="-285750">
+              <a:buFont typeface="Arial" panose="020B0604020202020204" pitchFamily="34" charset="0"/>
+              <a:buChar char="•"/>
+            </a:pPr>
+            <a:r>
+              <a:rPr lang="en-US" sz="1400" dirty="0" err="1"/>
+              <a:t>lastLineFromLeftText</a:t>
+            </a:r>
+            <a:r>
+              <a:rPr lang="en-US" sz="1400" dirty="0"/>
+              <a:t> = </a:t>
+            </a:r>
+            <a:r>
+              <a:rPr lang="en-GB" sz="1400" dirty="0"/>
+              <a:t>“This is left”</a:t>
+            </a:r>
+          </a:p>
+          <a:p>
+            <a:pPr marL="2571750" lvl="5" indent="-285750">
+              <a:buFont typeface="Arial" panose="020B0604020202020204" pitchFamily="34" charset="0"/>
+              <a:buChar char="•"/>
+            </a:pPr>
+            <a:r>
+              <a:rPr lang="en-US" sz="1400" dirty="0" err="1"/>
+              <a:t>textStartRelativeToBoxX</a:t>
+            </a:r>
+            <a:r>
+              <a:rPr lang="en-US" sz="1400" dirty="0"/>
+              <a:t> = {num. characters} * {given character width)</a:t>
+            </a:r>
+          </a:p>
+          <a:p>
+            <a:pPr lvl="6"/>
+            <a:r>
+              <a:rPr lang="en-US" sz="1400" dirty="0"/>
+              <a:t>	                 = 12*5</a:t>
+            </a:r>
+          </a:p>
+          <a:p>
+            <a:pPr lvl="6"/>
+            <a:r>
+              <a:rPr lang="en-US" sz="1400" dirty="0"/>
+              <a:t>	                 = 60</a:t>
+            </a:r>
+          </a:p>
+          <a:p>
+            <a:pPr marL="285750" indent="-285750">
+              <a:buFont typeface="Arial" panose="020B0604020202020204" pitchFamily="34" charset="0"/>
+              <a:buChar char="•"/>
+            </a:pPr>
+            <a:r>
+              <a:rPr lang="en-US" sz="1400" dirty="0" err="1"/>
+              <a:t>StringToCheck</a:t>
+            </a:r>
+            <a:r>
+              <a:rPr lang="en-US" sz="1400" dirty="0"/>
+              <a:t> = </a:t>
+            </a:r>
+            <a:r>
+              <a:rPr lang="en-GB" sz="1400" dirty="0"/>
+              <a:t>“</a:t>
+            </a:r>
+            <a:r>
+              <a:rPr lang="en-US" sz="1400" dirty="0"/>
+              <a:t>line number 2. This is left line number 2. This is left line number 2. 		         This is right line number 1. This is right line number 1.”</a:t>
+            </a:r>
+          </a:p>
+          <a:p>
+            <a:pPr marL="285750" indent="-285750">
+              <a:buFont typeface="Arial" panose="020B0604020202020204" pitchFamily="34" charset="0"/>
+              <a:buChar char="•"/>
+            </a:pPr>
+            <a:r>
+              <a:rPr lang="en-US" sz="1400" dirty="0" err="1"/>
+              <a:t>lastFormattingEntry</a:t>
+            </a:r>
+            <a:r>
+              <a:rPr lang="en-US" sz="1400" dirty="0"/>
+              <a:t> = [-1]</a:t>
+            </a:r>
+          </a:p>
+          <a:p>
+            <a:pPr marL="285750" indent="-285750">
+              <a:buFont typeface="Arial" panose="020B0604020202020204" pitchFamily="34" charset="0"/>
+              <a:buChar char="•"/>
+            </a:pPr>
+            <a:r>
+              <a:rPr lang="en-US" sz="1400" dirty="0"/>
+              <a:t>If statement #2:</a:t>
+            </a:r>
+          </a:p>
+          <a:p>
+            <a:pPr marL="742950" lvl="1" indent="-285750">
+              <a:buFont typeface="Arial" panose="020B0604020202020204" pitchFamily="34" charset="0"/>
+              <a:buChar char="•"/>
+            </a:pPr>
+            <a:r>
+              <a:rPr lang="en-US" sz="1400" dirty="0"/>
+              <a:t>Failed since (</a:t>
+            </a:r>
+            <a:r>
+              <a:rPr lang="en-US" sz="1400" dirty="0" err="1"/>
+              <a:t>checkAfterLastFormatEntry</a:t>
+            </a:r>
+            <a:r>
+              <a:rPr lang="en-US" sz="1400" dirty="0"/>
+              <a:t> == false)</a:t>
+            </a:r>
+          </a:p>
+        </p:txBody>
+      </p:sp>
     </p:spTree>
     <p:extLst>
       <p:ext uri="{BB962C8B-B14F-4D97-AF65-F5344CB8AC3E}">
         <p14:creationId xmlns:p14="http://schemas.microsoft.com/office/powerpoint/2010/main" val="2718918639"/>
+      </p:ext>
+    </p:extLst>
+  </p:cSld>
+  <p:clrMapOvr>
+    <a:masterClrMapping/>
+  </p:clrMapOvr>
+</p:sld>
+</file>
+
+<file path=ppt/slides/slide17.xml><?xml version="1.0" encoding="utf-8"?>
+<p:sld xmlns:a="http://schemas.openxmlformats.org/drawingml/2006/main" xmlns:r="http://schemas.openxmlformats.org/officeDocument/2006/relationships" xmlns:p="http://schemas.openxmlformats.org/presentationml/2006/main">
+  <p:cSld>
+    <p:spTree>
+      <p:nvGrpSpPr>
+        <p:cNvPr id="1" name=""/>
+        <p:cNvGrpSpPr/>
+        <p:nvPr/>
+      </p:nvGrpSpPr>
+      <p:grpSpPr>
+        <a:xfrm>
+          <a:off x="0" y="0"/>
+          <a:ext cx="0" cy="0"/>
+          <a:chOff x="0" y="0"/>
+          <a:chExt cx="0" cy="0"/>
+        </a:xfrm>
+      </p:grpSpPr>
+      <p:sp>
+        <p:nvSpPr>
+          <p:cNvPr id="2" name="TextBox 1">
+            <a:extLst>
+              <a:ext uri="{FF2B5EF4-FFF2-40B4-BE49-F238E27FC236}">
+                <a16:creationId xmlns:a16="http://schemas.microsoft.com/office/drawing/2014/main" id="{7C11679B-5313-CD4A-BEBA-B2F83212BADF}"/>
+              </a:ext>
+            </a:extLst>
+          </p:cNvPr>
+          <p:cNvSpPr txBox="1"/>
+          <p:nvPr/>
+        </p:nvSpPr>
+        <p:spPr>
+          <a:xfrm>
+            <a:off x="190388" y="208863"/>
+            <a:ext cx="7540833" cy="4401205"/>
+          </a:xfrm>
+          <a:prstGeom prst="rect">
+            <a:avLst/>
+          </a:prstGeom>
+          <a:noFill/>
+          <a:ln>
+            <a:solidFill>
+              <a:schemeClr val="tx1"/>
+            </a:solidFill>
+          </a:ln>
+        </p:spPr>
+        <p:txBody>
+          <a:bodyPr wrap="square" rtlCol="0">
+            <a:spAutoFit/>
+          </a:bodyPr>
+          <a:lstStyle/>
+          <a:p>
+            <a:pPr marL="285750" indent="-285750">
+              <a:buFont typeface="Arial" panose="020B0604020202020204" pitchFamily="34" charset="0"/>
+              <a:buChar char="•"/>
+            </a:pPr>
+            <a:r>
+              <a:rPr lang="en-GB" sz="1400" dirty="0"/>
+              <a:t>while loop [0]</a:t>
+            </a:r>
+          </a:p>
+          <a:p>
+            <a:pPr marL="742950" lvl="1" indent="-285750">
+              <a:buFont typeface="Arial" panose="020B0604020202020204" pitchFamily="34" charset="0"/>
+              <a:buChar char="•"/>
+            </a:pPr>
+            <a:r>
+              <a:rPr lang="en-GB" sz="1400" dirty="0"/>
+              <a:t>Outer if:</a:t>
+            </a:r>
+          </a:p>
+          <a:p>
+            <a:pPr marL="1200150" lvl="2" indent="-285750">
+              <a:buFont typeface="Arial" panose="020B0604020202020204" pitchFamily="34" charset="0"/>
+              <a:buChar char="•"/>
+            </a:pPr>
+            <a:r>
+              <a:rPr lang="en-GB" sz="1400" dirty="0"/>
+              <a:t>Passed since that last formatting entry is -1</a:t>
+            </a:r>
+          </a:p>
+          <a:p>
+            <a:pPr marL="1657350" lvl="3" indent="-285750">
+              <a:buFont typeface="Arial" panose="020B0604020202020204" pitchFamily="34" charset="0"/>
+              <a:buChar char="•"/>
+            </a:pPr>
+            <a:r>
+              <a:rPr lang="en-GB" sz="1400" dirty="0" err="1"/>
+              <a:t>stringToCheckSize</a:t>
+            </a:r>
+            <a:r>
+              <a:rPr lang="en-GB" sz="1400" dirty="0"/>
+              <a:t> = {num. characters} * {assumed char width}</a:t>
+            </a:r>
+          </a:p>
+          <a:p>
+            <a:pPr lvl="3"/>
+            <a:r>
+              <a:rPr lang="en-GB" sz="1400" dirty="0"/>
+              <a:t>		      = 127 * 5</a:t>
+            </a:r>
+          </a:p>
+          <a:p>
+            <a:pPr lvl="3"/>
+            <a:r>
+              <a:rPr lang="en-GB" sz="1400" dirty="0"/>
+              <a:t>		      = 635</a:t>
+            </a:r>
+          </a:p>
+          <a:p>
+            <a:pPr marL="1657350" lvl="3" indent="-285750">
+              <a:buFont typeface="Arial" panose="020B0604020202020204" pitchFamily="34" charset="0"/>
+              <a:buChar char="•"/>
+            </a:pPr>
+            <a:r>
+              <a:rPr lang="en-GB" sz="1400" dirty="0"/>
+              <a:t>Inner if:</a:t>
+            </a:r>
+          </a:p>
+          <a:p>
+            <a:pPr marL="2114550" lvl="4" indent="-285750">
+              <a:buFont typeface="Arial" panose="020B0604020202020204" pitchFamily="34" charset="0"/>
+              <a:buChar char="•"/>
+            </a:pPr>
+            <a:r>
+              <a:rPr lang="en-GB" sz="1400" dirty="0"/>
+              <a:t>*(note: assuming </a:t>
+            </a:r>
+            <a:r>
+              <a:rPr lang="en-GB" sz="1400" dirty="0" err="1"/>
+              <a:t>boxW</a:t>
+            </a:r>
+            <a:r>
+              <a:rPr lang="en-GB" sz="1400" dirty="0"/>
+              <a:t> = 41 chars wide = 41* 5 = 2-5)*</a:t>
+            </a:r>
+          </a:p>
+          <a:p>
+            <a:pPr marL="2114550" lvl="4" indent="-285750">
+              <a:buFont typeface="Arial" panose="020B0604020202020204" pitchFamily="34" charset="0"/>
+              <a:buChar char="•"/>
+            </a:pPr>
+            <a:r>
+              <a:rPr lang="en-GB" sz="1400" dirty="0"/>
+              <a:t>Passed since: {</a:t>
+            </a:r>
+            <a:r>
+              <a:rPr lang="en-GB" sz="1400" dirty="0" err="1"/>
+              <a:t>stringToCheckSize</a:t>
+            </a:r>
+            <a:r>
+              <a:rPr lang="en-GB" sz="1400" dirty="0"/>
+              <a:t> = 635} &gt; {</a:t>
+            </a:r>
+            <a:r>
+              <a:rPr lang="en-GB" sz="1400" dirty="0" err="1"/>
+              <a:t>boxW</a:t>
+            </a:r>
+            <a:r>
+              <a:rPr lang="en-GB" sz="1400" dirty="0"/>
+              <a:t> = 205}</a:t>
+            </a:r>
+          </a:p>
+          <a:p>
+            <a:pPr marL="2571750" lvl="5" indent="-285750">
+              <a:buFont typeface="Arial" panose="020B0604020202020204" pitchFamily="34" charset="0"/>
+              <a:buChar char="•"/>
+            </a:pPr>
+            <a:r>
+              <a:rPr lang="en-GB" sz="1400" dirty="0" err="1"/>
+              <a:t>newSplitPosition</a:t>
+            </a:r>
+            <a:r>
+              <a:rPr lang="en-GB" sz="1400" dirty="0"/>
+              <a:t> = </a:t>
+            </a:r>
+            <a:r>
+              <a:rPr lang="en-US" sz="1400" dirty="0" err="1"/>
+              <a:t>findOverHangEntryFromAvgCharWidth</a:t>
+            </a:r>
+            <a:r>
+              <a:rPr lang="en-GB" sz="1400" dirty="0"/>
+              <a:t>(“</a:t>
+            </a:r>
+            <a:r>
+              <a:rPr lang="en-US" sz="1400" dirty="0"/>
+              <a:t>line number 2. This is left line number 2. This is left line number 2. 		         This is right line number 1. This is right line number 1.” , 635, 5, 60)</a:t>
+            </a:r>
+          </a:p>
+          <a:p>
+            <a:pPr marL="2571750" lvl="5" indent="-285750">
+              <a:buFont typeface="Arial" panose="020B0604020202020204" pitchFamily="34" charset="0"/>
+              <a:buChar char="•"/>
+            </a:pPr>
+            <a:r>
+              <a:rPr lang="en-US" sz="1400" dirty="0"/>
+              <a:t>So:</a:t>
+            </a:r>
+          </a:p>
+          <a:p>
+            <a:pPr marL="2571750" lvl="5" indent="-285750">
+              <a:buFont typeface="Arial" panose="020B0604020202020204" pitchFamily="34" charset="0"/>
+              <a:buChar char="•"/>
+            </a:pPr>
+            <a:r>
+              <a:rPr lang="en-US" sz="1400" dirty="0" err="1"/>
+              <a:t>newSplitPosition</a:t>
+            </a:r>
+            <a:r>
+              <a:rPr lang="en-US" sz="1400" dirty="0"/>
+              <a:t> = 22</a:t>
+            </a:r>
+          </a:p>
+          <a:p>
+            <a:pPr marL="2571750" lvl="5" indent="-285750">
+              <a:buFont typeface="Arial" panose="020B0604020202020204" pitchFamily="34" charset="0"/>
+              <a:buChar char="•"/>
+            </a:pPr>
+            <a:r>
+              <a:rPr lang="en-US" sz="1400" dirty="0" err="1"/>
+              <a:t>formatInfoForTheString.set</a:t>
+            </a:r>
+            <a:r>
+              <a:rPr lang="en-US" sz="1400" dirty="0"/>
+              <a:t>(0, 22) //sets the first entry of the format info for this line to 22.</a:t>
+            </a:r>
+          </a:p>
+          <a:p>
+            <a:pPr marL="2571750" lvl="5" indent="-285750">
+              <a:buFont typeface="Arial" panose="020B0604020202020204" pitchFamily="34" charset="0"/>
+              <a:buChar char="•"/>
+            </a:pPr>
+            <a:r>
+              <a:rPr lang="en-US" sz="1400" dirty="0" err="1"/>
+              <a:t>stringToCheck</a:t>
+            </a:r>
+            <a:r>
+              <a:rPr lang="en-US" sz="1400" dirty="0"/>
+              <a:t> = “left line number 2. This is left line number 2. 		         This is right line number 1. This is right line number 1.” </a:t>
+            </a:r>
+          </a:p>
+          <a:p>
+            <a:pPr marL="2571750" lvl="5" indent="-285750">
+              <a:buFont typeface="Arial" panose="020B0604020202020204" pitchFamily="34" charset="0"/>
+              <a:buChar char="•"/>
+            </a:pPr>
+            <a:endParaRPr lang="en-GB" sz="1400" dirty="0"/>
+          </a:p>
+        </p:txBody>
+      </p:sp>
+    </p:spTree>
+    <p:extLst>
+      <p:ext uri="{BB962C8B-B14F-4D97-AF65-F5344CB8AC3E}">
+        <p14:creationId xmlns:p14="http://schemas.microsoft.com/office/powerpoint/2010/main" val="1995574382"/>
+      </p:ext>
+    </p:extLst>
+  </p:cSld>
+  <p:clrMapOvr>
+    <a:masterClrMapping/>
+  </p:clrMapOvr>
+</p:sld>
+</file>
+
+<file path=ppt/slides/slide18.xml><?xml version="1.0" encoding="utf-8"?>
+<p:sld xmlns:a="http://schemas.openxmlformats.org/drawingml/2006/main" xmlns:r="http://schemas.openxmlformats.org/officeDocument/2006/relationships" xmlns:p="http://schemas.openxmlformats.org/presentationml/2006/main">
+  <p:cSld>
+    <p:spTree>
+      <p:nvGrpSpPr>
+        <p:cNvPr id="1" name=""/>
+        <p:cNvGrpSpPr/>
+        <p:nvPr/>
+      </p:nvGrpSpPr>
+      <p:grpSpPr>
+        <a:xfrm>
+          <a:off x="0" y="0"/>
+          <a:ext cx="0" cy="0"/>
+          <a:chOff x="0" y="0"/>
+          <a:chExt cx="0" cy="0"/>
+        </a:xfrm>
+      </p:grpSpPr>
+      <p:sp>
+        <p:nvSpPr>
+          <p:cNvPr id="2" name="TextBox 1">
+            <a:extLst>
+              <a:ext uri="{FF2B5EF4-FFF2-40B4-BE49-F238E27FC236}">
+                <a16:creationId xmlns:a16="http://schemas.microsoft.com/office/drawing/2014/main" id="{BC202161-14EE-4548-B787-87C19E4BF875}"/>
+              </a:ext>
+            </a:extLst>
+          </p:cNvPr>
+          <p:cNvSpPr txBox="1"/>
+          <p:nvPr/>
+        </p:nvSpPr>
+        <p:spPr>
+          <a:xfrm>
+            <a:off x="157162" y="86200"/>
+            <a:ext cx="7540833" cy="3754874"/>
+          </a:xfrm>
+          <a:prstGeom prst="rect">
+            <a:avLst/>
+          </a:prstGeom>
+          <a:noFill/>
+          <a:ln>
+            <a:solidFill>
+              <a:schemeClr val="tx1"/>
+            </a:solidFill>
+          </a:ln>
+        </p:spPr>
+        <p:txBody>
+          <a:bodyPr wrap="square" rtlCol="0">
+            <a:spAutoFit/>
+          </a:bodyPr>
+          <a:lstStyle/>
+          <a:p>
+            <a:pPr marL="285750" indent="-285750">
+              <a:buFont typeface="Arial" panose="020B0604020202020204" pitchFamily="34" charset="0"/>
+              <a:buChar char="•"/>
+            </a:pPr>
+            <a:r>
+              <a:rPr lang="en-GB" sz="1400" dirty="0"/>
+              <a:t>while loop [1]</a:t>
+            </a:r>
+          </a:p>
+          <a:p>
+            <a:pPr marL="742950" lvl="1" indent="-285750">
+              <a:buFont typeface="Arial" panose="020B0604020202020204" pitchFamily="34" charset="0"/>
+              <a:buChar char="•"/>
+            </a:pPr>
+            <a:r>
+              <a:rPr lang="en-GB" sz="1400" dirty="0"/>
+              <a:t>Outer if:</a:t>
+            </a:r>
+          </a:p>
+          <a:p>
+            <a:pPr marL="1200150" lvl="2" indent="-285750">
+              <a:buFont typeface="Arial" panose="020B0604020202020204" pitchFamily="34" charset="0"/>
+              <a:buChar char="•"/>
+            </a:pPr>
+            <a:r>
+              <a:rPr lang="en-GB" sz="1400" dirty="0"/>
+              <a:t>failed since that last formatting entry is 41</a:t>
+            </a:r>
+          </a:p>
+          <a:p>
+            <a:pPr marL="1200150" lvl="2" indent="-285750">
+              <a:buFont typeface="Arial" panose="020B0604020202020204" pitchFamily="34" charset="0"/>
+              <a:buChar char="•"/>
+            </a:pPr>
+            <a:r>
+              <a:rPr lang="en-GB" sz="1400" dirty="0"/>
+              <a:t>So enter else statement:</a:t>
+            </a:r>
+          </a:p>
+          <a:p>
+            <a:pPr marL="1657350" lvl="3" indent="-285750">
+              <a:buFont typeface="Arial" panose="020B0604020202020204" pitchFamily="34" charset="0"/>
+              <a:buChar char="•"/>
+            </a:pPr>
+            <a:r>
+              <a:rPr lang="en-GB" sz="1400" dirty="0" err="1"/>
+              <a:t>stringToCheckSize</a:t>
+            </a:r>
+            <a:r>
+              <a:rPr lang="en-GB" sz="1400" dirty="0"/>
+              <a:t> = 86 * 5</a:t>
+            </a:r>
+          </a:p>
+          <a:p>
+            <a:pPr lvl="3"/>
+            <a:r>
+              <a:rPr lang="en-GB" sz="1400" dirty="0"/>
+              <a:t>		      = 430</a:t>
+            </a:r>
+          </a:p>
+          <a:p>
+            <a:pPr marL="1657350" lvl="3" indent="-285750">
+              <a:buFont typeface="Arial" panose="020B0604020202020204" pitchFamily="34" charset="0"/>
+              <a:buChar char="•"/>
+            </a:pPr>
+            <a:r>
+              <a:rPr lang="en-GB" sz="1400" dirty="0"/>
+              <a:t>Inner if:</a:t>
+            </a:r>
+          </a:p>
+          <a:p>
+            <a:pPr marL="2114550" lvl="4" indent="-285750">
+              <a:buFont typeface="Arial" panose="020B0604020202020204" pitchFamily="34" charset="0"/>
+              <a:buChar char="•"/>
+            </a:pPr>
+            <a:r>
+              <a:rPr lang="en-GB" sz="1400" dirty="0"/>
+              <a:t>Passed since: {</a:t>
+            </a:r>
+            <a:r>
+              <a:rPr lang="en-GB" sz="1400" dirty="0" err="1"/>
+              <a:t>stringToCheckSize</a:t>
+            </a:r>
+            <a:r>
+              <a:rPr lang="en-GB" sz="1400" dirty="0"/>
+              <a:t> = 430} &gt; {</a:t>
+            </a:r>
+            <a:r>
+              <a:rPr lang="en-GB" sz="1400" dirty="0" err="1"/>
+              <a:t>boxW</a:t>
+            </a:r>
+            <a:r>
+              <a:rPr lang="en-GB" sz="1400" dirty="0"/>
+              <a:t> = 205}</a:t>
+            </a:r>
+          </a:p>
+          <a:p>
+            <a:pPr marL="2571750" lvl="5" indent="-285750">
+              <a:buFont typeface="Arial" panose="020B0604020202020204" pitchFamily="34" charset="0"/>
+              <a:buChar char="•"/>
+            </a:pPr>
+            <a:r>
+              <a:rPr lang="en-GB" sz="1400" dirty="0" err="1"/>
+              <a:t>newSplitPosition</a:t>
+            </a:r>
+            <a:r>
+              <a:rPr lang="en-GB" sz="1400" dirty="0"/>
+              <a:t> = </a:t>
+            </a:r>
+            <a:r>
+              <a:rPr lang="en-US" sz="1400" dirty="0" err="1"/>
+              <a:t>findOverHangEntryFromAvgCharWidth</a:t>
+            </a:r>
+            <a:r>
+              <a:rPr lang="en-US" sz="1400" dirty="0"/>
+              <a:t> “left line number 2. This is left line number 2. 		         This is right line number 1. This is right line number 1.” , 430, 5, 0)</a:t>
+            </a:r>
+          </a:p>
+          <a:p>
+            <a:pPr marL="2571750" lvl="5" indent="-285750">
+              <a:buFont typeface="Arial" panose="020B0604020202020204" pitchFamily="34" charset="0"/>
+              <a:buChar char="•"/>
+            </a:pPr>
+            <a:r>
+              <a:rPr lang="en-US" sz="1400" dirty="0"/>
+              <a:t>So:</a:t>
+            </a:r>
+          </a:p>
+          <a:p>
+            <a:pPr marL="2571750" lvl="5" indent="-285750">
+              <a:buFont typeface="Arial" panose="020B0604020202020204" pitchFamily="34" charset="0"/>
+              <a:buChar char="•"/>
+            </a:pPr>
+            <a:r>
+              <a:rPr lang="en-US" sz="1400" dirty="0" err="1"/>
+              <a:t>newSplitPosition</a:t>
+            </a:r>
+            <a:r>
+              <a:rPr lang="en-US" sz="1400" dirty="0"/>
+              <a:t> = 63</a:t>
+            </a:r>
+          </a:p>
+          <a:p>
+            <a:pPr marL="2571750" lvl="5" indent="-285750">
+              <a:buFont typeface="Arial" panose="020B0604020202020204" pitchFamily="34" charset="0"/>
+              <a:buChar char="•"/>
+            </a:pPr>
+            <a:r>
+              <a:rPr lang="en-US" sz="1400" dirty="0" err="1"/>
+              <a:t>formatInfoForTheString.add</a:t>
+            </a:r>
+            <a:r>
+              <a:rPr lang="en-US" sz="1400" dirty="0"/>
+              <a:t>(41) //adds 41 to the end of the format array</a:t>
+            </a:r>
+          </a:p>
+          <a:p>
+            <a:pPr marL="2571750" lvl="5" indent="-285750">
+              <a:buFont typeface="Arial" panose="020B0604020202020204" pitchFamily="34" charset="0"/>
+              <a:buChar char="•"/>
+            </a:pPr>
+            <a:r>
+              <a:rPr lang="en-US" sz="1400" dirty="0" err="1"/>
+              <a:t>stringToCheck</a:t>
+            </a:r>
+            <a:r>
+              <a:rPr lang="en-US" sz="1400" dirty="0"/>
+              <a:t> = “liber 2. This is right line number 1. This is right line number 1.” </a:t>
+            </a:r>
+            <a:endParaRPr lang="en-GB" sz="1400" dirty="0"/>
+          </a:p>
+        </p:txBody>
+      </p:sp>
+      <p:sp>
+        <p:nvSpPr>
+          <p:cNvPr id="3" name="TextBox 2">
+            <a:extLst>
+              <a:ext uri="{FF2B5EF4-FFF2-40B4-BE49-F238E27FC236}">
+                <a16:creationId xmlns:a16="http://schemas.microsoft.com/office/drawing/2014/main" id="{46BA2847-DB64-294F-BEF3-669A3D8A48F4}"/>
+              </a:ext>
+            </a:extLst>
+          </p:cNvPr>
+          <p:cNvSpPr txBox="1"/>
+          <p:nvPr/>
+        </p:nvSpPr>
+        <p:spPr>
+          <a:xfrm>
+            <a:off x="157162" y="3963291"/>
+            <a:ext cx="8243888" cy="2893100"/>
+          </a:xfrm>
+          <a:prstGeom prst="rect">
+            <a:avLst/>
+          </a:prstGeom>
+          <a:noFill/>
+          <a:ln>
+            <a:solidFill>
+              <a:schemeClr val="tx1"/>
+            </a:solidFill>
+          </a:ln>
+        </p:spPr>
+        <p:txBody>
+          <a:bodyPr wrap="square" rtlCol="0">
+            <a:spAutoFit/>
+          </a:bodyPr>
+          <a:lstStyle/>
+          <a:p>
+            <a:pPr marL="285750" indent="-285750">
+              <a:buFont typeface="Arial" panose="020B0604020202020204" pitchFamily="34" charset="0"/>
+              <a:buChar char="•"/>
+            </a:pPr>
+            <a:r>
+              <a:rPr lang="en-GB" sz="1400" dirty="0"/>
+              <a:t>while loop [2]</a:t>
+            </a:r>
+          </a:p>
+          <a:p>
+            <a:pPr marL="742950" lvl="1" indent="-285750">
+              <a:buFont typeface="Arial" panose="020B0604020202020204" pitchFamily="34" charset="0"/>
+              <a:buChar char="•"/>
+            </a:pPr>
+            <a:r>
+              <a:rPr lang="en-GB" sz="1400" dirty="0"/>
+              <a:t>Outer if:</a:t>
+            </a:r>
+          </a:p>
+          <a:p>
+            <a:pPr marL="1200150" lvl="2" indent="-285750">
+              <a:buFont typeface="Arial" panose="020B0604020202020204" pitchFamily="34" charset="0"/>
+              <a:buChar char="•"/>
+            </a:pPr>
+            <a:r>
+              <a:rPr lang="en-GB" sz="1400" dirty="0"/>
+              <a:t>failed since that last formatting entry is 41</a:t>
+            </a:r>
+          </a:p>
+          <a:p>
+            <a:pPr marL="1200150" lvl="2" indent="-285750">
+              <a:buFont typeface="Arial" panose="020B0604020202020204" pitchFamily="34" charset="0"/>
+              <a:buChar char="•"/>
+            </a:pPr>
+            <a:r>
+              <a:rPr lang="en-GB" sz="1400" dirty="0"/>
+              <a:t>So enter else statement:</a:t>
+            </a:r>
+          </a:p>
+          <a:p>
+            <a:pPr marL="1657350" lvl="3" indent="-285750">
+              <a:buFont typeface="Arial" panose="020B0604020202020204" pitchFamily="34" charset="0"/>
+              <a:buChar char="•"/>
+            </a:pPr>
+            <a:r>
+              <a:rPr lang="en-GB" sz="1400" dirty="0" err="1"/>
+              <a:t>stringToCheckSize</a:t>
+            </a:r>
+            <a:r>
+              <a:rPr lang="en-GB" sz="1400" dirty="0"/>
+              <a:t> = 225</a:t>
+            </a:r>
+          </a:p>
+          <a:p>
+            <a:pPr marL="1657350" lvl="3" indent="-285750">
+              <a:buFont typeface="Arial" panose="020B0604020202020204" pitchFamily="34" charset="0"/>
+              <a:buChar char="•"/>
+            </a:pPr>
+            <a:r>
+              <a:rPr lang="en-GB" sz="1400" dirty="0"/>
+              <a:t>Inner if:</a:t>
+            </a:r>
+          </a:p>
+          <a:p>
+            <a:pPr marL="2114550" lvl="4" indent="-285750">
+              <a:buFont typeface="Arial" panose="020B0604020202020204" pitchFamily="34" charset="0"/>
+              <a:buChar char="•"/>
+            </a:pPr>
+            <a:r>
+              <a:rPr lang="en-GB" sz="1400" dirty="0"/>
+              <a:t>Passed since: {</a:t>
+            </a:r>
+            <a:r>
+              <a:rPr lang="en-GB" sz="1400" dirty="0" err="1"/>
+              <a:t>stringToCheckSize</a:t>
+            </a:r>
+            <a:r>
+              <a:rPr lang="en-GB" sz="1400" dirty="0"/>
+              <a:t> = 225} &gt; {</a:t>
+            </a:r>
+            <a:r>
+              <a:rPr lang="en-GB" sz="1400" dirty="0" err="1"/>
+              <a:t>boxW</a:t>
+            </a:r>
+            <a:r>
+              <a:rPr lang="en-GB" sz="1400" dirty="0"/>
+              <a:t> = 205}</a:t>
+            </a:r>
+          </a:p>
+          <a:p>
+            <a:pPr marL="2571750" lvl="5" indent="-285750">
+              <a:buFont typeface="Arial" panose="020B0604020202020204" pitchFamily="34" charset="0"/>
+              <a:buChar char="•"/>
+            </a:pPr>
+            <a:r>
+              <a:rPr lang="en-GB" sz="1400" dirty="0" err="1"/>
+              <a:t>newSplitPosition</a:t>
+            </a:r>
+            <a:r>
+              <a:rPr lang="en-GB" sz="1400" dirty="0"/>
+              <a:t> = </a:t>
+            </a:r>
+            <a:r>
+              <a:rPr lang="en-US" sz="1400" dirty="0" err="1"/>
+              <a:t>findOverHangEntryFromAvgCharWidth</a:t>
+            </a:r>
+            <a:r>
+              <a:rPr lang="en-US" sz="1400" dirty="0"/>
+              <a:t>(“liber 2. This is right line number 1. This is right line number 1.” , 225, 5, 0)</a:t>
+            </a:r>
+          </a:p>
+          <a:p>
+            <a:pPr marL="2571750" lvl="5" indent="-285750">
+              <a:buFont typeface="Arial" panose="020B0604020202020204" pitchFamily="34" charset="0"/>
+              <a:buChar char="•"/>
+            </a:pPr>
+            <a:r>
+              <a:rPr lang="en-US" sz="1400" dirty="0"/>
+              <a:t>So:</a:t>
+            </a:r>
+          </a:p>
+          <a:p>
+            <a:pPr marL="2571750" lvl="5" indent="-285750">
+              <a:buFont typeface="Arial" panose="020B0604020202020204" pitchFamily="34" charset="0"/>
+              <a:buChar char="•"/>
+            </a:pPr>
+            <a:r>
+              <a:rPr lang="en-US" sz="1400" dirty="0" err="1"/>
+              <a:t>newSplitPosition</a:t>
+            </a:r>
+            <a:r>
+              <a:rPr lang="en-US" sz="1400" dirty="0"/>
+              <a:t> = 104</a:t>
+            </a:r>
+          </a:p>
+          <a:p>
+            <a:pPr marL="2571750" lvl="5" indent="-285750">
+              <a:buFont typeface="Arial" panose="020B0604020202020204" pitchFamily="34" charset="0"/>
+              <a:buChar char="•"/>
+            </a:pPr>
+            <a:r>
+              <a:rPr lang="en-US" sz="1400" dirty="0" err="1"/>
+              <a:t>formatInfoForTheString.add</a:t>
+            </a:r>
+            <a:r>
+              <a:rPr lang="en-US" sz="1400" dirty="0"/>
+              <a:t>(41</a:t>
+            </a:r>
+          </a:p>
+          <a:p>
+            <a:pPr marL="2571750" lvl="5" indent="-285750">
+              <a:buFont typeface="Arial" panose="020B0604020202020204" pitchFamily="34" charset="0"/>
+              <a:buChar char="•"/>
+            </a:pPr>
+            <a:r>
+              <a:rPr lang="en-US" sz="1400" dirty="0" err="1"/>
+              <a:t>stringToCheck</a:t>
+            </a:r>
+            <a:r>
+              <a:rPr lang="en-US" sz="1400" dirty="0"/>
+              <a:t> = “s is right line number 1.” </a:t>
+            </a:r>
+            <a:endParaRPr lang="en-GB" sz="1400" dirty="0"/>
+          </a:p>
+        </p:txBody>
+      </p:sp>
+    </p:spTree>
+    <p:extLst>
+      <p:ext uri="{BB962C8B-B14F-4D97-AF65-F5344CB8AC3E}">
+        <p14:creationId xmlns:p14="http://schemas.microsoft.com/office/powerpoint/2010/main" val="2185745254"/>
+      </p:ext>
+    </p:extLst>
+  </p:cSld>
+  <p:clrMapOvr>
+    <a:masterClrMapping/>
+  </p:clrMapOvr>
+</p:sld>
+</file>
+
+<file path=ppt/slides/slide19.xml><?xml version="1.0" encoding="utf-8"?>
+<p:sld xmlns:a="http://schemas.openxmlformats.org/drawingml/2006/main" xmlns:r="http://schemas.openxmlformats.org/officeDocument/2006/relationships" xmlns:p="http://schemas.openxmlformats.org/presentationml/2006/main">
+  <p:cSld>
+    <p:spTree>
+      <p:nvGrpSpPr>
+        <p:cNvPr id="1" name=""/>
+        <p:cNvGrpSpPr/>
+        <p:nvPr/>
+      </p:nvGrpSpPr>
+      <p:grpSpPr>
+        <a:xfrm>
+          <a:off x="0" y="0"/>
+          <a:ext cx="0" cy="0"/>
+          <a:chOff x="0" y="0"/>
+          <a:chExt cx="0" cy="0"/>
+        </a:xfrm>
+      </p:grpSpPr>
+      <p:sp>
+        <p:nvSpPr>
+          <p:cNvPr id="2" name="TextBox 1">
+            <a:extLst>
+              <a:ext uri="{FF2B5EF4-FFF2-40B4-BE49-F238E27FC236}">
+                <a16:creationId xmlns:a16="http://schemas.microsoft.com/office/drawing/2014/main" id="{94CED999-944E-6042-8F8A-4BFA97122D59}"/>
+              </a:ext>
+            </a:extLst>
+          </p:cNvPr>
+          <p:cNvSpPr txBox="1"/>
+          <p:nvPr/>
+        </p:nvSpPr>
+        <p:spPr>
+          <a:xfrm>
+            <a:off x="157162" y="277117"/>
+            <a:ext cx="7540833" cy="2246769"/>
+          </a:xfrm>
+          <a:prstGeom prst="rect">
+            <a:avLst/>
+          </a:prstGeom>
+          <a:noFill/>
+          <a:ln>
+            <a:solidFill>
+              <a:schemeClr val="tx1"/>
+            </a:solidFill>
+          </a:ln>
+        </p:spPr>
+        <p:txBody>
+          <a:bodyPr wrap="square" rtlCol="0">
+            <a:spAutoFit/>
+          </a:bodyPr>
+          <a:lstStyle/>
+          <a:p>
+            <a:pPr marL="285750" indent="-285750">
+              <a:buFont typeface="Arial" panose="020B0604020202020204" pitchFamily="34" charset="0"/>
+              <a:buChar char="•"/>
+            </a:pPr>
+            <a:r>
+              <a:rPr lang="en-GB" sz="1400" dirty="0"/>
+              <a:t>while loop [3]</a:t>
+            </a:r>
+          </a:p>
+          <a:p>
+            <a:pPr marL="742950" lvl="1" indent="-285750">
+              <a:buFont typeface="Arial" panose="020B0604020202020204" pitchFamily="34" charset="0"/>
+              <a:buChar char="•"/>
+            </a:pPr>
+            <a:r>
+              <a:rPr lang="en-GB" sz="1400" dirty="0"/>
+              <a:t>Outer if:</a:t>
+            </a:r>
+          </a:p>
+          <a:p>
+            <a:pPr marL="1200150" lvl="2" indent="-285750">
+              <a:buFont typeface="Arial" panose="020B0604020202020204" pitchFamily="34" charset="0"/>
+              <a:buChar char="•"/>
+            </a:pPr>
+            <a:r>
+              <a:rPr lang="en-GB" sz="1400" dirty="0"/>
+              <a:t>failed since that last formatting entry is 41</a:t>
+            </a:r>
+          </a:p>
+          <a:p>
+            <a:pPr marL="1200150" lvl="2" indent="-285750">
+              <a:buFont typeface="Arial" panose="020B0604020202020204" pitchFamily="34" charset="0"/>
+              <a:buChar char="•"/>
+            </a:pPr>
+            <a:r>
+              <a:rPr lang="en-GB" sz="1400" dirty="0"/>
+              <a:t>So enter else statement:</a:t>
+            </a:r>
+          </a:p>
+          <a:p>
+            <a:pPr marL="1657350" lvl="3" indent="-285750">
+              <a:buFont typeface="Arial" panose="020B0604020202020204" pitchFamily="34" charset="0"/>
+              <a:buChar char="•"/>
+            </a:pPr>
+            <a:r>
+              <a:rPr lang="en-GB" sz="1400" dirty="0" err="1"/>
+              <a:t>stringToCheckSize</a:t>
+            </a:r>
+            <a:r>
+              <a:rPr lang="en-GB" sz="1400" dirty="0"/>
+              <a:t> = 125</a:t>
+            </a:r>
+          </a:p>
+          <a:p>
+            <a:pPr marL="1657350" lvl="3" indent="-285750">
+              <a:buFont typeface="Arial" panose="020B0604020202020204" pitchFamily="34" charset="0"/>
+              <a:buChar char="•"/>
+            </a:pPr>
+            <a:r>
+              <a:rPr lang="en-GB" sz="1400" dirty="0"/>
+              <a:t>Inner if:</a:t>
+            </a:r>
+          </a:p>
+          <a:p>
+            <a:pPr marL="2114550" lvl="4" indent="-285750">
+              <a:buFont typeface="Arial" panose="020B0604020202020204" pitchFamily="34" charset="0"/>
+              <a:buChar char="•"/>
+            </a:pPr>
+            <a:r>
+              <a:rPr lang="en-GB" sz="1400" dirty="0"/>
+              <a:t>failed since: {</a:t>
+            </a:r>
+            <a:r>
+              <a:rPr lang="en-GB" sz="1400" dirty="0" err="1"/>
+              <a:t>stringToCheckSize</a:t>
+            </a:r>
+            <a:r>
+              <a:rPr lang="en-GB" sz="1400" dirty="0"/>
+              <a:t> = 125} &lt; {</a:t>
+            </a:r>
+            <a:r>
+              <a:rPr lang="en-GB" sz="1400" dirty="0" err="1"/>
+              <a:t>boxW</a:t>
+            </a:r>
+            <a:r>
+              <a:rPr lang="en-GB" sz="1400" dirty="0"/>
+              <a:t> = 205}</a:t>
+            </a:r>
+          </a:p>
+          <a:p>
+            <a:pPr marL="2114550" lvl="4" indent="-285750">
+              <a:buFont typeface="Arial" panose="020B0604020202020204" pitchFamily="34" charset="0"/>
+              <a:buChar char="•"/>
+            </a:pPr>
+            <a:r>
+              <a:rPr lang="en-GB" sz="1400" dirty="0"/>
+              <a:t>Enter inner else:</a:t>
+            </a:r>
+          </a:p>
+          <a:p>
+            <a:pPr marL="2571750" lvl="5" indent="-285750">
+              <a:buFont typeface="Arial" panose="020B0604020202020204" pitchFamily="34" charset="0"/>
+              <a:buChar char="•"/>
+            </a:pPr>
+            <a:r>
+              <a:rPr lang="en-GB" sz="1400" dirty="0"/>
+              <a:t>Changed = false. </a:t>
+            </a:r>
+          </a:p>
+          <a:p>
+            <a:pPr marL="2571750" lvl="5" indent="-285750">
+              <a:buFont typeface="Arial" panose="020B0604020202020204" pitchFamily="34" charset="0"/>
+              <a:buChar char="•"/>
+            </a:pPr>
+            <a:r>
+              <a:rPr lang="en-GB" sz="1400" dirty="0"/>
+              <a:t>So exit the while loop.</a:t>
+            </a:r>
+          </a:p>
+        </p:txBody>
+      </p:sp>
+      <p:sp>
+        <p:nvSpPr>
+          <p:cNvPr id="5" name="TextBox 4">
+            <a:extLst>
+              <a:ext uri="{FF2B5EF4-FFF2-40B4-BE49-F238E27FC236}">
+                <a16:creationId xmlns:a16="http://schemas.microsoft.com/office/drawing/2014/main" id="{00EA468B-6ECA-8B4D-A022-88A78EDBECE6}"/>
+              </a:ext>
+            </a:extLst>
+          </p:cNvPr>
+          <p:cNvSpPr txBox="1"/>
+          <p:nvPr/>
+        </p:nvSpPr>
+        <p:spPr>
+          <a:xfrm>
+            <a:off x="157161" y="2999304"/>
+            <a:ext cx="7540833" cy="523220"/>
+          </a:xfrm>
+          <a:prstGeom prst="rect">
+            <a:avLst/>
+          </a:prstGeom>
+          <a:noFill/>
+          <a:ln>
+            <a:solidFill>
+              <a:schemeClr val="tx1"/>
+            </a:solidFill>
+          </a:ln>
+        </p:spPr>
+        <p:txBody>
+          <a:bodyPr wrap="square" rtlCol="0">
+            <a:spAutoFit/>
+          </a:bodyPr>
+          <a:lstStyle/>
+          <a:p>
+            <a:r>
+              <a:rPr lang="en-GB" sz="1400" dirty="0"/>
+              <a:t>So overall, the formatting information has been changed to:</a:t>
+            </a:r>
+          </a:p>
+          <a:p>
+            <a:pPr marL="285750" indent="-285750">
+              <a:buFont typeface="Arial" panose="020B0604020202020204" pitchFamily="34" charset="0"/>
+              <a:buChar char="•"/>
+            </a:pPr>
+            <a:r>
+              <a:rPr lang="en-US" sz="1400" dirty="0"/>
+              <a:t>[22, 63, 104, 145]</a:t>
+            </a:r>
+          </a:p>
+        </p:txBody>
+      </p:sp>
+    </p:spTree>
+    <p:extLst>
+      <p:ext uri="{BB962C8B-B14F-4D97-AF65-F5344CB8AC3E}">
+        <p14:creationId xmlns:p14="http://schemas.microsoft.com/office/powerpoint/2010/main" val="940594473"/>
       </p:ext>
     </p:extLst>
   </p:cSld>
@@ -7766,6 +9204,212 @@
     <p:extLst>
       <p:ext uri="{BB962C8B-B14F-4D97-AF65-F5344CB8AC3E}">
         <p14:creationId xmlns:p14="http://schemas.microsoft.com/office/powerpoint/2010/main" val="1986889128"/>
+      </p:ext>
+    </p:extLst>
+  </p:cSld>
+  <p:clrMapOvr>
+    <a:masterClrMapping/>
+  </p:clrMapOvr>
+</p:sld>
+</file>
+
+<file path=ppt/slides/slide20.xml><?xml version="1.0" encoding="utf-8"?>
+<p:sld xmlns:a="http://schemas.openxmlformats.org/drawingml/2006/main" xmlns:r="http://schemas.openxmlformats.org/officeDocument/2006/relationships" xmlns:p="http://schemas.openxmlformats.org/presentationml/2006/main">
+  <p:cSld>
+    <p:spTree>
+      <p:nvGrpSpPr>
+        <p:cNvPr id="1" name=""/>
+        <p:cNvGrpSpPr/>
+        <p:nvPr/>
+      </p:nvGrpSpPr>
+      <p:grpSpPr>
+        <a:xfrm>
+          <a:off x="0" y="0"/>
+          <a:ext cx="0" cy="0"/>
+          <a:chOff x="0" y="0"/>
+          <a:chExt cx="0" cy="0"/>
+        </a:xfrm>
+      </p:grpSpPr>
+      <p:sp>
+        <p:nvSpPr>
+          <p:cNvPr id="2" name="TextBox 1">
+            <a:extLst>
+              <a:ext uri="{FF2B5EF4-FFF2-40B4-BE49-F238E27FC236}">
+                <a16:creationId xmlns:a16="http://schemas.microsoft.com/office/drawing/2014/main" id="{AABAEC4D-8234-7B4A-A1E5-005AA212692C}"/>
+              </a:ext>
+            </a:extLst>
+          </p:cNvPr>
+          <p:cNvSpPr txBox="1"/>
+          <p:nvPr/>
+        </p:nvSpPr>
+        <p:spPr>
+          <a:xfrm>
+            <a:off x="0" y="384177"/>
+            <a:ext cx="8356647" cy="923330"/>
+          </a:xfrm>
+          <a:prstGeom prst="rect">
+            <a:avLst/>
+          </a:prstGeom>
+          <a:noFill/>
+        </p:spPr>
+        <p:txBody>
+          <a:bodyPr wrap="none" rtlCol="0">
+            <a:spAutoFit/>
+          </a:bodyPr>
+          <a:lstStyle/>
+          <a:p>
+            <a:r>
+              <a:rPr lang="en-US" sz="5400" b="1" u="sng" dirty="0"/>
+              <a:t>Method: </a:t>
+            </a:r>
+            <a:r>
+              <a:rPr lang="en-US" sz="5400" b="1" u="sng" dirty="0" err="1"/>
+              <a:t>findOverHangEntry</a:t>
+            </a:r>
+            <a:endParaRPr lang="en-GB" sz="6000" b="1" u="sng" dirty="0"/>
+          </a:p>
+        </p:txBody>
+      </p:sp>
+    </p:spTree>
+    <p:extLst>
+      <p:ext uri="{BB962C8B-B14F-4D97-AF65-F5344CB8AC3E}">
+        <p14:creationId xmlns:p14="http://schemas.microsoft.com/office/powerpoint/2010/main" val="3488098355"/>
+      </p:ext>
+    </p:extLst>
+  </p:cSld>
+  <p:clrMapOvr>
+    <a:masterClrMapping/>
+  </p:clrMapOvr>
+</p:sld>
+</file>
+
+<file path=ppt/slides/slide21.xml><?xml version="1.0" encoding="utf-8"?>
+<p:sld xmlns:a="http://schemas.openxmlformats.org/drawingml/2006/main" xmlns:r="http://schemas.openxmlformats.org/officeDocument/2006/relationships" xmlns:p="http://schemas.openxmlformats.org/presentationml/2006/main">
+  <p:cSld>
+    <p:spTree>
+      <p:nvGrpSpPr>
+        <p:cNvPr id="1" name=""/>
+        <p:cNvGrpSpPr/>
+        <p:nvPr/>
+      </p:nvGrpSpPr>
+      <p:grpSpPr>
+        <a:xfrm>
+          <a:off x="0" y="0"/>
+          <a:ext cx="0" cy="0"/>
+          <a:chOff x="0" y="0"/>
+          <a:chExt cx="0" cy="0"/>
+        </a:xfrm>
+      </p:grpSpPr>
+    </p:spTree>
+    <p:extLst>
+      <p:ext uri="{BB962C8B-B14F-4D97-AF65-F5344CB8AC3E}">
+        <p14:creationId xmlns:p14="http://schemas.microsoft.com/office/powerpoint/2010/main" val="3522100084"/>
+      </p:ext>
+    </p:extLst>
+  </p:cSld>
+  <p:clrMapOvr>
+    <a:masterClrMapping/>
+  </p:clrMapOvr>
+</p:sld>
+</file>
+
+<file path=ppt/slides/slide22.xml><?xml version="1.0" encoding="utf-8"?>
+<p:sld xmlns:a="http://schemas.openxmlformats.org/drawingml/2006/main" xmlns:r="http://schemas.openxmlformats.org/officeDocument/2006/relationships" xmlns:p="http://schemas.openxmlformats.org/presentationml/2006/main">
+  <p:cSld>
+    <p:spTree>
+      <p:nvGrpSpPr>
+        <p:cNvPr id="1" name=""/>
+        <p:cNvGrpSpPr/>
+        <p:nvPr/>
+      </p:nvGrpSpPr>
+      <p:grpSpPr>
+        <a:xfrm>
+          <a:off x="0" y="0"/>
+          <a:ext cx="0" cy="0"/>
+          <a:chOff x="0" y="0"/>
+          <a:chExt cx="0" cy="0"/>
+        </a:xfrm>
+      </p:grpSpPr>
+      <p:sp>
+        <p:nvSpPr>
+          <p:cNvPr id="2" name="TextBox 1">
+            <a:extLst>
+              <a:ext uri="{FF2B5EF4-FFF2-40B4-BE49-F238E27FC236}">
+                <a16:creationId xmlns:a16="http://schemas.microsoft.com/office/drawing/2014/main" id="{08938DBF-E63E-4A42-979D-4CBDF1EFEF23}"/>
+              </a:ext>
+            </a:extLst>
+          </p:cNvPr>
+          <p:cNvSpPr txBox="1"/>
+          <p:nvPr/>
+        </p:nvSpPr>
+        <p:spPr>
+          <a:xfrm>
+            <a:off x="814388" y="628650"/>
+            <a:ext cx="601447" cy="369332"/>
+          </a:xfrm>
+          <a:prstGeom prst="rect">
+            <a:avLst/>
+          </a:prstGeom>
+          <a:noFill/>
+        </p:spPr>
+        <p:txBody>
+          <a:bodyPr wrap="none" rtlCol="0">
+            <a:spAutoFit/>
+          </a:bodyPr>
+          <a:lstStyle/>
+          <a:p>
+            <a:r>
+              <a:rPr lang="en-US" dirty="0"/>
+              <a:t>End.</a:t>
+            </a:r>
+          </a:p>
+        </p:txBody>
+      </p:sp>
+      <p:sp>
+        <p:nvSpPr>
+          <p:cNvPr id="3" name="TextBox 2">
+            <a:extLst>
+              <a:ext uri="{FF2B5EF4-FFF2-40B4-BE49-F238E27FC236}">
+                <a16:creationId xmlns:a16="http://schemas.microsoft.com/office/drawing/2014/main" id="{9E6169EC-B7A0-914B-8A70-F260B4FF40F9}"/>
+              </a:ext>
+            </a:extLst>
+          </p:cNvPr>
+          <p:cNvSpPr txBox="1"/>
+          <p:nvPr/>
+        </p:nvSpPr>
+        <p:spPr>
+          <a:xfrm>
+            <a:off x="814388" y="1428750"/>
+            <a:ext cx="10165668" cy="646331"/>
+          </a:xfrm>
+          <a:prstGeom prst="rect">
+            <a:avLst/>
+          </a:prstGeom>
+          <a:noFill/>
+        </p:spPr>
+        <p:txBody>
+          <a:bodyPr wrap="none" rtlCol="0">
+            <a:spAutoFit/>
+          </a:bodyPr>
+          <a:lstStyle/>
+          <a:p>
+            <a:r>
+              <a:rPr lang="en-US" dirty="0"/>
+              <a:t>Maybe it would be better to have a single string, with lots of formatting info (newlines, cursor position etc)</a:t>
+            </a:r>
+          </a:p>
+          <a:p>
+            <a:r>
+              <a:rPr lang="en-US" dirty="0"/>
+              <a:t>So don’t have to rearrange the left and right parts after a new cursor position click….</a:t>
+            </a:r>
+          </a:p>
+        </p:txBody>
+      </p:sp>
+    </p:spTree>
+    <p:extLst>
+      <p:ext uri="{BB962C8B-B14F-4D97-AF65-F5344CB8AC3E}">
+        <p14:creationId xmlns:p14="http://schemas.microsoft.com/office/powerpoint/2010/main" val="2929392559"/>
       </p:ext>
     </p:extLst>
   </p:cSld>
